--- a/lecture/Lecture6.pptx
+++ b/lecture/Lecture6.pptx
@@ -30,6 +30,26 @@
     <p:sldId id="275" r:id="rId25"/>
     <p:sldId id="276" r:id="rId26"/>
     <p:sldId id="277" r:id="rId27"/>
+    <p:sldId id="278" r:id="rId28"/>
+    <p:sldId id="279" r:id="rId29"/>
+    <p:sldId id="280" r:id="rId30"/>
+    <p:sldId id="281" r:id="rId31"/>
+    <p:sldId id="282" r:id="rId32"/>
+    <p:sldId id="283" r:id="rId33"/>
+    <p:sldId id="284" r:id="rId34"/>
+    <p:sldId id="285" r:id="rId35"/>
+    <p:sldId id="286" r:id="rId36"/>
+    <p:sldId id="287" r:id="rId37"/>
+    <p:sldId id="288" r:id="rId38"/>
+    <p:sldId id="289" r:id="rId39"/>
+    <p:sldId id="290" r:id="rId40"/>
+    <p:sldId id="291" r:id="rId41"/>
+    <p:sldId id="292" r:id="rId42"/>
+    <p:sldId id="293" r:id="rId43"/>
+    <p:sldId id="294" r:id="rId44"/>
+    <p:sldId id="295" r:id="rId45"/>
+    <p:sldId id="296" r:id="rId46"/>
+    <p:sldId id="297" r:id="rId47"/>
   </p:sldIdLst>
   <p:sldSz cy="5143500" cx="9144000"/>
   <p:notesSz cx="6858000" cy="9144000"/>
@@ -825,7 +845,7 @@
       </p:grpSpPr>
       <p:sp>
         <p:nvSpPr>
-          <p:cNvPr id="104" name="Google Shape;104;ga4e45b0e5d_0_89:notes"/>
+          <p:cNvPr id="104" name="Google Shape;104;ga4e45b0e5d_0_79:notes"/>
           <p:cNvSpPr/>
           <p:nvPr>
             <p:ph idx="2" type="sldImg"/>
@@ -860,7 +880,7 @@
       </p:sp>
       <p:sp>
         <p:nvSpPr>
-          <p:cNvPr id="105" name="Google Shape;105;ga4e45b0e5d_0_89:notes"/>
+          <p:cNvPr id="105" name="Google Shape;105;ga4e45b0e5d_0_79:notes"/>
           <p:cNvSpPr txBox="1"/>
           <p:nvPr>
             <p:ph idx="1" type="body"/>
@@ -910,7 +930,7 @@
   <p:cSld>
     <p:spTree>
       <p:nvGrpSpPr>
-        <p:cNvPr id="110" name="Shape 110"/>
+        <p:cNvPr id="109" name="Shape 109"/>
         <p:cNvGrpSpPr/>
         <p:nvPr/>
       </p:nvGrpSpPr>
@@ -924,7 +944,7 @@
       </p:grpSpPr>
       <p:sp>
         <p:nvSpPr>
-          <p:cNvPr id="111" name="Google Shape;111;ga4e45b0e5d_0_94:notes"/>
+          <p:cNvPr id="110" name="Google Shape;110;ga4e45b0e5d_0_84:notes"/>
           <p:cNvSpPr/>
           <p:nvPr>
             <p:ph idx="2" type="sldImg"/>
@@ -959,7 +979,7 @@
       </p:sp>
       <p:sp>
         <p:nvSpPr>
-          <p:cNvPr id="112" name="Google Shape;112;ga4e45b0e5d_0_94:notes"/>
+          <p:cNvPr id="111" name="Google Shape;111;ga4e45b0e5d_0_84:notes"/>
           <p:cNvSpPr txBox="1"/>
           <p:nvPr>
             <p:ph idx="1" type="body"/>
@@ -1009,7 +1029,7 @@
   <p:cSld>
     <p:spTree>
       <p:nvGrpSpPr>
-        <p:cNvPr id="116" name="Shape 116"/>
+        <p:cNvPr id="115" name="Shape 115"/>
         <p:cNvGrpSpPr/>
         <p:nvPr/>
       </p:nvGrpSpPr>
@@ -1023,7 +1043,7 @@
       </p:grpSpPr>
       <p:sp>
         <p:nvSpPr>
-          <p:cNvPr id="117" name="Google Shape;117;ga4e45b0e5d_0_128:notes"/>
+          <p:cNvPr id="116" name="Google Shape;116;gf65146e941_0_0:notes"/>
           <p:cNvSpPr/>
           <p:nvPr>
             <p:ph idx="2" type="sldImg"/>
@@ -1058,7 +1078,7 @@
       </p:sp>
       <p:sp>
         <p:nvSpPr>
-          <p:cNvPr id="118" name="Google Shape;118;ga4e45b0e5d_0_128:notes"/>
+          <p:cNvPr id="117" name="Google Shape;117;gf65146e941_0_0:notes"/>
           <p:cNvSpPr txBox="1"/>
           <p:nvPr>
             <p:ph idx="1" type="body"/>
@@ -1108,7 +1128,7 @@
   <p:cSld>
     <p:spTree>
       <p:nvGrpSpPr>
-        <p:cNvPr id="122" name="Shape 122"/>
+        <p:cNvPr id="121" name="Shape 121"/>
         <p:cNvGrpSpPr/>
         <p:nvPr/>
       </p:nvGrpSpPr>
@@ -1122,7 +1142,7 @@
       </p:grpSpPr>
       <p:sp>
         <p:nvSpPr>
-          <p:cNvPr id="123" name="Google Shape;123;ga4e45b0e5d_0_133:notes"/>
+          <p:cNvPr id="122" name="Google Shape;122;gf65146e941_0_5:notes"/>
           <p:cNvSpPr/>
           <p:nvPr>
             <p:ph idx="2" type="sldImg"/>
@@ -1157,7 +1177,7 @@
       </p:sp>
       <p:sp>
         <p:nvSpPr>
-          <p:cNvPr id="124" name="Google Shape;124;ga4e45b0e5d_0_133:notes"/>
+          <p:cNvPr id="123" name="Google Shape;123;gf65146e941_0_5:notes"/>
           <p:cNvSpPr txBox="1"/>
           <p:nvPr>
             <p:ph idx="1" type="body"/>
@@ -1207,7 +1227,7 @@
   <p:cSld>
     <p:spTree>
       <p:nvGrpSpPr>
-        <p:cNvPr id="128" name="Shape 128"/>
+        <p:cNvPr id="127" name="Shape 127"/>
         <p:cNvGrpSpPr/>
         <p:nvPr/>
       </p:nvGrpSpPr>
@@ -1221,7 +1241,7 @@
       </p:grpSpPr>
       <p:sp>
         <p:nvSpPr>
-          <p:cNvPr id="129" name="Google Shape;129;ga4e45b0e5d_0_99:notes"/>
+          <p:cNvPr id="128" name="Google Shape;128;gf65146e941_0_10:notes"/>
           <p:cNvSpPr/>
           <p:nvPr>
             <p:ph idx="2" type="sldImg"/>
@@ -1256,7 +1276,7 @@
       </p:sp>
       <p:sp>
         <p:nvSpPr>
-          <p:cNvPr id="130" name="Google Shape;130;ga4e45b0e5d_0_99:notes"/>
+          <p:cNvPr id="129" name="Google Shape;129;gf65146e941_0_10:notes"/>
           <p:cNvSpPr txBox="1"/>
           <p:nvPr>
             <p:ph idx="1" type="body"/>
@@ -1306,7 +1326,7 @@
   <p:cSld>
     <p:spTree>
       <p:nvGrpSpPr>
-        <p:cNvPr id="134" name="Shape 134"/>
+        <p:cNvPr id="133" name="Shape 133"/>
         <p:cNvGrpSpPr/>
         <p:nvPr/>
       </p:nvGrpSpPr>
@@ -1320,7 +1340,7 @@
       </p:grpSpPr>
       <p:sp>
         <p:nvSpPr>
-          <p:cNvPr id="135" name="Google Shape;135;ga4e45b0e5d_0_104:notes"/>
+          <p:cNvPr id="134" name="Google Shape;134;ga4e45b0e5d_0_89:notes"/>
           <p:cNvSpPr/>
           <p:nvPr>
             <p:ph idx="2" type="sldImg"/>
@@ -1355,7 +1375,7 @@
       </p:sp>
       <p:sp>
         <p:nvSpPr>
-          <p:cNvPr id="136" name="Google Shape;136;ga4e45b0e5d_0_104:notes"/>
+          <p:cNvPr id="135" name="Google Shape;135;ga4e45b0e5d_0_89:notes"/>
           <p:cNvSpPr txBox="1"/>
           <p:nvPr>
             <p:ph idx="1" type="body"/>
@@ -1405,7 +1425,7 @@
   <p:cSld>
     <p:spTree>
       <p:nvGrpSpPr>
-        <p:cNvPr id="141" name="Shape 141"/>
+        <p:cNvPr id="140" name="Shape 140"/>
         <p:cNvGrpSpPr/>
         <p:nvPr/>
       </p:nvGrpSpPr>
@@ -1419,7 +1439,7 @@
       </p:grpSpPr>
       <p:sp>
         <p:nvSpPr>
-          <p:cNvPr id="142" name="Google Shape;142;ga4e45b0e5d_0_109:notes"/>
+          <p:cNvPr id="141" name="Google Shape;141;ga4e45b0e5d_0_94:notes"/>
           <p:cNvSpPr/>
           <p:nvPr>
             <p:ph idx="2" type="sldImg"/>
@@ -1454,7 +1474,7 @@
       </p:sp>
       <p:sp>
         <p:nvSpPr>
-          <p:cNvPr id="143" name="Google Shape;143;ga4e45b0e5d_0_109:notes"/>
+          <p:cNvPr id="142" name="Google Shape;142;ga4e45b0e5d_0_94:notes"/>
           <p:cNvSpPr txBox="1"/>
           <p:nvPr>
             <p:ph idx="1" type="body"/>
@@ -1504,7 +1524,7 @@
   <p:cSld>
     <p:spTree>
       <p:nvGrpSpPr>
-        <p:cNvPr id="148" name="Shape 148"/>
+        <p:cNvPr id="146" name="Shape 146"/>
         <p:cNvGrpSpPr/>
         <p:nvPr/>
       </p:nvGrpSpPr>
@@ -1518,7 +1538,7 @@
       </p:grpSpPr>
       <p:sp>
         <p:nvSpPr>
-          <p:cNvPr id="149" name="Google Shape;149;ga4e45b0e5d_0_200:notes"/>
+          <p:cNvPr id="147" name="Google Shape;147;ga4e45b0e5d_0_128:notes"/>
           <p:cNvSpPr/>
           <p:nvPr>
             <p:ph idx="2" type="sldImg"/>
@@ -1553,7 +1573,7 @@
       </p:sp>
       <p:sp>
         <p:nvSpPr>
-          <p:cNvPr id="150" name="Google Shape;150;ga4e45b0e5d_0_200:notes"/>
+          <p:cNvPr id="148" name="Google Shape;148;ga4e45b0e5d_0_128:notes"/>
           <p:cNvSpPr txBox="1"/>
           <p:nvPr>
             <p:ph idx="1" type="body"/>
@@ -1603,7 +1623,7 @@
   <p:cSld>
     <p:spTree>
       <p:nvGrpSpPr>
-        <p:cNvPr id="154" name="Shape 154"/>
+        <p:cNvPr id="152" name="Shape 152"/>
         <p:cNvGrpSpPr/>
         <p:nvPr/>
       </p:nvGrpSpPr>
@@ -1617,7 +1637,7 @@
       </p:grpSpPr>
       <p:sp>
         <p:nvSpPr>
-          <p:cNvPr id="155" name="Google Shape;155;ga4e45b0e5d_0_190:notes"/>
+          <p:cNvPr id="153" name="Google Shape;153;ga4e45b0e5d_0_133:notes"/>
           <p:cNvSpPr/>
           <p:nvPr>
             <p:ph idx="2" type="sldImg"/>
@@ -1652,7 +1672,7 @@
       </p:sp>
       <p:sp>
         <p:nvSpPr>
-          <p:cNvPr id="156" name="Google Shape;156;ga4e45b0e5d_0_190:notes"/>
+          <p:cNvPr id="154" name="Google Shape;154;ga4e45b0e5d_0_133:notes"/>
           <p:cNvSpPr txBox="1"/>
           <p:nvPr>
             <p:ph idx="1" type="body"/>
@@ -1702,7 +1722,7 @@
   <p:cSld>
     <p:spTree>
       <p:nvGrpSpPr>
-        <p:cNvPr id="160" name="Shape 160"/>
+        <p:cNvPr id="158" name="Shape 158"/>
         <p:cNvGrpSpPr/>
         <p:nvPr/>
       </p:nvGrpSpPr>
@@ -1716,7 +1736,7 @@
       </p:grpSpPr>
       <p:sp>
         <p:nvSpPr>
-          <p:cNvPr id="161" name="Google Shape;161;ga4e45b0e5d_0_195:notes"/>
+          <p:cNvPr id="159" name="Google Shape;159;ga4e45b0e5d_0_99:notes"/>
           <p:cNvSpPr/>
           <p:nvPr>
             <p:ph idx="2" type="sldImg"/>
@@ -1751,7 +1771,7 @@
       </p:sp>
       <p:sp>
         <p:nvSpPr>
-          <p:cNvPr id="162" name="Google Shape;162;ga4e45b0e5d_0_195:notes"/>
+          <p:cNvPr id="160" name="Google Shape;160;ga4e45b0e5d_0_99:notes"/>
           <p:cNvSpPr txBox="1"/>
           <p:nvPr>
             <p:ph idx="1" type="body"/>
@@ -1900,7 +1920,7 @@
   <p:cSld>
     <p:spTree>
       <p:nvGrpSpPr>
-        <p:cNvPr id="167" name="Shape 167"/>
+        <p:cNvPr id="164" name="Shape 164"/>
         <p:cNvGrpSpPr/>
         <p:nvPr/>
       </p:nvGrpSpPr>
@@ -1914,7 +1934,7 @@
       </p:grpSpPr>
       <p:sp>
         <p:nvSpPr>
-          <p:cNvPr id="168" name="Google Shape;168;ga4e45b0e5d_0_114:notes"/>
+          <p:cNvPr id="165" name="Google Shape;165;ga4e45b0e5d_0_104:notes"/>
           <p:cNvSpPr/>
           <p:nvPr>
             <p:ph idx="2" type="sldImg"/>
@@ -1949,7 +1969,7 @@
       </p:sp>
       <p:sp>
         <p:nvSpPr>
-          <p:cNvPr id="169" name="Google Shape;169;ga4e45b0e5d_0_114:notes"/>
+          <p:cNvPr id="166" name="Google Shape;166;ga4e45b0e5d_0_104:notes"/>
           <p:cNvSpPr txBox="1"/>
           <p:nvPr>
             <p:ph idx="1" type="body"/>
@@ -1999,7 +2019,7 @@
   <p:cSld>
     <p:spTree>
       <p:nvGrpSpPr>
-        <p:cNvPr id="174" name="Shape 174"/>
+        <p:cNvPr id="171" name="Shape 171"/>
         <p:cNvGrpSpPr/>
         <p:nvPr/>
       </p:nvGrpSpPr>
@@ -2013,7 +2033,7 @@
       </p:grpSpPr>
       <p:sp>
         <p:nvSpPr>
-          <p:cNvPr id="175" name="Google Shape;175;ga4e45b0e5d_0_159:notes"/>
+          <p:cNvPr id="172" name="Google Shape;172;gf65146e941_0_16:notes"/>
           <p:cNvSpPr/>
           <p:nvPr>
             <p:ph idx="2" type="sldImg"/>
@@ -2048,7 +2068,7 @@
       </p:sp>
       <p:sp>
         <p:nvSpPr>
-          <p:cNvPr id="176" name="Google Shape;176;ga4e45b0e5d_0_159:notes"/>
+          <p:cNvPr id="173" name="Google Shape;173;gf65146e941_0_16:notes"/>
           <p:cNvSpPr txBox="1"/>
           <p:nvPr>
             <p:ph idx="1" type="body"/>
@@ -2098,7 +2118,7 @@
   <p:cSld>
     <p:spTree>
       <p:nvGrpSpPr>
-        <p:cNvPr id="180" name="Shape 180"/>
+        <p:cNvPr id="177" name="Shape 177"/>
         <p:cNvGrpSpPr/>
         <p:nvPr/>
       </p:nvGrpSpPr>
@@ -2112,7 +2132,7 @@
       </p:grpSpPr>
       <p:sp>
         <p:nvSpPr>
-          <p:cNvPr id="181" name="Google Shape;181;ga4e45b0e5d_0_219:notes"/>
+          <p:cNvPr id="178" name="Google Shape;178;gf65146e941_0_22:notes"/>
           <p:cNvSpPr/>
           <p:nvPr>
             <p:ph idx="2" type="sldImg"/>
@@ -2147,7 +2167,700 @@
       </p:sp>
       <p:sp>
         <p:nvSpPr>
-          <p:cNvPr id="182" name="Google Shape;182;ga4e45b0e5d_0_219:notes"/>
+          <p:cNvPr id="179" name="Google Shape;179;gf65146e941_0_22:notes"/>
+          <p:cNvSpPr txBox="1"/>
+          <p:nvPr>
+            <p:ph idx="1" type="body"/>
+          </p:nvPr>
+        </p:nvSpPr>
+        <p:spPr>
+          <a:xfrm>
+            <a:off x="685800" y="4343400"/>
+            <a:ext cx="5486400" cy="4114800"/>
+          </a:xfrm>
+          <a:prstGeom prst="rect">
+            <a:avLst/>
+          </a:prstGeom>
+        </p:spPr>
+        <p:txBody>
+          <a:bodyPr anchorCtr="0" anchor="t" bIns="91425" lIns="91425" spcFirstLastPara="1" rIns="91425" wrap="square" tIns="91425">
+            <a:noAutofit/>
+          </a:bodyPr>
+          <a:lstStyle/>
+          <a:p>
+            <a:pPr indent="0" lvl="0" marL="0" rtl="0" algn="l">
+              <a:spcBef>
+                <a:spcPts val="0"/>
+              </a:spcBef>
+              <a:spcAft>
+                <a:spcPts val="0"/>
+              </a:spcAft>
+              <a:buNone/>
+            </a:pPr>
+            <a:r>
+              <a:t/>
+            </a:r>
+            <a:endParaRPr/>
+          </a:p>
+        </p:txBody>
+      </p:sp>
+    </p:spTree>
+  </p:cSld>
+  <p:clrMapOvr>
+    <a:masterClrMapping/>
+  </p:clrMapOvr>
+</p:notes>
+</file>
+
+<file path=ppt/notesSlides/notesSlide23.xml><?xml version="1.0" encoding="utf-8"?>
+<p:notes xmlns:a="http://schemas.openxmlformats.org/drawingml/2006/main" xmlns:r="http://schemas.openxmlformats.org/officeDocument/2006/relationships" xmlns:mc="http://schemas.openxmlformats.org/markup-compatibility/2006" xmlns:mv="urn:schemas-microsoft-com:mac:vml" xmlns:p="http://schemas.openxmlformats.org/presentationml/2006/main" xmlns:c="http://schemas.openxmlformats.org/drawingml/2006/chart" xmlns:dgm="http://schemas.openxmlformats.org/drawingml/2006/diagram" xmlns:o="urn:schemas-microsoft-com:office:office" xmlns:v="urn:schemas-microsoft-com:vml" xmlns:pvml="urn:schemas-microsoft-com:office:powerpoint" xmlns:com="http://schemas.openxmlformats.org/drawingml/2006/compatibility" xmlns:p14="http://schemas.microsoft.com/office/powerpoint/2010/main" xmlns:p15="http://schemas.microsoft.com/office/powerpoint/2012/main" xmlns:ahyp="http://schemas.microsoft.com/office/drawing/2018/hyperlinkcolor" showMasterPhAnim="0" showMasterSp="0">
+  <p:cSld>
+    <p:spTree>
+      <p:nvGrpSpPr>
+        <p:cNvPr id="183" name="Shape 183"/>
+        <p:cNvGrpSpPr/>
+        <p:nvPr/>
+      </p:nvGrpSpPr>
+      <p:grpSpPr>
+        <a:xfrm>
+          <a:off x="0" y="0"/>
+          <a:ext cx="0" cy="0"/>
+          <a:chOff x="0" y="0"/>
+          <a:chExt cx="0" cy="0"/>
+        </a:xfrm>
+      </p:grpSpPr>
+      <p:sp>
+        <p:nvSpPr>
+          <p:cNvPr id="184" name="Google Shape;184;ga4e45b0e5d_0_109:notes"/>
+          <p:cNvSpPr/>
+          <p:nvPr>
+            <p:ph idx="2" type="sldImg"/>
+          </p:nvPr>
+        </p:nvSpPr>
+        <p:spPr>
+          <a:xfrm>
+            <a:off x="381300" y="685800"/>
+            <a:ext cx="6096000" cy="3429000"/>
+          </a:xfrm>
+          <a:custGeom>
+            <a:rect b="b" l="l" r="r" t="t"/>
+            <a:pathLst>
+              <a:path extrusionOk="0" h="120000" w="120000">
+                <a:moveTo>
+                  <a:pt x="0" y="0"/>
+                </a:moveTo>
+                <a:lnTo>
+                  <a:pt x="120000" y="0"/>
+                </a:lnTo>
+                <a:lnTo>
+                  <a:pt x="120000" y="120000"/>
+                </a:lnTo>
+                <a:lnTo>
+                  <a:pt x="0" y="120000"/>
+                </a:lnTo>
+                <a:close/>
+              </a:path>
+            </a:pathLst>
+          </a:custGeom>
+        </p:spPr>
+      </p:sp>
+      <p:sp>
+        <p:nvSpPr>
+          <p:cNvPr id="185" name="Google Shape;185;ga4e45b0e5d_0_109:notes"/>
+          <p:cNvSpPr txBox="1"/>
+          <p:nvPr>
+            <p:ph idx="1" type="body"/>
+          </p:nvPr>
+        </p:nvSpPr>
+        <p:spPr>
+          <a:xfrm>
+            <a:off x="685800" y="4343400"/>
+            <a:ext cx="5486400" cy="4114800"/>
+          </a:xfrm>
+          <a:prstGeom prst="rect">
+            <a:avLst/>
+          </a:prstGeom>
+        </p:spPr>
+        <p:txBody>
+          <a:bodyPr anchorCtr="0" anchor="t" bIns="91425" lIns="91425" spcFirstLastPara="1" rIns="91425" wrap="square" tIns="91425">
+            <a:noAutofit/>
+          </a:bodyPr>
+          <a:lstStyle/>
+          <a:p>
+            <a:pPr indent="0" lvl="0" marL="0" rtl="0" algn="l">
+              <a:spcBef>
+                <a:spcPts val="0"/>
+              </a:spcBef>
+              <a:spcAft>
+                <a:spcPts val="0"/>
+              </a:spcAft>
+              <a:buNone/>
+            </a:pPr>
+            <a:r>
+              <a:t/>
+            </a:r>
+            <a:endParaRPr/>
+          </a:p>
+        </p:txBody>
+      </p:sp>
+    </p:spTree>
+  </p:cSld>
+  <p:clrMapOvr>
+    <a:masterClrMapping/>
+  </p:clrMapOvr>
+</p:notes>
+</file>
+
+<file path=ppt/notesSlides/notesSlide24.xml><?xml version="1.0" encoding="utf-8"?>
+<p:notes xmlns:a="http://schemas.openxmlformats.org/drawingml/2006/main" xmlns:r="http://schemas.openxmlformats.org/officeDocument/2006/relationships" xmlns:mc="http://schemas.openxmlformats.org/markup-compatibility/2006" xmlns:mv="urn:schemas-microsoft-com:mac:vml" xmlns:p="http://schemas.openxmlformats.org/presentationml/2006/main" xmlns:c="http://schemas.openxmlformats.org/drawingml/2006/chart" xmlns:dgm="http://schemas.openxmlformats.org/drawingml/2006/diagram" xmlns:o="urn:schemas-microsoft-com:office:office" xmlns:v="urn:schemas-microsoft-com:vml" xmlns:pvml="urn:schemas-microsoft-com:office:powerpoint" xmlns:com="http://schemas.openxmlformats.org/drawingml/2006/compatibility" xmlns:p14="http://schemas.microsoft.com/office/powerpoint/2010/main" xmlns:p15="http://schemas.microsoft.com/office/powerpoint/2012/main" xmlns:ahyp="http://schemas.microsoft.com/office/drawing/2018/hyperlinkcolor" showMasterPhAnim="0" showMasterSp="0">
+  <p:cSld>
+    <p:spTree>
+      <p:nvGrpSpPr>
+        <p:cNvPr id="189" name="Shape 189"/>
+        <p:cNvGrpSpPr/>
+        <p:nvPr/>
+      </p:nvGrpSpPr>
+      <p:grpSpPr>
+        <a:xfrm>
+          <a:off x="0" y="0"/>
+          <a:ext cx="0" cy="0"/>
+          <a:chOff x="0" y="0"/>
+          <a:chExt cx="0" cy="0"/>
+        </a:xfrm>
+      </p:grpSpPr>
+      <p:sp>
+        <p:nvSpPr>
+          <p:cNvPr id="190" name="Google Shape;190;ga4e45b0e5d_0_200:notes"/>
+          <p:cNvSpPr/>
+          <p:nvPr>
+            <p:ph idx="2" type="sldImg"/>
+          </p:nvPr>
+        </p:nvSpPr>
+        <p:spPr>
+          <a:xfrm>
+            <a:off x="381300" y="685800"/>
+            <a:ext cx="6096000" cy="3429000"/>
+          </a:xfrm>
+          <a:custGeom>
+            <a:rect b="b" l="l" r="r" t="t"/>
+            <a:pathLst>
+              <a:path extrusionOk="0" h="120000" w="120000">
+                <a:moveTo>
+                  <a:pt x="0" y="0"/>
+                </a:moveTo>
+                <a:lnTo>
+                  <a:pt x="120000" y="0"/>
+                </a:lnTo>
+                <a:lnTo>
+                  <a:pt x="120000" y="120000"/>
+                </a:lnTo>
+                <a:lnTo>
+                  <a:pt x="0" y="120000"/>
+                </a:lnTo>
+                <a:close/>
+              </a:path>
+            </a:pathLst>
+          </a:custGeom>
+        </p:spPr>
+      </p:sp>
+      <p:sp>
+        <p:nvSpPr>
+          <p:cNvPr id="191" name="Google Shape;191;ga4e45b0e5d_0_200:notes"/>
+          <p:cNvSpPr txBox="1"/>
+          <p:nvPr>
+            <p:ph idx="1" type="body"/>
+          </p:nvPr>
+        </p:nvSpPr>
+        <p:spPr>
+          <a:xfrm>
+            <a:off x="685800" y="4343400"/>
+            <a:ext cx="5486400" cy="4114800"/>
+          </a:xfrm>
+          <a:prstGeom prst="rect">
+            <a:avLst/>
+          </a:prstGeom>
+        </p:spPr>
+        <p:txBody>
+          <a:bodyPr anchorCtr="0" anchor="t" bIns="91425" lIns="91425" spcFirstLastPara="1" rIns="91425" wrap="square" tIns="91425">
+            <a:noAutofit/>
+          </a:bodyPr>
+          <a:lstStyle/>
+          <a:p>
+            <a:pPr indent="0" lvl="0" marL="0" rtl="0" algn="l">
+              <a:spcBef>
+                <a:spcPts val="0"/>
+              </a:spcBef>
+              <a:spcAft>
+                <a:spcPts val="0"/>
+              </a:spcAft>
+              <a:buNone/>
+            </a:pPr>
+            <a:r>
+              <a:t/>
+            </a:r>
+            <a:endParaRPr/>
+          </a:p>
+        </p:txBody>
+      </p:sp>
+    </p:spTree>
+  </p:cSld>
+  <p:clrMapOvr>
+    <a:masterClrMapping/>
+  </p:clrMapOvr>
+</p:notes>
+</file>
+
+<file path=ppt/notesSlides/notesSlide25.xml><?xml version="1.0" encoding="utf-8"?>
+<p:notes xmlns:a="http://schemas.openxmlformats.org/drawingml/2006/main" xmlns:r="http://schemas.openxmlformats.org/officeDocument/2006/relationships" xmlns:mc="http://schemas.openxmlformats.org/markup-compatibility/2006" xmlns:mv="urn:schemas-microsoft-com:mac:vml" xmlns:p="http://schemas.openxmlformats.org/presentationml/2006/main" xmlns:c="http://schemas.openxmlformats.org/drawingml/2006/chart" xmlns:dgm="http://schemas.openxmlformats.org/drawingml/2006/diagram" xmlns:o="urn:schemas-microsoft-com:office:office" xmlns:v="urn:schemas-microsoft-com:vml" xmlns:pvml="urn:schemas-microsoft-com:office:powerpoint" xmlns:com="http://schemas.openxmlformats.org/drawingml/2006/compatibility" xmlns:p14="http://schemas.microsoft.com/office/powerpoint/2010/main" xmlns:p15="http://schemas.microsoft.com/office/powerpoint/2012/main" xmlns:ahyp="http://schemas.microsoft.com/office/drawing/2018/hyperlinkcolor" showMasterPhAnim="0" showMasterSp="0">
+  <p:cSld>
+    <p:spTree>
+      <p:nvGrpSpPr>
+        <p:cNvPr id="195" name="Shape 195"/>
+        <p:cNvGrpSpPr/>
+        <p:nvPr/>
+      </p:nvGrpSpPr>
+      <p:grpSpPr>
+        <a:xfrm>
+          <a:off x="0" y="0"/>
+          <a:ext cx="0" cy="0"/>
+          <a:chOff x="0" y="0"/>
+          <a:chExt cx="0" cy="0"/>
+        </a:xfrm>
+      </p:grpSpPr>
+      <p:sp>
+        <p:nvSpPr>
+          <p:cNvPr id="196" name="Google Shape;196;ga4e45b0e5d_0_190:notes"/>
+          <p:cNvSpPr/>
+          <p:nvPr>
+            <p:ph idx="2" type="sldImg"/>
+          </p:nvPr>
+        </p:nvSpPr>
+        <p:spPr>
+          <a:xfrm>
+            <a:off x="381300" y="685800"/>
+            <a:ext cx="6096000" cy="3429000"/>
+          </a:xfrm>
+          <a:custGeom>
+            <a:rect b="b" l="l" r="r" t="t"/>
+            <a:pathLst>
+              <a:path extrusionOk="0" h="120000" w="120000">
+                <a:moveTo>
+                  <a:pt x="0" y="0"/>
+                </a:moveTo>
+                <a:lnTo>
+                  <a:pt x="120000" y="0"/>
+                </a:lnTo>
+                <a:lnTo>
+                  <a:pt x="120000" y="120000"/>
+                </a:lnTo>
+                <a:lnTo>
+                  <a:pt x="0" y="120000"/>
+                </a:lnTo>
+                <a:close/>
+              </a:path>
+            </a:pathLst>
+          </a:custGeom>
+        </p:spPr>
+      </p:sp>
+      <p:sp>
+        <p:nvSpPr>
+          <p:cNvPr id="197" name="Google Shape;197;ga4e45b0e5d_0_190:notes"/>
+          <p:cNvSpPr txBox="1"/>
+          <p:nvPr>
+            <p:ph idx="1" type="body"/>
+          </p:nvPr>
+        </p:nvSpPr>
+        <p:spPr>
+          <a:xfrm>
+            <a:off x="685800" y="4343400"/>
+            <a:ext cx="5486400" cy="4114800"/>
+          </a:xfrm>
+          <a:prstGeom prst="rect">
+            <a:avLst/>
+          </a:prstGeom>
+        </p:spPr>
+        <p:txBody>
+          <a:bodyPr anchorCtr="0" anchor="t" bIns="91425" lIns="91425" spcFirstLastPara="1" rIns="91425" wrap="square" tIns="91425">
+            <a:noAutofit/>
+          </a:bodyPr>
+          <a:lstStyle/>
+          <a:p>
+            <a:pPr indent="0" lvl="0" marL="0" rtl="0" algn="l">
+              <a:spcBef>
+                <a:spcPts val="0"/>
+              </a:spcBef>
+              <a:spcAft>
+                <a:spcPts val="0"/>
+              </a:spcAft>
+              <a:buNone/>
+            </a:pPr>
+            <a:r>
+              <a:t/>
+            </a:r>
+            <a:endParaRPr/>
+          </a:p>
+        </p:txBody>
+      </p:sp>
+    </p:spTree>
+  </p:cSld>
+  <p:clrMapOvr>
+    <a:masterClrMapping/>
+  </p:clrMapOvr>
+</p:notes>
+</file>
+
+<file path=ppt/notesSlides/notesSlide26.xml><?xml version="1.0" encoding="utf-8"?>
+<p:notes xmlns:a="http://schemas.openxmlformats.org/drawingml/2006/main" xmlns:r="http://schemas.openxmlformats.org/officeDocument/2006/relationships" xmlns:mc="http://schemas.openxmlformats.org/markup-compatibility/2006" xmlns:mv="urn:schemas-microsoft-com:mac:vml" xmlns:p="http://schemas.openxmlformats.org/presentationml/2006/main" xmlns:c="http://schemas.openxmlformats.org/drawingml/2006/chart" xmlns:dgm="http://schemas.openxmlformats.org/drawingml/2006/diagram" xmlns:o="urn:schemas-microsoft-com:office:office" xmlns:v="urn:schemas-microsoft-com:vml" xmlns:pvml="urn:schemas-microsoft-com:office:powerpoint" xmlns:com="http://schemas.openxmlformats.org/drawingml/2006/compatibility" xmlns:p14="http://schemas.microsoft.com/office/powerpoint/2010/main" xmlns:p15="http://schemas.microsoft.com/office/powerpoint/2012/main" xmlns:ahyp="http://schemas.microsoft.com/office/drawing/2018/hyperlinkcolor" showMasterPhAnim="0" showMasterSp="0">
+  <p:cSld>
+    <p:spTree>
+      <p:nvGrpSpPr>
+        <p:cNvPr id="201" name="Shape 201"/>
+        <p:cNvGrpSpPr/>
+        <p:nvPr/>
+      </p:nvGrpSpPr>
+      <p:grpSpPr>
+        <a:xfrm>
+          <a:off x="0" y="0"/>
+          <a:ext cx="0" cy="0"/>
+          <a:chOff x="0" y="0"/>
+          <a:chExt cx="0" cy="0"/>
+        </a:xfrm>
+      </p:grpSpPr>
+      <p:sp>
+        <p:nvSpPr>
+          <p:cNvPr id="202" name="Google Shape;202;ga4e45b0e5d_0_195:notes"/>
+          <p:cNvSpPr/>
+          <p:nvPr>
+            <p:ph idx="2" type="sldImg"/>
+          </p:nvPr>
+        </p:nvSpPr>
+        <p:spPr>
+          <a:xfrm>
+            <a:off x="381300" y="685800"/>
+            <a:ext cx="6096000" cy="3429000"/>
+          </a:xfrm>
+          <a:custGeom>
+            <a:rect b="b" l="l" r="r" t="t"/>
+            <a:pathLst>
+              <a:path extrusionOk="0" h="120000" w="120000">
+                <a:moveTo>
+                  <a:pt x="0" y="0"/>
+                </a:moveTo>
+                <a:lnTo>
+                  <a:pt x="120000" y="0"/>
+                </a:lnTo>
+                <a:lnTo>
+                  <a:pt x="120000" y="120000"/>
+                </a:lnTo>
+                <a:lnTo>
+                  <a:pt x="0" y="120000"/>
+                </a:lnTo>
+                <a:close/>
+              </a:path>
+            </a:pathLst>
+          </a:custGeom>
+        </p:spPr>
+      </p:sp>
+      <p:sp>
+        <p:nvSpPr>
+          <p:cNvPr id="203" name="Google Shape;203;ga4e45b0e5d_0_195:notes"/>
+          <p:cNvSpPr txBox="1"/>
+          <p:nvPr>
+            <p:ph idx="1" type="body"/>
+          </p:nvPr>
+        </p:nvSpPr>
+        <p:spPr>
+          <a:xfrm>
+            <a:off x="685800" y="4343400"/>
+            <a:ext cx="5486400" cy="4114800"/>
+          </a:xfrm>
+          <a:prstGeom prst="rect">
+            <a:avLst/>
+          </a:prstGeom>
+        </p:spPr>
+        <p:txBody>
+          <a:bodyPr anchorCtr="0" anchor="t" bIns="91425" lIns="91425" spcFirstLastPara="1" rIns="91425" wrap="square" tIns="91425">
+            <a:noAutofit/>
+          </a:bodyPr>
+          <a:lstStyle/>
+          <a:p>
+            <a:pPr indent="0" lvl="0" marL="0" rtl="0" algn="l">
+              <a:spcBef>
+                <a:spcPts val="0"/>
+              </a:spcBef>
+              <a:spcAft>
+                <a:spcPts val="0"/>
+              </a:spcAft>
+              <a:buNone/>
+            </a:pPr>
+            <a:r>
+              <a:t/>
+            </a:r>
+            <a:endParaRPr/>
+          </a:p>
+        </p:txBody>
+      </p:sp>
+    </p:spTree>
+  </p:cSld>
+  <p:clrMapOvr>
+    <a:masterClrMapping/>
+  </p:clrMapOvr>
+</p:notes>
+</file>
+
+<file path=ppt/notesSlides/notesSlide27.xml><?xml version="1.0" encoding="utf-8"?>
+<p:notes xmlns:a="http://schemas.openxmlformats.org/drawingml/2006/main" xmlns:r="http://schemas.openxmlformats.org/officeDocument/2006/relationships" xmlns:mc="http://schemas.openxmlformats.org/markup-compatibility/2006" xmlns:mv="urn:schemas-microsoft-com:mac:vml" xmlns:p="http://schemas.openxmlformats.org/presentationml/2006/main" xmlns:c="http://schemas.openxmlformats.org/drawingml/2006/chart" xmlns:dgm="http://schemas.openxmlformats.org/drawingml/2006/diagram" xmlns:o="urn:schemas-microsoft-com:office:office" xmlns:v="urn:schemas-microsoft-com:vml" xmlns:pvml="urn:schemas-microsoft-com:office:powerpoint" xmlns:com="http://schemas.openxmlformats.org/drawingml/2006/compatibility" xmlns:p14="http://schemas.microsoft.com/office/powerpoint/2010/main" xmlns:p15="http://schemas.microsoft.com/office/powerpoint/2012/main" xmlns:ahyp="http://schemas.microsoft.com/office/drawing/2018/hyperlinkcolor" showMasterPhAnim="0" showMasterSp="0">
+  <p:cSld>
+    <p:spTree>
+      <p:nvGrpSpPr>
+        <p:cNvPr id="207" name="Shape 207"/>
+        <p:cNvGrpSpPr/>
+        <p:nvPr/>
+      </p:nvGrpSpPr>
+      <p:grpSpPr>
+        <a:xfrm>
+          <a:off x="0" y="0"/>
+          <a:ext cx="0" cy="0"/>
+          <a:chOff x="0" y="0"/>
+          <a:chExt cx="0" cy="0"/>
+        </a:xfrm>
+      </p:grpSpPr>
+      <p:sp>
+        <p:nvSpPr>
+          <p:cNvPr id="208" name="Google Shape;208;gf9ae137bfa_0_0:notes"/>
+          <p:cNvSpPr/>
+          <p:nvPr>
+            <p:ph idx="2" type="sldImg"/>
+          </p:nvPr>
+        </p:nvSpPr>
+        <p:spPr>
+          <a:xfrm>
+            <a:off x="381300" y="685800"/>
+            <a:ext cx="6096000" cy="3429000"/>
+          </a:xfrm>
+          <a:custGeom>
+            <a:rect b="b" l="l" r="r" t="t"/>
+            <a:pathLst>
+              <a:path extrusionOk="0" h="120000" w="120000">
+                <a:moveTo>
+                  <a:pt x="0" y="0"/>
+                </a:moveTo>
+                <a:lnTo>
+                  <a:pt x="120000" y="0"/>
+                </a:lnTo>
+                <a:lnTo>
+                  <a:pt x="120000" y="120000"/>
+                </a:lnTo>
+                <a:lnTo>
+                  <a:pt x="0" y="120000"/>
+                </a:lnTo>
+                <a:close/>
+              </a:path>
+            </a:pathLst>
+          </a:custGeom>
+        </p:spPr>
+      </p:sp>
+      <p:sp>
+        <p:nvSpPr>
+          <p:cNvPr id="209" name="Google Shape;209;gf9ae137bfa_0_0:notes"/>
+          <p:cNvSpPr txBox="1"/>
+          <p:nvPr>
+            <p:ph idx="1" type="body"/>
+          </p:nvPr>
+        </p:nvSpPr>
+        <p:spPr>
+          <a:xfrm>
+            <a:off x="685800" y="4343400"/>
+            <a:ext cx="5486400" cy="4114800"/>
+          </a:xfrm>
+          <a:prstGeom prst="rect">
+            <a:avLst/>
+          </a:prstGeom>
+        </p:spPr>
+        <p:txBody>
+          <a:bodyPr anchorCtr="0" anchor="t" bIns="91425" lIns="91425" spcFirstLastPara="1" rIns="91425" wrap="square" tIns="91425">
+            <a:noAutofit/>
+          </a:bodyPr>
+          <a:lstStyle/>
+          <a:p>
+            <a:pPr indent="0" lvl="0" marL="0" rtl="0" algn="l">
+              <a:spcBef>
+                <a:spcPts val="0"/>
+              </a:spcBef>
+              <a:spcAft>
+                <a:spcPts val="0"/>
+              </a:spcAft>
+              <a:buNone/>
+            </a:pPr>
+            <a:r>
+              <a:t/>
+            </a:r>
+            <a:endParaRPr/>
+          </a:p>
+        </p:txBody>
+      </p:sp>
+    </p:spTree>
+  </p:cSld>
+  <p:clrMapOvr>
+    <a:masterClrMapping/>
+  </p:clrMapOvr>
+</p:notes>
+</file>
+
+<file path=ppt/notesSlides/notesSlide28.xml><?xml version="1.0" encoding="utf-8"?>
+<p:notes xmlns:a="http://schemas.openxmlformats.org/drawingml/2006/main" xmlns:r="http://schemas.openxmlformats.org/officeDocument/2006/relationships" xmlns:mc="http://schemas.openxmlformats.org/markup-compatibility/2006" xmlns:mv="urn:schemas-microsoft-com:mac:vml" xmlns:p="http://schemas.openxmlformats.org/presentationml/2006/main" xmlns:c="http://schemas.openxmlformats.org/drawingml/2006/chart" xmlns:dgm="http://schemas.openxmlformats.org/drawingml/2006/diagram" xmlns:o="urn:schemas-microsoft-com:office:office" xmlns:v="urn:schemas-microsoft-com:vml" xmlns:pvml="urn:schemas-microsoft-com:office:powerpoint" xmlns:com="http://schemas.openxmlformats.org/drawingml/2006/compatibility" xmlns:p14="http://schemas.microsoft.com/office/powerpoint/2010/main" xmlns:p15="http://schemas.microsoft.com/office/powerpoint/2012/main" xmlns:ahyp="http://schemas.microsoft.com/office/drawing/2018/hyperlinkcolor" showMasterPhAnim="0" showMasterSp="0">
+  <p:cSld>
+    <p:spTree>
+      <p:nvGrpSpPr>
+        <p:cNvPr id="213" name="Shape 213"/>
+        <p:cNvGrpSpPr/>
+        <p:nvPr/>
+      </p:nvGrpSpPr>
+      <p:grpSpPr>
+        <a:xfrm>
+          <a:off x="0" y="0"/>
+          <a:ext cx="0" cy="0"/>
+          <a:chOff x="0" y="0"/>
+          <a:chExt cx="0" cy="0"/>
+        </a:xfrm>
+      </p:grpSpPr>
+      <p:sp>
+        <p:nvSpPr>
+          <p:cNvPr id="214" name="Google Shape;214;ga4e45b0e5d_0_114:notes"/>
+          <p:cNvSpPr/>
+          <p:nvPr>
+            <p:ph idx="2" type="sldImg"/>
+          </p:nvPr>
+        </p:nvSpPr>
+        <p:spPr>
+          <a:xfrm>
+            <a:off x="381300" y="685800"/>
+            <a:ext cx="6096000" cy="3429000"/>
+          </a:xfrm>
+          <a:custGeom>
+            <a:rect b="b" l="l" r="r" t="t"/>
+            <a:pathLst>
+              <a:path extrusionOk="0" h="120000" w="120000">
+                <a:moveTo>
+                  <a:pt x="0" y="0"/>
+                </a:moveTo>
+                <a:lnTo>
+                  <a:pt x="120000" y="0"/>
+                </a:lnTo>
+                <a:lnTo>
+                  <a:pt x="120000" y="120000"/>
+                </a:lnTo>
+                <a:lnTo>
+                  <a:pt x="0" y="120000"/>
+                </a:lnTo>
+                <a:close/>
+              </a:path>
+            </a:pathLst>
+          </a:custGeom>
+        </p:spPr>
+      </p:sp>
+      <p:sp>
+        <p:nvSpPr>
+          <p:cNvPr id="215" name="Google Shape;215;ga4e45b0e5d_0_114:notes"/>
+          <p:cNvSpPr txBox="1"/>
+          <p:nvPr>
+            <p:ph idx="1" type="body"/>
+          </p:nvPr>
+        </p:nvSpPr>
+        <p:spPr>
+          <a:xfrm>
+            <a:off x="685800" y="4343400"/>
+            <a:ext cx="5486400" cy="4114800"/>
+          </a:xfrm>
+          <a:prstGeom prst="rect">
+            <a:avLst/>
+          </a:prstGeom>
+        </p:spPr>
+        <p:txBody>
+          <a:bodyPr anchorCtr="0" anchor="t" bIns="91425" lIns="91425" spcFirstLastPara="1" rIns="91425" wrap="square" tIns="91425">
+            <a:noAutofit/>
+          </a:bodyPr>
+          <a:lstStyle/>
+          <a:p>
+            <a:pPr indent="0" lvl="0" marL="0" rtl="0" algn="l">
+              <a:spcBef>
+                <a:spcPts val="0"/>
+              </a:spcBef>
+              <a:spcAft>
+                <a:spcPts val="0"/>
+              </a:spcAft>
+              <a:buNone/>
+            </a:pPr>
+            <a:r>
+              <a:t/>
+            </a:r>
+            <a:endParaRPr/>
+          </a:p>
+        </p:txBody>
+      </p:sp>
+    </p:spTree>
+  </p:cSld>
+  <p:clrMapOvr>
+    <a:masterClrMapping/>
+  </p:clrMapOvr>
+</p:notes>
+</file>
+
+<file path=ppt/notesSlides/notesSlide29.xml><?xml version="1.0" encoding="utf-8"?>
+<p:notes xmlns:a="http://schemas.openxmlformats.org/drawingml/2006/main" xmlns:r="http://schemas.openxmlformats.org/officeDocument/2006/relationships" xmlns:mc="http://schemas.openxmlformats.org/markup-compatibility/2006" xmlns:mv="urn:schemas-microsoft-com:mac:vml" xmlns:p="http://schemas.openxmlformats.org/presentationml/2006/main" xmlns:c="http://schemas.openxmlformats.org/drawingml/2006/chart" xmlns:dgm="http://schemas.openxmlformats.org/drawingml/2006/diagram" xmlns:o="urn:schemas-microsoft-com:office:office" xmlns:v="urn:schemas-microsoft-com:vml" xmlns:pvml="urn:schemas-microsoft-com:office:powerpoint" xmlns:com="http://schemas.openxmlformats.org/drawingml/2006/compatibility" xmlns:p14="http://schemas.microsoft.com/office/powerpoint/2010/main" xmlns:p15="http://schemas.microsoft.com/office/powerpoint/2012/main" xmlns:ahyp="http://schemas.microsoft.com/office/drawing/2018/hyperlinkcolor" showMasterPhAnim="0" showMasterSp="0">
+  <p:cSld>
+    <p:spTree>
+      <p:nvGrpSpPr>
+        <p:cNvPr id="220" name="Shape 220"/>
+        <p:cNvGrpSpPr/>
+        <p:nvPr/>
+      </p:nvGrpSpPr>
+      <p:grpSpPr>
+        <a:xfrm>
+          <a:off x="0" y="0"/>
+          <a:ext cx="0" cy="0"/>
+          <a:chOff x="0" y="0"/>
+          <a:chExt cx="0" cy="0"/>
+        </a:xfrm>
+      </p:grpSpPr>
+      <p:sp>
+        <p:nvSpPr>
+          <p:cNvPr id="221" name="Google Shape;221;gf65146e941_0_49:notes"/>
+          <p:cNvSpPr/>
+          <p:nvPr>
+            <p:ph idx="2" type="sldImg"/>
+          </p:nvPr>
+        </p:nvSpPr>
+        <p:spPr>
+          <a:xfrm>
+            <a:off x="381300" y="685800"/>
+            <a:ext cx="6096000" cy="3429000"/>
+          </a:xfrm>
+          <a:custGeom>
+            <a:rect b="b" l="l" r="r" t="t"/>
+            <a:pathLst>
+              <a:path extrusionOk="0" h="120000" w="120000">
+                <a:moveTo>
+                  <a:pt x="0" y="0"/>
+                </a:moveTo>
+                <a:lnTo>
+                  <a:pt x="120000" y="0"/>
+                </a:lnTo>
+                <a:lnTo>
+                  <a:pt x="120000" y="120000"/>
+                </a:lnTo>
+                <a:lnTo>
+                  <a:pt x="0" y="120000"/>
+                </a:lnTo>
+                <a:close/>
+              </a:path>
+            </a:pathLst>
+          </a:custGeom>
+        </p:spPr>
+      </p:sp>
+      <p:sp>
+        <p:nvSpPr>
+          <p:cNvPr id="222" name="Google Shape;222;gf65146e941_0_49:notes"/>
           <p:cNvSpPr txBox="1"/>
           <p:nvPr>
             <p:ph idx="1" type="body"/>
@@ -2291,12 +3004,12 @@
 </p:notes>
 </file>
 
-<file path=ppt/notesSlides/notesSlide4.xml><?xml version="1.0" encoding="utf-8"?>
+<file path=ppt/notesSlides/notesSlide30.xml><?xml version="1.0" encoding="utf-8"?>
 <p:notes xmlns:a="http://schemas.openxmlformats.org/drawingml/2006/main" xmlns:r="http://schemas.openxmlformats.org/officeDocument/2006/relationships" xmlns:mc="http://schemas.openxmlformats.org/markup-compatibility/2006" xmlns:mv="urn:schemas-microsoft-com:mac:vml" xmlns:p="http://schemas.openxmlformats.org/presentationml/2006/main" xmlns:c="http://schemas.openxmlformats.org/drawingml/2006/chart" xmlns:dgm="http://schemas.openxmlformats.org/drawingml/2006/diagram" xmlns:o="urn:schemas-microsoft-com:office:office" xmlns:v="urn:schemas-microsoft-com:vml" xmlns:pvml="urn:schemas-microsoft-com:office:powerpoint" xmlns:com="http://schemas.openxmlformats.org/drawingml/2006/compatibility" xmlns:p14="http://schemas.microsoft.com/office/powerpoint/2010/main" xmlns:p15="http://schemas.microsoft.com/office/powerpoint/2012/main" xmlns:ahyp="http://schemas.microsoft.com/office/drawing/2018/hyperlinkcolor" showMasterPhAnim="0" showMasterSp="0">
   <p:cSld>
     <p:spTree>
       <p:nvGrpSpPr>
-        <p:cNvPr id="67" name="Shape 67"/>
+        <p:cNvPr id="226" name="Shape 226"/>
         <p:cNvGrpSpPr/>
         <p:nvPr/>
       </p:nvGrpSpPr>
@@ -2310,7 +3023,7 @@
       </p:grpSpPr>
       <p:sp>
         <p:nvSpPr>
-          <p:cNvPr id="68" name="Google Shape;68;ga4e45b0e5d_0_14:notes"/>
+          <p:cNvPr id="227" name="Google Shape;227;gf65146e941_0_64:notes"/>
           <p:cNvSpPr/>
           <p:nvPr>
             <p:ph idx="2" type="sldImg"/>
@@ -2345,7 +3058,1294 @@
       </p:sp>
       <p:sp>
         <p:nvSpPr>
+          <p:cNvPr id="228" name="Google Shape;228;gf65146e941_0_64:notes"/>
+          <p:cNvSpPr txBox="1"/>
+          <p:nvPr>
+            <p:ph idx="1" type="body"/>
+          </p:nvPr>
+        </p:nvSpPr>
+        <p:spPr>
+          <a:xfrm>
+            <a:off x="685800" y="4343400"/>
+            <a:ext cx="5486400" cy="4114800"/>
+          </a:xfrm>
+          <a:prstGeom prst="rect">
+            <a:avLst/>
+          </a:prstGeom>
+        </p:spPr>
+        <p:txBody>
+          <a:bodyPr anchorCtr="0" anchor="t" bIns="91425" lIns="91425" spcFirstLastPara="1" rIns="91425" wrap="square" tIns="91425">
+            <a:noAutofit/>
+          </a:bodyPr>
+          <a:lstStyle/>
+          <a:p>
+            <a:pPr indent="0" lvl="0" marL="0" rtl="0" algn="l">
+              <a:spcBef>
+                <a:spcPts val="0"/>
+              </a:spcBef>
+              <a:spcAft>
+                <a:spcPts val="0"/>
+              </a:spcAft>
+              <a:buNone/>
+            </a:pPr>
+            <a:r>
+              <a:t/>
+            </a:r>
+            <a:endParaRPr/>
+          </a:p>
+        </p:txBody>
+      </p:sp>
+    </p:spTree>
+  </p:cSld>
+  <p:clrMapOvr>
+    <a:masterClrMapping/>
+  </p:clrMapOvr>
+</p:notes>
+</file>
+
+<file path=ppt/notesSlides/notesSlide31.xml><?xml version="1.0" encoding="utf-8"?>
+<p:notes xmlns:a="http://schemas.openxmlformats.org/drawingml/2006/main" xmlns:r="http://schemas.openxmlformats.org/officeDocument/2006/relationships" xmlns:mc="http://schemas.openxmlformats.org/markup-compatibility/2006" xmlns:mv="urn:schemas-microsoft-com:mac:vml" xmlns:p="http://schemas.openxmlformats.org/presentationml/2006/main" xmlns:c="http://schemas.openxmlformats.org/drawingml/2006/chart" xmlns:dgm="http://schemas.openxmlformats.org/drawingml/2006/diagram" xmlns:o="urn:schemas-microsoft-com:office:office" xmlns:v="urn:schemas-microsoft-com:vml" xmlns:pvml="urn:schemas-microsoft-com:office:powerpoint" xmlns:com="http://schemas.openxmlformats.org/drawingml/2006/compatibility" xmlns:p14="http://schemas.microsoft.com/office/powerpoint/2010/main" xmlns:p15="http://schemas.microsoft.com/office/powerpoint/2012/main" xmlns:ahyp="http://schemas.microsoft.com/office/drawing/2018/hyperlinkcolor" showMasterPhAnim="0" showMasterSp="0">
+  <p:cSld>
+    <p:spTree>
+      <p:nvGrpSpPr>
+        <p:cNvPr id="232" name="Shape 232"/>
+        <p:cNvGrpSpPr/>
+        <p:nvPr/>
+      </p:nvGrpSpPr>
+      <p:grpSpPr>
+        <a:xfrm>
+          <a:off x="0" y="0"/>
+          <a:ext cx="0" cy="0"/>
+          <a:chOff x="0" y="0"/>
+          <a:chExt cx="0" cy="0"/>
+        </a:xfrm>
+      </p:grpSpPr>
+      <p:sp>
+        <p:nvSpPr>
+          <p:cNvPr id="233" name="Google Shape;233;gf65146e941_0_71:notes"/>
+          <p:cNvSpPr/>
+          <p:nvPr>
+            <p:ph idx="2" type="sldImg"/>
+          </p:nvPr>
+        </p:nvSpPr>
+        <p:spPr>
+          <a:xfrm>
+            <a:off x="381300" y="685800"/>
+            <a:ext cx="6096000" cy="3429000"/>
+          </a:xfrm>
+          <a:custGeom>
+            <a:rect b="b" l="l" r="r" t="t"/>
+            <a:pathLst>
+              <a:path extrusionOk="0" h="120000" w="120000">
+                <a:moveTo>
+                  <a:pt x="0" y="0"/>
+                </a:moveTo>
+                <a:lnTo>
+                  <a:pt x="120000" y="0"/>
+                </a:lnTo>
+                <a:lnTo>
+                  <a:pt x="120000" y="120000"/>
+                </a:lnTo>
+                <a:lnTo>
+                  <a:pt x="0" y="120000"/>
+                </a:lnTo>
+                <a:close/>
+              </a:path>
+            </a:pathLst>
+          </a:custGeom>
+        </p:spPr>
+      </p:sp>
+      <p:sp>
+        <p:nvSpPr>
+          <p:cNvPr id="234" name="Google Shape;234;gf65146e941_0_71:notes"/>
+          <p:cNvSpPr txBox="1"/>
+          <p:nvPr>
+            <p:ph idx="1" type="body"/>
+          </p:nvPr>
+        </p:nvSpPr>
+        <p:spPr>
+          <a:xfrm>
+            <a:off x="685800" y="4343400"/>
+            <a:ext cx="5486400" cy="4114800"/>
+          </a:xfrm>
+          <a:prstGeom prst="rect">
+            <a:avLst/>
+          </a:prstGeom>
+        </p:spPr>
+        <p:txBody>
+          <a:bodyPr anchorCtr="0" anchor="t" bIns="91425" lIns="91425" spcFirstLastPara="1" rIns="91425" wrap="square" tIns="91425">
+            <a:noAutofit/>
+          </a:bodyPr>
+          <a:lstStyle/>
+          <a:p>
+            <a:pPr indent="0" lvl="0" marL="0" rtl="0" algn="l">
+              <a:spcBef>
+                <a:spcPts val="0"/>
+              </a:spcBef>
+              <a:spcAft>
+                <a:spcPts val="0"/>
+              </a:spcAft>
+              <a:buNone/>
+            </a:pPr>
+            <a:r>
+              <a:t/>
+            </a:r>
+            <a:endParaRPr/>
+          </a:p>
+        </p:txBody>
+      </p:sp>
+    </p:spTree>
+  </p:cSld>
+  <p:clrMapOvr>
+    <a:masterClrMapping/>
+  </p:clrMapOvr>
+</p:notes>
+</file>
+
+<file path=ppt/notesSlides/notesSlide32.xml><?xml version="1.0" encoding="utf-8"?>
+<p:notes xmlns:a="http://schemas.openxmlformats.org/drawingml/2006/main" xmlns:r="http://schemas.openxmlformats.org/officeDocument/2006/relationships" xmlns:mc="http://schemas.openxmlformats.org/markup-compatibility/2006" xmlns:mv="urn:schemas-microsoft-com:mac:vml" xmlns:p="http://schemas.openxmlformats.org/presentationml/2006/main" xmlns:c="http://schemas.openxmlformats.org/drawingml/2006/chart" xmlns:dgm="http://schemas.openxmlformats.org/drawingml/2006/diagram" xmlns:o="urn:schemas-microsoft-com:office:office" xmlns:v="urn:schemas-microsoft-com:vml" xmlns:pvml="urn:schemas-microsoft-com:office:powerpoint" xmlns:com="http://schemas.openxmlformats.org/drawingml/2006/compatibility" xmlns:p14="http://schemas.microsoft.com/office/powerpoint/2010/main" xmlns:p15="http://schemas.microsoft.com/office/powerpoint/2012/main" xmlns:ahyp="http://schemas.microsoft.com/office/drawing/2018/hyperlinkcolor" showMasterPhAnim="0" showMasterSp="0">
+  <p:cSld>
+    <p:spTree>
+      <p:nvGrpSpPr>
+        <p:cNvPr id="238" name="Shape 238"/>
+        <p:cNvGrpSpPr/>
+        <p:nvPr/>
+      </p:nvGrpSpPr>
+      <p:grpSpPr>
+        <a:xfrm>
+          <a:off x="0" y="0"/>
+          <a:ext cx="0" cy="0"/>
+          <a:chOff x="0" y="0"/>
+          <a:chExt cx="0" cy="0"/>
+        </a:xfrm>
+      </p:grpSpPr>
+      <p:sp>
+        <p:nvSpPr>
+          <p:cNvPr id="239" name="Google Shape;239;ga4e45b0e5d_0_159:notes"/>
+          <p:cNvSpPr/>
+          <p:nvPr>
+            <p:ph idx="2" type="sldImg"/>
+          </p:nvPr>
+        </p:nvSpPr>
+        <p:spPr>
+          <a:xfrm>
+            <a:off x="381300" y="685800"/>
+            <a:ext cx="6096000" cy="3429000"/>
+          </a:xfrm>
+          <a:custGeom>
+            <a:rect b="b" l="l" r="r" t="t"/>
+            <a:pathLst>
+              <a:path extrusionOk="0" h="120000" w="120000">
+                <a:moveTo>
+                  <a:pt x="0" y="0"/>
+                </a:moveTo>
+                <a:lnTo>
+                  <a:pt x="120000" y="0"/>
+                </a:lnTo>
+                <a:lnTo>
+                  <a:pt x="120000" y="120000"/>
+                </a:lnTo>
+                <a:lnTo>
+                  <a:pt x="0" y="120000"/>
+                </a:lnTo>
+                <a:close/>
+              </a:path>
+            </a:pathLst>
+          </a:custGeom>
+        </p:spPr>
+      </p:sp>
+      <p:sp>
+        <p:nvSpPr>
+          <p:cNvPr id="240" name="Google Shape;240;ga4e45b0e5d_0_159:notes"/>
+          <p:cNvSpPr txBox="1"/>
+          <p:nvPr>
+            <p:ph idx="1" type="body"/>
+          </p:nvPr>
+        </p:nvSpPr>
+        <p:spPr>
+          <a:xfrm>
+            <a:off x="685800" y="4343400"/>
+            <a:ext cx="5486400" cy="4114800"/>
+          </a:xfrm>
+          <a:prstGeom prst="rect">
+            <a:avLst/>
+          </a:prstGeom>
+        </p:spPr>
+        <p:txBody>
+          <a:bodyPr anchorCtr="0" anchor="t" bIns="91425" lIns="91425" spcFirstLastPara="1" rIns="91425" wrap="square" tIns="91425">
+            <a:noAutofit/>
+          </a:bodyPr>
+          <a:lstStyle/>
+          <a:p>
+            <a:pPr indent="0" lvl="0" marL="0" rtl="0" algn="l">
+              <a:spcBef>
+                <a:spcPts val="0"/>
+              </a:spcBef>
+              <a:spcAft>
+                <a:spcPts val="0"/>
+              </a:spcAft>
+              <a:buNone/>
+            </a:pPr>
+            <a:r>
+              <a:t/>
+            </a:r>
+            <a:endParaRPr/>
+          </a:p>
+        </p:txBody>
+      </p:sp>
+    </p:spTree>
+  </p:cSld>
+  <p:clrMapOvr>
+    <a:masterClrMapping/>
+  </p:clrMapOvr>
+</p:notes>
+</file>
+
+<file path=ppt/notesSlides/notesSlide33.xml><?xml version="1.0" encoding="utf-8"?>
+<p:notes xmlns:a="http://schemas.openxmlformats.org/drawingml/2006/main" xmlns:r="http://schemas.openxmlformats.org/officeDocument/2006/relationships" xmlns:mc="http://schemas.openxmlformats.org/markup-compatibility/2006" xmlns:mv="urn:schemas-microsoft-com:mac:vml" xmlns:p="http://schemas.openxmlformats.org/presentationml/2006/main" xmlns:c="http://schemas.openxmlformats.org/drawingml/2006/chart" xmlns:dgm="http://schemas.openxmlformats.org/drawingml/2006/diagram" xmlns:o="urn:schemas-microsoft-com:office:office" xmlns:v="urn:schemas-microsoft-com:vml" xmlns:pvml="urn:schemas-microsoft-com:office:powerpoint" xmlns:com="http://schemas.openxmlformats.org/drawingml/2006/compatibility" xmlns:p14="http://schemas.microsoft.com/office/powerpoint/2010/main" xmlns:p15="http://schemas.microsoft.com/office/powerpoint/2012/main" xmlns:ahyp="http://schemas.microsoft.com/office/drawing/2018/hyperlinkcolor" showMasterPhAnim="0" showMasterSp="0">
+  <p:cSld>
+    <p:spTree>
+      <p:nvGrpSpPr>
+        <p:cNvPr id="244" name="Shape 244"/>
+        <p:cNvGrpSpPr/>
+        <p:nvPr/>
+      </p:nvGrpSpPr>
+      <p:grpSpPr>
+        <a:xfrm>
+          <a:off x="0" y="0"/>
+          <a:ext cx="0" cy="0"/>
+          <a:chOff x="0" y="0"/>
+          <a:chExt cx="0" cy="0"/>
+        </a:xfrm>
+      </p:grpSpPr>
+      <p:sp>
+        <p:nvSpPr>
+          <p:cNvPr id="245" name="Google Shape;245;gfab5026546_0_90:notes"/>
+          <p:cNvSpPr/>
+          <p:nvPr>
+            <p:ph idx="2" type="sldImg"/>
+          </p:nvPr>
+        </p:nvSpPr>
+        <p:spPr>
+          <a:xfrm>
+            <a:off x="381300" y="685800"/>
+            <a:ext cx="6096000" cy="3429000"/>
+          </a:xfrm>
+          <a:custGeom>
+            <a:rect b="b" l="l" r="r" t="t"/>
+            <a:pathLst>
+              <a:path extrusionOk="0" h="120000" w="120000">
+                <a:moveTo>
+                  <a:pt x="0" y="0"/>
+                </a:moveTo>
+                <a:lnTo>
+                  <a:pt x="120000" y="0"/>
+                </a:lnTo>
+                <a:lnTo>
+                  <a:pt x="120000" y="120000"/>
+                </a:lnTo>
+                <a:lnTo>
+                  <a:pt x="0" y="120000"/>
+                </a:lnTo>
+                <a:close/>
+              </a:path>
+            </a:pathLst>
+          </a:custGeom>
+        </p:spPr>
+      </p:sp>
+      <p:sp>
+        <p:nvSpPr>
+          <p:cNvPr id="246" name="Google Shape;246;gfab5026546_0_90:notes"/>
+          <p:cNvSpPr txBox="1"/>
+          <p:nvPr>
+            <p:ph idx="1" type="body"/>
+          </p:nvPr>
+        </p:nvSpPr>
+        <p:spPr>
+          <a:xfrm>
+            <a:off x="685800" y="4343400"/>
+            <a:ext cx="5486400" cy="4114800"/>
+          </a:xfrm>
+          <a:prstGeom prst="rect">
+            <a:avLst/>
+          </a:prstGeom>
+        </p:spPr>
+        <p:txBody>
+          <a:bodyPr anchorCtr="0" anchor="t" bIns="91425" lIns="91425" spcFirstLastPara="1" rIns="91425" wrap="square" tIns="91425">
+            <a:noAutofit/>
+          </a:bodyPr>
+          <a:lstStyle/>
+          <a:p>
+            <a:pPr indent="0" lvl="0" marL="0" rtl="0" algn="l">
+              <a:spcBef>
+                <a:spcPts val="0"/>
+              </a:spcBef>
+              <a:spcAft>
+                <a:spcPts val="0"/>
+              </a:spcAft>
+              <a:buNone/>
+            </a:pPr>
+            <a:r>
+              <a:t/>
+            </a:r>
+            <a:endParaRPr/>
+          </a:p>
+        </p:txBody>
+      </p:sp>
+    </p:spTree>
+  </p:cSld>
+  <p:clrMapOvr>
+    <a:masterClrMapping/>
+  </p:clrMapOvr>
+</p:notes>
+</file>
+
+<file path=ppt/notesSlides/notesSlide34.xml><?xml version="1.0" encoding="utf-8"?>
+<p:notes xmlns:a="http://schemas.openxmlformats.org/drawingml/2006/main" xmlns:r="http://schemas.openxmlformats.org/officeDocument/2006/relationships" xmlns:mc="http://schemas.openxmlformats.org/markup-compatibility/2006" xmlns:mv="urn:schemas-microsoft-com:mac:vml" xmlns:p="http://schemas.openxmlformats.org/presentationml/2006/main" xmlns:c="http://schemas.openxmlformats.org/drawingml/2006/chart" xmlns:dgm="http://schemas.openxmlformats.org/drawingml/2006/diagram" xmlns:o="urn:schemas-microsoft-com:office:office" xmlns:v="urn:schemas-microsoft-com:vml" xmlns:pvml="urn:schemas-microsoft-com:office:powerpoint" xmlns:com="http://schemas.openxmlformats.org/drawingml/2006/compatibility" xmlns:p14="http://schemas.microsoft.com/office/powerpoint/2010/main" xmlns:p15="http://schemas.microsoft.com/office/powerpoint/2012/main" xmlns:ahyp="http://schemas.microsoft.com/office/drawing/2018/hyperlinkcolor" showMasterPhAnim="0" showMasterSp="0">
+  <p:cSld>
+    <p:spTree>
+      <p:nvGrpSpPr>
+        <p:cNvPr id="250" name="Shape 250"/>
+        <p:cNvGrpSpPr/>
+        <p:nvPr/>
+      </p:nvGrpSpPr>
+      <p:grpSpPr>
+        <a:xfrm>
+          <a:off x="0" y="0"/>
+          <a:ext cx="0" cy="0"/>
+          <a:chOff x="0" y="0"/>
+          <a:chExt cx="0" cy="0"/>
+        </a:xfrm>
+      </p:grpSpPr>
+      <p:sp>
+        <p:nvSpPr>
+          <p:cNvPr id="251" name="Google Shape;251;gfab5026546_0_95:notes"/>
+          <p:cNvSpPr/>
+          <p:nvPr>
+            <p:ph idx="2" type="sldImg"/>
+          </p:nvPr>
+        </p:nvSpPr>
+        <p:spPr>
+          <a:xfrm>
+            <a:off x="381300" y="685800"/>
+            <a:ext cx="6096000" cy="3429000"/>
+          </a:xfrm>
+          <a:custGeom>
+            <a:rect b="b" l="l" r="r" t="t"/>
+            <a:pathLst>
+              <a:path extrusionOk="0" h="120000" w="120000">
+                <a:moveTo>
+                  <a:pt x="0" y="0"/>
+                </a:moveTo>
+                <a:lnTo>
+                  <a:pt x="120000" y="0"/>
+                </a:lnTo>
+                <a:lnTo>
+                  <a:pt x="120000" y="120000"/>
+                </a:lnTo>
+                <a:lnTo>
+                  <a:pt x="0" y="120000"/>
+                </a:lnTo>
+                <a:close/>
+              </a:path>
+            </a:pathLst>
+          </a:custGeom>
+        </p:spPr>
+      </p:sp>
+      <p:sp>
+        <p:nvSpPr>
+          <p:cNvPr id="252" name="Google Shape;252;gfab5026546_0_95:notes"/>
+          <p:cNvSpPr txBox="1"/>
+          <p:nvPr>
+            <p:ph idx="1" type="body"/>
+          </p:nvPr>
+        </p:nvSpPr>
+        <p:spPr>
+          <a:xfrm>
+            <a:off x="685800" y="4343400"/>
+            <a:ext cx="5486400" cy="4114800"/>
+          </a:xfrm>
+          <a:prstGeom prst="rect">
+            <a:avLst/>
+          </a:prstGeom>
+        </p:spPr>
+        <p:txBody>
+          <a:bodyPr anchorCtr="0" anchor="t" bIns="91425" lIns="91425" spcFirstLastPara="1" rIns="91425" wrap="square" tIns="91425">
+            <a:noAutofit/>
+          </a:bodyPr>
+          <a:lstStyle/>
+          <a:p>
+            <a:pPr indent="0" lvl="0" marL="0" rtl="0" algn="l">
+              <a:spcBef>
+                <a:spcPts val="0"/>
+              </a:spcBef>
+              <a:spcAft>
+                <a:spcPts val="0"/>
+              </a:spcAft>
+              <a:buNone/>
+            </a:pPr>
+            <a:r>
+              <a:t/>
+            </a:r>
+            <a:endParaRPr/>
+          </a:p>
+        </p:txBody>
+      </p:sp>
+    </p:spTree>
+  </p:cSld>
+  <p:clrMapOvr>
+    <a:masterClrMapping/>
+  </p:clrMapOvr>
+</p:notes>
+</file>
+
+<file path=ppt/notesSlides/notesSlide35.xml><?xml version="1.0" encoding="utf-8"?>
+<p:notes xmlns:a="http://schemas.openxmlformats.org/drawingml/2006/main" xmlns:r="http://schemas.openxmlformats.org/officeDocument/2006/relationships" xmlns:mc="http://schemas.openxmlformats.org/markup-compatibility/2006" xmlns:mv="urn:schemas-microsoft-com:mac:vml" xmlns:p="http://schemas.openxmlformats.org/presentationml/2006/main" xmlns:c="http://schemas.openxmlformats.org/drawingml/2006/chart" xmlns:dgm="http://schemas.openxmlformats.org/drawingml/2006/diagram" xmlns:o="urn:schemas-microsoft-com:office:office" xmlns:v="urn:schemas-microsoft-com:vml" xmlns:pvml="urn:schemas-microsoft-com:office:powerpoint" xmlns:com="http://schemas.openxmlformats.org/drawingml/2006/compatibility" xmlns:p14="http://schemas.microsoft.com/office/powerpoint/2010/main" xmlns:p15="http://schemas.microsoft.com/office/powerpoint/2012/main" xmlns:ahyp="http://schemas.microsoft.com/office/drawing/2018/hyperlinkcolor" showMasterPhAnim="0" showMasterSp="0">
+  <p:cSld>
+    <p:spTree>
+      <p:nvGrpSpPr>
+        <p:cNvPr id="256" name="Shape 256"/>
+        <p:cNvGrpSpPr/>
+        <p:nvPr/>
+      </p:nvGrpSpPr>
+      <p:grpSpPr>
+        <a:xfrm>
+          <a:off x="0" y="0"/>
+          <a:ext cx="0" cy="0"/>
+          <a:chOff x="0" y="0"/>
+          <a:chExt cx="0" cy="0"/>
+        </a:xfrm>
+      </p:grpSpPr>
+      <p:sp>
+        <p:nvSpPr>
+          <p:cNvPr id="257" name="Google Shape;257;gfab5026546_0_100:notes"/>
+          <p:cNvSpPr/>
+          <p:nvPr>
+            <p:ph idx="2" type="sldImg"/>
+          </p:nvPr>
+        </p:nvSpPr>
+        <p:spPr>
+          <a:xfrm>
+            <a:off x="381300" y="685800"/>
+            <a:ext cx="6096000" cy="3429000"/>
+          </a:xfrm>
+          <a:custGeom>
+            <a:rect b="b" l="l" r="r" t="t"/>
+            <a:pathLst>
+              <a:path extrusionOk="0" h="120000" w="120000">
+                <a:moveTo>
+                  <a:pt x="0" y="0"/>
+                </a:moveTo>
+                <a:lnTo>
+                  <a:pt x="120000" y="0"/>
+                </a:lnTo>
+                <a:lnTo>
+                  <a:pt x="120000" y="120000"/>
+                </a:lnTo>
+                <a:lnTo>
+                  <a:pt x="0" y="120000"/>
+                </a:lnTo>
+                <a:close/>
+              </a:path>
+            </a:pathLst>
+          </a:custGeom>
+        </p:spPr>
+      </p:sp>
+      <p:sp>
+        <p:nvSpPr>
+          <p:cNvPr id="258" name="Google Shape;258;gfab5026546_0_100:notes"/>
+          <p:cNvSpPr txBox="1"/>
+          <p:nvPr>
+            <p:ph idx="1" type="body"/>
+          </p:nvPr>
+        </p:nvSpPr>
+        <p:spPr>
+          <a:xfrm>
+            <a:off x="685800" y="4343400"/>
+            <a:ext cx="5486400" cy="4114800"/>
+          </a:xfrm>
+          <a:prstGeom prst="rect">
+            <a:avLst/>
+          </a:prstGeom>
+        </p:spPr>
+        <p:txBody>
+          <a:bodyPr anchorCtr="0" anchor="t" bIns="91425" lIns="91425" spcFirstLastPara="1" rIns="91425" wrap="square" tIns="91425">
+            <a:noAutofit/>
+          </a:bodyPr>
+          <a:lstStyle/>
+          <a:p>
+            <a:pPr indent="0" lvl="0" marL="0" rtl="0" algn="l">
+              <a:spcBef>
+                <a:spcPts val="0"/>
+              </a:spcBef>
+              <a:spcAft>
+                <a:spcPts val="0"/>
+              </a:spcAft>
+              <a:buNone/>
+            </a:pPr>
+            <a:r>
+              <a:t/>
+            </a:r>
+            <a:endParaRPr/>
+          </a:p>
+        </p:txBody>
+      </p:sp>
+    </p:spTree>
+  </p:cSld>
+  <p:clrMapOvr>
+    <a:masterClrMapping/>
+  </p:clrMapOvr>
+</p:notes>
+</file>
+
+<file path=ppt/notesSlides/notesSlide36.xml><?xml version="1.0" encoding="utf-8"?>
+<p:notes xmlns:a="http://schemas.openxmlformats.org/drawingml/2006/main" xmlns:r="http://schemas.openxmlformats.org/officeDocument/2006/relationships" xmlns:mc="http://schemas.openxmlformats.org/markup-compatibility/2006" xmlns:mv="urn:schemas-microsoft-com:mac:vml" xmlns:p="http://schemas.openxmlformats.org/presentationml/2006/main" xmlns:c="http://schemas.openxmlformats.org/drawingml/2006/chart" xmlns:dgm="http://schemas.openxmlformats.org/drawingml/2006/diagram" xmlns:o="urn:schemas-microsoft-com:office:office" xmlns:v="urn:schemas-microsoft-com:vml" xmlns:pvml="urn:schemas-microsoft-com:office:powerpoint" xmlns:com="http://schemas.openxmlformats.org/drawingml/2006/compatibility" xmlns:p14="http://schemas.microsoft.com/office/powerpoint/2010/main" xmlns:p15="http://schemas.microsoft.com/office/powerpoint/2012/main" xmlns:ahyp="http://schemas.microsoft.com/office/drawing/2018/hyperlinkcolor" showMasterPhAnim="0" showMasterSp="0">
+  <p:cSld>
+    <p:spTree>
+      <p:nvGrpSpPr>
+        <p:cNvPr id="262" name="Shape 262"/>
+        <p:cNvGrpSpPr/>
+        <p:nvPr/>
+      </p:nvGrpSpPr>
+      <p:grpSpPr>
+        <a:xfrm>
+          <a:off x="0" y="0"/>
+          <a:ext cx="0" cy="0"/>
+          <a:chOff x="0" y="0"/>
+          <a:chExt cx="0" cy="0"/>
+        </a:xfrm>
+      </p:grpSpPr>
+      <p:sp>
+        <p:nvSpPr>
+          <p:cNvPr id="263" name="Google Shape;263;gfab5026546_0_105:notes"/>
+          <p:cNvSpPr/>
+          <p:nvPr>
+            <p:ph idx="2" type="sldImg"/>
+          </p:nvPr>
+        </p:nvSpPr>
+        <p:spPr>
+          <a:xfrm>
+            <a:off x="381300" y="685800"/>
+            <a:ext cx="6096000" cy="3429000"/>
+          </a:xfrm>
+          <a:custGeom>
+            <a:rect b="b" l="l" r="r" t="t"/>
+            <a:pathLst>
+              <a:path extrusionOk="0" h="120000" w="120000">
+                <a:moveTo>
+                  <a:pt x="0" y="0"/>
+                </a:moveTo>
+                <a:lnTo>
+                  <a:pt x="120000" y="0"/>
+                </a:lnTo>
+                <a:lnTo>
+                  <a:pt x="120000" y="120000"/>
+                </a:lnTo>
+                <a:lnTo>
+                  <a:pt x="0" y="120000"/>
+                </a:lnTo>
+                <a:close/>
+              </a:path>
+            </a:pathLst>
+          </a:custGeom>
+        </p:spPr>
+      </p:sp>
+      <p:sp>
+        <p:nvSpPr>
+          <p:cNvPr id="264" name="Google Shape;264;gfab5026546_0_105:notes"/>
+          <p:cNvSpPr txBox="1"/>
+          <p:nvPr>
+            <p:ph idx="1" type="body"/>
+          </p:nvPr>
+        </p:nvSpPr>
+        <p:spPr>
+          <a:xfrm>
+            <a:off x="685800" y="4343400"/>
+            <a:ext cx="5486400" cy="4114800"/>
+          </a:xfrm>
+          <a:prstGeom prst="rect">
+            <a:avLst/>
+          </a:prstGeom>
+        </p:spPr>
+        <p:txBody>
+          <a:bodyPr anchorCtr="0" anchor="t" bIns="91425" lIns="91425" spcFirstLastPara="1" rIns="91425" wrap="square" tIns="91425">
+            <a:noAutofit/>
+          </a:bodyPr>
+          <a:lstStyle/>
+          <a:p>
+            <a:pPr indent="0" lvl="0" marL="0" rtl="0" algn="l">
+              <a:spcBef>
+                <a:spcPts val="0"/>
+              </a:spcBef>
+              <a:spcAft>
+                <a:spcPts val="0"/>
+              </a:spcAft>
+              <a:buNone/>
+            </a:pPr>
+            <a:r>
+              <a:t/>
+            </a:r>
+            <a:endParaRPr/>
+          </a:p>
+        </p:txBody>
+      </p:sp>
+    </p:spTree>
+  </p:cSld>
+  <p:clrMapOvr>
+    <a:masterClrMapping/>
+  </p:clrMapOvr>
+</p:notes>
+</file>
+
+<file path=ppt/notesSlides/notesSlide37.xml><?xml version="1.0" encoding="utf-8"?>
+<p:notes xmlns:a="http://schemas.openxmlformats.org/drawingml/2006/main" xmlns:r="http://schemas.openxmlformats.org/officeDocument/2006/relationships" xmlns:mc="http://schemas.openxmlformats.org/markup-compatibility/2006" xmlns:mv="urn:schemas-microsoft-com:mac:vml" xmlns:p="http://schemas.openxmlformats.org/presentationml/2006/main" xmlns:c="http://schemas.openxmlformats.org/drawingml/2006/chart" xmlns:dgm="http://schemas.openxmlformats.org/drawingml/2006/diagram" xmlns:o="urn:schemas-microsoft-com:office:office" xmlns:v="urn:schemas-microsoft-com:vml" xmlns:pvml="urn:schemas-microsoft-com:office:powerpoint" xmlns:com="http://schemas.openxmlformats.org/drawingml/2006/compatibility" xmlns:p14="http://schemas.microsoft.com/office/powerpoint/2010/main" xmlns:p15="http://schemas.microsoft.com/office/powerpoint/2012/main" xmlns:ahyp="http://schemas.microsoft.com/office/drawing/2018/hyperlinkcolor" showMasterPhAnim="0" showMasterSp="0">
+  <p:cSld>
+    <p:spTree>
+      <p:nvGrpSpPr>
+        <p:cNvPr id="268" name="Shape 268"/>
+        <p:cNvGrpSpPr/>
+        <p:nvPr/>
+      </p:nvGrpSpPr>
+      <p:grpSpPr>
+        <a:xfrm>
+          <a:off x="0" y="0"/>
+          <a:ext cx="0" cy="0"/>
+          <a:chOff x="0" y="0"/>
+          <a:chExt cx="0" cy="0"/>
+        </a:xfrm>
+      </p:grpSpPr>
+      <p:sp>
+        <p:nvSpPr>
+          <p:cNvPr id="269" name="Google Shape;269;gfab5026546_0_110:notes"/>
+          <p:cNvSpPr/>
+          <p:nvPr>
+            <p:ph idx="2" type="sldImg"/>
+          </p:nvPr>
+        </p:nvSpPr>
+        <p:spPr>
+          <a:xfrm>
+            <a:off x="381300" y="685800"/>
+            <a:ext cx="6096000" cy="3429000"/>
+          </a:xfrm>
+          <a:custGeom>
+            <a:rect b="b" l="l" r="r" t="t"/>
+            <a:pathLst>
+              <a:path extrusionOk="0" h="120000" w="120000">
+                <a:moveTo>
+                  <a:pt x="0" y="0"/>
+                </a:moveTo>
+                <a:lnTo>
+                  <a:pt x="120000" y="0"/>
+                </a:lnTo>
+                <a:lnTo>
+                  <a:pt x="120000" y="120000"/>
+                </a:lnTo>
+                <a:lnTo>
+                  <a:pt x="0" y="120000"/>
+                </a:lnTo>
+                <a:close/>
+              </a:path>
+            </a:pathLst>
+          </a:custGeom>
+        </p:spPr>
+      </p:sp>
+      <p:sp>
+        <p:nvSpPr>
+          <p:cNvPr id="270" name="Google Shape;270;gfab5026546_0_110:notes"/>
+          <p:cNvSpPr txBox="1"/>
+          <p:nvPr>
+            <p:ph idx="1" type="body"/>
+          </p:nvPr>
+        </p:nvSpPr>
+        <p:spPr>
+          <a:xfrm>
+            <a:off x="685800" y="4343400"/>
+            <a:ext cx="5486400" cy="4114800"/>
+          </a:xfrm>
+          <a:prstGeom prst="rect">
+            <a:avLst/>
+          </a:prstGeom>
+        </p:spPr>
+        <p:txBody>
+          <a:bodyPr anchorCtr="0" anchor="t" bIns="91425" lIns="91425" spcFirstLastPara="1" rIns="91425" wrap="square" tIns="91425">
+            <a:noAutofit/>
+          </a:bodyPr>
+          <a:lstStyle/>
+          <a:p>
+            <a:pPr indent="0" lvl="0" marL="0" rtl="0" algn="l">
+              <a:spcBef>
+                <a:spcPts val="0"/>
+              </a:spcBef>
+              <a:spcAft>
+                <a:spcPts val="0"/>
+              </a:spcAft>
+              <a:buNone/>
+            </a:pPr>
+            <a:r>
+              <a:t/>
+            </a:r>
+            <a:endParaRPr/>
+          </a:p>
+        </p:txBody>
+      </p:sp>
+    </p:spTree>
+  </p:cSld>
+  <p:clrMapOvr>
+    <a:masterClrMapping/>
+  </p:clrMapOvr>
+</p:notes>
+</file>
+
+<file path=ppt/notesSlides/notesSlide38.xml><?xml version="1.0" encoding="utf-8"?>
+<p:notes xmlns:a="http://schemas.openxmlformats.org/drawingml/2006/main" xmlns:r="http://schemas.openxmlformats.org/officeDocument/2006/relationships" xmlns:mc="http://schemas.openxmlformats.org/markup-compatibility/2006" xmlns:mv="urn:schemas-microsoft-com:mac:vml" xmlns:p="http://schemas.openxmlformats.org/presentationml/2006/main" xmlns:c="http://schemas.openxmlformats.org/drawingml/2006/chart" xmlns:dgm="http://schemas.openxmlformats.org/drawingml/2006/diagram" xmlns:o="urn:schemas-microsoft-com:office:office" xmlns:v="urn:schemas-microsoft-com:vml" xmlns:pvml="urn:schemas-microsoft-com:office:powerpoint" xmlns:com="http://schemas.openxmlformats.org/drawingml/2006/compatibility" xmlns:p14="http://schemas.microsoft.com/office/powerpoint/2010/main" xmlns:p15="http://schemas.microsoft.com/office/powerpoint/2012/main" xmlns:ahyp="http://schemas.microsoft.com/office/drawing/2018/hyperlinkcolor" showMasterPhAnim="0" showMasterSp="0">
+  <p:cSld>
+    <p:spTree>
+      <p:nvGrpSpPr>
+        <p:cNvPr id="274" name="Shape 274"/>
+        <p:cNvGrpSpPr/>
+        <p:nvPr/>
+      </p:nvGrpSpPr>
+      <p:grpSpPr>
+        <a:xfrm>
+          <a:off x="0" y="0"/>
+          <a:ext cx="0" cy="0"/>
+          <a:chOff x="0" y="0"/>
+          <a:chExt cx="0" cy="0"/>
+        </a:xfrm>
+      </p:grpSpPr>
+      <p:sp>
+        <p:nvSpPr>
+          <p:cNvPr id="275" name="Google Shape;275;gfab5026546_0_115:notes"/>
+          <p:cNvSpPr/>
+          <p:nvPr>
+            <p:ph idx="2" type="sldImg"/>
+          </p:nvPr>
+        </p:nvSpPr>
+        <p:spPr>
+          <a:xfrm>
+            <a:off x="381300" y="685800"/>
+            <a:ext cx="6096000" cy="3429000"/>
+          </a:xfrm>
+          <a:custGeom>
+            <a:rect b="b" l="l" r="r" t="t"/>
+            <a:pathLst>
+              <a:path extrusionOk="0" h="120000" w="120000">
+                <a:moveTo>
+                  <a:pt x="0" y="0"/>
+                </a:moveTo>
+                <a:lnTo>
+                  <a:pt x="120000" y="0"/>
+                </a:lnTo>
+                <a:lnTo>
+                  <a:pt x="120000" y="120000"/>
+                </a:lnTo>
+                <a:lnTo>
+                  <a:pt x="0" y="120000"/>
+                </a:lnTo>
+                <a:close/>
+              </a:path>
+            </a:pathLst>
+          </a:custGeom>
+        </p:spPr>
+      </p:sp>
+      <p:sp>
+        <p:nvSpPr>
+          <p:cNvPr id="276" name="Google Shape;276;gfab5026546_0_115:notes"/>
+          <p:cNvSpPr txBox="1"/>
+          <p:nvPr>
+            <p:ph idx="1" type="body"/>
+          </p:nvPr>
+        </p:nvSpPr>
+        <p:spPr>
+          <a:xfrm>
+            <a:off x="685800" y="4343400"/>
+            <a:ext cx="5486400" cy="4114800"/>
+          </a:xfrm>
+          <a:prstGeom prst="rect">
+            <a:avLst/>
+          </a:prstGeom>
+        </p:spPr>
+        <p:txBody>
+          <a:bodyPr anchorCtr="0" anchor="t" bIns="91425" lIns="91425" spcFirstLastPara="1" rIns="91425" wrap="square" tIns="91425">
+            <a:noAutofit/>
+          </a:bodyPr>
+          <a:lstStyle/>
+          <a:p>
+            <a:pPr indent="0" lvl="0" marL="0" rtl="0" algn="l">
+              <a:spcBef>
+                <a:spcPts val="0"/>
+              </a:spcBef>
+              <a:spcAft>
+                <a:spcPts val="0"/>
+              </a:spcAft>
+              <a:buNone/>
+            </a:pPr>
+            <a:r>
+              <a:t/>
+            </a:r>
+            <a:endParaRPr/>
+          </a:p>
+        </p:txBody>
+      </p:sp>
+    </p:spTree>
+  </p:cSld>
+  <p:clrMapOvr>
+    <a:masterClrMapping/>
+  </p:clrMapOvr>
+</p:notes>
+</file>
+
+<file path=ppt/notesSlides/notesSlide39.xml><?xml version="1.0" encoding="utf-8"?>
+<p:notes xmlns:a="http://schemas.openxmlformats.org/drawingml/2006/main" xmlns:r="http://schemas.openxmlformats.org/officeDocument/2006/relationships" xmlns:mc="http://schemas.openxmlformats.org/markup-compatibility/2006" xmlns:mv="urn:schemas-microsoft-com:mac:vml" xmlns:p="http://schemas.openxmlformats.org/presentationml/2006/main" xmlns:c="http://schemas.openxmlformats.org/drawingml/2006/chart" xmlns:dgm="http://schemas.openxmlformats.org/drawingml/2006/diagram" xmlns:o="urn:schemas-microsoft-com:office:office" xmlns:v="urn:schemas-microsoft-com:vml" xmlns:pvml="urn:schemas-microsoft-com:office:powerpoint" xmlns:com="http://schemas.openxmlformats.org/drawingml/2006/compatibility" xmlns:p14="http://schemas.microsoft.com/office/powerpoint/2010/main" xmlns:p15="http://schemas.microsoft.com/office/powerpoint/2012/main" xmlns:ahyp="http://schemas.microsoft.com/office/drawing/2018/hyperlinkcolor" showMasterPhAnim="0" showMasterSp="0">
+  <p:cSld>
+    <p:spTree>
+      <p:nvGrpSpPr>
+        <p:cNvPr id="280" name="Shape 280"/>
+        <p:cNvGrpSpPr/>
+        <p:nvPr/>
+      </p:nvGrpSpPr>
+      <p:grpSpPr>
+        <a:xfrm>
+          <a:off x="0" y="0"/>
+          <a:ext cx="0" cy="0"/>
+          <a:chOff x="0" y="0"/>
+          <a:chExt cx="0" cy="0"/>
+        </a:xfrm>
+      </p:grpSpPr>
+      <p:sp>
+        <p:nvSpPr>
+          <p:cNvPr id="281" name="Google Shape;281;gfab5026546_0_120:notes"/>
+          <p:cNvSpPr/>
+          <p:nvPr>
+            <p:ph idx="2" type="sldImg"/>
+          </p:nvPr>
+        </p:nvSpPr>
+        <p:spPr>
+          <a:xfrm>
+            <a:off x="381300" y="685800"/>
+            <a:ext cx="6096000" cy="3429000"/>
+          </a:xfrm>
+          <a:custGeom>
+            <a:rect b="b" l="l" r="r" t="t"/>
+            <a:pathLst>
+              <a:path extrusionOk="0" h="120000" w="120000">
+                <a:moveTo>
+                  <a:pt x="0" y="0"/>
+                </a:moveTo>
+                <a:lnTo>
+                  <a:pt x="120000" y="0"/>
+                </a:lnTo>
+                <a:lnTo>
+                  <a:pt x="120000" y="120000"/>
+                </a:lnTo>
+                <a:lnTo>
+                  <a:pt x="0" y="120000"/>
+                </a:lnTo>
+                <a:close/>
+              </a:path>
+            </a:pathLst>
+          </a:custGeom>
+        </p:spPr>
+      </p:sp>
+      <p:sp>
+        <p:nvSpPr>
+          <p:cNvPr id="282" name="Google Shape;282;gfab5026546_0_120:notes"/>
+          <p:cNvSpPr txBox="1"/>
+          <p:nvPr>
+            <p:ph idx="1" type="body"/>
+          </p:nvPr>
+        </p:nvSpPr>
+        <p:spPr>
+          <a:xfrm>
+            <a:off x="685800" y="4343400"/>
+            <a:ext cx="5486400" cy="4114800"/>
+          </a:xfrm>
+          <a:prstGeom prst="rect">
+            <a:avLst/>
+          </a:prstGeom>
+        </p:spPr>
+        <p:txBody>
+          <a:bodyPr anchorCtr="0" anchor="t" bIns="91425" lIns="91425" spcFirstLastPara="1" rIns="91425" wrap="square" tIns="91425">
+            <a:noAutofit/>
+          </a:bodyPr>
+          <a:lstStyle/>
+          <a:p>
+            <a:pPr indent="0" lvl="0" marL="0" rtl="0" algn="l">
+              <a:spcBef>
+                <a:spcPts val="0"/>
+              </a:spcBef>
+              <a:spcAft>
+                <a:spcPts val="0"/>
+              </a:spcAft>
+              <a:buNone/>
+            </a:pPr>
+            <a:r>
+              <a:t/>
+            </a:r>
+            <a:endParaRPr/>
+          </a:p>
+        </p:txBody>
+      </p:sp>
+    </p:spTree>
+  </p:cSld>
+  <p:clrMapOvr>
+    <a:masterClrMapping/>
+  </p:clrMapOvr>
+</p:notes>
+</file>
+
+<file path=ppt/notesSlides/notesSlide4.xml><?xml version="1.0" encoding="utf-8"?>
+<p:notes xmlns:a="http://schemas.openxmlformats.org/drawingml/2006/main" xmlns:r="http://schemas.openxmlformats.org/officeDocument/2006/relationships" xmlns:mc="http://schemas.openxmlformats.org/markup-compatibility/2006" xmlns:mv="urn:schemas-microsoft-com:mac:vml" xmlns:p="http://schemas.openxmlformats.org/presentationml/2006/main" xmlns:c="http://schemas.openxmlformats.org/drawingml/2006/chart" xmlns:dgm="http://schemas.openxmlformats.org/drawingml/2006/diagram" xmlns:o="urn:schemas-microsoft-com:office:office" xmlns:v="urn:schemas-microsoft-com:vml" xmlns:pvml="urn:schemas-microsoft-com:office:powerpoint" xmlns:com="http://schemas.openxmlformats.org/drawingml/2006/compatibility" xmlns:p14="http://schemas.microsoft.com/office/powerpoint/2010/main" xmlns:p15="http://schemas.microsoft.com/office/powerpoint/2012/main" xmlns:ahyp="http://schemas.microsoft.com/office/drawing/2018/hyperlinkcolor" showMasterPhAnim="0" showMasterSp="0">
+  <p:cSld>
+    <p:spTree>
+      <p:nvGrpSpPr>
+        <p:cNvPr id="67" name="Shape 67"/>
+        <p:cNvGrpSpPr/>
+        <p:nvPr/>
+      </p:nvGrpSpPr>
+      <p:grpSpPr>
+        <a:xfrm>
+          <a:off x="0" y="0"/>
+          <a:ext cx="0" cy="0"/>
+          <a:chOff x="0" y="0"/>
+          <a:chExt cx="0" cy="0"/>
+        </a:xfrm>
+      </p:grpSpPr>
+      <p:sp>
+        <p:nvSpPr>
+          <p:cNvPr id="68" name="Google Shape;68;ga4e45b0e5d_0_14:notes"/>
+          <p:cNvSpPr/>
+          <p:nvPr>
+            <p:ph idx="2" type="sldImg"/>
+          </p:nvPr>
+        </p:nvSpPr>
+        <p:spPr>
+          <a:xfrm>
+            <a:off x="381300" y="685800"/>
+            <a:ext cx="6096000" cy="3429000"/>
+          </a:xfrm>
+          <a:custGeom>
+            <a:rect b="b" l="l" r="r" t="t"/>
+            <a:pathLst>
+              <a:path extrusionOk="0" h="120000" w="120000">
+                <a:moveTo>
+                  <a:pt x="0" y="0"/>
+                </a:moveTo>
+                <a:lnTo>
+                  <a:pt x="120000" y="0"/>
+                </a:lnTo>
+                <a:lnTo>
+                  <a:pt x="120000" y="120000"/>
+                </a:lnTo>
+                <a:lnTo>
+                  <a:pt x="0" y="120000"/>
+                </a:lnTo>
+                <a:close/>
+              </a:path>
+            </a:pathLst>
+          </a:custGeom>
+        </p:spPr>
+      </p:sp>
+      <p:sp>
+        <p:nvSpPr>
           <p:cNvPr id="69" name="Google Shape;69;ga4e45b0e5d_0_14:notes"/>
+          <p:cNvSpPr txBox="1"/>
+          <p:nvPr>
+            <p:ph idx="1" type="body"/>
+          </p:nvPr>
+        </p:nvSpPr>
+        <p:spPr>
+          <a:xfrm>
+            <a:off x="685800" y="4343400"/>
+            <a:ext cx="5486400" cy="4114800"/>
+          </a:xfrm>
+          <a:prstGeom prst="rect">
+            <a:avLst/>
+          </a:prstGeom>
+        </p:spPr>
+        <p:txBody>
+          <a:bodyPr anchorCtr="0" anchor="t" bIns="91425" lIns="91425" spcFirstLastPara="1" rIns="91425" wrap="square" tIns="91425">
+            <a:noAutofit/>
+          </a:bodyPr>
+          <a:lstStyle/>
+          <a:p>
+            <a:pPr indent="0" lvl="0" marL="0" rtl="0" algn="l">
+              <a:spcBef>
+                <a:spcPts val="0"/>
+              </a:spcBef>
+              <a:spcAft>
+                <a:spcPts val="0"/>
+              </a:spcAft>
+              <a:buNone/>
+            </a:pPr>
+            <a:r>
+              <a:t/>
+            </a:r>
+            <a:endParaRPr/>
+          </a:p>
+        </p:txBody>
+      </p:sp>
+    </p:spTree>
+  </p:cSld>
+  <p:clrMapOvr>
+    <a:masterClrMapping/>
+  </p:clrMapOvr>
+</p:notes>
+</file>
+
+<file path=ppt/notesSlides/notesSlide40.xml><?xml version="1.0" encoding="utf-8"?>
+<p:notes xmlns:a="http://schemas.openxmlformats.org/drawingml/2006/main" xmlns:r="http://schemas.openxmlformats.org/officeDocument/2006/relationships" xmlns:mc="http://schemas.openxmlformats.org/markup-compatibility/2006" xmlns:mv="urn:schemas-microsoft-com:mac:vml" xmlns:p="http://schemas.openxmlformats.org/presentationml/2006/main" xmlns:c="http://schemas.openxmlformats.org/drawingml/2006/chart" xmlns:dgm="http://schemas.openxmlformats.org/drawingml/2006/diagram" xmlns:o="urn:schemas-microsoft-com:office:office" xmlns:v="urn:schemas-microsoft-com:vml" xmlns:pvml="urn:schemas-microsoft-com:office:powerpoint" xmlns:com="http://schemas.openxmlformats.org/drawingml/2006/compatibility" xmlns:p14="http://schemas.microsoft.com/office/powerpoint/2010/main" xmlns:p15="http://schemas.microsoft.com/office/powerpoint/2012/main" xmlns:ahyp="http://schemas.microsoft.com/office/drawing/2018/hyperlinkcolor" showMasterPhAnim="0" showMasterSp="0">
+  <p:cSld>
+    <p:spTree>
+      <p:nvGrpSpPr>
+        <p:cNvPr id="286" name="Shape 286"/>
+        <p:cNvGrpSpPr/>
+        <p:nvPr/>
+      </p:nvGrpSpPr>
+      <p:grpSpPr>
+        <a:xfrm>
+          <a:off x="0" y="0"/>
+          <a:ext cx="0" cy="0"/>
+          <a:chOff x="0" y="0"/>
+          <a:chExt cx="0" cy="0"/>
+        </a:xfrm>
+      </p:grpSpPr>
+      <p:sp>
+        <p:nvSpPr>
+          <p:cNvPr id="287" name="Google Shape;287;ga4e45b0e5d_0_219:notes"/>
+          <p:cNvSpPr/>
+          <p:nvPr>
+            <p:ph idx="2" type="sldImg"/>
+          </p:nvPr>
+        </p:nvSpPr>
+        <p:spPr>
+          <a:xfrm>
+            <a:off x="381300" y="685800"/>
+            <a:ext cx="6096000" cy="3429000"/>
+          </a:xfrm>
+          <a:custGeom>
+            <a:rect b="b" l="l" r="r" t="t"/>
+            <a:pathLst>
+              <a:path extrusionOk="0" h="120000" w="120000">
+                <a:moveTo>
+                  <a:pt x="0" y="0"/>
+                </a:moveTo>
+                <a:lnTo>
+                  <a:pt x="120000" y="0"/>
+                </a:lnTo>
+                <a:lnTo>
+                  <a:pt x="120000" y="120000"/>
+                </a:lnTo>
+                <a:lnTo>
+                  <a:pt x="0" y="120000"/>
+                </a:lnTo>
+                <a:close/>
+              </a:path>
+            </a:pathLst>
+          </a:custGeom>
+        </p:spPr>
+      </p:sp>
+      <p:sp>
+        <p:nvSpPr>
+          <p:cNvPr id="288" name="Google Shape;288;ga4e45b0e5d_0_219:notes"/>
+          <p:cNvSpPr txBox="1"/>
+          <p:nvPr>
+            <p:ph idx="1" type="body"/>
+          </p:nvPr>
+        </p:nvSpPr>
+        <p:spPr>
+          <a:xfrm>
+            <a:off x="685800" y="4343400"/>
+            <a:ext cx="5486400" cy="4114800"/>
+          </a:xfrm>
+          <a:prstGeom prst="rect">
+            <a:avLst/>
+          </a:prstGeom>
+        </p:spPr>
+        <p:txBody>
+          <a:bodyPr anchorCtr="0" anchor="t" bIns="91425" lIns="91425" spcFirstLastPara="1" rIns="91425" wrap="square" tIns="91425">
+            <a:noAutofit/>
+          </a:bodyPr>
+          <a:lstStyle/>
+          <a:p>
+            <a:pPr indent="0" lvl="0" marL="0" rtl="0" algn="l">
+              <a:spcBef>
+                <a:spcPts val="0"/>
+              </a:spcBef>
+              <a:spcAft>
+                <a:spcPts val="0"/>
+              </a:spcAft>
+              <a:buNone/>
+            </a:pPr>
+            <a:r>
+              <a:t/>
+            </a:r>
+            <a:endParaRPr/>
+          </a:p>
+        </p:txBody>
+      </p:sp>
+    </p:spTree>
+  </p:cSld>
+  <p:clrMapOvr>
+    <a:masterClrMapping/>
+  </p:clrMapOvr>
+</p:notes>
+</file>
+
+<file path=ppt/notesSlides/notesSlide41.xml><?xml version="1.0" encoding="utf-8"?>
+<p:notes xmlns:a="http://schemas.openxmlformats.org/drawingml/2006/main" xmlns:r="http://schemas.openxmlformats.org/officeDocument/2006/relationships" xmlns:mc="http://schemas.openxmlformats.org/markup-compatibility/2006" xmlns:mv="urn:schemas-microsoft-com:mac:vml" xmlns:p="http://schemas.openxmlformats.org/presentationml/2006/main" xmlns:c="http://schemas.openxmlformats.org/drawingml/2006/chart" xmlns:dgm="http://schemas.openxmlformats.org/drawingml/2006/diagram" xmlns:o="urn:schemas-microsoft-com:office:office" xmlns:v="urn:schemas-microsoft-com:vml" xmlns:pvml="urn:schemas-microsoft-com:office:powerpoint" xmlns:com="http://schemas.openxmlformats.org/drawingml/2006/compatibility" xmlns:p14="http://schemas.microsoft.com/office/powerpoint/2010/main" xmlns:p15="http://schemas.microsoft.com/office/powerpoint/2012/main" xmlns:ahyp="http://schemas.microsoft.com/office/drawing/2018/hyperlinkcolor" showMasterPhAnim="0" showMasterSp="0">
+  <p:cSld>
+    <p:spTree>
+      <p:nvGrpSpPr>
+        <p:cNvPr id="292" name="Shape 292"/>
+        <p:cNvGrpSpPr/>
+        <p:nvPr/>
+      </p:nvGrpSpPr>
+      <p:grpSpPr>
+        <a:xfrm>
+          <a:off x="0" y="0"/>
+          <a:ext cx="0" cy="0"/>
+          <a:chOff x="0" y="0"/>
+          <a:chExt cx="0" cy="0"/>
+        </a:xfrm>
+      </p:grpSpPr>
+      <p:sp>
+        <p:nvSpPr>
+          <p:cNvPr id="293" name="Google Shape;293;gf65146e941_0_83:notes"/>
+          <p:cNvSpPr/>
+          <p:nvPr>
+            <p:ph idx="2" type="sldImg"/>
+          </p:nvPr>
+        </p:nvSpPr>
+        <p:spPr>
+          <a:xfrm>
+            <a:off x="381300" y="685800"/>
+            <a:ext cx="6096000" cy="3429000"/>
+          </a:xfrm>
+          <a:custGeom>
+            <a:rect b="b" l="l" r="r" t="t"/>
+            <a:pathLst>
+              <a:path extrusionOk="0" h="120000" w="120000">
+                <a:moveTo>
+                  <a:pt x="0" y="0"/>
+                </a:moveTo>
+                <a:lnTo>
+                  <a:pt x="120000" y="0"/>
+                </a:lnTo>
+                <a:lnTo>
+                  <a:pt x="120000" y="120000"/>
+                </a:lnTo>
+                <a:lnTo>
+                  <a:pt x="0" y="120000"/>
+                </a:lnTo>
+                <a:close/>
+              </a:path>
+            </a:pathLst>
+          </a:custGeom>
+        </p:spPr>
+      </p:sp>
+      <p:sp>
+        <p:nvSpPr>
+          <p:cNvPr id="294" name="Google Shape;294;gf65146e941_0_83:notes"/>
+          <p:cNvSpPr txBox="1"/>
+          <p:nvPr>
+            <p:ph idx="1" type="body"/>
+          </p:nvPr>
+        </p:nvSpPr>
+        <p:spPr>
+          <a:xfrm>
+            <a:off x="685800" y="4343400"/>
+            <a:ext cx="5486400" cy="4114800"/>
+          </a:xfrm>
+          <a:prstGeom prst="rect">
+            <a:avLst/>
+          </a:prstGeom>
+        </p:spPr>
+        <p:txBody>
+          <a:bodyPr anchorCtr="0" anchor="t" bIns="91425" lIns="91425" spcFirstLastPara="1" rIns="91425" wrap="square" tIns="91425">
+            <a:noAutofit/>
+          </a:bodyPr>
+          <a:lstStyle/>
+          <a:p>
+            <a:pPr indent="0" lvl="0" marL="0" rtl="0" algn="l">
+              <a:spcBef>
+                <a:spcPts val="0"/>
+              </a:spcBef>
+              <a:spcAft>
+                <a:spcPts val="0"/>
+              </a:spcAft>
+              <a:buNone/>
+            </a:pPr>
+            <a:r>
+              <a:t/>
+            </a:r>
+            <a:endParaRPr/>
+          </a:p>
+        </p:txBody>
+      </p:sp>
+    </p:spTree>
+  </p:cSld>
+  <p:clrMapOvr>
+    <a:masterClrMapping/>
+  </p:clrMapOvr>
+</p:notes>
+</file>
+
+<file path=ppt/notesSlides/notesSlide42.xml><?xml version="1.0" encoding="utf-8"?>
+<p:notes xmlns:a="http://schemas.openxmlformats.org/drawingml/2006/main" xmlns:r="http://schemas.openxmlformats.org/officeDocument/2006/relationships" xmlns:mc="http://schemas.openxmlformats.org/markup-compatibility/2006" xmlns:mv="urn:schemas-microsoft-com:mac:vml" xmlns:p="http://schemas.openxmlformats.org/presentationml/2006/main" xmlns:c="http://schemas.openxmlformats.org/drawingml/2006/chart" xmlns:dgm="http://schemas.openxmlformats.org/drawingml/2006/diagram" xmlns:o="urn:schemas-microsoft-com:office:office" xmlns:v="urn:schemas-microsoft-com:vml" xmlns:pvml="urn:schemas-microsoft-com:office:powerpoint" xmlns:com="http://schemas.openxmlformats.org/drawingml/2006/compatibility" xmlns:p14="http://schemas.microsoft.com/office/powerpoint/2010/main" xmlns:p15="http://schemas.microsoft.com/office/powerpoint/2012/main" xmlns:ahyp="http://schemas.microsoft.com/office/drawing/2018/hyperlinkcolor" showMasterPhAnim="0" showMasterSp="0">
+  <p:cSld>
+    <p:spTree>
+      <p:nvGrpSpPr>
+        <p:cNvPr id="297" name="Shape 297"/>
+        <p:cNvGrpSpPr/>
+        <p:nvPr/>
+      </p:nvGrpSpPr>
+      <p:grpSpPr>
+        <a:xfrm>
+          <a:off x="0" y="0"/>
+          <a:ext cx="0" cy="0"/>
+          <a:chOff x="0" y="0"/>
+          <a:chExt cx="0" cy="0"/>
+        </a:xfrm>
+      </p:grpSpPr>
+      <p:sp>
+        <p:nvSpPr>
+          <p:cNvPr id="298" name="Google Shape;298;gf65146e941_0_78:notes"/>
+          <p:cNvSpPr/>
+          <p:nvPr>
+            <p:ph idx="2" type="sldImg"/>
+          </p:nvPr>
+        </p:nvSpPr>
+        <p:spPr>
+          <a:xfrm>
+            <a:off x="381300" y="685800"/>
+            <a:ext cx="6096000" cy="3429000"/>
+          </a:xfrm>
+          <a:custGeom>
+            <a:rect b="b" l="l" r="r" t="t"/>
+            <a:pathLst>
+              <a:path extrusionOk="0" h="120000" w="120000">
+                <a:moveTo>
+                  <a:pt x="0" y="0"/>
+                </a:moveTo>
+                <a:lnTo>
+                  <a:pt x="120000" y="0"/>
+                </a:lnTo>
+                <a:lnTo>
+                  <a:pt x="120000" y="120000"/>
+                </a:lnTo>
+                <a:lnTo>
+                  <a:pt x="0" y="120000"/>
+                </a:lnTo>
+                <a:close/>
+              </a:path>
+            </a:pathLst>
+          </a:custGeom>
+        </p:spPr>
+      </p:sp>
+      <p:sp>
+        <p:nvSpPr>
+          <p:cNvPr id="299" name="Google Shape;299;gf65146e941_0_78:notes"/>
           <p:cNvSpPr txBox="1"/>
           <p:nvPr>
             <p:ph idx="1" type="body"/>
@@ -2607,7 +4607,7 @@
       </p:grpSpPr>
       <p:sp>
         <p:nvSpPr>
-          <p:cNvPr id="86" name="Google Shape;86;ga4e45b0e5d_0_74:notes"/>
+          <p:cNvPr id="86" name="Google Shape;86;gf72ae395c1_0_0:notes"/>
           <p:cNvSpPr/>
           <p:nvPr>
             <p:ph idx="2" type="sldImg"/>
@@ -2642,7 +4642,7 @@
       </p:sp>
       <p:sp>
         <p:nvSpPr>
-          <p:cNvPr id="87" name="Google Shape;87;ga4e45b0e5d_0_74:notes"/>
+          <p:cNvPr id="87" name="Google Shape;87;gf72ae395c1_0_0:notes"/>
           <p:cNvSpPr txBox="1"/>
           <p:nvPr>
             <p:ph idx="1" type="body"/>
@@ -2706,7 +4706,7 @@
       </p:grpSpPr>
       <p:sp>
         <p:nvSpPr>
-          <p:cNvPr id="92" name="Google Shape;92;ga4e45b0e5d_0_79:notes"/>
+          <p:cNvPr id="92" name="Google Shape;92;gf72ae395c1_0_5:notes"/>
           <p:cNvSpPr/>
           <p:nvPr>
             <p:ph idx="2" type="sldImg"/>
@@ -2741,7 +4741,7 @@
       </p:sp>
       <p:sp>
         <p:nvSpPr>
-          <p:cNvPr id="93" name="Google Shape;93;ga4e45b0e5d_0_79:notes"/>
+          <p:cNvPr id="93" name="Google Shape;93;gf72ae395c1_0_5:notes"/>
           <p:cNvSpPr txBox="1"/>
           <p:nvPr>
             <p:ph idx="1" type="body"/>
@@ -2805,7 +4805,7 @@
       </p:grpSpPr>
       <p:sp>
         <p:nvSpPr>
-          <p:cNvPr id="98" name="Google Shape;98;ga4e45b0e5d_0_84:notes"/>
+          <p:cNvPr id="98" name="Google Shape;98;ga4e45b0e5d_0_74:notes"/>
           <p:cNvSpPr/>
           <p:nvPr>
             <p:ph idx="2" type="sldImg"/>
@@ -2840,7 +4840,7 @@
       </p:sp>
       <p:sp>
         <p:nvSpPr>
-          <p:cNvPr id="99" name="Google Shape;99;ga4e45b0e5d_0_84:notes"/>
+          <p:cNvPr id="99" name="Google Shape;99;ga4e45b0e5d_0_74:notes"/>
           <p:cNvSpPr txBox="1"/>
           <p:nvPr>
             <p:ph idx="1" type="body"/>
@@ -7690,7 +9690,7 @@
             </a:pPr>
             <a:r>
               <a:rPr lang="ru"/>
-              <a:t>Hash table (python)</a:t>
+              <a:t>Hash function (коллизия)</a:t>
             </a:r>
             <a:endParaRPr/>
           </a:p>
@@ -7712,8 +9712,8 @@
         </p:blipFill>
         <p:spPr>
           <a:xfrm>
-            <a:off x="2015400" y="1171575"/>
-            <a:ext cx="4591050" cy="2800350"/>
+            <a:off x="2263225" y="1017725"/>
+            <a:ext cx="5545178" cy="3820974"/>
           </a:xfrm>
           <a:prstGeom prst="rect">
             <a:avLst/>
@@ -7724,53 +9724,6 @@
           </a:ln>
         </p:spPr>
       </p:pic>
-      <p:sp>
-        <p:nvSpPr>
-          <p:cNvPr id="109" name="Google Shape;109;p22"/>
-          <p:cNvSpPr txBox="1"/>
-          <p:nvPr/>
-        </p:nvSpPr>
-        <p:spPr>
-          <a:xfrm>
-            <a:off x="3604975" y="4625575"/>
-            <a:ext cx="5426700" cy="435900"/>
-          </a:xfrm>
-          <a:prstGeom prst="rect">
-            <a:avLst/>
-          </a:prstGeom>
-          <a:noFill/>
-          <a:ln>
-            <a:noFill/>
-          </a:ln>
-        </p:spPr>
-        <p:txBody>
-          <a:bodyPr anchorCtr="0" anchor="t" bIns="91425" lIns="91425" spcFirstLastPara="1" rIns="91425" wrap="square" tIns="91425">
-            <a:noAutofit/>
-          </a:bodyPr>
-          <a:lstStyle/>
-          <a:p>
-            <a:pPr indent="0" lvl="0" marL="0" rtl="0" algn="l">
-              <a:spcBef>
-                <a:spcPts val="0"/>
-              </a:spcBef>
-              <a:spcAft>
-                <a:spcPts val="0"/>
-              </a:spcAft>
-              <a:buNone/>
-            </a:pPr>
-            <a:r>
-              <a:rPr lang="ru" u="sng">
-                <a:solidFill>
-                  <a:schemeClr val="hlink"/>
-                </a:solidFill>
-                <a:hlinkClick r:id="rId4"/>
-              </a:rPr>
-              <a:t>https://docs.python.org/3/tutorial/datastructures.html#dictionaries</a:t>
-            </a:r>
-            <a:endParaRPr/>
-          </a:p>
-        </p:txBody>
-      </p:sp>
     </p:spTree>
   </p:cSld>
   <p:clrMapOvr>
@@ -7784,7 +9737,7 @@
   <p:cSld>
     <p:spTree>
       <p:nvGrpSpPr>
-        <p:cNvPr id="113" name="Shape 113"/>
+        <p:cNvPr id="112" name="Shape 112"/>
         <p:cNvGrpSpPr/>
         <p:nvPr/>
       </p:nvGrpSpPr>
@@ -7798,7 +9751,7 @@
       </p:grpSpPr>
       <p:sp>
         <p:nvSpPr>
-          <p:cNvPr id="114" name="Google Shape;114;p23"/>
+          <p:cNvPr id="113" name="Google Shape;113;p23"/>
           <p:cNvSpPr txBox="1"/>
           <p:nvPr>
             <p:ph type="title"/>
@@ -7826,43 +9779,11 @@
               <a:spcAft>
                 <a:spcPts val="0"/>
               </a:spcAft>
-              <a:buClr>
-                <a:schemeClr val="dk1"/>
-              </a:buClr>
-              <a:buSzPts val="1100"/>
-              <a:buFont typeface="Arial"/>
               <a:buNone/>
             </a:pPr>
             <a:r>
               <a:rPr lang="ru"/>
-              <a:t>Python </a:t>
-            </a:r>
-            <a:r>
-              <a:rPr b="1" lang="ru"/>
-              <a:t>dict </a:t>
-            </a:r>
-            <a:r>
-              <a:rPr lang="ru"/>
-              <a:t>obj</a:t>
-            </a:r>
-            <a:r>
-              <a:rPr lang="ru"/>
-              <a:t> definition 1</a:t>
-            </a:r>
-            <a:endParaRPr/>
-          </a:p>
-          <a:p>
-            <a:pPr indent="0" lvl="0" marL="0" rtl="0" algn="l">
-              <a:spcBef>
-                <a:spcPts val="0"/>
-              </a:spcBef>
-              <a:spcAft>
-                <a:spcPts val="0"/>
-              </a:spcAft>
-              <a:buNone/>
-            </a:pPr>
-            <a:r>
-              <a:t/>
+              <a:t>Hash function (коллизия)</a:t>
             </a:r>
             <a:endParaRPr/>
           </a:p>
@@ -7870,7 +9791,7 @@
       </p:sp>
       <p:pic>
         <p:nvPicPr>
-          <p:cNvPr id="115" name="Google Shape;115;p23"/>
+          <p:cNvPr id="114" name="Google Shape;114;p23"/>
           <p:cNvPicPr preferRelativeResize="0"/>
           <p:nvPr/>
         </p:nvPicPr>
@@ -7884,8 +9805,8 @@
         </p:blipFill>
         <p:spPr>
           <a:xfrm>
-            <a:off x="2639225" y="1204325"/>
-            <a:ext cx="3733800" cy="3019425"/>
+            <a:off x="2371388" y="1161600"/>
+            <a:ext cx="4401213" cy="3820975"/>
           </a:xfrm>
           <a:prstGeom prst="rect">
             <a:avLst/>
@@ -7909,7 +9830,7 @@
   <p:cSld>
     <p:spTree>
       <p:nvGrpSpPr>
-        <p:cNvPr id="119" name="Shape 119"/>
+        <p:cNvPr id="118" name="Shape 118"/>
         <p:cNvGrpSpPr/>
         <p:nvPr/>
       </p:nvGrpSpPr>
@@ -7923,7 +9844,7 @@
       </p:grpSpPr>
       <p:sp>
         <p:nvSpPr>
-          <p:cNvPr id="120" name="Google Shape;120;p24"/>
+          <p:cNvPr id="119" name="Google Shape;119;p24"/>
           <p:cNvSpPr txBox="1"/>
           <p:nvPr>
             <p:ph type="title"/>
@@ -7951,71 +9872,85 @@
               <a:spcAft>
                 <a:spcPts val="0"/>
               </a:spcAft>
+              <a:buClr>
+                <a:schemeClr val="dk1"/>
+              </a:buClr>
+              <a:buSzPts val="1100"/>
+              <a:buFont typeface="Arial"/>
               <a:buNone/>
             </a:pPr>
             <a:r>
               <a:rPr lang="ru"/>
-              <a:t>Python </a:t>
-            </a:r>
-            <a:r>
-              <a:rPr b="1" lang="ru"/>
-              <a:t>dict </a:t>
-            </a:r>
-            <a:r>
-              <a:rPr lang="ru"/>
-              <a:t>obj definition </a:t>
-            </a:r>
-            <a:r>
-              <a:rPr lang="ru"/>
-              <a:t>2</a:t>
+              <a:t>Hash table</a:t>
             </a:r>
             <a:endParaRPr/>
           </a:p>
-          <a:p>
-            <a:pPr indent="0" lvl="0" marL="0" rtl="0" algn="l">
-              <a:spcBef>
-                <a:spcPts val="0"/>
-              </a:spcBef>
-              <a:spcAft>
-                <a:spcPts val="0"/>
-              </a:spcAft>
-              <a:buNone/>
-            </a:pPr>
-            <a:r>
-              <a:t/>
-            </a:r>
-            <a:endParaRPr/>
-          </a:p>
         </p:txBody>
       </p:sp>
-      <p:pic>
-        <p:nvPicPr>
-          <p:cNvPr id="121" name="Google Shape;121;p24"/>
-          <p:cNvPicPr preferRelativeResize="0"/>
-          <p:nvPr/>
-        </p:nvPicPr>
-        <p:blipFill>
-          <a:blip r:embed="rId3">
-            <a:alphaModFix/>
-          </a:blip>
-          <a:stretch>
-            <a:fillRect/>
-          </a:stretch>
-        </p:blipFill>
-        <p:spPr>
-          <a:xfrm>
-            <a:off x="2032475" y="1281225"/>
-            <a:ext cx="5638800" cy="2114550"/>
+      <p:sp>
+        <p:nvSpPr>
+          <p:cNvPr id="120" name="Google Shape;120;p24"/>
+          <p:cNvSpPr txBox="1"/>
+          <p:nvPr>
+            <p:ph idx="1" type="body"/>
+          </p:nvPr>
+        </p:nvSpPr>
+        <p:spPr>
+          <a:xfrm>
+            <a:off x="311700" y="1152475"/>
+            <a:ext cx="8520600" cy="3416400"/>
           </a:xfrm>
           <a:prstGeom prst="rect">
             <a:avLst/>
           </a:prstGeom>
-          <a:noFill/>
-          <a:ln>
-            <a:noFill/>
-          </a:ln>
-        </p:spPr>
-      </p:pic>
+        </p:spPr>
+        <p:txBody>
+          <a:bodyPr anchorCtr="0" anchor="t" bIns="91425" lIns="91425" spcFirstLastPara="1" rIns="91425" wrap="square" tIns="91425">
+            <a:noAutofit/>
+          </a:bodyPr>
+          <a:lstStyle/>
+          <a:p>
+            <a:pPr indent="0" lvl="0" marL="0" rtl="0" algn="l">
+              <a:spcBef>
+                <a:spcPts val="0"/>
+              </a:spcBef>
+              <a:spcAft>
+                <a:spcPts val="1600"/>
+              </a:spcAft>
+              <a:buNone/>
+            </a:pPr>
+            <a:r>
+              <a:rPr lang="ru"/>
+              <a:t>Еще называют хеш таблицей(дословный перевод), </a:t>
+            </a:r>
+            <a:r>
+              <a:rPr lang="ru"/>
+              <a:t>ассоциативный</a:t>
+            </a:r>
+            <a:r>
+              <a:rPr lang="ru"/>
+              <a:t> массив, словарь… Структура, которая не сохраняет порядок элементов при вставки, НО обеспечивает при этом быстрый доступ, быстрое удаление и </a:t>
+            </a:r>
+            <a:r>
+              <a:rPr lang="ru"/>
+              <a:t>вставку</a:t>
+            </a:r>
+            <a:r>
+              <a:rPr lang="ru"/>
+              <a:t>. В </a:t>
+            </a:r>
+            <a:r>
+              <a:rPr lang="ru"/>
+              <a:t>худшем</a:t>
+            </a:r>
+            <a:r>
+              <a:rPr lang="ru"/>
+              <a:t> и среднем случае работы этих функций производится за константное время в худшем за линейное.</a:t>
+            </a:r>
+            <a:endParaRPr/>
+          </a:p>
+        </p:txBody>
+      </p:sp>
     </p:spTree>
   </p:cSld>
   <p:clrMapOvr>
@@ -8029,7 +9964,7 @@
   <p:cSld>
     <p:spTree>
       <p:nvGrpSpPr>
-        <p:cNvPr id="125" name="Shape 125"/>
+        <p:cNvPr id="124" name="Shape 124"/>
         <p:cNvGrpSpPr/>
         <p:nvPr/>
       </p:nvGrpSpPr>
@@ -8043,7 +9978,7 @@
       </p:grpSpPr>
       <p:sp>
         <p:nvSpPr>
-          <p:cNvPr id="126" name="Google Shape;126;p25"/>
+          <p:cNvPr id="125" name="Google Shape;125;p25"/>
           <p:cNvSpPr txBox="1"/>
           <p:nvPr>
             <p:ph type="title"/>
@@ -8075,52 +10010,60 @@
             </a:pPr>
             <a:r>
               <a:rPr lang="ru"/>
-              <a:t>Python </a:t>
-            </a:r>
-            <a:r>
-              <a:rPr b="1" lang="ru"/>
-              <a:t>dict </a:t>
-            </a:r>
-            <a:r>
-              <a:rPr lang="ru"/>
-              <a:t>obj definition </a:t>
-            </a:r>
-            <a:r>
-              <a:rPr lang="ru"/>
-              <a:t>3</a:t>
+              <a:t>Hash table</a:t>
             </a:r>
             <a:endParaRPr/>
           </a:p>
         </p:txBody>
       </p:sp>
-      <p:pic>
-        <p:nvPicPr>
-          <p:cNvPr id="127" name="Google Shape;127;p25"/>
-          <p:cNvPicPr preferRelativeResize="0"/>
-          <p:nvPr/>
-        </p:nvPicPr>
-        <p:blipFill>
-          <a:blip r:embed="rId3">
-            <a:alphaModFix/>
-          </a:blip>
-          <a:stretch>
-            <a:fillRect/>
-          </a:stretch>
-        </p:blipFill>
-        <p:spPr>
-          <a:xfrm>
-            <a:off x="2425575" y="1802500"/>
-            <a:ext cx="4019550" cy="2628900"/>
+      <p:sp>
+        <p:nvSpPr>
+          <p:cNvPr id="126" name="Google Shape;126;p25"/>
+          <p:cNvSpPr txBox="1"/>
+          <p:nvPr>
+            <p:ph idx="1" type="body"/>
+          </p:nvPr>
+        </p:nvSpPr>
+        <p:spPr>
+          <a:xfrm>
+            <a:off x="311700" y="1152475"/>
+            <a:ext cx="8520600" cy="3416400"/>
           </a:xfrm>
           <a:prstGeom prst="rect">
             <a:avLst/>
           </a:prstGeom>
-          <a:noFill/>
-          <a:ln>
-            <a:noFill/>
-          </a:ln>
-        </p:spPr>
-      </p:pic>
+        </p:spPr>
+        <p:txBody>
+          <a:bodyPr anchorCtr="0" anchor="t" bIns="91425" lIns="91425" spcFirstLastPara="1" rIns="91425" wrap="square" tIns="91425">
+            <a:noAutofit/>
+          </a:bodyPr>
+          <a:lstStyle/>
+          <a:p>
+            <a:pPr indent="0" lvl="0" marL="0" rtl="0" algn="l">
+              <a:spcBef>
+                <a:spcPts val="0"/>
+              </a:spcBef>
+              <a:spcAft>
+                <a:spcPts val="1600"/>
+              </a:spcAft>
+              <a:buNone/>
+            </a:pPr>
+            <a:r>
+              <a:rPr lang="ru"/>
+              <a:t>Python, как и почти все языки программирования дает </a:t>
+            </a:r>
+            <a:r>
+              <a:rPr lang="ru"/>
+              <a:t>возможность</a:t>
+            </a:r>
+            <a:r>
+              <a:rPr lang="ru"/>
+              <a:t> программисту создавать такие структуры. Ключами при этом могут быть только те типы данных, которые поддерживают операцию хеширования - значениями могут быть любые типы данных.</a:t>
+            </a:r>
+            <a:endParaRPr/>
+          </a:p>
+        </p:txBody>
+      </p:sp>
     </p:spTree>
   </p:cSld>
   <p:clrMapOvr>
@@ -8134,7 +10077,7 @@
   <p:cSld>
     <p:spTree>
       <p:nvGrpSpPr>
-        <p:cNvPr id="131" name="Shape 131"/>
+        <p:cNvPr id="130" name="Shape 130"/>
         <p:cNvGrpSpPr/>
         <p:nvPr/>
       </p:nvGrpSpPr>
@@ -8148,7 +10091,7 @@
       </p:grpSpPr>
       <p:sp>
         <p:nvSpPr>
-          <p:cNvPr id="132" name="Google Shape;132;p26"/>
+          <p:cNvPr id="131" name="Google Shape;131;p26"/>
           <p:cNvSpPr txBox="1"/>
           <p:nvPr>
             <p:ph type="title"/>
@@ -8176,52 +10119,133 @@
               <a:spcAft>
                 <a:spcPts val="0"/>
               </a:spcAft>
+              <a:buClr>
+                <a:schemeClr val="dk1"/>
+              </a:buClr>
+              <a:buSzPts val="1100"/>
+              <a:buFont typeface="Arial"/>
               <a:buNone/>
             </a:pPr>
             <a:r>
               <a:rPr lang="ru"/>
-              <a:t>Python </a:t>
-            </a:r>
-            <a:r>
-              <a:rPr b="1" lang="ru"/>
-              <a:t>dict </a:t>
-            </a:r>
-            <a:r>
-              <a:rPr lang="ru"/>
-              <a:t>obj definition 3</a:t>
+              <a:t>Hash table (python)</a:t>
             </a:r>
             <a:endParaRPr/>
           </a:p>
         </p:txBody>
       </p:sp>
-      <p:pic>
-        <p:nvPicPr>
-          <p:cNvPr id="133" name="Google Shape;133;p26"/>
-          <p:cNvPicPr preferRelativeResize="0"/>
-          <p:nvPr/>
-        </p:nvPicPr>
-        <p:blipFill>
-          <a:blip r:embed="rId3">
-            <a:alphaModFix/>
-          </a:blip>
-          <a:stretch>
-            <a:fillRect/>
-          </a:stretch>
-        </p:blipFill>
-        <p:spPr>
-          <a:xfrm>
-            <a:off x="1981200" y="1212850"/>
-            <a:ext cx="5695950" cy="3248025"/>
+      <p:sp>
+        <p:nvSpPr>
+          <p:cNvPr id="132" name="Google Shape;132;p26"/>
+          <p:cNvSpPr txBox="1"/>
+          <p:nvPr>
+            <p:ph idx="1" type="body"/>
+          </p:nvPr>
+        </p:nvSpPr>
+        <p:spPr>
+          <a:xfrm>
+            <a:off x="311700" y="1152475"/>
+            <a:ext cx="8520600" cy="3416400"/>
           </a:xfrm>
           <a:prstGeom prst="rect">
             <a:avLst/>
           </a:prstGeom>
-          <a:noFill/>
-          <a:ln>
-            <a:noFill/>
-          </a:ln>
-        </p:spPr>
-      </p:pic>
+        </p:spPr>
+        <p:txBody>
+          <a:bodyPr anchorCtr="0" anchor="t" bIns="91425" lIns="91425" spcFirstLastPara="1" rIns="91425" wrap="square" tIns="91425">
+            <a:noAutofit/>
+          </a:bodyPr>
+          <a:lstStyle/>
+          <a:p>
+            <a:pPr indent="0" lvl="0" marL="0" rtl="0" algn="l">
+              <a:spcBef>
+                <a:spcPts val="0"/>
+              </a:spcBef>
+              <a:spcAft>
+                <a:spcPts val="0"/>
+              </a:spcAft>
+              <a:buNone/>
+            </a:pPr>
+            <a:r>
+              <a:rPr lang="ru"/>
+              <a:t>Словарь можно определить несколькими способами</a:t>
+            </a:r>
+            <a:endParaRPr/>
+          </a:p>
+          <a:p>
+            <a:pPr indent="-342900" lvl="0" marL="457200" rtl="0" algn="l">
+              <a:spcBef>
+                <a:spcPts val="1600"/>
+              </a:spcBef>
+              <a:spcAft>
+                <a:spcPts val="0"/>
+              </a:spcAft>
+              <a:buSzPts val="1800"/>
+              <a:buChar char="●"/>
+            </a:pPr>
+            <a:r>
+              <a:rPr lang="ru"/>
+              <a:t>Явно</a:t>
+            </a:r>
+            <a:endParaRPr/>
+          </a:p>
+          <a:p>
+            <a:pPr indent="-342900" lvl="0" marL="457200" rtl="0" algn="l">
+              <a:spcBef>
+                <a:spcPts val="0"/>
+              </a:spcBef>
+              <a:spcAft>
+                <a:spcPts val="0"/>
+              </a:spcAft>
+              <a:buSzPts val="1800"/>
+              <a:buChar char="●"/>
+            </a:pPr>
+            <a:r>
+              <a:rPr lang="ru"/>
+              <a:t>Dict </a:t>
+            </a:r>
+            <a:r>
+              <a:rPr lang="ru"/>
+              <a:t>comprehension</a:t>
+            </a:r>
+            <a:endParaRPr/>
+          </a:p>
+          <a:p>
+            <a:pPr indent="-342900" lvl="0" marL="457200" rtl="0" algn="l">
+              <a:spcBef>
+                <a:spcPts val="0"/>
+              </a:spcBef>
+              <a:spcAft>
+                <a:spcPts val="0"/>
+              </a:spcAft>
+              <a:buSzPts val="1800"/>
+              <a:buChar char="●"/>
+            </a:pPr>
+            <a:r>
+              <a:rPr lang="ru"/>
+              <a:t>через цикл</a:t>
+            </a:r>
+            <a:endParaRPr/>
+          </a:p>
+          <a:p>
+            <a:pPr indent="-342900" lvl="0" marL="457200" rtl="0" algn="l">
+              <a:spcBef>
+                <a:spcPts val="0"/>
+              </a:spcBef>
+              <a:spcAft>
+                <a:spcPts val="0"/>
+              </a:spcAft>
+              <a:buSzPts val="1800"/>
+              <a:buChar char="●"/>
+            </a:pPr>
+            <a:r>
+              <a:rPr lang="ru"/>
+              <a:t>ключевое слово dict</a:t>
+            </a:r>
+            <a:endParaRPr/>
+          </a:p>
+        </p:txBody>
+      </p:sp>
     </p:spTree>
   </p:cSld>
   <p:clrMapOvr>
@@ -8235,7 +10259,7 @@
   <p:cSld>
     <p:spTree>
       <p:nvGrpSpPr>
-        <p:cNvPr id="137" name="Shape 137"/>
+        <p:cNvPr id="136" name="Shape 136"/>
         <p:cNvGrpSpPr/>
         <p:nvPr/>
       </p:nvGrpSpPr>
@@ -8249,7 +10273,7 @@
       </p:grpSpPr>
       <p:sp>
         <p:nvSpPr>
-          <p:cNvPr id="138" name="Google Shape;138;p27"/>
+          <p:cNvPr id="137" name="Google Shape;137;p27"/>
           <p:cNvSpPr txBox="1"/>
           <p:nvPr>
             <p:ph type="title"/>
@@ -8281,60 +10305,7 @@
             </a:pPr>
             <a:r>
               <a:rPr lang="ru"/>
-              <a:t>Python </a:t>
-            </a:r>
-            <a:r>
-              <a:rPr b="1" lang="ru"/>
-              <a:t>dict </a:t>
-            </a:r>
-            <a:r>
-              <a:rPr lang="ru"/>
-              <a:t>obj definition 4</a:t>
-            </a:r>
-            <a:endParaRPr/>
-          </a:p>
-        </p:txBody>
-      </p:sp>
-      <p:sp>
-        <p:nvSpPr>
-          <p:cNvPr id="139" name="Google Shape;139;p27"/>
-          <p:cNvSpPr txBox="1"/>
-          <p:nvPr>
-            <p:ph idx="1" type="body"/>
-          </p:nvPr>
-        </p:nvSpPr>
-        <p:spPr>
-          <a:xfrm>
-            <a:off x="311700" y="4505925"/>
-            <a:ext cx="8520600" cy="498600"/>
-          </a:xfrm>
-          <a:prstGeom prst="rect">
-            <a:avLst/>
-          </a:prstGeom>
-        </p:spPr>
-        <p:txBody>
-          <a:bodyPr anchorCtr="0" anchor="t" bIns="91425" lIns="91425" spcFirstLastPara="1" rIns="91425" wrap="square" tIns="91425">
-            <a:noAutofit/>
-          </a:bodyPr>
-          <a:lstStyle/>
-          <a:p>
-            <a:pPr indent="0" lvl="0" marL="0" rtl="0" algn="l">
-              <a:spcBef>
-                <a:spcPts val="0"/>
-              </a:spcBef>
-              <a:spcAft>
-                <a:spcPts val="1600"/>
-              </a:spcAft>
-              <a:buNone/>
-            </a:pPr>
-            <a:r>
-              <a:rPr lang="ru" u="sng">
-                <a:solidFill>
-                  <a:schemeClr val="hlink"/>
-                </a:solidFill>
-                <a:hlinkClick r:id="rId3"/>
-              </a:rPr>
-              <a:t>https://docs.python.org/3/library/stdtypes.html#typesmapping</a:t>
+              <a:t>Hash table (python)</a:t>
             </a:r>
             <a:endParaRPr/>
           </a:p>
@@ -8342,12 +10313,12 @@
       </p:sp>
       <p:pic>
         <p:nvPicPr>
-          <p:cNvPr id="140" name="Google Shape;140;p27"/>
+          <p:cNvPr id="138" name="Google Shape;138;p27"/>
           <p:cNvPicPr preferRelativeResize="0"/>
           <p:nvPr/>
         </p:nvPicPr>
         <p:blipFill>
-          <a:blip r:embed="rId4">
+          <a:blip r:embed="rId3">
             <a:alphaModFix/>
           </a:blip>
           <a:stretch>
@@ -8356,8 +10327,8 @@
         </p:blipFill>
         <p:spPr>
           <a:xfrm>
-            <a:off x="989875" y="1469225"/>
-            <a:ext cx="6877050" cy="1476375"/>
+            <a:off x="2015400" y="1171575"/>
+            <a:ext cx="4591050" cy="2800350"/>
           </a:xfrm>
           <a:prstGeom prst="rect">
             <a:avLst/>
@@ -8368,6 +10339,53 @@
           </a:ln>
         </p:spPr>
       </p:pic>
+      <p:sp>
+        <p:nvSpPr>
+          <p:cNvPr id="139" name="Google Shape;139;p27"/>
+          <p:cNvSpPr txBox="1"/>
+          <p:nvPr/>
+        </p:nvSpPr>
+        <p:spPr>
+          <a:xfrm>
+            <a:off x="3604975" y="4625575"/>
+            <a:ext cx="5426700" cy="435900"/>
+          </a:xfrm>
+          <a:prstGeom prst="rect">
+            <a:avLst/>
+          </a:prstGeom>
+          <a:noFill/>
+          <a:ln>
+            <a:noFill/>
+          </a:ln>
+        </p:spPr>
+        <p:txBody>
+          <a:bodyPr anchorCtr="0" anchor="t" bIns="91425" lIns="91425" spcFirstLastPara="1" rIns="91425" wrap="square" tIns="91425">
+            <a:noAutofit/>
+          </a:bodyPr>
+          <a:lstStyle/>
+          <a:p>
+            <a:pPr indent="0" lvl="0" marL="0" rtl="0" algn="l">
+              <a:spcBef>
+                <a:spcPts val="0"/>
+              </a:spcBef>
+              <a:spcAft>
+                <a:spcPts val="0"/>
+              </a:spcAft>
+              <a:buNone/>
+            </a:pPr>
+            <a:r>
+              <a:rPr lang="ru" u="sng">
+                <a:solidFill>
+                  <a:schemeClr val="hlink"/>
+                </a:solidFill>
+                <a:hlinkClick r:id="rId4"/>
+              </a:rPr>
+              <a:t>https://docs.python.org/3/tutorial/datastructures.html#dictionaries</a:t>
+            </a:r>
+            <a:endParaRPr/>
+          </a:p>
+        </p:txBody>
+      </p:sp>
     </p:spTree>
   </p:cSld>
   <p:clrMapOvr>
@@ -8381,7 +10399,7 @@
   <p:cSld>
     <p:spTree>
       <p:nvGrpSpPr>
-        <p:cNvPr id="144" name="Shape 144"/>
+        <p:cNvPr id="143" name="Shape 143"/>
         <p:cNvGrpSpPr/>
         <p:nvPr/>
       </p:nvGrpSpPr>
@@ -8395,7 +10413,7 @@
       </p:grpSpPr>
       <p:sp>
         <p:nvSpPr>
-          <p:cNvPr id="145" name="Google Shape;145;p28"/>
+          <p:cNvPr id="144" name="Google Shape;144;p28"/>
           <p:cNvSpPr txBox="1"/>
           <p:nvPr>
             <p:ph type="title"/>
@@ -8423,56 +10441,43 @@
               <a:spcAft>
                 <a:spcPts val="0"/>
               </a:spcAft>
+              <a:buClr>
+                <a:schemeClr val="dk1"/>
+              </a:buClr>
+              <a:buSzPts val="1100"/>
+              <a:buFont typeface="Arial"/>
               <a:buNone/>
             </a:pPr>
             <a:r>
               <a:rPr lang="ru"/>
-              <a:t>Dict (проход)</a:t>
+              <a:t>Python </a:t>
+            </a:r>
+            <a:r>
+              <a:rPr b="1" lang="ru"/>
+              <a:t>dict </a:t>
+            </a:r>
+            <a:r>
+              <a:rPr lang="ru"/>
+              <a:t>obj</a:t>
+            </a:r>
+            <a:r>
+              <a:rPr lang="ru"/>
+              <a:t> definition 1</a:t>
             </a:r>
             <a:endParaRPr/>
           </a:p>
-        </p:txBody>
-      </p:sp>
-      <p:sp>
-        <p:nvSpPr>
-          <p:cNvPr id="146" name="Google Shape;146;p28"/>
-          <p:cNvSpPr txBox="1"/>
-          <p:nvPr>
-            <p:ph idx="1" type="body"/>
-          </p:nvPr>
-        </p:nvSpPr>
-        <p:spPr>
-          <a:xfrm>
-            <a:off x="0" y="4634100"/>
-            <a:ext cx="8520600" cy="473100"/>
-          </a:xfrm>
-          <a:prstGeom prst="rect">
-            <a:avLst/>
-          </a:prstGeom>
-        </p:spPr>
-        <p:txBody>
-          <a:bodyPr anchorCtr="0" anchor="t" bIns="91425" lIns="91425" spcFirstLastPara="1" rIns="91425" wrap="square" tIns="91425">
-            <a:noAutofit/>
-          </a:bodyPr>
-          <a:lstStyle/>
           <a:p>
             <a:pPr indent="0" lvl="0" marL="0" rtl="0" algn="l">
               <a:spcBef>
                 <a:spcPts val="0"/>
               </a:spcBef>
               <a:spcAft>
-                <a:spcPts val="1600"/>
-              </a:spcAft>
-              <a:buNone/>
-            </a:pPr>
-            <a:r>
-              <a:rPr lang="ru" u="sng">
-                <a:solidFill>
-                  <a:schemeClr val="hlink"/>
-                </a:solidFill>
-                <a:hlinkClick r:id="rId3"/>
-              </a:rPr>
-              <a:t>https://docs.python.org/3/library/stdtypes.html#dict</a:t>
+                <a:spcPts val="0"/>
+              </a:spcAft>
+              <a:buNone/>
+            </a:pPr>
+            <a:r>
+              <a:t/>
             </a:r>
             <a:endParaRPr/>
           </a:p>
@@ -8480,12 +10485,12 @@
       </p:sp>
       <p:pic>
         <p:nvPicPr>
-          <p:cNvPr id="147" name="Google Shape;147;p28"/>
+          <p:cNvPr id="145" name="Google Shape;145;p28"/>
           <p:cNvPicPr preferRelativeResize="0"/>
           <p:nvPr/>
         </p:nvPicPr>
         <p:blipFill>
-          <a:blip r:embed="rId4">
+          <a:blip r:embed="rId3">
             <a:alphaModFix/>
           </a:blip>
           <a:stretch>
@@ -8494,8 +10499,8 @@
         </p:blipFill>
         <p:spPr>
           <a:xfrm>
-            <a:off x="3186100" y="393775"/>
-            <a:ext cx="2879975" cy="4128150"/>
+            <a:off x="2639225" y="1204325"/>
+            <a:ext cx="3733800" cy="3019425"/>
           </a:xfrm>
           <a:prstGeom prst="rect">
             <a:avLst/>
@@ -8519,7 +10524,7 @@
   <p:cSld>
     <p:spTree>
       <p:nvGrpSpPr>
-        <p:cNvPr id="151" name="Shape 151"/>
+        <p:cNvPr id="149" name="Shape 149"/>
         <p:cNvGrpSpPr/>
         <p:nvPr/>
       </p:nvGrpSpPr>
@@ -8533,7 +10538,7 @@
       </p:grpSpPr>
       <p:sp>
         <p:nvSpPr>
-          <p:cNvPr id="152" name="Google Shape;152;p29"/>
+          <p:cNvPr id="150" name="Google Shape;150;p29"/>
           <p:cNvSpPr txBox="1"/>
           <p:nvPr>
             <p:ph type="title"/>
@@ -8565,127 +10570,67 @@
             </a:pPr>
             <a:r>
               <a:rPr lang="ru"/>
-              <a:t>Dict - ключи</a:t>
+              <a:t>Python </a:t>
+            </a:r>
+            <a:r>
+              <a:rPr b="1" lang="ru"/>
+              <a:t>dict </a:t>
+            </a:r>
+            <a:r>
+              <a:rPr lang="ru"/>
+              <a:t>obj definition </a:t>
+            </a:r>
+            <a:r>
+              <a:rPr lang="ru"/>
+              <a:t>2</a:t>
             </a:r>
             <a:endParaRPr/>
           </a:p>
+          <a:p>
+            <a:pPr indent="0" lvl="0" marL="0" rtl="0" algn="l">
+              <a:spcBef>
+                <a:spcPts val="0"/>
+              </a:spcBef>
+              <a:spcAft>
+                <a:spcPts val="0"/>
+              </a:spcAft>
+              <a:buNone/>
+            </a:pPr>
+            <a:r>
+              <a:t/>
+            </a:r>
+            <a:endParaRPr/>
+          </a:p>
         </p:txBody>
       </p:sp>
-      <p:sp>
-        <p:nvSpPr>
-          <p:cNvPr id="153" name="Google Shape;153;p29"/>
-          <p:cNvSpPr txBox="1"/>
-          <p:nvPr>
-            <p:ph idx="1" type="body"/>
-          </p:nvPr>
-        </p:nvSpPr>
-        <p:spPr>
-          <a:xfrm>
-            <a:off x="311700" y="1152475"/>
-            <a:ext cx="8520600" cy="3416400"/>
+      <p:pic>
+        <p:nvPicPr>
+          <p:cNvPr id="151" name="Google Shape;151;p29"/>
+          <p:cNvPicPr preferRelativeResize="0"/>
+          <p:nvPr/>
+        </p:nvPicPr>
+        <p:blipFill>
+          <a:blip r:embed="rId3">
+            <a:alphaModFix/>
+          </a:blip>
+          <a:stretch>
+            <a:fillRect/>
+          </a:stretch>
+        </p:blipFill>
+        <p:spPr>
+          <a:xfrm>
+            <a:off x="2032475" y="1281225"/>
+            <a:ext cx="5638800" cy="2114550"/>
           </a:xfrm>
           <a:prstGeom prst="rect">
             <a:avLst/>
           </a:prstGeom>
-        </p:spPr>
-        <p:txBody>
-          <a:bodyPr anchorCtr="0" anchor="t" bIns="91425" lIns="91425" spcFirstLastPara="1" rIns="91425" wrap="square" tIns="91425">
-            <a:noAutofit/>
-          </a:bodyPr>
-          <a:lstStyle/>
-          <a:p>
-            <a:pPr indent="-381000" lvl="0" marL="457200" rtl="0" algn="l">
-              <a:spcBef>
-                <a:spcPts val="0"/>
-              </a:spcBef>
-              <a:spcAft>
-                <a:spcPts val="0"/>
-              </a:spcAft>
-              <a:buSzPts val="2400"/>
-              <a:buChar char="-"/>
-            </a:pPr>
-            <a:r>
-              <a:rPr lang="ru" sz="2400" u="sng">
-                <a:solidFill>
-                  <a:schemeClr val="hlink"/>
-                </a:solidFill>
-                <a:hlinkClick r:id="rId3"/>
-              </a:rPr>
-              <a:t>immutable</a:t>
-            </a:r>
-            <a:r>
-              <a:rPr lang="ru" sz="2400"/>
-              <a:t> objects</a:t>
-            </a:r>
-            <a:endParaRPr sz="2400"/>
-          </a:p>
-          <a:p>
-            <a:pPr indent="-381000" lvl="0" marL="457200" rtl="0" algn="l">
-              <a:spcBef>
-                <a:spcPts val="0"/>
-              </a:spcBef>
-              <a:spcAft>
-                <a:spcPts val="0"/>
-              </a:spcAft>
-              <a:buSzPts val="2400"/>
-              <a:buChar char="-"/>
-            </a:pPr>
-            <a:r>
-              <a:rPr lang="ru" sz="2400" u="sng">
-                <a:solidFill>
-                  <a:schemeClr val="hlink"/>
-                </a:solidFill>
-                <a:hlinkClick r:id="rId4"/>
-              </a:rPr>
-              <a:t>hashable</a:t>
-            </a:r>
-            <a:endParaRPr sz="2400"/>
-          </a:p>
-          <a:p>
-            <a:pPr indent="-361950" lvl="0" marL="457200" rtl="0" algn="l">
-              <a:spcBef>
-                <a:spcPts val="0"/>
-              </a:spcBef>
-              <a:spcAft>
-                <a:spcPts val="0"/>
-              </a:spcAft>
-              <a:buSzPts val="2100"/>
-              <a:buChar char="-"/>
-            </a:pPr>
-            <a:r>
-              <a:rPr lang="ru" sz="2100">
-                <a:highlight>
-                  <a:srgbClr val="FFFFFF"/>
-                </a:highlight>
-              </a:rPr>
-              <a:t>comparable</a:t>
-            </a:r>
-            <a:r>
-              <a:rPr lang="ru" sz="2100">
-                <a:solidFill>
-                  <a:srgbClr val="222222"/>
-                </a:solidFill>
-                <a:highlight>
-                  <a:srgbClr val="FFFFFF"/>
-                </a:highlight>
-              </a:rPr>
-              <a:t> ⇒ obj1 == obj2</a:t>
-            </a:r>
-            <a:r>
-              <a:rPr lang="ru" sz="1500">
-                <a:solidFill>
-                  <a:srgbClr val="222222"/>
-                </a:solidFill>
-                <a:highlight>
-                  <a:srgbClr val="FFFFFF"/>
-                </a:highlight>
-              </a:rPr>
-              <a:t> </a:t>
-            </a:r>
-            <a:endParaRPr sz="2100"/>
-          </a:p>
-        </p:txBody>
-      </p:sp>
+          <a:noFill/>
+          <a:ln>
+            <a:noFill/>
+          </a:ln>
+        </p:spPr>
+      </p:pic>
     </p:spTree>
   </p:cSld>
   <p:clrMapOvr>
@@ -8699,7 +10644,7 @@
   <p:cSld>
     <p:spTree>
       <p:nvGrpSpPr>
-        <p:cNvPr id="157" name="Shape 157"/>
+        <p:cNvPr id="155" name="Shape 155"/>
         <p:cNvGrpSpPr/>
         <p:nvPr/>
       </p:nvGrpSpPr>
@@ -8713,7 +10658,7 @@
       </p:grpSpPr>
       <p:sp>
         <p:nvSpPr>
-          <p:cNvPr id="158" name="Google Shape;158;p30"/>
+          <p:cNvPr id="156" name="Google Shape;156;p30"/>
           <p:cNvSpPr txBox="1"/>
           <p:nvPr>
             <p:ph type="title"/>
@@ -8745,7 +10690,19 @@
             </a:pPr>
             <a:r>
               <a:rPr lang="ru"/>
-              <a:t>Dict - ключи</a:t>
+              <a:t>Python </a:t>
+            </a:r>
+            <a:r>
+              <a:rPr b="1" lang="ru"/>
+              <a:t>dict </a:t>
+            </a:r>
+            <a:r>
+              <a:rPr lang="ru"/>
+              <a:t>obj definition </a:t>
+            </a:r>
+            <a:r>
+              <a:rPr lang="ru"/>
+              <a:t>3</a:t>
             </a:r>
             <a:endParaRPr/>
           </a:p>
@@ -8753,7 +10710,7 @@
       </p:sp>
       <p:pic>
         <p:nvPicPr>
-          <p:cNvPr id="159" name="Google Shape;159;p30"/>
+          <p:cNvPr id="157" name="Google Shape;157;p30"/>
           <p:cNvPicPr preferRelativeResize="0"/>
           <p:nvPr/>
         </p:nvPicPr>
@@ -8767,8 +10724,8 @@
         </p:blipFill>
         <p:spPr>
           <a:xfrm>
-            <a:off x="983800" y="1257300"/>
-            <a:ext cx="6572250" cy="3200400"/>
+            <a:off x="2425575" y="1802500"/>
+            <a:ext cx="4019550" cy="2628900"/>
           </a:xfrm>
           <a:prstGeom prst="rect">
             <a:avLst/>
@@ -8792,7 +10749,7 @@
   <p:cSld>
     <p:spTree>
       <p:nvGrpSpPr>
-        <p:cNvPr id="163" name="Shape 163"/>
+        <p:cNvPr id="161" name="Shape 161"/>
         <p:cNvGrpSpPr/>
         <p:nvPr/>
       </p:nvGrpSpPr>
@@ -8806,7 +10763,7 @@
       </p:grpSpPr>
       <p:sp>
         <p:nvSpPr>
-          <p:cNvPr id="164" name="Google Shape;164;p31"/>
+          <p:cNvPr id="162" name="Google Shape;162;p31"/>
           <p:cNvSpPr txBox="1"/>
           <p:nvPr>
             <p:ph type="title"/>
@@ -8838,46 +10795,15 @@
             </a:pPr>
             <a:r>
               <a:rPr lang="ru"/>
-              <a:t>Dict - ключи</a:t>
-            </a:r>
-            <a:endParaRPr/>
-          </a:p>
-        </p:txBody>
-      </p:sp>
-      <p:sp>
-        <p:nvSpPr>
-          <p:cNvPr id="165" name="Google Shape;165;p31"/>
-          <p:cNvSpPr txBox="1"/>
-          <p:nvPr>
-            <p:ph idx="1" type="body"/>
-          </p:nvPr>
-        </p:nvSpPr>
-        <p:spPr>
-          <a:xfrm>
-            <a:off x="311700" y="1152475"/>
-            <a:ext cx="8520600" cy="3416400"/>
-          </a:xfrm>
-          <a:prstGeom prst="rect">
-            <a:avLst/>
-          </a:prstGeom>
-        </p:spPr>
-        <p:txBody>
-          <a:bodyPr anchorCtr="0" anchor="t" bIns="91425" lIns="91425" spcFirstLastPara="1" rIns="91425" wrap="square" tIns="91425">
-            <a:noAutofit/>
-          </a:bodyPr>
-          <a:lstStyle/>
-          <a:p>
-            <a:pPr indent="0" lvl="0" marL="0" rtl="0" algn="l">
-              <a:spcBef>
-                <a:spcPts val="0"/>
-              </a:spcBef>
-              <a:spcAft>
-                <a:spcPts val="1600"/>
-              </a:spcAft>
-              <a:buNone/>
-            </a:pPr>
-            <a:r>
-              <a:t/>
+              <a:t>Python </a:t>
+            </a:r>
+            <a:r>
+              <a:rPr b="1" lang="ru"/>
+              <a:t>dict </a:t>
+            </a:r>
+            <a:r>
+              <a:rPr lang="ru"/>
+              <a:t>obj definition 3</a:t>
             </a:r>
             <a:endParaRPr/>
           </a:p>
@@ -8885,7 +10811,7 @@
       </p:sp>
       <p:pic>
         <p:nvPicPr>
-          <p:cNvPr id="166" name="Google Shape;166;p31"/>
+          <p:cNvPr id="163" name="Google Shape;163;p31"/>
           <p:cNvPicPr preferRelativeResize="0"/>
           <p:nvPr/>
         </p:nvPicPr>
@@ -8899,8 +10825,8 @@
         </p:blipFill>
         <p:spPr>
           <a:xfrm>
-            <a:off x="0" y="1288275"/>
-            <a:ext cx="9144001" cy="3144800"/>
+            <a:off x="1981200" y="1212850"/>
+            <a:ext cx="5695950" cy="3248025"/>
           </a:xfrm>
           <a:prstGeom prst="rect">
             <a:avLst/>
@@ -9052,7 +10978,7 @@
   <p:cSld>
     <p:spTree>
       <p:nvGrpSpPr>
-        <p:cNvPr id="170" name="Shape 170"/>
+        <p:cNvPr id="167" name="Shape 167"/>
         <p:cNvGrpSpPr/>
         <p:nvPr/>
       </p:nvGrpSpPr>
@@ -9066,7 +10992,7 @@
       </p:grpSpPr>
       <p:sp>
         <p:nvSpPr>
-          <p:cNvPr id="171" name="Google Shape;171;p32"/>
+          <p:cNvPr id="168" name="Google Shape;168;p32"/>
           <p:cNvSpPr txBox="1"/>
           <p:nvPr>
             <p:ph type="title"/>
@@ -9098,7 +11024,15 @@
             </a:pPr>
             <a:r>
               <a:rPr lang="ru"/>
-              <a:t>Множество (Set)</a:t>
+              <a:t>Python </a:t>
+            </a:r>
+            <a:r>
+              <a:rPr b="1" lang="ru"/>
+              <a:t>dict </a:t>
+            </a:r>
+            <a:r>
+              <a:rPr lang="ru"/>
+              <a:t>obj definition 4</a:t>
             </a:r>
             <a:endParaRPr/>
           </a:p>
@@ -9106,7 +11040,7 @@
       </p:sp>
       <p:sp>
         <p:nvSpPr>
-          <p:cNvPr id="172" name="Google Shape;172;p32"/>
+          <p:cNvPr id="169" name="Google Shape;169;p32"/>
           <p:cNvSpPr txBox="1"/>
           <p:nvPr>
             <p:ph idx="1" type="body"/>
@@ -9114,8 +11048,8 @@
         </p:nvSpPr>
         <p:spPr>
           <a:xfrm>
-            <a:off x="311700" y="4557200"/>
-            <a:ext cx="8520600" cy="464700"/>
+            <a:off x="311700" y="4505925"/>
+            <a:ext cx="8520600" cy="498600"/>
           </a:xfrm>
           <a:prstGeom prst="rect">
             <a:avLst/>
@@ -9143,7 +11077,7 @@
                 </a:solidFill>
                 <a:hlinkClick r:id="rId3"/>
               </a:rPr>
-              <a:t>https://docs.python.org/3/tutorial/datastructures.html#sets</a:t>
+              <a:t>https://docs.python.org/3/library/stdtypes.html#typesmapping</a:t>
             </a:r>
             <a:endParaRPr/>
           </a:p>
@@ -9151,7 +11085,7 @@
       </p:sp>
       <p:pic>
         <p:nvPicPr>
-          <p:cNvPr id="173" name="Google Shape;173;p32"/>
+          <p:cNvPr id="170" name="Google Shape;170;p32"/>
           <p:cNvPicPr preferRelativeResize="0"/>
           <p:nvPr/>
         </p:nvPicPr>
@@ -9165,8 +11099,8 @@
         </p:blipFill>
         <p:spPr>
           <a:xfrm>
-            <a:off x="2699025" y="1110300"/>
-            <a:ext cx="3461542" cy="3234675"/>
+            <a:off x="989875" y="1469225"/>
+            <a:ext cx="6877050" cy="1476375"/>
           </a:xfrm>
           <a:prstGeom prst="rect">
             <a:avLst/>
@@ -9190,7 +11124,7 @@
   <p:cSld>
     <p:spTree>
       <p:nvGrpSpPr>
-        <p:cNvPr id="177" name="Shape 177"/>
+        <p:cNvPr id="174" name="Shape 174"/>
         <p:cNvGrpSpPr/>
         <p:nvPr/>
       </p:nvGrpSpPr>
@@ -9204,7 +11138,7 @@
       </p:grpSpPr>
       <p:sp>
         <p:nvSpPr>
-          <p:cNvPr id="178" name="Google Shape;178;p33"/>
+          <p:cNvPr id="175" name="Google Shape;175;p33"/>
           <p:cNvSpPr txBox="1"/>
           <p:nvPr>
             <p:ph type="title"/>
@@ -9212,7 +11146,7 @@
         </p:nvSpPr>
         <p:spPr>
           <a:xfrm>
-            <a:off x="311700" y="445025"/>
+            <a:off x="311700" y="279350"/>
             <a:ext cx="8520600" cy="572700"/>
           </a:xfrm>
           <a:prstGeom prst="rect">
@@ -9232,6 +11166,46 @@
               <a:spcAft>
                 <a:spcPts val="0"/>
               </a:spcAft>
+              <a:buNone/>
+            </a:pPr>
+            <a:r>
+              <a:rPr lang="ru"/>
+              <a:t>Dict - операции</a:t>
+            </a:r>
+            <a:endParaRPr/>
+          </a:p>
+        </p:txBody>
+      </p:sp>
+      <p:sp>
+        <p:nvSpPr>
+          <p:cNvPr id="176" name="Google Shape;176;p33"/>
+          <p:cNvSpPr txBox="1"/>
+          <p:nvPr>
+            <p:ph idx="1" type="body"/>
+          </p:nvPr>
+        </p:nvSpPr>
+        <p:spPr>
+          <a:xfrm>
+            <a:off x="311700" y="821100"/>
+            <a:ext cx="8520600" cy="3416400"/>
+          </a:xfrm>
+          <a:prstGeom prst="rect">
+            <a:avLst/>
+          </a:prstGeom>
+        </p:spPr>
+        <p:txBody>
+          <a:bodyPr anchorCtr="0" anchor="t" bIns="91425" lIns="91425" spcFirstLastPara="1" rIns="91425" wrap="square" tIns="91425">
+            <a:noAutofit/>
+          </a:bodyPr>
+          <a:lstStyle/>
+          <a:p>
+            <a:pPr indent="0" lvl="0" marL="0" rtl="0" algn="l">
+              <a:spcBef>
+                <a:spcPts val="600"/>
+              </a:spcBef>
+              <a:spcAft>
+                <a:spcPts val="0"/>
+              </a:spcAft>
               <a:buClr>
                 <a:schemeClr val="dk1"/>
               </a:buClr>
@@ -9240,56 +11214,321 @@
               <a:buNone/>
             </a:pPr>
             <a:r>
-              <a:rPr lang="ru"/>
-              <a:t>Множество (Set)</a:t>
-            </a:r>
-            <a:endParaRPr/>
+              <a:rPr b="1" lang="ru">
+                <a:solidFill>
+                  <a:srgbClr val="454545"/>
+                </a:solidFill>
+                <a:highlight>
+                  <a:srgbClr val="FFFFFF"/>
+                </a:highlight>
+              </a:rPr>
+              <a:t>dict.clear</a:t>
+            </a:r>
+            <a:r>
+              <a:rPr lang="ru">
+                <a:solidFill>
+                  <a:srgbClr val="454545"/>
+                </a:solidFill>
+                <a:highlight>
+                  <a:srgbClr val="FFFFFF"/>
+                </a:highlight>
+              </a:rPr>
+              <a:t>() - очищает словарь.</a:t>
+            </a:r>
+            <a:endParaRPr>
+              <a:solidFill>
+                <a:srgbClr val="454545"/>
+              </a:solidFill>
+              <a:highlight>
+                <a:srgbClr val="FFFFFF"/>
+              </a:highlight>
+            </a:endParaRPr>
           </a:p>
           <a:p>
             <a:pPr indent="0" lvl="0" marL="0" rtl="0" algn="l">
               <a:spcBef>
-                <a:spcPts val="0"/>
-              </a:spcBef>
-              <a:spcAft>
-                <a:spcPts val="0"/>
+                <a:spcPts val="600"/>
+              </a:spcBef>
+              <a:spcAft>
+                <a:spcPts val="0"/>
+              </a:spcAft>
+              <a:buClr>
+                <a:schemeClr val="dk1"/>
+              </a:buClr>
+              <a:buSzPts val="1100"/>
+              <a:buFont typeface="Arial"/>
+              <a:buNone/>
+            </a:pPr>
+            <a:r>
+              <a:rPr b="1" lang="ru">
+                <a:solidFill>
+                  <a:srgbClr val="454545"/>
+                </a:solidFill>
+                <a:highlight>
+                  <a:srgbClr val="FFFFFF"/>
+                </a:highlight>
+              </a:rPr>
+              <a:t>dict.copy</a:t>
+            </a:r>
+            <a:r>
+              <a:rPr lang="ru">
+                <a:solidFill>
+                  <a:srgbClr val="454545"/>
+                </a:solidFill>
+                <a:highlight>
+                  <a:srgbClr val="FFFFFF"/>
+                </a:highlight>
+              </a:rPr>
+              <a:t>() - возвращает копию словаря.</a:t>
+            </a:r>
+            <a:endParaRPr>
+              <a:solidFill>
+                <a:srgbClr val="454545"/>
+              </a:solidFill>
+              <a:highlight>
+                <a:srgbClr val="FFFFFF"/>
+              </a:highlight>
+            </a:endParaRPr>
+          </a:p>
+          <a:p>
+            <a:pPr indent="0" lvl="0" marL="0" rtl="0" algn="l">
+              <a:spcBef>
+                <a:spcPts val="600"/>
+              </a:spcBef>
+              <a:spcAft>
+                <a:spcPts val="0"/>
+              </a:spcAft>
+              <a:buClr>
+                <a:schemeClr val="dk1"/>
+              </a:buClr>
+              <a:buSzPts val="1100"/>
+              <a:buFont typeface="Arial"/>
+              <a:buNone/>
+            </a:pPr>
+            <a:r>
+              <a:rPr b="1" lang="ru">
+                <a:solidFill>
+                  <a:srgbClr val="454545"/>
+                </a:solidFill>
+                <a:highlight>
+                  <a:srgbClr val="FFFFFF"/>
+                </a:highlight>
+              </a:rPr>
+              <a:t>dict.get</a:t>
+            </a:r>
+            <a:r>
+              <a:rPr lang="ru">
+                <a:solidFill>
+                  <a:srgbClr val="454545"/>
+                </a:solidFill>
+                <a:highlight>
+                  <a:srgbClr val="FFFFFF"/>
+                </a:highlight>
+              </a:rPr>
+              <a:t>(key[, default]) - возвращает значение ключа, но если его нет, не бросает исключение, а возвращает default (по умолчанию None).</a:t>
+            </a:r>
+            <a:endParaRPr>
+              <a:solidFill>
+                <a:srgbClr val="454545"/>
+              </a:solidFill>
+              <a:highlight>
+                <a:srgbClr val="FFFFFF"/>
+              </a:highlight>
+            </a:endParaRPr>
+          </a:p>
+          <a:p>
+            <a:pPr indent="0" lvl="0" marL="0" rtl="0" algn="l">
+              <a:spcBef>
+                <a:spcPts val="600"/>
+              </a:spcBef>
+              <a:spcAft>
+                <a:spcPts val="0"/>
+              </a:spcAft>
+              <a:buClr>
+                <a:schemeClr val="dk1"/>
+              </a:buClr>
+              <a:buSzPts val="1100"/>
+              <a:buFont typeface="Arial"/>
+              <a:buNone/>
+            </a:pPr>
+            <a:r>
+              <a:rPr b="1" lang="ru">
+                <a:solidFill>
+                  <a:srgbClr val="454545"/>
+                </a:solidFill>
+                <a:highlight>
+                  <a:srgbClr val="FFFFFF"/>
+                </a:highlight>
+              </a:rPr>
+              <a:t>dict.items</a:t>
+            </a:r>
+            <a:r>
+              <a:rPr lang="ru">
+                <a:solidFill>
+                  <a:srgbClr val="454545"/>
+                </a:solidFill>
+                <a:highlight>
+                  <a:srgbClr val="FFFFFF"/>
+                </a:highlight>
+              </a:rPr>
+              <a:t>() - возвращает пары (ключ, значение).</a:t>
+            </a:r>
+            <a:endParaRPr>
+              <a:solidFill>
+                <a:srgbClr val="454545"/>
+              </a:solidFill>
+              <a:highlight>
+                <a:srgbClr val="FFFFFF"/>
+              </a:highlight>
+            </a:endParaRPr>
+          </a:p>
+          <a:p>
+            <a:pPr indent="0" lvl="0" marL="0" rtl="0" algn="l">
+              <a:spcBef>
+                <a:spcPts val="600"/>
+              </a:spcBef>
+              <a:spcAft>
+                <a:spcPts val="0"/>
+              </a:spcAft>
+              <a:buNone/>
+            </a:pPr>
+            <a:r>
+              <a:rPr b="1" lang="ru">
+                <a:solidFill>
+                  <a:srgbClr val="454545"/>
+                </a:solidFill>
+                <a:highlight>
+                  <a:srgbClr val="FFFFFF"/>
+                </a:highlight>
+              </a:rPr>
+              <a:t>dict.keys</a:t>
+            </a:r>
+            <a:r>
+              <a:rPr lang="ru">
+                <a:solidFill>
+                  <a:srgbClr val="454545"/>
+                </a:solidFill>
+                <a:highlight>
+                  <a:srgbClr val="FFFFFF"/>
+                </a:highlight>
+              </a:rPr>
+              <a:t>() - возвращает ключи в словаре.</a:t>
+            </a:r>
+            <a:endParaRPr>
+              <a:solidFill>
+                <a:srgbClr val="454545"/>
+              </a:solidFill>
+              <a:highlight>
+                <a:srgbClr val="FFFFFF"/>
+              </a:highlight>
+            </a:endParaRPr>
+          </a:p>
+          <a:p>
+            <a:pPr indent="0" lvl="0" marL="0" rtl="0" algn="l">
+              <a:spcBef>
+                <a:spcPts val="600"/>
+              </a:spcBef>
+              <a:spcAft>
+                <a:spcPts val="0"/>
+              </a:spcAft>
+              <a:buNone/>
+            </a:pPr>
+            <a:r>
+              <a:rPr b="1" lang="ru">
+                <a:solidFill>
+                  <a:srgbClr val="454545"/>
+                </a:solidFill>
+                <a:highlight>
+                  <a:srgbClr val="FFFFFF"/>
+                </a:highlight>
+              </a:rPr>
+              <a:t>dict.pop</a:t>
+            </a:r>
+            <a:r>
+              <a:rPr lang="ru">
+                <a:solidFill>
+                  <a:srgbClr val="454545"/>
+                </a:solidFill>
+                <a:highlight>
+                  <a:srgbClr val="FFFFFF"/>
+                </a:highlight>
+              </a:rPr>
+              <a:t>(key[, default]) - удаляет ключ и возвращает значение. Если ключа нет, возвращает default (по умолчанию бросает исключение).</a:t>
+            </a:r>
+            <a:endParaRPr>
+              <a:solidFill>
+                <a:srgbClr val="454545"/>
+              </a:solidFill>
+              <a:highlight>
+                <a:srgbClr val="FFFFFF"/>
+              </a:highlight>
+            </a:endParaRPr>
+          </a:p>
+          <a:p>
+            <a:pPr indent="0" lvl="0" marL="0" rtl="0" algn="l">
+              <a:spcBef>
+                <a:spcPts val="600"/>
+              </a:spcBef>
+              <a:spcAft>
+                <a:spcPts val="0"/>
+              </a:spcAft>
+              <a:buNone/>
+            </a:pPr>
+            <a:r>
+              <a:rPr b="1" lang="ru">
+                <a:solidFill>
+                  <a:srgbClr val="454545"/>
+                </a:solidFill>
+                <a:highlight>
+                  <a:srgbClr val="FFFFFF"/>
+                </a:highlight>
+              </a:rPr>
+              <a:t>dict.popitem</a:t>
+            </a:r>
+            <a:r>
+              <a:rPr lang="ru">
+                <a:solidFill>
+                  <a:srgbClr val="454545"/>
+                </a:solidFill>
+                <a:highlight>
+                  <a:srgbClr val="FFFFFF"/>
+                </a:highlight>
+              </a:rPr>
+              <a:t>() - удаляет и возвращает пару (ключ, значение). Если словарь пуст, бросает исключение KeyError. Помните, что словари неупорядочены.</a:t>
+            </a:r>
+            <a:endParaRPr>
+              <a:solidFill>
+                <a:srgbClr val="454545"/>
+              </a:solidFill>
+              <a:highlight>
+                <a:srgbClr val="FFFFFF"/>
+              </a:highlight>
+            </a:endParaRPr>
+          </a:p>
+          <a:p>
+            <a:pPr indent="0" lvl="0" marL="0" rtl="0" algn="l">
+              <a:spcBef>
+                <a:spcPts val="600"/>
+              </a:spcBef>
+              <a:spcAft>
+                <a:spcPts val="600"/>
               </a:spcAft>
               <a:buNone/>
             </a:pPr>
             <a:r>
               <a:t/>
             </a:r>
-            <a:endParaRPr/>
+            <a:endParaRPr>
+              <a:solidFill>
+                <a:srgbClr val="454545"/>
+              </a:solidFill>
+              <a:highlight>
+                <a:srgbClr val="FFFFFF"/>
+              </a:highlight>
+            </a:endParaRPr>
           </a:p>
         </p:txBody>
       </p:sp>
-      <p:pic>
-        <p:nvPicPr>
-          <p:cNvPr id="179" name="Google Shape;179;p33"/>
-          <p:cNvPicPr preferRelativeResize="0"/>
-          <p:nvPr/>
-        </p:nvPicPr>
-        <p:blipFill>
-          <a:blip r:embed="rId3">
-            <a:alphaModFix/>
-          </a:blip>
-          <a:stretch>
-            <a:fillRect/>
-          </a:stretch>
-        </p:blipFill>
-        <p:spPr>
-          <a:xfrm>
-            <a:off x="2434125" y="1238475"/>
-            <a:ext cx="4035054" cy="3820976"/>
-          </a:xfrm>
-          <a:prstGeom prst="rect">
-            <a:avLst/>
-          </a:prstGeom>
-          <a:noFill/>
-          <a:ln>
-            <a:noFill/>
-          </a:ln>
-        </p:spPr>
-      </p:pic>
     </p:spTree>
   </p:cSld>
   <p:clrMapOvr>
@@ -9303,7 +11542,7 @@
   <p:cSld>
     <p:spTree>
       <p:nvGrpSpPr>
-        <p:cNvPr id="183" name="Shape 183"/>
+        <p:cNvPr id="180" name="Shape 180"/>
         <p:cNvGrpSpPr/>
         <p:nvPr/>
       </p:nvGrpSpPr>
@@ -9317,7 +11556,7 @@
       </p:grpSpPr>
       <p:sp>
         <p:nvSpPr>
-          <p:cNvPr id="184" name="Google Shape;184;p34"/>
+          <p:cNvPr id="181" name="Google Shape;181;p34"/>
           <p:cNvSpPr txBox="1"/>
           <p:nvPr>
             <p:ph type="title"/>
@@ -9325,7 +11564,7 @@
         </p:nvSpPr>
         <p:spPr>
           <a:xfrm>
-            <a:off x="311700" y="445025"/>
+            <a:off x="311700" y="134350"/>
             <a:ext cx="8520600" cy="572700"/>
           </a:xfrm>
           <a:prstGeom prst="rect">
@@ -9349,7 +11588,7 @@
             </a:pPr>
             <a:r>
               <a:rPr lang="ru"/>
-              <a:t>Практическая Часть</a:t>
+              <a:t>Dict - операции</a:t>
             </a:r>
             <a:endParaRPr/>
           </a:p>
@@ -9357,14 +11596,264 @@
       </p:sp>
       <p:sp>
         <p:nvSpPr>
-          <p:cNvPr id="185" name="Google Shape;185;p34"/>
+          <p:cNvPr id="182" name="Google Shape;182;p34"/>
           <p:cNvSpPr txBox="1"/>
+          <p:nvPr>
+            <p:ph idx="1" type="body"/>
+          </p:nvPr>
+        </p:nvSpPr>
+        <p:spPr>
+          <a:xfrm>
+            <a:off x="311700" y="765850"/>
+            <a:ext cx="8520600" cy="3416400"/>
+          </a:xfrm>
+          <a:prstGeom prst="rect">
+            <a:avLst/>
+          </a:prstGeom>
+        </p:spPr>
+        <p:txBody>
+          <a:bodyPr anchorCtr="0" anchor="t" bIns="91425" lIns="91425" spcFirstLastPara="1" rIns="91425" wrap="square" tIns="91425">
+            <a:noAutofit/>
+          </a:bodyPr>
+          <a:lstStyle/>
+          <a:p>
+            <a:pPr indent="0" lvl="0" marL="0" rtl="0" algn="l">
+              <a:spcBef>
+                <a:spcPts val="600"/>
+              </a:spcBef>
+              <a:spcAft>
+                <a:spcPts val="0"/>
+              </a:spcAft>
+              <a:buClr>
+                <a:schemeClr val="dk1"/>
+              </a:buClr>
+              <a:buSzPts val="1100"/>
+              <a:buFont typeface="Arial"/>
+              <a:buNone/>
+            </a:pPr>
+            <a:r>
+              <a:rPr b="1" lang="ru">
+                <a:solidFill>
+                  <a:srgbClr val="454545"/>
+                </a:solidFill>
+                <a:highlight>
+                  <a:srgbClr val="FFFFFF"/>
+                </a:highlight>
+              </a:rPr>
+              <a:t>dict.setdefault</a:t>
+            </a:r>
+            <a:r>
+              <a:rPr lang="ru">
+                <a:solidFill>
+                  <a:srgbClr val="454545"/>
+                </a:solidFill>
+                <a:highlight>
+                  <a:srgbClr val="FFFFFF"/>
+                </a:highlight>
+              </a:rPr>
+              <a:t>(key[, default]) - возвращает значение ключа, но если его нет, не бросает исключение, а создает ключ со значением default (по умолчанию None).</a:t>
+            </a:r>
+            <a:endParaRPr>
+              <a:solidFill>
+                <a:srgbClr val="454545"/>
+              </a:solidFill>
+              <a:highlight>
+                <a:srgbClr val="FFFFFF"/>
+              </a:highlight>
+            </a:endParaRPr>
+          </a:p>
+          <a:p>
+            <a:pPr indent="0" lvl="0" marL="0" rtl="0" algn="l">
+              <a:spcBef>
+                <a:spcPts val="600"/>
+              </a:spcBef>
+              <a:spcAft>
+                <a:spcPts val="0"/>
+              </a:spcAft>
+              <a:buClr>
+                <a:schemeClr val="dk1"/>
+              </a:buClr>
+              <a:buSzPts val="1100"/>
+              <a:buFont typeface="Arial"/>
+              <a:buNone/>
+            </a:pPr>
+            <a:r>
+              <a:rPr b="1" lang="ru">
+                <a:solidFill>
+                  <a:srgbClr val="454545"/>
+                </a:solidFill>
+                <a:highlight>
+                  <a:srgbClr val="FFFFFF"/>
+                </a:highlight>
+              </a:rPr>
+              <a:t>dict.update</a:t>
+            </a:r>
+            <a:r>
+              <a:rPr lang="ru">
+                <a:solidFill>
+                  <a:srgbClr val="454545"/>
+                </a:solidFill>
+                <a:highlight>
+                  <a:srgbClr val="FFFFFF"/>
+                </a:highlight>
+              </a:rPr>
+              <a:t>([other]) - обновляет словарь, добавляя пары (ключ, значение) из other. Существующие ключи перезаписываются. Возвращает None (не новый словарь!).</a:t>
+            </a:r>
+            <a:endParaRPr>
+              <a:solidFill>
+                <a:srgbClr val="454545"/>
+              </a:solidFill>
+              <a:highlight>
+                <a:srgbClr val="FFFFFF"/>
+              </a:highlight>
+            </a:endParaRPr>
+          </a:p>
+          <a:p>
+            <a:pPr indent="0" lvl="0" marL="0" rtl="0" algn="l">
+              <a:spcBef>
+                <a:spcPts val="600"/>
+              </a:spcBef>
+              <a:spcAft>
+                <a:spcPts val="0"/>
+              </a:spcAft>
+              <a:buClr>
+                <a:schemeClr val="dk1"/>
+              </a:buClr>
+              <a:buSzPts val="1100"/>
+              <a:buFont typeface="Arial"/>
+              <a:buNone/>
+            </a:pPr>
+            <a:r>
+              <a:rPr b="1" lang="ru">
+                <a:solidFill>
+                  <a:srgbClr val="454545"/>
+                </a:solidFill>
+                <a:highlight>
+                  <a:srgbClr val="FFFFFF"/>
+                </a:highlight>
+              </a:rPr>
+              <a:t>dict.values</a:t>
+            </a:r>
+            <a:r>
+              <a:rPr lang="ru">
+                <a:solidFill>
+                  <a:srgbClr val="454545"/>
+                </a:solidFill>
+                <a:highlight>
+                  <a:srgbClr val="FFFFFF"/>
+                </a:highlight>
+              </a:rPr>
+              <a:t>() - возвращает значения в словаре.</a:t>
+            </a:r>
+            <a:endParaRPr>
+              <a:solidFill>
+                <a:srgbClr val="454545"/>
+              </a:solidFill>
+              <a:highlight>
+                <a:srgbClr val="FFFFFF"/>
+              </a:highlight>
+            </a:endParaRPr>
+          </a:p>
+          <a:p>
+            <a:pPr indent="0" lvl="0" marL="0" rtl="0" algn="l">
+              <a:spcBef>
+                <a:spcPts val="0"/>
+              </a:spcBef>
+              <a:spcAft>
+                <a:spcPts val="1600"/>
+              </a:spcAft>
+              <a:buNone/>
+            </a:pPr>
+            <a:r>
+              <a:t/>
+            </a:r>
+            <a:endParaRPr/>
+          </a:p>
+        </p:txBody>
+      </p:sp>
+    </p:spTree>
+  </p:cSld>
+  <p:clrMapOvr>
+    <a:masterClrMapping/>
+  </p:clrMapOvr>
+</p:sld>
+</file>
+
+<file path=ppt/slides/slide23.xml><?xml version="1.0" encoding="utf-8"?>
+<p:sld xmlns:a="http://schemas.openxmlformats.org/drawingml/2006/main" xmlns:r="http://schemas.openxmlformats.org/officeDocument/2006/relationships" xmlns:mc="http://schemas.openxmlformats.org/markup-compatibility/2006" xmlns:mv="urn:schemas-microsoft-com:mac:vml" xmlns:p="http://schemas.openxmlformats.org/presentationml/2006/main" xmlns:c="http://schemas.openxmlformats.org/drawingml/2006/chart" xmlns:dgm="http://schemas.openxmlformats.org/drawingml/2006/diagram" xmlns:o="urn:schemas-microsoft-com:office:office" xmlns:v="urn:schemas-microsoft-com:vml" xmlns:pvml="urn:schemas-microsoft-com:office:powerpoint" xmlns:com="http://schemas.openxmlformats.org/drawingml/2006/compatibility" xmlns:p14="http://schemas.microsoft.com/office/powerpoint/2010/main" xmlns:p15="http://schemas.microsoft.com/office/powerpoint/2012/main" xmlns:ahyp="http://schemas.microsoft.com/office/drawing/2018/hyperlinkcolor">
+  <p:cSld>
+    <p:spTree>
+      <p:nvGrpSpPr>
+        <p:cNvPr id="186" name="Shape 186"/>
+        <p:cNvGrpSpPr/>
+        <p:nvPr/>
+      </p:nvGrpSpPr>
+      <p:grpSpPr>
+        <a:xfrm>
+          <a:off x="0" y="0"/>
+          <a:ext cx="0" cy="0"/>
+          <a:chOff x="0" y="0"/>
+          <a:chExt cx="0" cy="0"/>
+        </a:xfrm>
+      </p:grpSpPr>
+      <p:sp>
+        <p:nvSpPr>
+          <p:cNvPr id="187" name="Google Shape;187;p35"/>
+          <p:cNvSpPr txBox="1"/>
+          <p:nvPr>
+            <p:ph type="title"/>
+          </p:nvPr>
+        </p:nvSpPr>
+        <p:spPr>
+          <a:xfrm>
+            <a:off x="311700" y="445025"/>
+            <a:ext cx="8520600" cy="572700"/>
+          </a:xfrm>
+          <a:prstGeom prst="rect">
+            <a:avLst/>
+          </a:prstGeom>
+        </p:spPr>
+        <p:txBody>
+          <a:bodyPr anchorCtr="0" anchor="t" bIns="91425" lIns="91425" spcFirstLastPara="1" rIns="91425" wrap="square" tIns="91425">
+            <a:noAutofit/>
+          </a:bodyPr>
+          <a:lstStyle/>
+          <a:p>
+            <a:pPr indent="0" lvl="0" marL="0" rtl="0" algn="l">
+              <a:spcBef>
+                <a:spcPts val="0"/>
+              </a:spcBef>
+              <a:spcAft>
+                <a:spcPts val="0"/>
+              </a:spcAft>
+              <a:buNone/>
+            </a:pPr>
+            <a:r>
+              <a:rPr lang="ru"/>
+              <a:t>Dict (проход)</a:t>
+            </a:r>
+            <a:endParaRPr/>
+          </a:p>
+        </p:txBody>
+      </p:sp>
+      <p:pic>
+        <p:nvPicPr>
+          <p:cNvPr id="188" name="Google Shape;188;p35"/>
+          <p:cNvPicPr preferRelativeResize="0"/>
           <p:nvPr/>
-        </p:nvSpPr>
-        <p:spPr>
-          <a:xfrm>
-            <a:off x="421350" y="1153325"/>
-            <a:ext cx="4184400" cy="532500"/>
+        </p:nvPicPr>
+        <p:blipFill>
+          <a:blip r:embed="rId3">
+            <a:alphaModFix/>
+          </a:blip>
+          <a:stretch>
+            <a:fillRect/>
+          </a:stretch>
+        </p:blipFill>
+        <p:spPr>
+          <a:xfrm>
+            <a:off x="2966313" y="925375"/>
+            <a:ext cx="2879975" cy="4128150"/>
           </a:xfrm>
           <a:prstGeom prst="rect">
             <a:avLst/>
@@ -9374,21 +11863,590 @@
             <a:noFill/>
           </a:ln>
         </p:spPr>
+      </p:pic>
+    </p:spTree>
+  </p:cSld>
+  <p:clrMapOvr>
+    <a:masterClrMapping/>
+  </p:clrMapOvr>
+</p:sld>
+</file>
+
+<file path=ppt/slides/slide24.xml><?xml version="1.0" encoding="utf-8"?>
+<p:sld xmlns:a="http://schemas.openxmlformats.org/drawingml/2006/main" xmlns:r="http://schemas.openxmlformats.org/officeDocument/2006/relationships" xmlns:mc="http://schemas.openxmlformats.org/markup-compatibility/2006" xmlns:mv="urn:schemas-microsoft-com:mac:vml" xmlns:p="http://schemas.openxmlformats.org/presentationml/2006/main" xmlns:c="http://schemas.openxmlformats.org/drawingml/2006/chart" xmlns:dgm="http://schemas.openxmlformats.org/drawingml/2006/diagram" xmlns:o="urn:schemas-microsoft-com:office:office" xmlns:v="urn:schemas-microsoft-com:vml" xmlns:pvml="urn:schemas-microsoft-com:office:powerpoint" xmlns:com="http://schemas.openxmlformats.org/drawingml/2006/compatibility" xmlns:p14="http://schemas.microsoft.com/office/powerpoint/2010/main" xmlns:p15="http://schemas.microsoft.com/office/powerpoint/2012/main" xmlns:ahyp="http://schemas.microsoft.com/office/drawing/2018/hyperlinkcolor">
+  <p:cSld>
+    <p:spTree>
+      <p:nvGrpSpPr>
+        <p:cNvPr id="192" name="Shape 192"/>
+        <p:cNvGrpSpPr/>
+        <p:nvPr/>
+      </p:nvGrpSpPr>
+      <p:grpSpPr>
+        <a:xfrm>
+          <a:off x="0" y="0"/>
+          <a:ext cx="0" cy="0"/>
+          <a:chOff x="0" y="0"/>
+          <a:chExt cx="0" cy="0"/>
+        </a:xfrm>
+      </p:grpSpPr>
+      <p:sp>
+        <p:nvSpPr>
+          <p:cNvPr id="193" name="Google Shape;193;p36"/>
+          <p:cNvSpPr txBox="1"/>
+          <p:nvPr>
+            <p:ph type="title"/>
+          </p:nvPr>
+        </p:nvSpPr>
+        <p:spPr>
+          <a:xfrm>
+            <a:off x="311700" y="445025"/>
+            <a:ext cx="8520600" cy="572700"/>
+          </a:xfrm>
+          <a:prstGeom prst="rect">
+            <a:avLst/>
+          </a:prstGeom>
+        </p:spPr>
         <p:txBody>
           <a:bodyPr anchorCtr="0" anchor="t" bIns="91425" lIns="91425" spcFirstLastPara="1" rIns="91425" wrap="square" tIns="91425">
             <a:noAutofit/>
           </a:bodyPr>
           <a:lstStyle/>
           <a:p>
-            <a:pPr indent="-317500" lvl="0" marL="457200" rtl="0" algn="l">
-              <a:spcBef>
-                <a:spcPts val="0"/>
-              </a:spcBef>
-              <a:spcAft>
-                <a:spcPts val="0"/>
-              </a:spcAft>
-              <a:buSzPts val="1400"/>
-              <a:buAutoNum type="arabicPeriod"/>
+            <a:pPr indent="0" lvl="0" marL="0" rtl="0" algn="l">
+              <a:spcBef>
+                <a:spcPts val="0"/>
+              </a:spcBef>
+              <a:spcAft>
+                <a:spcPts val="0"/>
+              </a:spcAft>
+              <a:buNone/>
+            </a:pPr>
+            <a:r>
+              <a:rPr lang="ru"/>
+              <a:t>Dict - ключи</a:t>
+            </a:r>
+            <a:endParaRPr/>
+          </a:p>
+        </p:txBody>
+      </p:sp>
+      <p:sp>
+        <p:nvSpPr>
+          <p:cNvPr id="194" name="Google Shape;194;p36"/>
+          <p:cNvSpPr txBox="1"/>
+          <p:nvPr>
+            <p:ph idx="1" type="body"/>
+          </p:nvPr>
+        </p:nvSpPr>
+        <p:spPr>
+          <a:xfrm>
+            <a:off x="311700" y="1152475"/>
+            <a:ext cx="8520600" cy="3416400"/>
+          </a:xfrm>
+          <a:prstGeom prst="rect">
+            <a:avLst/>
+          </a:prstGeom>
+        </p:spPr>
+        <p:txBody>
+          <a:bodyPr anchorCtr="0" anchor="t" bIns="91425" lIns="91425" spcFirstLastPara="1" rIns="91425" wrap="square" tIns="91425">
+            <a:noAutofit/>
+          </a:bodyPr>
+          <a:lstStyle/>
+          <a:p>
+            <a:pPr indent="-381000" lvl="0" marL="457200" rtl="0" algn="l">
+              <a:spcBef>
+                <a:spcPts val="0"/>
+              </a:spcBef>
+              <a:spcAft>
+                <a:spcPts val="0"/>
+              </a:spcAft>
+              <a:buSzPts val="2400"/>
+              <a:buChar char="-"/>
+            </a:pPr>
+            <a:r>
+              <a:rPr lang="ru" sz="2400" u="sng">
+                <a:solidFill>
+                  <a:schemeClr val="hlink"/>
+                </a:solidFill>
+                <a:hlinkClick r:id="rId3"/>
+              </a:rPr>
+              <a:t>immutable</a:t>
+            </a:r>
+            <a:r>
+              <a:rPr lang="ru" sz="2400"/>
+              <a:t> objects</a:t>
+            </a:r>
+            <a:endParaRPr sz="2400"/>
+          </a:p>
+          <a:p>
+            <a:pPr indent="-381000" lvl="0" marL="457200" rtl="0" algn="l">
+              <a:spcBef>
+                <a:spcPts val="0"/>
+              </a:spcBef>
+              <a:spcAft>
+                <a:spcPts val="0"/>
+              </a:spcAft>
+              <a:buSzPts val="2400"/>
+              <a:buChar char="-"/>
+            </a:pPr>
+            <a:r>
+              <a:rPr lang="ru" sz="2400" u="sng">
+                <a:solidFill>
+                  <a:schemeClr val="hlink"/>
+                </a:solidFill>
+                <a:hlinkClick r:id="rId4"/>
+              </a:rPr>
+              <a:t>hashable</a:t>
+            </a:r>
+            <a:endParaRPr sz="2400"/>
+          </a:p>
+          <a:p>
+            <a:pPr indent="-361950" lvl="0" marL="457200" rtl="0" algn="l">
+              <a:spcBef>
+                <a:spcPts val="0"/>
+              </a:spcBef>
+              <a:spcAft>
+                <a:spcPts val="0"/>
+              </a:spcAft>
+              <a:buSzPts val="2100"/>
+              <a:buChar char="-"/>
+            </a:pPr>
+            <a:r>
+              <a:rPr lang="ru" sz="2100">
+                <a:highlight>
+                  <a:srgbClr val="FFFFFF"/>
+                </a:highlight>
+              </a:rPr>
+              <a:t>comparable</a:t>
+            </a:r>
+            <a:r>
+              <a:rPr lang="ru" sz="2100">
+                <a:solidFill>
+                  <a:srgbClr val="222222"/>
+                </a:solidFill>
+                <a:highlight>
+                  <a:srgbClr val="FFFFFF"/>
+                </a:highlight>
+              </a:rPr>
+              <a:t> ⇒ obj1 == obj2</a:t>
+            </a:r>
+            <a:r>
+              <a:rPr lang="ru" sz="1500">
+                <a:solidFill>
+                  <a:srgbClr val="222222"/>
+                </a:solidFill>
+                <a:highlight>
+                  <a:srgbClr val="FFFFFF"/>
+                </a:highlight>
+              </a:rPr>
+              <a:t> </a:t>
+            </a:r>
+            <a:endParaRPr sz="2100"/>
+          </a:p>
+        </p:txBody>
+      </p:sp>
+    </p:spTree>
+  </p:cSld>
+  <p:clrMapOvr>
+    <a:masterClrMapping/>
+  </p:clrMapOvr>
+</p:sld>
+</file>
+
+<file path=ppt/slides/slide25.xml><?xml version="1.0" encoding="utf-8"?>
+<p:sld xmlns:a="http://schemas.openxmlformats.org/drawingml/2006/main" xmlns:r="http://schemas.openxmlformats.org/officeDocument/2006/relationships" xmlns:mc="http://schemas.openxmlformats.org/markup-compatibility/2006" xmlns:mv="urn:schemas-microsoft-com:mac:vml" xmlns:p="http://schemas.openxmlformats.org/presentationml/2006/main" xmlns:c="http://schemas.openxmlformats.org/drawingml/2006/chart" xmlns:dgm="http://schemas.openxmlformats.org/drawingml/2006/diagram" xmlns:o="urn:schemas-microsoft-com:office:office" xmlns:v="urn:schemas-microsoft-com:vml" xmlns:pvml="urn:schemas-microsoft-com:office:powerpoint" xmlns:com="http://schemas.openxmlformats.org/drawingml/2006/compatibility" xmlns:p14="http://schemas.microsoft.com/office/powerpoint/2010/main" xmlns:p15="http://schemas.microsoft.com/office/powerpoint/2012/main" xmlns:ahyp="http://schemas.microsoft.com/office/drawing/2018/hyperlinkcolor">
+  <p:cSld>
+    <p:spTree>
+      <p:nvGrpSpPr>
+        <p:cNvPr id="198" name="Shape 198"/>
+        <p:cNvGrpSpPr/>
+        <p:nvPr/>
+      </p:nvGrpSpPr>
+      <p:grpSpPr>
+        <a:xfrm>
+          <a:off x="0" y="0"/>
+          <a:ext cx="0" cy="0"/>
+          <a:chOff x="0" y="0"/>
+          <a:chExt cx="0" cy="0"/>
+        </a:xfrm>
+      </p:grpSpPr>
+      <p:sp>
+        <p:nvSpPr>
+          <p:cNvPr id="199" name="Google Shape;199;p37"/>
+          <p:cNvSpPr txBox="1"/>
+          <p:nvPr>
+            <p:ph type="title"/>
+          </p:nvPr>
+        </p:nvSpPr>
+        <p:spPr>
+          <a:xfrm>
+            <a:off x="311700" y="445025"/>
+            <a:ext cx="8520600" cy="572700"/>
+          </a:xfrm>
+          <a:prstGeom prst="rect">
+            <a:avLst/>
+          </a:prstGeom>
+        </p:spPr>
+        <p:txBody>
+          <a:bodyPr anchorCtr="0" anchor="t" bIns="91425" lIns="91425" spcFirstLastPara="1" rIns="91425" wrap="square" tIns="91425">
+            <a:noAutofit/>
+          </a:bodyPr>
+          <a:lstStyle/>
+          <a:p>
+            <a:pPr indent="0" lvl="0" marL="0" rtl="0" algn="l">
+              <a:spcBef>
+                <a:spcPts val="0"/>
+              </a:spcBef>
+              <a:spcAft>
+                <a:spcPts val="0"/>
+              </a:spcAft>
+              <a:buNone/>
+            </a:pPr>
+            <a:r>
+              <a:rPr lang="ru"/>
+              <a:t>Dict - ключи</a:t>
+            </a:r>
+            <a:endParaRPr/>
+          </a:p>
+        </p:txBody>
+      </p:sp>
+      <p:pic>
+        <p:nvPicPr>
+          <p:cNvPr id="200" name="Google Shape;200;p37"/>
+          <p:cNvPicPr preferRelativeResize="0"/>
+          <p:nvPr/>
+        </p:nvPicPr>
+        <p:blipFill>
+          <a:blip r:embed="rId3">
+            <a:alphaModFix/>
+          </a:blip>
+          <a:stretch>
+            <a:fillRect/>
+          </a:stretch>
+        </p:blipFill>
+        <p:spPr>
+          <a:xfrm>
+            <a:off x="983800" y="1257300"/>
+            <a:ext cx="6572250" cy="3200400"/>
+          </a:xfrm>
+          <a:prstGeom prst="rect">
+            <a:avLst/>
+          </a:prstGeom>
+          <a:noFill/>
+          <a:ln>
+            <a:noFill/>
+          </a:ln>
+        </p:spPr>
+      </p:pic>
+    </p:spTree>
+  </p:cSld>
+  <p:clrMapOvr>
+    <a:masterClrMapping/>
+  </p:clrMapOvr>
+</p:sld>
+</file>
+
+<file path=ppt/slides/slide26.xml><?xml version="1.0" encoding="utf-8"?>
+<p:sld xmlns:a="http://schemas.openxmlformats.org/drawingml/2006/main" xmlns:r="http://schemas.openxmlformats.org/officeDocument/2006/relationships" xmlns:mc="http://schemas.openxmlformats.org/markup-compatibility/2006" xmlns:mv="urn:schemas-microsoft-com:mac:vml" xmlns:p="http://schemas.openxmlformats.org/presentationml/2006/main" xmlns:c="http://schemas.openxmlformats.org/drawingml/2006/chart" xmlns:dgm="http://schemas.openxmlformats.org/drawingml/2006/diagram" xmlns:o="urn:schemas-microsoft-com:office:office" xmlns:v="urn:schemas-microsoft-com:vml" xmlns:pvml="urn:schemas-microsoft-com:office:powerpoint" xmlns:com="http://schemas.openxmlformats.org/drawingml/2006/compatibility" xmlns:p14="http://schemas.microsoft.com/office/powerpoint/2010/main" xmlns:p15="http://schemas.microsoft.com/office/powerpoint/2012/main" xmlns:ahyp="http://schemas.microsoft.com/office/drawing/2018/hyperlinkcolor">
+  <p:cSld>
+    <p:spTree>
+      <p:nvGrpSpPr>
+        <p:cNvPr id="204" name="Shape 204"/>
+        <p:cNvGrpSpPr/>
+        <p:nvPr/>
+      </p:nvGrpSpPr>
+      <p:grpSpPr>
+        <a:xfrm>
+          <a:off x="0" y="0"/>
+          <a:ext cx="0" cy="0"/>
+          <a:chOff x="0" y="0"/>
+          <a:chExt cx="0" cy="0"/>
+        </a:xfrm>
+      </p:grpSpPr>
+      <p:sp>
+        <p:nvSpPr>
+          <p:cNvPr id="205" name="Google Shape;205;p38"/>
+          <p:cNvSpPr txBox="1"/>
+          <p:nvPr>
+            <p:ph type="title"/>
+          </p:nvPr>
+        </p:nvSpPr>
+        <p:spPr>
+          <a:xfrm>
+            <a:off x="311700" y="445025"/>
+            <a:ext cx="8520600" cy="572700"/>
+          </a:xfrm>
+          <a:prstGeom prst="rect">
+            <a:avLst/>
+          </a:prstGeom>
+        </p:spPr>
+        <p:txBody>
+          <a:bodyPr anchorCtr="0" anchor="t" bIns="91425" lIns="91425" spcFirstLastPara="1" rIns="91425" wrap="square" tIns="91425">
+            <a:noAutofit/>
+          </a:bodyPr>
+          <a:lstStyle/>
+          <a:p>
+            <a:pPr indent="0" lvl="0" marL="0" rtl="0" algn="l">
+              <a:spcBef>
+                <a:spcPts val="0"/>
+              </a:spcBef>
+              <a:spcAft>
+                <a:spcPts val="0"/>
+              </a:spcAft>
+              <a:buNone/>
+            </a:pPr>
+            <a:r>
+              <a:rPr lang="ru"/>
+              <a:t>Dict - ключи</a:t>
+            </a:r>
+            <a:endParaRPr/>
+          </a:p>
+        </p:txBody>
+      </p:sp>
+      <p:pic>
+        <p:nvPicPr>
+          <p:cNvPr id="206" name="Google Shape;206;p38"/>
+          <p:cNvPicPr preferRelativeResize="0"/>
+          <p:nvPr/>
+        </p:nvPicPr>
+        <p:blipFill>
+          <a:blip r:embed="rId3">
+            <a:alphaModFix/>
+          </a:blip>
+          <a:stretch>
+            <a:fillRect/>
+          </a:stretch>
+        </p:blipFill>
+        <p:spPr>
+          <a:xfrm>
+            <a:off x="442525" y="1446275"/>
+            <a:ext cx="8258950" cy="2840400"/>
+          </a:xfrm>
+          <a:prstGeom prst="rect">
+            <a:avLst/>
+          </a:prstGeom>
+          <a:noFill/>
+          <a:ln>
+            <a:noFill/>
+          </a:ln>
+        </p:spPr>
+      </p:pic>
+    </p:spTree>
+  </p:cSld>
+  <p:clrMapOvr>
+    <a:masterClrMapping/>
+  </p:clrMapOvr>
+</p:sld>
+</file>
+
+<file path=ppt/slides/slide27.xml><?xml version="1.0" encoding="utf-8"?>
+<p:sld xmlns:a="http://schemas.openxmlformats.org/drawingml/2006/main" xmlns:r="http://schemas.openxmlformats.org/officeDocument/2006/relationships" xmlns:mc="http://schemas.openxmlformats.org/markup-compatibility/2006" xmlns:mv="urn:schemas-microsoft-com:mac:vml" xmlns:p="http://schemas.openxmlformats.org/presentationml/2006/main" xmlns:c="http://schemas.openxmlformats.org/drawingml/2006/chart" xmlns:dgm="http://schemas.openxmlformats.org/drawingml/2006/diagram" xmlns:o="urn:schemas-microsoft-com:office:office" xmlns:v="urn:schemas-microsoft-com:vml" xmlns:pvml="urn:schemas-microsoft-com:office:powerpoint" xmlns:com="http://schemas.openxmlformats.org/drawingml/2006/compatibility" xmlns:p14="http://schemas.microsoft.com/office/powerpoint/2010/main" xmlns:p15="http://schemas.microsoft.com/office/powerpoint/2012/main" xmlns:ahyp="http://schemas.microsoft.com/office/drawing/2018/hyperlinkcolor">
+  <p:cSld>
+    <p:spTree>
+      <p:nvGrpSpPr>
+        <p:cNvPr id="210" name="Shape 210"/>
+        <p:cNvGrpSpPr/>
+        <p:nvPr/>
+      </p:nvGrpSpPr>
+      <p:grpSpPr>
+        <a:xfrm>
+          <a:off x="0" y="0"/>
+          <a:ext cx="0" cy="0"/>
+          <a:chOff x="0" y="0"/>
+          <a:chExt cx="0" cy="0"/>
+        </a:xfrm>
+      </p:grpSpPr>
+      <p:sp>
+        <p:nvSpPr>
+          <p:cNvPr id="211" name="Google Shape;211;p39"/>
+          <p:cNvSpPr txBox="1"/>
+          <p:nvPr>
+            <p:ph type="title"/>
+          </p:nvPr>
+        </p:nvSpPr>
+        <p:spPr>
+          <a:xfrm>
+            <a:off x="311700" y="445025"/>
+            <a:ext cx="8520600" cy="572700"/>
+          </a:xfrm>
+          <a:prstGeom prst="rect">
+            <a:avLst/>
+          </a:prstGeom>
+        </p:spPr>
+        <p:txBody>
+          <a:bodyPr anchorCtr="0" anchor="t" bIns="91425" lIns="91425" spcFirstLastPara="1" rIns="91425" wrap="square" tIns="91425">
+            <a:noAutofit/>
+          </a:bodyPr>
+          <a:lstStyle/>
+          <a:p>
+            <a:pPr indent="0" lvl="0" marL="0" rtl="0" algn="l">
+              <a:spcBef>
+                <a:spcPts val="0"/>
+              </a:spcBef>
+              <a:spcAft>
+                <a:spcPts val="0"/>
+              </a:spcAft>
+              <a:buNone/>
+            </a:pPr>
+            <a:r>
+              <a:rPr lang="ru"/>
+              <a:t>Set - множество</a:t>
+            </a:r>
+            <a:endParaRPr/>
+          </a:p>
+        </p:txBody>
+      </p:sp>
+      <p:sp>
+        <p:nvSpPr>
+          <p:cNvPr id="212" name="Google Shape;212;p39"/>
+          <p:cNvSpPr txBox="1"/>
+          <p:nvPr>
+            <p:ph idx="1" type="body"/>
+          </p:nvPr>
+        </p:nvSpPr>
+        <p:spPr>
+          <a:xfrm>
+            <a:off x="311700" y="1152475"/>
+            <a:ext cx="8520600" cy="3337200"/>
+          </a:xfrm>
+          <a:prstGeom prst="rect">
+            <a:avLst/>
+          </a:prstGeom>
+        </p:spPr>
+        <p:txBody>
+          <a:bodyPr anchorCtr="0" anchor="t" bIns="91425" lIns="91425" spcFirstLastPara="1" rIns="91425" wrap="square" tIns="91425">
+            <a:noAutofit/>
+          </a:bodyPr>
+          <a:lstStyle/>
+          <a:p>
+            <a:pPr indent="0" lvl="0" marL="0" rtl="0" algn="l">
+              <a:spcBef>
+                <a:spcPts val="0"/>
+              </a:spcBef>
+              <a:spcAft>
+                <a:spcPts val="1600"/>
+              </a:spcAft>
+              <a:buNone/>
+            </a:pPr>
+            <a:r>
+              <a:rPr lang="ru"/>
+              <a:t>Структура данных очень похожая на словарь, но в </a:t>
+            </a:r>
+            <a:r>
+              <a:rPr lang="ru"/>
+              <a:t>отличие</a:t>
+            </a:r>
+            <a:r>
+              <a:rPr lang="ru"/>
+              <a:t> от словаря хранит только ключи. Ключи уникальны. Сам тип данных реализует </a:t>
+            </a:r>
+            <a:r>
+              <a:rPr lang="ru"/>
+              <a:t>теоретико-множественные </a:t>
+            </a:r>
+            <a:r>
+              <a:rPr lang="ru"/>
+              <a:t>операции.</a:t>
+            </a:r>
+            <a:endParaRPr/>
+          </a:p>
+        </p:txBody>
+      </p:sp>
+    </p:spTree>
+  </p:cSld>
+  <p:clrMapOvr>
+    <a:masterClrMapping/>
+  </p:clrMapOvr>
+</p:sld>
+</file>
+
+<file path=ppt/slides/slide28.xml><?xml version="1.0" encoding="utf-8"?>
+<p:sld xmlns:a="http://schemas.openxmlformats.org/drawingml/2006/main" xmlns:r="http://schemas.openxmlformats.org/officeDocument/2006/relationships" xmlns:mc="http://schemas.openxmlformats.org/markup-compatibility/2006" xmlns:mv="urn:schemas-microsoft-com:mac:vml" xmlns:p="http://schemas.openxmlformats.org/presentationml/2006/main" xmlns:c="http://schemas.openxmlformats.org/drawingml/2006/chart" xmlns:dgm="http://schemas.openxmlformats.org/drawingml/2006/diagram" xmlns:o="urn:schemas-microsoft-com:office:office" xmlns:v="urn:schemas-microsoft-com:vml" xmlns:pvml="urn:schemas-microsoft-com:office:powerpoint" xmlns:com="http://schemas.openxmlformats.org/drawingml/2006/compatibility" xmlns:p14="http://schemas.microsoft.com/office/powerpoint/2010/main" xmlns:p15="http://schemas.microsoft.com/office/powerpoint/2012/main" xmlns:ahyp="http://schemas.microsoft.com/office/drawing/2018/hyperlinkcolor">
+  <p:cSld>
+    <p:spTree>
+      <p:nvGrpSpPr>
+        <p:cNvPr id="216" name="Shape 216"/>
+        <p:cNvGrpSpPr/>
+        <p:nvPr/>
+      </p:nvGrpSpPr>
+      <p:grpSpPr>
+        <a:xfrm>
+          <a:off x="0" y="0"/>
+          <a:ext cx="0" cy="0"/>
+          <a:chOff x="0" y="0"/>
+          <a:chExt cx="0" cy="0"/>
+        </a:xfrm>
+      </p:grpSpPr>
+      <p:sp>
+        <p:nvSpPr>
+          <p:cNvPr id="217" name="Google Shape;217;p40"/>
+          <p:cNvSpPr txBox="1"/>
+          <p:nvPr>
+            <p:ph type="title"/>
+          </p:nvPr>
+        </p:nvSpPr>
+        <p:spPr>
+          <a:xfrm>
+            <a:off x="311700" y="445025"/>
+            <a:ext cx="8520600" cy="572700"/>
+          </a:xfrm>
+          <a:prstGeom prst="rect">
+            <a:avLst/>
+          </a:prstGeom>
+        </p:spPr>
+        <p:txBody>
+          <a:bodyPr anchorCtr="0" anchor="t" bIns="91425" lIns="91425" spcFirstLastPara="1" rIns="91425" wrap="square" tIns="91425">
+            <a:noAutofit/>
+          </a:bodyPr>
+          <a:lstStyle/>
+          <a:p>
+            <a:pPr indent="0" lvl="0" marL="0" rtl="0" algn="l">
+              <a:spcBef>
+                <a:spcPts val="0"/>
+              </a:spcBef>
+              <a:spcAft>
+                <a:spcPts val="0"/>
+              </a:spcAft>
+              <a:buNone/>
+            </a:pPr>
+            <a:r>
+              <a:rPr lang="ru"/>
+              <a:t>Множество (Set)</a:t>
+            </a:r>
+            <a:endParaRPr/>
+          </a:p>
+        </p:txBody>
+      </p:sp>
+      <p:sp>
+        <p:nvSpPr>
+          <p:cNvPr id="218" name="Google Shape;218;p40"/>
+          <p:cNvSpPr txBox="1"/>
+          <p:nvPr>
+            <p:ph idx="1" type="body"/>
+          </p:nvPr>
+        </p:nvSpPr>
+        <p:spPr>
+          <a:xfrm>
+            <a:off x="311700" y="4557200"/>
+            <a:ext cx="8520600" cy="464700"/>
+          </a:xfrm>
+          <a:prstGeom prst="rect">
+            <a:avLst/>
+          </a:prstGeom>
+        </p:spPr>
+        <p:txBody>
+          <a:bodyPr anchorCtr="0" anchor="t" bIns="91425" lIns="91425" spcFirstLastPara="1" rIns="91425" wrap="square" tIns="91425">
+            <a:noAutofit/>
+          </a:bodyPr>
+          <a:lstStyle/>
+          <a:p>
+            <a:pPr indent="0" lvl="0" marL="0" rtl="0" algn="l">
+              <a:spcBef>
+                <a:spcPts val="0"/>
+              </a:spcBef>
+              <a:spcAft>
+                <a:spcPts val="1600"/>
+              </a:spcAft>
+              <a:buNone/>
             </a:pPr>
             <a:r>
               <a:rPr lang="ru" u="sng">
@@ -9397,9 +12455,394 @@
                 </a:solidFill>
                 <a:hlinkClick r:id="rId3"/>
               </a:rPr>
-              <a:t>Словари</a:t>
+              <a:t>https://docs.python.org/3/tutorial/datastructures.html#sets</a:t>
             </a:r>
             <a:endParaRPr/>
+          </a:p>
+        </p:txBody>
+      </p:sp>
+      <p:pic>
+        <p:nvPicPr>
+          <p:cNvPr id="219" name="Google Shape;219;p40"/>
+          <p:cNvPicPr preferRelativeResize="0"/>
+          <p:nvPr/>
+        </p:nvPicPr>
+        <p:blipFill>
+          <a:blip r:embed="rId4">
+            <a:alphaModFix/>
+          </a:blip>
+          <a:stretch>
+            <a:fillRect/>
+          </a:stretch>
+        </p:blipFill>
+        <p:spPr>
+          <a:xfrm>
+            <a:off x="2699025" y="1110300"/>
+            <a:ext cx="3461542" cy="3234675"/>
+          </a:xfrm>
+          <a:prstGeom prst="rect">
+            <a:avLst/>
+          </a:prstGeom>
+          <a:noFill/>
+          <a:ln>
+            <a:noFill/>
+          </a:ln>
+        </p:spPr>
+      </p:pic>
+    </p:spTree>
+  </p:cSld>
+  <p:clrMapOvr>
+    <a:masterClrMapping/>
+  </p:clrMapOvr>
+</p:sld>
+</file>
+
+<file path=ppt/slides/slide29.xml><?xml version="1.0" encoding="utf-8"?>
+<p:sld xmlns:a="http://schemas.openxmlformats.org/drawingml/2006/main" xmlns:r="http://schemas.openxmlformats.org/officeDocument/2006/relationships" xmlns:mc="http://schemas.openxmlformats.org/markup-compatibility/2006" xmlns:mv="urn:schemas-microsoft-com:mac:vml" xmlns:p="http://schemas.openxmlformats.org/presentationml/2006/main" xmlns:c="http://schemas.openxmlformats.org/drawingml/2006/chart" xmlns:dgm="http://schemas.openxmlformats.org/drawingml/2006/diagram" xmlns:o="urn:schemas-microsoft-com:office:office" xmlns:v="urn:schemas-microsoft-com:vml" xmlns:pvml="urn:schemas-microsoft-com:office:powerpoint" xmlns:com="http://schemas.openxmlformats.org/drawingml/2006/compatibility" xmlns:p14="http://schemas.microsoft.com/office/powerpoint/2010/main" xmlns:p15="http://schemas.microsoft.com/office/powerpoint/2012/main" xmlns:ahyp="http://schemas.microsoft.com/office/drawing/2018/hyperlinkcolor">
+  <p:cSld>
+    <p:spTree>
+      <p:nvGrpSpPr>
+        <p:cNvPr id="223" name="Shape 223"/>
+        <p:cNvGrpSpPr/>
+        <p:nvPr/>
+      </p:nvGrpSpPr>
+      <p:grpSpPr>
+        <a:xfrm>
+          <a:off x="0" y="0"/>
+          <a:ext cx="0" cy="0"/>
+          <a:chOff x="0" y="0"/>
+          <a:chExt cx="0" cy="0"/>
+        </a:xfrm>
+      </p:grpSpPr>
+      <p:sp>
+        <p:nvSpPr>
+          <p:cNvPr id="224" name="Google Shape;224;p41"/>
+          <p:cNvSpPr txBox="1"/>
+          <p:nvPr>
+            <p:ph type="title"/>
+          </p:nvPr>
+        </p:nvSpPr>
+        <p:spPr>
+          <a:xfrm>
+            <a:off x="311700" y="445025"/>
+            <a:ext cx="8520600" cy="572700"/>
+          </a:xfrm>
+          <a:prstGeom prst="rect">
+            <a:avLst/>
+          </a:prstGeom>
+        </p:spPr>
+        <p:txBody>
+          <a:bodyPr anchorCtr="0" anchor="t" bIns="91425" lIns="91425" spcFirstLastPara="1" rIns="91425" wrap="square" tIns="91425">
+            <a:noAutofit/>
+          </a:bodyPr>
+          <a:lstStyle/>
+          <a:p>
+            <a:pPr indent="0" lvl="0" marL="0" rtl="0" algn="l">
+              <a:spcBef>
+                <a:spcPts val="0"/>
+              </a:spcBef>
+              <a:spcAft>
+                <a:spcPts val="0"/>
+              </a:spcAft>
+              <a:buNone/>
+            </a:pPr>
+            <a:r>
+              <a:rPr b="1" lang="ru"/>
+              <a:t>set</a:t>
+            </a:r>
+            <a:r>
+              <a:rPr lang="ru"/>
+              <a:t> операции</a:t>
+            </a:r>
+            <a:endParaRPr/>
+          </a:p>
+        </p:txBody>
+      </p:sp>
+      <p:sp>
+        <p:nvSpPr>
+          <p:cNvPr id="225" name="Google Shape;225;p41"/>
+          <p:cNvSpPr txBox="1"/>
+          <p:nvPr>
+            <p:ph idx="1" type="body"/>
+          </p:nvPr>
+        </p:nvSpPr>
+        <p:spPr>
+          <a:xfrm>
+            <a:off x="311700" y="1152475"/>
+            <a:ext cx="8520600" cy="3416400"/>
+          </a:xfrm>
+          <a:prstGeom prst="rect">
+            <a:avLst/>
+          </a:prstGeom>
+        </p:spPr>
+        <p:txBody>
+          <a:bodyPr anchorCtr="0" anchor="t" bIns="91425" lIns="91425" spcFirstLastPara="1" rIns="91425" wrap="square" tIns="91425">
+            <a:noAutofit/>
+          </a:bodyPr>
+          <a:lstStyle/>
+          <a:p>
+            <a:pPr indent="0" lvl="0" marL="0" rtl="0" algn="l">
+              <a:spcBef>
+                <a:spcPts val="0"/>
+              </a:spcBef>
+              <a:spcAft>
+                <a:spcPts val="0"/>
+              </a:spcAft>
+              <a:buClr>
+                <a:schemeClr val="dk1"/>
+              </a:buClr>
+              <a:buSzPts val="1100"/>
+              <a:buFont typeface="Arial"/>
+              <a:buNone/>
+            </a:pPr>
+            <a:r>
+              <a:rPr b="1" lang="ru">
+                <a:solidFill>
+                  <a:srgbClr val="666666"/>
+                </a:solidFill>
+                <a:highlight>
+                  <a:srgbClr val="FFFFFF"/>
+                </a:highlight>
+              </a:rPr>
+              <a:t>len(s) - </a:t>
+            </a:r>
+            <a:r>
+              <a:rPr lang="ru">
+                <a:solidFill>
+                  <a:srgbClr val="666666"/>
+                </a:solidFill>
+                <a:highlight>
+                  <a:srgbClr val="FFFFFF"/>
+                </a:highlight>
+              </a:rPr>
+              <a:t>вернет длину множества</a:t>
+            </a:r>
+            <a:endParaRPr>
+              <a:solidFill>
+                <a:srgbClr val="666666"/>
+              </a:solidFill>
+              <a:highlight>
+                <a:srgbClr val="FFFFFF"/>
+              </a:highlight>
+            </a:endParaRPr>
+          </a:p>
+          <a:p>
+            <a:pPr indent="0" lvl="0" marL="0" rtl="0" algn="l">
+              <a:spcBef>
+                <a:spcPts val="1100"/>
+              </a:spcBef>
+              <a:spcAft>
+                <a:spcPts val="0"/>
+              </a:spcAft>
+              <a:buClr>
+                <a:schemeClr val="dk1"/>
+              </a:buClr>
+              <a:buSzPts val="1100"/>
+              <a:buFont typeface="Arial"/>
+              <a:buNone/>
+            </a:pPr>
+            <a:r>
+              <a:rPr b="1" lang="ru">
+                <a:solidFill>
+                  <a:srgbClr val="666666"/>
+                </a:solidFill>
+                <a:highlight>
+                  <a:srgbClr val="FFFFFF"/>
+                </a:highlight>
+              </a:rPr>
+              <a:t>x in s - </a:t>
+            </a:r>
+            <a:r>
+              <a:rPr lang="ru">
+                <a:solidFill>
+                  <a:srgbClr val="666666"/>
+                </a:solidFill>
+                <a:highlight>
+                  <a:srgbClr val="FFFFFF"/>
+                </a:highlight>
+              </a:rPr>
+              <a:t>проверить наличее элемента в множестве</a:t>
+            </a:r>
+            <a:endParaRPr>
+              <a:solidFill>
+                <a:srgbClr val="666666"/>
+              </a:solidFill>
+              <a:highlight>
+                <a:srgbClr val="FFFFFF"/>
+              </a:highlight>
+            </a:endParaRPr>
+          </a:p>
+          <a:p>
+            <a:pPr indent="0" lvl="0" marL="0" rtl="0" algn="l">
+              <a:spcBef>
+                <a:spcPts val="1100"/>
+              </a:spcBef>
+              <a:spcAft>
+                <a:spcPts val="0"/>
+              </a:spcAft>
+              <a:buClr>
+                <a:schemeClr val="dk1"/>
+              </a:buClr>
+              <a:buSzPts val="1100"/>
+              <a:buFont typeface="Arial"/>
+              <a:buNone/>
+            </a:pPr>
+            <a:r>
+              <a:rPr b="1" lang="ru">
+                <a:solidFill>
+                  <a:srgbClr val="666666"/>
+                </a:solidFill>
+                <a:highlight>
+                  <a:srgbClr val="FFFFFF"/>
+                </a:highlight>
+              </a:rPr>
+              <a:t>x not in s - </a:t>
+            </a:r>
+            <a:r>
+              <a:rPr lang="ru">
+                <a:solidFill>
+                  <a:srgbClr val="666666"/>
+                </a:solidFill>
+                <a:highlight>
+                  <a:srgbClr val="FFFFFF"/>
+                </a:highlight>
+              </a:rPr>
+              <a:t>проверить отсутствие элемента в множестве</a:t>
+            </a:r>
+            <a:endParaRPr b="1">
+              <a:solidFill>
+                <a:srgbClr val="666666"/>
+              </a:solidFill>
+              <a:highlight>
+                <a:srgbClr val="FFFFFF"/>
+              </a:highlight>
+            </a:endParaRPr>
+          </a:p>
+          <a:p>
+            <a:pPr indent="0" lvl="0" marL="38100" marR="38100" rtl="0" algn="l">
+              <a:spcBef>
+                <a:spcPts val="1100"/>
+              </a:spcBef>
+              <a:spcAft>
+                <a:spcPts val="0"/>
+              </a:spcAft>
+              <a:buNone/>
+            </a:pPr>
+            <a:r>
+              <a:rPr b="1" lang="ru">
+                <a:solidFill>
+                  <a:srgbClr val="666666"/>
+                </a:solidFill>
+                <a:highlight>
+                  <a:srgbClr val="FFFFFF"/>
+                </a:highlight>
+              </a:rPr>
+              <a:t>isdisjoint</a:t>
+            </a:r>
+            <a:r>
+              <a:rPr lang="ru">
+                <a:solidFill>
+                  <a:srgbClr val="666666"/>
+                </a:solidFill>
+                <a:highlight>
+                  <a:srgbClr val="FFFFFF"/>
+                </a:highlight>
+              </a:rPr>
+              <a:t>(</a:t>
+            </a:r>
+            <a:r>
+              <a:rPr i="1" lang="ru">
+                <a:solidFill>
+                  <a:srgbClr val="666666"/>
+                </a:solidFill>
+                <a:highlight>
+                  <a:srgbClr val="FFFFFF"/>
+                </a:highlight>
+              </a:rPr>
+              <a:t>other</a:t>
+            </a:r>
+            <a:r>
+              <a:rPr lang="ru">
+                <a:solidFill>
+                  <a:srgbClr val="666666"/>
+                </a:solidFill>
+                <a:highlight>
+                  <a:srgbClr val="FFFFFF"/>
+                </a:highlight>
+              </a:rPr>
+              <a:t>) - Верните </a:t>
+            </a:r>
+            <a:r>
+              <a:rPr b="1" lang="ru">
+                <a:solidFill>
+                  <a:srgbClr val="666666"/>
+                </a:solidFill>
+                <a:highlight>
+                  <a:srgbClr val="FFFFFF"/>
+                </a:highlight>
+              </a:rPr>
+              <a:t>True</a:t>
+            </a:r>
+            <a:r>
+              <a:rPr lang="ru">
+                <a:solidFill>
+                  <a:srgbClr val="666666"/>
+                </a:solidFill>
+                <a:highlight>
+                  <a:srgbClr val="FFFFFF"/>
+                </a:highlight>
+              </a:rPr>
+              <a:t>, если множество не имеет общих элементов с другими. Множества не пересекаются тогда и только тогда, когда их пересечение - пустое множество.</a:t>
+            </a:r>
+            <a:endParaRPr>
+              <a:solidFill>
+                <a:srgbClr val="666666"/>
+              </a:solidFill>
+              <a:highlight>
+                <a:srgbClr val="FFFFFF"/>
+              </a:highlight>
+            </a:endParaRPr>
+          </a:p>
+          <a:p>
+            <a:pPr indent="0" lvl="0" marL="38100" marR="38100" rtl="0" algn="l">
+              <a:spcBef>
+                <a:spcPts val="1100"/>
+              </a:spcBef>
+              <a:spcAft>
+                <a:spcPts val="1100"/>
+              </a:spcAft>
+              <a:buNone/>
+            </a:pPr>
+            <a:r>
+              <a:rPr b="1" lang="ru">
+                <a:solidFill>
+                  <a:srgbClr val="666666"/>
+                </a:solidFill>
+                <a:highlight>
+                  <a:srgbClr val="FFFFFF"/>
+                </a:highlight>
+              </a:rPr>
+              <a:t>issubset</a:t>
+            </a:r>
+            <a:r>
+              <a:rPr lang="ru">
+                <a:solidFill>
+                  <a:srgbClr val="666666"/>
+                </a:solidFill>
+                <a:highlight>
+                  <a:srgbClr val="FFFFFF"/>
+                </a:highlight>
+              </a:rPr>
+              <a:t>(other) - наоборот</a:t>
+            </a:r>
+            <a:endParaRPr>
+              <a:solidFill>
+                <a:srgbClr val="666666"/>
+              </a:solidFill>
+              <a:highlight>
+                <a:srgbClr val="FFFFFF"/>
+              </a:highlight>
+            </a:endParaRPr>
           </a:p>
         </p:txBody>
       </p:sp>
@@ -9583,6 +13026,1628 @@
 </p:sld>
 </file>
 
+<file path=ppt/slides/slide30.xml><?xml version="1.0" encoding="utf-8"?>
+<p:sld xmlns:a="http://schemas.openxmlformats.org/drawingml/2006/main" xmlns:r="http://schemas.openxmlformats.org/officeDocument/2006/relationships" xmlns:mc="http://schemas.openxmlformats.org/markup-compatibility/2006" xmlns:mv="urn:schemas-microsoft-com:mac:vml" xmlns:p="http://schemas.openxmlformats.org/presentationml/2006/main" xmlns:c="http://schemas.openxmlformats.org/drawingml/2006/chart" xmlns:dgm="http://schemas.openxmlformats.org/drawingml/2006/diagram" xmlns:o="urn:schemas-microsoft-com:office:office" xmlns:v="urn:schemas-microsoft-com:vml" xmlns:pvml="urn:schemas-microsoft-com:office:powerpoint" xmlns:com="http://schemas.openxmlformats.org/drawingml/2006/compatibility" xmlns:p14="http://schemas.microsoft.com/office/powerpoint/2010/main" xmlns:p15="http://schemas.microsoft.com/office/powerpoint/2012/main" xmlns:ahyp="http://schemas.microsoft.com/office/drawing/2018/hyperlinkcolor">
+  <p:cSld>
+    <p:spTree>
+      <p:nvGrpSpPr>
+        <p:cNvPr id="229" name="Shape 229"/>
+        <p:cNvGrpSpPr/>
+        <p:nvPr/>
+      </p:nvGrpSpPr>
+      <p:grpSpPr>
+        <a:xfrm>
+          <a:off x="0" y="0"/>
+          <a:ext cx="0" cy="0"/>
+          <a:chOff x="0" y="0"/>
+          <a:chExt cx="0" cy="0"/>
+        </a:xfrm>
+      </p:grpSpPr>
+      <p:sp>
+        <p:nvSpPr>
+          <p:cNvPr id="230" name="Google Shape;230;p42"/>
+          <p:cNvSpPr txBox="1"/>
+          <p:nvPr>
+            <p:ph type="title"/>
+          </p:nvPr>
+        </p:nvSpPr>
+        <p:spPr>
+          <a:xfrm>
+            <a:off x="311700" y="445025"/>
+            <a:ext cx="8520600" cy="572700"/>
+          </a:xfrm>
+          <a:prstGeom prst="rect">
+            <a:avLst/>
+          </a:prstGeom>
+        </p:spPr>
+        <p:txBody>
+          <a:bodyPr anchorCtr="0" anchor="t" bIns="91425" lIns="91425" spcFirstLastPara="1" rIns="91425" wrap="square" tIns="91425">
+            <a:noAutofit/>
+          </a:bodyPr>
+          <a:lstStyle/>
+          <a:p>
+            <a:pPr indent="0" lvl="0" marL="0" rtl="0" algn="l">
+              <a:spcBef>
+                <a:spcPts val="0"/>
+              </a:spcBef>
+              <a:spcAft>
+                <a:spcPts val="0"/>
+              </a:spcAft>
+              <a:buNone/>
+            </a:pPr>
+            <a:r>
+              <a:rPr b="1" lang="ru"/>
+              <a:t>set</a:t>
+            </a:r>
+            <a:r>
+              <a:rPr lang="ru"/>
+              <a:t> операции</a:t>
+            </a:r>
+            <a:endParaRPr/>
+          </a:p>
+        </p:txBody>
+      </p:sp>
+      <p:sp>
+        <p:nvSpPr>
+          <p:cNvPr id="231" name="Google Shape;231;p42"/>
+          <p:cNvSpPr txBox="1"/>
+          <p:nvPr>
+            <p:ph idx="1" type="body"/>
+          </p:nvPr>
+        </p:nvSpPr>
+        <p:spPr>
+          <a:xfrm>
+            <a:off x="311700" y="1152475"/>
+            <a:ext cx="8520600" cy="3416400"/>
+          </a:xfrm>
+          <a:prstGeom prst="rect">
+            <a:avLst/>
+          </a:prstGeom>
+        </p:spPr>
+        <p:txBody>
+          <a:bodyPr anchorCtr="0" anchor="t" bIns="91425" lIns="91425" spcFirstLastPara="1" rIns="91425" wrap="square" tIns="91425">
+            <a:noAutofit/>
+          </a:bodyPr>
+          <a:lstStyle/>
+          <a:p>
+            <a:pPr indent="0" lvl="0" marL="0" rtl="0" algn="l">
+              <a:spcBef>
+                <a:spcPts val="0"/>
+              </a:spcBef>
+              <a:spcAft>
+                <a:spcPts val="0"/>
+              </a:spcAft>
+              <a:buClr>
+                <a:schemeClr val="dk1"/>
+              </a:buClr>
+              <a:buSzPts val="1100"/>
+              <a:buFont typeface="Arial"/>
+              <a:buNone/>
+            </a:pPr>
+            <a:r>
+              <a:rPr b="1" lang="ru">
+                <a:solidFill>
+                  <a:srgbClr val="666666"/>
+                </a:solidFill>
+                <a:highlight>
+                  <a:srgbClr val="FFFFFF"/>
+                </a:highlight>
+              </a:rPr>
+              <a:t>set &lt;= other - </a:t>
+            </a:r>
+            <a:r>
+              <a:rPr lang="ru">
+                <a:solidFill>
+                  <a:srgbClr val="666666"/>
+                </a:solidFill>
+                <a:highlight>
+                  <a:srgbClr val="FFFFFF"/>
+                </a:highlight>
+              </a:rPr>
+              <a:t>Является ли каждый ли элемент в наборе состоит из другого.</a:t>
+            </a:r>
+            <a:endParaRPr>
+              <a:solidFill>
+                <a:srgbClr val="666666"/>
+              </a:solidFill>
+              <a:highlight>
+                <a:srgbClr val="FFFFFF"/>
+              </a:highlight>
+            </a:endParaRPr>
+          </a:p>
+          <a:p>
+            <a:pPr indent="0" lvl="0" marL="0" rtl="0" algn="l">
+              <a:spcBef>
+                <a:spcPts val="1100"/>
+              </a:spcBef>
+              <a:spcAft>
+                <a:spcPts val="0"/>
+              </a:spcAft>
+              <a:buClr>
+                <a:schemeClr val="dk1"/>
+              </a:buClr>
+              <a:buSzPts val="1100"/>
+              <a:buFont typeface="Arial"/>
+              <a:buNone/>
+            </a:pPr>
+            <a:r>
+              <a:rPr b="1" lang="ru">
+                <a:solidFill>
+                  <a:srgbClr val="666666"/>
+                </a:solidFill>
+                <a:highlight>
+                  <a:srgbClr val="FFFFFF"/>
+                </a:highlight>
+              </a:rPr>
+              <a:t>set &lt; other - </a:t>
+            </a:r>
+            <a:r>
+              <a:rPr lang="ru">
+                <a:solidFill>
+                  <a:srgbClr val="666666"/>
+                </a:solidFill>
+                <a:highlight>
+                  <a:srgbClr val="FFFFFF"/>
+                </a:highlight>
+              </a:rPr>
+              <a:t>Тоже самое но строго</a:t>
+            </a:r>
+            <a:endParaRPr>
+              <a:solidFill>
+                <a:srgbClr val="666666"/>
+              </a:solidFill>
+              <a:highlight>
+                <a:srgbClr val="FFFFFF"/>
+              </a:highlight>
+            </a:endParaRPr>
+          </a:p>
+          <a:p>
+            <a:pPr indent="0" lvl="0" marL="0" rtl="0" algn="l">
+              <a:spcBef>
+                <a:spcPts val="1100"/>
+              </a:spcBef>
+              <a:spcAft>
+                <a:spcPts val="0"/>
+              </a:spcAft>
+              <a:buClr>
+                <a:schemeClr val="dk1"/>
+              </a:buClr>
+              <a:buSzPts val="1100"/>
+              <a:buFont typeface="Arial"/>
+              <a:buNone/>
+            </a:pPr>
+            <a:r>
+              <a:rPr b="1" lang="ru">
+                <a:solidFill>
+                  <a:srgbClr val="666666"/>
+                </a:solidFill>
+                <a:highlight>
+                  <a:srgbClr val="FFFFFF"/>
+                </a:highlight>
+              </a:rPr>
+              <a:t>set &gt;= other</a:t>
+            </a:r>
+            <a:endParaRPr b="1">
+              <a:solidFill>
+                <a:srgbClr val="666666"/>
+              </a:solidFill>
+              <a:highlight>
+                <a:srgbClr val="FFFFFF"/>
+              </a:highlight>
+            </a:endParaRPr>
+          </a:p>
+          <a:p>
+            <a:pPr indent="0" lvl="0" marL="0" rtl="0" algn="l">
+              <a:spcBef>
+                <a:spcPts val="1100"/>
+              </a:spcBef>
+              <a:spcAft>
+                <a:spcPts val="0"/>
+              </a:spcAft>
+              <a:buClr>
+                <a:schemeClr val="dk1"/>
+              </a:buClr>
+              <a:buSzPts val="1100"/>
+              <a:buFont typeface="Arial"/>
+              <a:buNone/>
+            </a:pPr>
+            <a:r>
+              <a:rPr b="1" lang="ru">
+                <a:solidFill>
+                  <a:srgbClr val="666666"/>
+                </a:solidFill>
+                <a:highlight>
+                  <a:srgbClr val="FFFFFF"/>
+                </a:highlight>
+              </a:rPr>
+              <a:t>set &gt; other</a:t>
+            </a:r>
+            <a:endParaRPr b="1">
+              <a:solidFill>
+                <a:srgbClr val="666666"/>
+              </a:solidFill>
+              <a:highlight>
+                <a:srgbClr val="FFFFFF"/>
+              </a:highlight>
+            </a:endParaRPr>
+          </a:p>
+          <a:p>
+            <a:pPr indent="0" lvl="0" marL="38100" marR="38100" rtl="0" algn="l">
+              <a:spcBef>
+                <a:spcPts val="1100"/>
+              </a:spcBef>
+              <a:spcAft>
+                <a:spcPts val="1100"/>
+              </a:spcAft>
+              <a:buNone/>
+            </a:pPr>
+            <a:r>
+              <a:rPr b="1" lang="ru">
+                <a:solidFill>
+                  <a:srgbClr val="666666"/>
+                </a:solidFill>
+                <a:highlight>
+                  <a:srgbClr val="FFFFFF"/>
+                </a:highlight>
+              </a:rPr>
+              <a:t>union</a:t>
+            </a:r>
+            <a:r>
+              <a:rPr lang="ru">
+                <a:solidFill>
+                  <a:srgbClr val="666666"/>
+                </a:solidFill>
+                <a:highlight>
+                  <a:srgbClr val="FFFFFF"/>
+                </a:highlight>
+              </a:rPr>
+              <a:t>(</a:t>
+            </a:r>
+            <a:r>
+              <a:rPr i="1" lang="ru">
+                <a:solidFill>
+                  <a:srgbClr val="666666"/>
+                </a:solidFill>
+                <a:highlight>
+                  <a:srgbClr val="FFFFFF"/>
+                </a:highlight>
+              </a:rPr>
+              <a:t>*others</a:t>
+            </a:r>
+            <a:r>
+              <a:rPr lang="ru">
+                <a:solidFill>
+                  <a:srgbClr val="666666"/>
+                </a:solidFill>
+                <a:highlight>
+                  <a:srgbClr val="FFFFFF"/>
+                </a:highlight>
+              </a:rPr>
+              <a:t>) ⇒ </a:t>
+            </a:r>
+            <a:r>
+              <a:rPr b="1" lang="ru">
+                <a:solidFill>
+                  <a:srgbClr val="666666"/>
+                </a:solidFill>
+                <a:highlight>
+                  <a:srgbClr val="FFFFFF"/>
+                </a:highlight>
+              </a:rPr>
+              <a:t>set | other | … - </a:t>
+            </a:r>
+            <a:r>
+              <a:rPr lang="ru">
+                <a:solidFill>
+                  <a:srgbClr val="666666"/>
+                </a:solidFill>
+                <a:highlight>
+                  <a:srgbClr val="FFFFFF"/>
+                </a:highlight>
+              </a:rPr>
+              <a:t>Объединение множеств в одно результат множество</a:t>
+            </a:r>
+            <a:endParaRPr>
+              <a:solidFill>
+                <a:srgbClr val="666666"/>
+              </a:solidFill>
+            </a:endParaRPr>
+          </a:p>
+        </p:txBody>
+      </p:sp>
+    </p:spTree>
+  </p:cSld>
+  <p:clrMapOvr>
+    <a:masterClrMapping/>
+  </p:clrMapOvr>
+</p:sld>
+</file>
+
+<file path=ppt/slides/slide31.xml><?xml version="1.0" encoding="utf-8"?>
+<p:sld xmlns:a="http://schemas.openxmlformats.org/drawingml/2006/main" xmlns:r="http://schemas.openxmlformats.org/officeDocument/2006/relationships" xmlns:mc="http://schemas.openxmlformats.org/markup-compatibility/2006" xmlns:mv="urn:schemas-microsoft-com:mac:vml" xmlns:p="http://schemas.openxmlformats.org/presentationml/2006/main" xmlns:c="http://schemas.openxmlformats.org/drawingml/2006/chart" xmlns:dgm="http://schemas.openxmlformats.org/drawingml/2006/diagram" xmlns:o="urn:schemas-microsoft-com:office:office" xmlns:v="urn:schemas-microsoft-com:vml" xmlns:pvml="urn:schemas-microsoft-com:office:powerpoint" xmlns:com="http://schemas.openxmlformats.org/drawingml/2006/compatibility" xmlns:p14="http://schemas.microsoft.com/office/powerpoint/2010/main" xmlns:p15="http://schemas.microsoft.com/office/powerpoint/2012/main" xmlns:ahyp="http://schemas.microsoft.com/office/drawing/2018/hyperlinkcolor">
+  <p:cSld>
+    <p:spTree>
+      <p:nvGrpSpPr>
+        <p:cNvPr id="235" name="Shape 235"/>
+        <p:cNvGrpSpPr/>
+        <p:nvPr/>
+      </p:nvGrpSpPr>
+      <p:grpSpPr>
+        <a:xfrm>
+          <a:off x="0" y="0"/>
+          <a:ext cx="0" cy="0"/>
+          <a:chOff x="0" y="0"/>
+          <a:chExt cx="0" cy="0"/>
+        </a:xfrm>
+      </p:grpSpPr>
+      <p:sp>
+        <p:nvSpPr>
+          <p:cNvPr id="236" name="Google Shape;236;p43"/>
+          <p:cNvSpPr txBox="1"/>
+          <p:nvPr>
+            <p:ph type="title"/>
+          </p:nvPr>
+        </p:nvSpPr>
+        <p:spPr>
+          <a:xfrm>
+            <a:off x="311700" y="445025"/>
+            <a:ext cx="8520600" cy="572700"/>
+          </a:xfrm>
+          <a:prstGeom prst="rect">
+            <a:avLst/>
+          </a:prstGeom>
+        </p:spPr>
+        <p:txBody>
+          <a:bodyPr anchorCtr="0" anchor="t" bIns="91425" lIns="91425" spcFirstLastPara="1" rIns="91425" wrap="square" tIns="91425">
+            <a:noAutofit/>
+          </a:bodyPr>
+          <a:lstStyle/>
+          <a:p>
+            <a:pPr indent="0" lvl="0" marL="0" rtl="0" algn="l">
+              <a:spcBef>
+                <a:spcPts val="0"/>
+              </a:spcBef>
+              <a:spcAft>
+                <a:spcPts val="0"/>
+              </a:spcAft>
+              <a:buNone/>
+            </a:pPr>
+            <a:r>
+              <a:t/>
+            </a:r>
+            <a:endParaRPr/>
+          </a:p>
+        </p:txBody>
+      </p:sp>
+      <p:sp>
+        <p:nvSpPr>
+          <p:cNvPr id="237" name="Google Shape;237;p43"/>
+          <p:cNvSpPr txBox="1"/>
+          <p:nvPr>
+            <p:ph idx="1" type="body"/>
+          </p:nvPr>
+        </p:nvSpPr>
+        <p:spPr>
+          <a:xfrm>
+            <a:off x="311700" y="1152475"/>
+            <a:ext cx="8520600" cy="3416400"/>
+          </a:xfrm>
+          <a:prstGeom prst="rect">
+            <a:avLst/>
+          </a:prstGeom>
+        </p:spPr>
+        <p:txBody>
+          <a:bodyPr anchorCtr="0" anchor="t" bIns="91425" lIns="91425" spcFirstLastPara="1" rIns="91425" wrap="square" tIns="91425">
+            <a:noAutofit/>
+          </a:bodyPr>
+          <a:lstStyle/>
+          <a:p>
+            <a:pPr indent="0" lvl="0" marL="38100" marR="38100" rtl="0" algn="l">
+              <a:spcBef>
+                <a:spcPts val="0"/>
+              </a:spcBef>
+              <a:spcAft>
+                <a:spcPts val="0"/>
+              </a:spcAft>
+              <a:buClr>
+                <a:schemeClr val="dk1"/>
+              </a:buClr>
+              <a:buSzPts val="1100"/>
+              <a:buFont typeface="Arial"/>
+              <a:buNone/>
+            </a:pPr>
+            <a:r>
+              <a:rPr b="1" lang="ru">
+                <a:solidFill>
+                  <a:srgbClr val="666666"/>
+                </a:solidFill>
+                <a:highlight>
+                  <a:srgbClr val="FFFFFF"/>
+                </a:highlight>
+              </a:rPr>
+              <a:t>intersection</a:t>
+            </a:r>
+            <a:r>
+              <a:rPr lang="ru">
+                <a:solidFill>
+                  <a:srgbClr val="666666"/>
+                </a:solidFill>
+                <a:highlight>
+                  <a:srgbClr val="FFFFFF"/>
+                </a:highlight>
+              </a:rPr>
+              <a:t>(</a:t>
+            </a:r>
+            <a:r>
+              <a:rPr i="1" lang="ru">
+                <a:solidFill>
+                  <a:srgbClr val="666666"/>
+                </a:solidFill>
+                <a:highlight>
+                  <a:srgbClr val="FFFFFF"/>
+                </a:highlight>
+              </a:rPr>
+              <a:t>*others</a:t>
+            </a:r>
+            <a:r>
+              <a:rPr lang="ru">
+                <a:solidFill>
+                  <a:srgbClr val="666666"/>
+                </a:solidFill>
+                <a:highlight>
+                  <a:srgbClr val="FFFFFF"/>
+                </a:highlight>
+              </a:rPr>
+              <a:t>) ⇒ </a:t>
+            </a:r>
+            <a:r>
+              <a:rPr b="1" lang="ru">
+                <a:solidFill>
+                  <a:srgbClr val="666666"/>
+                </a:solidFill>
+                <a:highlight>
+                  <a:srgbClr val="FFFFFF"/>
+                </a:highlight>
+              </a:rPr>
+              <a:t>set &amp; other &amp; … </a:t>
+            </a:r>
+            <a:r>
+              <a:rPr lang="ru">
+                <a:solidFill>
+                  <a:srgbClr val="666666"/>
+                </a:solidFill>
+                <a:highlight>
+                  <a:srgbClr val="FFFFFF"/>
+                </a:highlight>
+              </a:rPr>
+              <a:t>Пересечение всех </a:t>
+            </a:r>
+            <a:r>
+              <a:rPr lang="ru">
+                <a:solidFill>
+                  <a:srgbClr val="666666"/>
+                </a:solidFill>
+                <a:highlight>
+                  <a:srgbClr val="FFFFFF"/>
+                </a:highlight>
+              </a:rPr>
+              <a:t>множеств</a:t>
+            </a:r>
+            <a:r>
+              <a:rPr lang="ru">
+                <a:solidFill>
+                  <a:srgbClr val="666666"/>
+                </a:solidFill>
+                <a:highlight>
+                  <a:srgbClr val="FFFFFF"/>
+                </a:highlight>
+              </a:rPr>
+              <a:t>, то есть результат это </a:t>
+            </a:r>
+            <a:r>
+              <a:rPr lang="ru">
+                <a:solidFill>
+                  <a:srgbClr val="666666"/>
+                </a:solidFill>
+                <a:highlight>
+                  <a:srgbClr val="FFFFFF"/>
+                </a:highlight>
+              </a:rPr>
+              <a:t>множество</a:t>
+            </a:r>
+            <a:r>
+              <a:rPr lang="ru">
+                <a:solidFill>
+                  <a:srgbClr val="666666"/>
+                </a:solidFill>
+                <a:highlight>
+                  <a:srgbClr val="FFFFFF"/>
+                </a:highlight>
+              </a:rPr>
+              <a:t> из элементов общих для всех</a:t>
+            </a:r>
+            <a:endParaRPr>
+              <a:solidFill>
+                <a:srgbClr val="666666"/>
+              </a:solidFill>
+              <a:highlight>
+                <a:srgbClr val="FFFFFF"/>
+              </a:highlight>
+            </a:endParaRPr>
+          </a:p>
+          <a:p>
+            <a:pPr indent="0" lvl="0" marL="38100" marR="38100" rtl="0" algn="l">
+              <a:spcBef>
+                <a:spcPts val="1100"/>
+              </a:spcBef>
+              <a:spcAft>
+                <a:spcPts val="0"/>
+              </a:spcAft>
+              <a:buClr>
+                <a:schemeClr val="dk1"/>
+              </a:buClr>
+              <a:buSzPts val="1100"/>
+              <a:buFont typeface="Arial"/>
+              <a:buNone/>
+            </a:pPr>
+            <a:r>
+              <a:rPr b="1" lang="ru">
+                <a:solidFill>
+                  <a:srgbClr val="666666"/>
+                </a:solidFill>
+                <a:highlight>
+                  <a:srgbClr val="FFFFFF"/>
+                </a:highlight>
+              </a:rPr>
+              <a:t>difference</a:t>
+            </a:r>
+            <a:r>
+              <a:rPr lang="ru">
+                <a:solidFill>
+                  <a:srgbClr val="666666"/>
+                </a:solidFill>
+                <a:highlight>
+                  <a:srgbClr val="FFFFFF"/>
+                </a:highlight>
+              </a:rPr>
+              <a:t>(</a:t>
+            </a:r>
+            <a:r>
+              <a:rPr i="1" lang="ru">
+                <a:solidFill>
+                  <a:srgbClr val="666666"/>
+                </a:solidFill>
+                <a:highlight>
+                  <a:srgbClr val="FFFFFF"/>
+                </a:highlight>
+              </a:rPr>
+              <a:t>*others</a:t>
+            </a:r>
+            <a:r>
+              <a:rPr lang="ru">
+                <a:solidFill>
+                  <a:srgbClr val="666666"/>
+                </a:solidFill>
+                <a:highlight>
+                  <a:srgbClr val="FFFFFF"/>
+                </a:highlight>
+              </a:rPr>
+              <a:t>) ⇒ </a:t>
+            </a:r>
+            <a:r>
+              <a:rPr b="1" lang="ru">
+                <a:solidFill>
+                  <a:srgbClr val="666666"/>
+                </a:solidFill>
+                <a:highlight>
+                  <a:srgbClr val="FFFFFF"/>
+                </a:highlight>
+              </a:rPr>
+              <a:t>set - other - ...</a:t>
+            </a:r>
+            <a:endParaRPr>
+              <a:solidFill>
+                <a:srgbClr val="666666"/>
+              </a:solidFill>
+              <a:highlight>
+                <a:srgbClr val="FFFFFF"/>
+              </a:highlight>
+            </a:endParaRPr>
+          </a:p>
+          <a:p>
+            <a:pPr indent="0" lvl="0" marL="0" rtl="0" algn="l">
+              <a:spcBef>
+                <a:spcPts val="1100"/>
+              </a:spcBef>
+              <a:spcAft>
+                <a:spcPts val="0"/>
+              </a:spcAft>
+              <a:buClr>
+                <a:schemeClr val="dk1"/>
+              </a:buClr>
+              <a:buSzPts val="1100"/>
+              <a:buFont typeface="Arial"/>
+              <a:buNone/>
+            </a:pPr>
+            <a:r>
+              <a:rPr b="1" lang="ru">
+                <a:solidFill>
+                  <a:srgbClr val="666666"/>
+                </a:solidFill>
+                <a:highlight>
+                  <a:srgbClr val="FFFFFF"/>
+                </a:highlight>
+              </a:rPr>
+              <a:t>set ^ other - </a:t>
+            </a:r>
+            <a:r>
+              <a:rPr lang="ru">
+                <a:solidFill>
+                  <a:srgbClr val="666666"/>
+                </a:solidFill>
+                <a:highlight>
+                  <a:srgbClr val="FFFFFF"/>
+                </a:highlight>
+              </a:rPr>
+              <a:t>Вернет новое множество элементов, которые содержаться только в одном из множеств, но не в обоих</a:t>
+            </a:r>
+            <a:endParaRPr>
+              <a:solidFill>
+                <a:srgbClr val="666666"/>
+              </a:solidFill>
+              <a:highlight>
+                <a:srgbClr val="FFFFFF"/>
+              </a:highlight>
+            </a:endParaRPr>
+          </a:p>
+          <a:p>
+            <a:pPr indent="0" lvl="0" marL="38100" marR="38100" rtl="0" algn="l">
+              <a:spcBef>
+                <a:spcPts val="1100"/>
+              </a:spcBef>
+              <a:spcAft>
+                <a:spcPts val="0"/>
+              </a:spcAft>
+              <a:buClr>
+                <a:schemeClr val="dk1"/>
+              </a:buClr>
+              <a:buSzPts val="1100"/>
+              <a:buFont typeface="Arial"/>
+              <a:buNone/>
+            </a:pPr>
+            <a:r>
+              <a:rPr b="1" lang="ru">
+                <a:solidFill>
+                  <a:srgbClr val="666666"/>
+                </a:solidFill>
+                <a:highlight>
+                  <a:srgbClr val="FFFFFF"/>
+                </a:highlight>
+              </a:rPr>
+              <a:t>copy</a:t>
+            </a:r>
+            <a:r>
+              <a:rPr lang="ru">
+                <a:solidFill>
+                  <a:srgbClr val="666666"/>
+                </a:solidFill>
+                <a:highlight>
+                  <a:srgbClr val="FFFFFF"/>
+                </a:highlight>
+              </a:rPr>
+              <a:t>() Верните неглубокую копию множетва.</a:t>
+            </a:r>
+            <a:endParaRPr>
+              <a:solidFill>
+                <a:srgbClr val="666666"/>
+              </a:solidFill>
+              <a:highlight>
+                <a:srgbClr val="FFFFFF"/>
+              </a:highlight>
+            </a:endParaRPr>
+          </a:p>
+          <a:p>
+            <a:pPr indent="0" lvl="0" marL="0" rtl="0" algn="l">
+              <a:spcBef>
+                <a:spcPts val="1100"/>
+              </a:spcBef>
+              <a:spcAft>
+                <a:spcPts val="1600"/>
+              </a:spcAft>
+              <a:buNone/>
+            </a:pPr>
+            <a:r>
+              <a:t/>
+            </a:r>
+            <a:endParaRPr>
+              <a:solidFill>
+                <a:srgbClr val="666666"/>
+              </a:solidFill>
+            </a:endParaRPr>
+          </a:p>
+        </p:txBody>
+      </p:sp>
+    </p:spTree>
+  </p:cSld>
+  <p:clrMapOvr>
+    <a:masterClrMapping/>
+  </p:clrMapOvr>
+</p:sld>
+</file>
+
+<file path=ppt/slides/slide32.xml><?xml version="1.0" encoding="utf-8"?>
+<p:sld xmlns:a="http://schemas.openxmlformats.org/drawingml/2006/main" xmlns:r="http://schemas.openxmlformats.org/officeDocument/2006/relationships" xmlns:mc="http://schemas.openxmlformats.org/markup-compatibility/2006" xmlns:mv="urn:schemas-microsoft-com:mac:vml" xmlns:p="http://schemas.openxmlformats.org/presentationml/2006/main" xmlns:c="http://schemas.openxmlformats.org/drawingml/2006/chart" xmlns:dgm="http://schemas.openxmlformats.org/drawingml/2006/diagram" xmlns:o="urn:schemas-microsoft-com:office:office" xmlns:v="urn:schemas-microsoft-com:vml" xmlns:pvml="urn:schemas-microsoft-com:office:powerpoint" xmlns:com="http://schemas.openxmlformats.org/drawingml/2006/compatibility" xmlns:p14="http://schemas.microsoft.com/office/powerpoint/2010/main" xmlns:p15="http://schemas.microsoft.com/office/powerpoint/2012/main" xmlns:ahyp="http://schemas.microsoft.com/office/drawing/2018/hyperlinkcolor">
+  <p:cSld>
+    <p:spTree>
+      <p:nvGrpSpPr>
+        <p:cNvPr id="241" name="Shape 241"/>
+        <p:cNvGrpSpPr/>
+        <p:nvPr/>
+      </p:nvGrpSpPr>
+      <p:grpSpPr>
+        <a:xfrm>
+          <a:off x="0" y="0"/>
+          <a:ext cx="0" cy="0"/>
+          <a:chOff x="0" y="0"/>
+          <a:chExt cx="0" cy="0"/>
+        </a:xfrm>
+      </p:grpSpPr>
+      <p:sp>
+        <p:nvSpPr>
+          <p:cNvPr id="242" name="Google Shape;242;p44"/>
+          <p:cNvSpPr txBox="1"/>
+          <p:nvPr>
+            <p:ph type="title"/>
+          </p:nvPr>
+        </p:nvSpPr>
+        <p:spPr>
+          <a:xfrm>
+            <a:off x="311700" y="445025"/>
+            <a:ext cx="8520600" cy="572700"/>
+          </a:xfrm>
+          <a:prstGeom prst="rect">
+            <a:avLst/>
+          </a:prstGeom>
+        </p:spPr>
+        <p:txBody>
+          <a:bodyPr anchorCtr="0" anchor="t" bIns="91425" lIns="91425" spcFirstLastPara="1" rIns="91425" wrap="square" tIns="91425">
+            <a:noAutofit/>
+          </a:bodyPr>
+          <a:lstStyle/>
+          <a:p>
+            <a:pPr indent="0" lvl="0" marL="0" rtl="0" algn="l">
+              <a:spcBef>
+                <a:spcPts val="0"/>
+              </a:spcBef>
+              <a:spcAft>
+                <a:spcPts val="0"/>
+              </a:spcAft>
+              <a:buClr>
+                <a:schemeClr val="dk1"/>
+              </a:buClr>
+              <a:buSzPts val="1100"/>
+              <a:buFont typeface="Arial"/>
+              <a:buNone/>
+            </a:pPr>
+            <a:r>
+              <a:rPr lang="ru"/>
+              <a:t>Множество (Set) операции</a:t>
+            </a:r>
+            <a:endParaRPr/>
+          </a:p>
+          <a:p>
+            <a:pPr indent="0" lvl="0" marL="0" rtl="0" algn="l">
+              <a:spcBef>
+                <a:spcPts val="0"/>
+              </a:spcBef>
+              <a:spcAft>
+                <a:spcPts val="0"/>
+              </a:spcAft>
+              <a:buNone/>
+            </a:pPr>
+            <a:r>
+              <a:t/>
+            </a:r>
+            <a:endParaRPr/>
+          </a:p>
+        </p:txBody>
+      </p:sp>
+      <p:pic>
+        <p:nvPicPr>
+          <p:cNvPr id="243" name="Google Shape;243;p44"/>
+          <p:cNvPicPr preferRelativeResize="0"/>
+          <p:nvPr/>
+        </p:nvPicPr>
+        <p:blipFill>
+          <a:blip r:embed="rId3">
+            <a:alphaModFix/>
+          </a:blip>
+          <a:stretch>
+            <a:fillRect/>
+          </a:stretch>
+        </p:blipFill>
+        <p:spPr>
+          <a:xfrm>
+            <a:off x="2434125" y="1238475"/>
+            <a:ext cx="4035054" cy="3820976"/>
+          </a:xfrm>
+          <a:prstGeom prst="rect">
+            <a:avLst/>
+          </a:prstGeom>
+          <a:noFill/>
+          <a:ln>
+            <a:noFill/>
+          </a:ln>
+        </p:spPr>
+      </p:pic>
+    </p:spTree>
+  </p:cSld>
+  <p:clrMapOvr>
+    <a:masterClrMapping/>
+  </p:clrMapOvr>
+</p:sld>
+</file>
+
+<file path=ppt/slides/slide33.xml><?xml version="1.0" encoding="utf-8"?>
+<p:sld xmlns:a="http://schemas.openxmlformats.org/drawingml/2006/main" xmlns:r="http://schemas.openxmlformats.org/officeDocument/2006/relationships" xmlns:mc="http://schemas.openxmlformats.org/markup-compatibility/2006" xmlns:mv="urn:schemas-microsoft-com:mac:vml" xmlns:p="http://schemas.openxmlformats.org/presentationml/2006/main" xmlns:c="http://schemas.openxmlformats.org/drawingml/2006/chart" xmlns:dgm="http://schemas.openxmlformats.org/drawingml/2006/diagram" xmlns:o="urn:schemas-microsoft-com:office:office" xmlns:v="urn:schemas-microsoft-com:vml" xmlns:pvml="urn:schemas-microsoft-com:office:powerpoint" xmlns:com="http://schemas.openxmlformats.org/drawingml/2006/compatibility" xmlns:p14="http://schemas.microsoft.com/office/powerpoint/2010/main" xmlns:p15="http://schemas.microsoft.com/office/powerpoint/2012/main" xmlns:ahyp="http://schemas.microsoft.com/office/drawing/2018/hyperlinkcolor">
+  <p:cSld>
+    <p:spTree>
+      <p:nvGrpSpPr>
+        <p:cNvPr id="247" name="Shape 247"/>
+        <p:cNvGrpSpPr/>
+        <p:nvPr/>
+      </p:nvGrpSpPr>
+      <p:grpSpPr>
+        <a:xfrm>
+          <a:off x="0" y="0"/>
+          <a:ext cx="0" cy="0"/>
+          <a:chOff x="0" y="0"/>
+          <a:chExt cx="0" cy="0"/>
+        </a:xfrm>
+      </p:grpSpPr>
+      <p:sp>
+        <p:nvSpPr>
+          <p:cNvPr id="248" name="Google Shape;248;p45"/>
+          <p:cNvSpPr txBox="1"/>
+          <p:nvPr>
+            <p:ph type="title"/>
+          </p:nvPr>
+        </p:nvSpPr>
+        <p:spPr>
+          <a:xfrm>
+            <a:off x="311700" y="445025"/>
+            <a:ext cx="8520600" cy="572700"/>
+          </a:xfrm>
+          <a:prstGeom prst="rect">
+            <a:avLst/>
+          </a:prstGeom>
+        </p:spPr>
+        <p:txBody>
+          <a:bodyPr anchorCtr="0" anchor="t" bIns="91425" lIns="91425" spcFirstLastPara="1" rIns="91425" wrap="square" tIns="91425">
+            <a:noAutofit/>
+          </a:bodyPr>
+          <a:lstStyle/>
+          <a:p>
+            <a:pPr indent="0" lvl="0" marL="0" rtl="0" algn="l">
+              <a:spcBef>
+                <a:spcPts val="0"/>
+              </a:spcBef>
+              <a:spcAft>
+                <a:spcPts val="0"/>
+              </a:spcAft>
+              <a:buNone/>
+            </a:pPr>
+            <a:r>
+              <a:rPr lang="ru"/>
+              <a:t>Определение</a:t>
+            </a:r>
+            <a:endParaRPr/>
+          </a:p>
+        </p:txBody>
+      </p:sp>
+      <p:sp>
+        <p:nvSpPr>
+          <p:cNvPr id="249" name="Google Shape;249;p45"/>
+          <p:cNvSpPr txBox="1"/>
+          <p:nvPr>
+            <p:ph idx="1" type="body"/>
+          </p:nvPr>
+        </p:nvSpPr>
+        <p:spPr>
+          <a:xfrm>
+            <a:off x="311700" y="1152475"/>
+            <a:ext cx="8520600" cy="3416400"/>
+          </a:xfrm>
+          <a:prstGeom prst="rect">
+            <a:avLst/>
+          </a:prstGeom>
+        </p:spPr>
+        <p:txBody>
+          <a:bodyPr anchorCtr="0" anchor="t" bIns="91425" lIns="91425" spcFirstLastPara="1" rIns="91425" wrap="square" tIns="91425">
+            <a:noAutofit/>
+          </a:bodyPr>
+          <a:lstStyle/>
+          <a:p>
+            <a:pPr indent="0" lvl="0" marL="0" rtl="0" algn="l">
+              <a:spcBef>
+                <a:spcPts val="0"/>
+              </a:spcBef>
+              <a:spcAft>
+                <a:spcPts val="0"/>
+              </a:spcAft>
+              <a:buNone/>
+            </a:pPr>
+            <a:r>
+              <a:rPr lang="ru" sz="1650">
+                <a:solidFill>
+                  <a:schemeClr val="dk1"/>
+                </a:solidFill>
+                <a:highlight>
+                  <a:srgbClr val="FFFFFF"/>
+                </a:highlight>
+              </a:rPr>
+              <a:t>Generator functions allow you to declare a function that behaves like an iterator, i.e. it can be used in a for loop (</a:t>
+            </a:r>
+            <a:r>
+              <a:rPr lang="ru" sz="1650" u="sng">
+                <a:solidFill>
+                  <a:schemeClr val="hlink"/>
+                </a:solidFill>
+                <a:highlight>
+                  <a:srgbClr val="FFFFFF"/>
+                </a:highlight>
+                <a:hlinkClick r:id="rId3"/>
+              </a:rPr>
+              <a:t>https://wiki.python.org/moin/Generators</a:t>
+            </a:r>
+            <a:r>
+              <a:rPr lang="ru" sz="1650">
+                <a:solidFill>
+                  <a:schemeClr val="dk1"/>
+                </a:solidFill>
+                <a:highlight>
+                  <a:srgbClr val="FFFFFF"/>
+                </a:highlight>
+              </a:rPr>
+              <a:t>). </a:t>
+            </a:r>
+            <a:endParaRPr sz="1650">
+              <a:solidFill>
+                <a:schemeClr val="dk1"/>
+              </a:solidFill>
+              <a:highlight>
+                <a:srgbClr val="FFFFFF"/>
+              </a:highlight>
+            </a:endParaRPr>
+          </a:p>
+          <a:p>
+            <a:pPr indent="0" lvl="0" marL="0" rtl="0" algn="l">
+              <a:spcBef>
+                <a:spcPts val="1600"/>
+              </a:spcBef>
+              <a:spcAft>
+                <a:spcPts val="1600"/>
+              </a:spcAft>
+              <a:buNone/>
+            </a:pPr>
+            <a:r>
+              <a:rPr lang="ru" sz="1650">
+                <a:solidFill>
+                  <a:schemeClr val="dk1"/>
+                </a:solidFill>
+                <a:highlight>
+                  <a:srgbClr val="FFFFFF"/>
+                </a:highlight>
+              </a:rPr>
+              <a:t>При создании генератора нет необходимости выделять такое количество памяти, которое необходимо для хранения всего массива данных.</a:t>
+            </a:r>
+            <a:endParaRPr sz="1650">
+              <a:solidFill>
+                <a:schemeClr val="dk1"/>
+              </a:solidFill>
+              <a:highlight>
+                <a:srgbClr val="FFFFFF"/>
+              </a:highlight>
+            </a:endParaRPr>
+          </a:p>
+        </p:txBody>
+      </p:sp>
+    </p:spTree>
+  </p:cSld>
+  <p:clrMapOvr>
+    <a:masterClrMapping/>
+  </p:clrMapOvr>
+</p:sld>
+</file>
+
+<file path=ppt/slides/slide34.xml><?xml version="1.0" encoding="utf-8"?>
+<p:sld xmlns:a="http://schemas.openxmlformats.org/drawingml/2006/main" xmlns:r="http://schemas.openxmlformats.org/officeDocument/2006/relationships" xmlns:mc="http://schemas.openxmlformats.org/markup-compatibility/2006" xmlns:mv="urn:schemas-microsoft-com:mac:vml" xmlns:p="http://schemas.openxmlformats.org/presentationml/2006/main" xmlns:c="http://schemas.openxmlformats.org/drawingml/2006/chart" xmlns:dgm="http://schemas.openxmlformats.org/drawingml/2006/diagram" xmlns:o="urn:schemas-microsoft-com:office:office" xmlns:v="urn:schemas-microsoft-com:vml" xmlns:pvml="urn:schemas-microsoft-com:office:powerpoint" xmlns:com="http://schemas.openxmlformats.org/drawingml/2006/compatibility" xmlns:p14="http://schemas.microsoft.com/office/powerpoint/2010/main" xmlns:p15="http://schemas.microsoft.com/office/powerpoint/2012/main" xmlns:ahyp="http://schemas.microsoft.com/office/drawing/2018/hyperlinkcolor">
+  <p:cSld>
+    <p:spTree>
+      <p:nvGrpSpPr>
+        <p:cNvPr id="253" name="Shape 253"/>
+        <p:cNvGrpSpPr/>
+        <p:nvPr/>
+      </p:nvGrpSpPr>
+      <p:grpSpPr>
+        <a:xfrm>
+          <a:off x="0" y="0"/>
+          <a:ext cx="0" cy="0"/>
+          <a:chOff x="0" y="0"/>
+          <a:chExt cx="0" cy="0"/>
+        </a:xfrm>
+      </p:grpSpPr>
+      <p:sp>
+        <p:nvSpPr>
+          <p:cNvPr id="254" name="Google Shape;254;p46"/>
+          <p:cNvSpPr txBox="1"/>
+          <p:nvPr>
+            <p:ph type="title"/>
+          </p:nvPr>
+        </p:nvSpPr>
+        <p:spPr>
+          <a:xfrm>
+            <a:off x="311700" y="445025"/>
+            <a:ext cx="8520600" cy="572700"/>
+          </a:xfrm>
+          <a:prstGeom prst="rect">
+            <a:avLst/>
+          </a:prstGeom>
+        </p:spPr>
+        <p:txBody>
+          <a:bodyPr anchorCtr="0" anchor="t" bIns="91425" lIns="91425" spcFirstLastPara="1" rIns="91425" wrap="square" tIns="91425">
+            <a:noAutofit/>
+          </a:bodyPr>
+          <a:lstStyle/>
+          <a:p>
+            <a:pPr indent="0" lvl="0" marL="0" rtl="0" algn="l">
+              <a:spcBef>
+                <a:spcPts val="0"/>
+              </a:spcBef>
+              <a:spcAft>
+                <a:spcPts val="0"/>
+              </a:spcAft>
+              <a:buNone/>
+            </a:pPr>
+            <a:r>
+              <a:rPr lang="ru"/>
+              <a:t>Создание</a:t>
+            </a:r>
+            <a:endParaRPr/>
+          </a:p>
+        </p:txBody>
+      </p:sp>
+      <p:pic>
+        <p:nvPicPr>
+          <p:cNvPr id="255" name="Google Shape;255;p46"/>
+          <p:cNvPicPr preferRelativeResize="0"/>
+          <p:nvPr/>
+        </p:nvPicPr>
+        <p:blipFill>
+          <a:blip r:embed="rId3">
+            <a:alphaModFix/>
+          </a:blip>
+          <a:stretch>
+            <a:fillRect/>
+          </a:stretch>
+        </p:blipFill>
+        <p:spPr>
+          <a:xfrm>
+            <a:off x="2852298" y="1084425"/>
+            <a:ext cx="3381199" cy="3912450"/>
+          </a:xfrm>
+          <a:prstGeom prst="rect">
+            <a:avLst/>
+          </a:prstGeom>
+          <a:noFill/>
+          <a:ln>
+            <a:noFill/>
+          </a:ln>
+        </p:spPr>
+      </p:pic>
+    </p:spTree>
+  </p:cSld>
+  <p:clrMapOvr>
+    <a:masterClrMapping/>
+  </p:clrMapOvr>
+</p:sld>
+</file>
+
+<file path=ppt/slides/slide35.xml><?xml version="1.0" encoding="utf-8"?>
+<p:sld xmlns:a="http://schemas.openxmlformats.org/drawingml/2006/main" xmlns:r="http://schemas.openxmlformats.org/officeDocument/2006/relationships" xmlns:mc="http://schemas.openxmlformats.org/markup-compatibility/2006" xmlns:mv="urn:schemas-microsoft-com:mac:vml" xmlns:p="http://schemas.openxmlformats.org/presentationml/2006/main" xmlns:c="http://schemas.openxmlformats.org/drawingml/2006/chart" xmlns:dgm="http://schemas.openxmlformats.org/drawingml/2006/diagram" xmlns:o="urn:schemas-microsoft-com:office:office" xmlns:v="urn:schemas-microsoft-com:vml" xmlns:pvml="urn:schemas-microsoft-com:office:powerpoint" xmlns:com="http://schemas.openxmlformats.org/drawingml/2006/compatibility" xmlns:p14="http://schemas.microsoft.com/office/powerpoint/2010/main" xmlns:p15="http://schemas.microsoft.com/office/powerpoint/2012/main" xmlns:ahyp="http://schemas.microsoft.com/office/drawing/2018/hyperlinkcolor">
+  <p:cSld>
+    <p:spTree>
+      <p:nvGrpSpPr>
+        <p:cNvPr id="259" name="Shape 259"/>
+        <p:cNvGrpSpPr/>
+        <p:nvPr/>
+      </p:nvGrpSpPr>
+      <p:grpSpPr>
+        <a:xfrm>
+          <a:off x="0" y="0"/>
+          <a:ext cx="0" cy="0"/>
+          <a:chOff x="0" y="0"/>
+          <a:chExt cx="0" cy="0"/>
+        </a:xfrm>
+      </p:grpSpPr>
+      <p:sp>
+        <p:nvSpPr>
+          <p:cNvPr id="260" name="Google Shape;260;p47"/>
+          <p:cNvSpPr txBox="1"/>
+          <p:nvPr>
+            <p:ph type="title"/>
+          </p:nvPr>
+        </p:nvSpPr>
+        <p:spPr>
+          <a:xfrm>
+            <a:off x="311700" y="445025"/>
+            <a:ext cx="8520600" cy="572700"/>
+          </a:xfrm>
+          <a:prstGeom prst="rect">
+            <a:avLst/>
+          </a:prstGeom>
+        </p:spPr>
+        <p:txBody>
+          <a:bodyPr anchorCtr="0" anchor="t" bIns="91425" lIns="91425" spcFirstLastPara="1" rIns="91425" wrap="square" tIns="91425">
+            <a:noAutofit/>
+          </a:bodyPr>
+          <a:lstStyle/>
+          <a:p>
+            <a:pPr indent="0" lvl="0" marL="0" rtl="0" algn="l">
+              <a:spcBef>
+                <a:spcPts val="0"/>
+              </a:spcBef>
+              <a:spcAft>
+                <a:spcPts val="0"/>
+              </a:spcAft>
+              <a:buClr>
+                <a:schemeClr val="dk1"/>
+              </a:buClr>
+              <a:buSzPts val="1100"/>
+              <a:buFont typeface="Arial"/>
+              <a:buNone/>
+            </a:pPr>
+            <a:r>
+              <a:rPr lang="ru"/>
+              <a:t>Создание</a:t>
+            </a:r>
+            <a:endParaRPr/>
+          </a:p>
+        </p:txBody>
+      </p:sp>
+      <p:pic>
+        <p:nvPicPr>
+          <p:cNvPr id="261" name="Google Shape;261;p47"/>
+          <p:cNvPicPr preferRelativeResize="0"/>
+          <p:nvPr/>
+        </p:nvPicPr>
+        <p:blipFill>
+          <a:blip r:embed="rId3">
+            <a:alphaModFix/>
+          </a:blip>
+          <a:stretch>
+            <a:fillRect/>
+          </a:stretch>
+        </p:blipFill>
+        <p:spPr>
+          <a:xfrm>
+            <a:off x="2587000" y="1131650"/>
+            <a:ext cx="3857625" cy="3419475"/>
+          </a:xfrm>
+          <a:prstGeom prst="rect">
+            <a:avLst/>
+          </a:prstGeom>
+          <a:noFill/>
+          <a:ln>
+            <a:noFill/>
+          </a:ln>
+        </p:spPr>
+      </p:pic>
+    </p:spTree>
+  </p:cSld>
+  <p:clrMapOvr>
+    <a:masterClrMapping/>
+  </p:clrMapOvr>
+</p:sld>
+</file>
+
+<file path=ppt/slides/slide36.xml><?xml version="1.0" encoding="utf-8"?>
+<p:sld xmlns:a="http://schemas.openxmlformats.org/drawingml/2006/main" xmlns:r="http://schemas.openxmlformats.org/officeDocument/2006/relationships" xmlns:mc="http://schemas.openxmlformats.org/markup-compatibility/2006" xmlns:mv="urn:schemas-microsoft-com:mac:vml" xmlns:p="http://schemas.openxmlformats.org/presentationml/2006/main" xmlns:c="http://schemas.openxmlformats.org/drawingml/2006/chart" xmlns:dgm="http://schemas.openxmlformats.org/drawingml/2006/diagram" xmlns:o="urn:schemas-microsoft-com:office:office" xmlns:v="urn:schemas-microsoft-com:vml" xmlns:pvml="urn:schemas-microsoft-com:office:powerpoint" xmlns:com="http://schemas.openxmlformats.org/drawingml/2006/compatibility" xmlns:p14="http://schemas.microsoft.com/office/powerpoint/2010/main" xmlns:p15="http://schemas.microsoft.com/office/powerpoint/2012/main" xmlns:ahyp="http://schemas.microsoft.com/office/drawing/2018/hyperlinkcolor">
+  <p:cSld>
+    <p:spTree>
+      <p:nvGrpSpPr>
+        <p:cNvPr id="265" name="Shape 265"/>
+        <p:cNvGrpSpPr/>
+        <p:nvPr/>
+      </p:nvGrpSpPr>
+      <p:grpSpPr>
+        <a:xfrm>
+          <a:off x="0" y="0"/>
+          <a:ext cx="0" cy="0"/>
+          <a:chOff x="0" y="0"/>
+          <a:chExt cx="0" cy="0"/>
+        </a:xfrm>
+      </p:grpSpPr>
+      <p:sp>
+        <p:nvSpPr>
+          <p:cNvPr id="266" name="Google Shape;266;p48"/>
+          <p:cNvSpPr txBox="1"/>
+          <p:nvPr>
+            <p:ph type="title"/>
+          </p:nvPr>
+        </p:nvSpPr>
+        <p:spPr>
+          <a:xfrm>
+            <a:off x="311700" y="445025"/>
+            <a:ext cx="8520600" cy="572700"/>
+          </a:xfrm>
+          <a:prstGeom prst="rect">
+            <a:avLst/>
+          </a:prstGeom>
+        </p:spPr>
+        <p:txBody>
+          <a:bodyPr anchorCtr="0" anchor="t" bIns="91425" lIns="91425" spcFirstLastPara="1" rIns="91425" wrap="square" tIns="91425">
+            <a:noAutofit/>
+          </a:bodyPr>
+          <a:lstStyle/>
+          <a:p>
+            <a:pPr indent="0" lvl="0" marL="0" rtl="0" algn="l">
+              <a:spcBef>
+                <a:spcPts val="0"/>
+              </a:spcBef>
+              <a:spcAft>
+                <a:spcPts val="0"/>
+              </a:spcAft>
+              <a:buClr>
+                <a:schemeClr val="dk1"/>
+              </a:buClr>
+              <a:buSzPts val="1100"/>
+              <a:buFont typeface="Arial"/>
+              <a:buNone/>
+            </a:pPr>
+            <a:r>
+              <a:rPr lang="ru"/>
+              <a:t>Создание</a:t>
+            </a:r>
+            <a:endParaRPr/>
+          </a:p>
+        </p:txBody>
+      </p:sp>
+      <p:pic>
+        <p:nvPicPr>
+          <p:cNvPr id="267" name="Google Shape;267;p48"/>
+          <p:cNvPicPr preferRelativeResize="0"/>
+          <p:nvPr/>
+        </p:nvPicPr>
+        <p:blipFill>
+          <a:blip r:embed="rId3">
+            <a:alphaModFix/>
+          </a:blip>
+          <a:stretch>
+            <a:fillRect/>
+          </a:stretch>
+        </p:blipFill>
+        <p:spPr>
+          <a:xfrm>
+            <a:off x="2419425" y="956238"/>
+            <a:ext cx="4038600" cy="3800475"/>
+          </a:xfrm>
+          <a:prstGeom prst="rect">
+            <a:avLst/>
+          </a:prstGeom>
+          <a:noFill/>
+          <a:ln>
+            <a:noFill/>
+          </a:ln>
+        </p:spPr>
+      </p:pic>
+    </p:spTree>
+  </p:cSld>
+  <p:clrMapOvr>
+    <a:masterClrMapping/>
+  </p:clrMapOvr>
+</p:sld>
+</file>
+
+<file path=ppt/slides/slide37.xml><?xml version="1.0" encoding="utf-8"?>
+<p:sld xmlns:a="http://schemas.openxmlformats.org/drawingml/2006/main" xmlns:r="http://schemas.openxmlformats.org/officeDocument/2006/relationships" xmlns:mc="http://schemas.openxmlformats.org/markup-compatibility/2006" xmlns:mv="urn:schemas-microsoft-com:mac:vml" xmlns:p="http://schemas.openxmlformats.org/presentationml/2006/main" xmlns:c="http://schemas.openxmlformats.org/drawingml/2006/chart" xmlns:dgm="http://schemas.openxmlformats.org/drawingml/2006/diagram" xmlns:o="urn:schemas-microsoft-com:office:office" xmlns:v="urn:schemas-microsoft-com:vml" xmlns:pvml="urn:schemas-microsoft-com:office:powerpoint" xmlns:com="http://schemas.openxmlformats.org/drawingml/2006/compatibility" xmlns:p14="http://schemas.microsoft.com/office/powerpoint/2010/main" xmlns:p15="http://schemas.microsoft.com/office/powerpoint/2012/main" xmlns:ahyp="http://schemas.microsoft.com/office/drawing/2018/hyperlinkcolor">
+  <p:cSld>
+    <p:spTree>
+      <p:nvGrpSpPr>
+        <p:cNvPr id="271" name="Shape 271"/>
+        <p:cNvGrpSpPr/>
+        <p:nvPr/>
+      </p:nvGrpSpPr>
+      <p:grpSpPr>
+        <a:xfrm>
+          <a:off x="0" y="0"/>
+          <a:ext cx="0" cy="0"/>
+          <a:chOff x="0" y="0"/>
+          <a:chExt cx="0" cy="0"/>
+        </a:xfrm>
+      </p:grpSpPr>
+      <p:sp>
+        <p:nvSpPr>
+          <p:cNvPr id="272" name="Google Shape;272;p49"/>
+          <p:cNvSpPr txBox="1"/>
+          <p:nvPr>
+            <p:ph type="title"/>
+          </p:nvPr>
+        </p:nvSpPr>
+        <p:spPr>
+          <a:xfrm>
+            <a:off x="311700" y="445025"/>
+            <a:ext cx="8520600" cy="572700"/>
+          </a:xfrm>
+          <a:prstGeom prst="rect">
+            <a:avLst/>
+          </a:prstGeom>
+        </p:spPr>
+        <p:txBody>
+          <a:bodyPr anchorCtr="0" anchor="t" bIns="91425" lIns="91425" spcFirstLastPara="1" rIns="91425" wrap="square" tIns="91425">
+            <a:noAutofit/>
+          </a:bodyPr>
+          <a:lstStyle/>
+          <a:p>
+            <a:pPr indent="0" lvl="0" marL="0" rtl="0" algn="l">
+              <a:spcBef>
+                <a:spcPts val="0"/>
+              </a:spcBef>
+              <a:spcAft>
+                <a:spcPts val="0"/>
+              </a:spcAft>
+              <a:buNone/>
+            </a:pPr>
+            <a:r>
+              <a:rPr lang="ru"/>
+              <a:t>Ключевое слово yield</a:t>
+            </a:r>
+            <a:endParaRPr/>
+          </a:p>
+        </p:txBody>
+      </p:sp>
+      <p:pic>
+        <p:nvPicPr>
+          <p:cNvPr id="273" name="Google Shape;273;p49"/>
+          <p:cNvPicPr preferRelativeResize="0"/>
+          <p:nvPr/>
+        </p:nvPicPr>
+        <p:blipFill>
+          <a:blip r:embed="rId3">
+            <a:alphaModFix/>
+          </a:blip>
+          <a:stretch>
+            <a:fillRect/>
+          </a:stretch>
+        </p:blipFill>
+        <p:spPr>
+          <a:xfrm>
+            <a:off x="2181925" y="1588150"/>
+            <a:ext cx="4124325" cy="3124200"/>
+          </a:xfrm>
+          <a:prstGeom prst="rect">
+            <a:avLst/>
+          </a:prstGeom>
+          <a:noFill/>
+          <a:ln>
+            <a:noFill/>
+          </a:ln>
+        </p:spPr>
+      </p:pic>
+    </p:spTree>
+  </p:cSld>
+  <p:clrMapOvr>
+    <a:masterClrMapping/>
+  </p:clrMapOvr>
+</p:sld>
+</file>
+
+<file path=ppt/slides/slide38.xml><?xml version="1.0" encoding="utf-8"?>
+<p:sld xmlns:a="http://schemas.openxmlformats.org/drawingml/2006/main" xmlns:r="http://schemas.openxmlformats.org/officeDocument/2006/relationships" xmlns:mc="http://schemas.openxmlformats.org/markup-compatibility/2006" xmlns:mv="urn:schemas-microsoft-com:mac:vml" xmlns:p="http://schemas.openxmlformats.org/presentationml/2006/main" xmlns:c="http://schemas.openxmlformats.org/drawingml/2006/chart" xmlns:dgm="http://schemas.openxmlformats.org/drawingml/2006/diagram" xmlns:o="urn:schemas-microsoft-com:office:office" xmlns:v="urn:schemas-microsoft-com:vml" xmlns:pvml="urn:schemas-microsoft-com:office:powerpoint" xmlns:com="http://schemas.openxmlformats.org/drawingml/2006/compatibility" xmlns:p14="http://schemas.microsoft.com/office/powerpoint/2010/main" xmlns:p15="http://schemas.microsoft.com/office/powerpoint/2012/main" xmlns:ahyp="http://schemas.microsoft.com/office/drawing/2018/hyperlinkcolor">
+  <p:cSld>
+    <p:spTree>
+      <p:nvGrpSpPr>
+        <p:cNvPr id="277" name="Shape 277"/>
+        <p:cNvGrpSpPr/>
+        <p:nvPr/>
+      </p:nvGrpSpPr>
+      <p:grpSpPr>
+        <a:xfrm>
+          <a:off x="0" y="0"/>
+          <a:ext cx="0" cy="0"/>
+          <a:chOff x="0" y="0"/>
+          <a:chExt cx="0" cy="0"/>
+        </a:xfrm>
+      </p:grpSpPr>
+      <p:sp>
+        <p:nvSpPr>
+          <p:cNvPr id="278" name="Google Shape;278;p50"/>
+          <p:cNvSpPr txBox="1"/>
+          <p:nvPr>
+            <p:ph type="title"/>
+          </p:nvPr>
+        </p:nvSpPr>
+        <p:spPr>
+          <a:xfrm>
+            <a:off x="311700" y="445025"/>
+            <a:ext cx="8520600" cy="572700"/>
+          </a:xfrm>
+          <a:prstGeom prst="rect">
+            <a:avLst/>
+          </a:prstGeom>
+        </p:spPr>
+        <p:txBody>
+          <a:bodyPr anchorCtr="0" anchor="t" bIns="91425" lIns="91425" spcFirstLastPara="1" rIns="91425" wrap="square" tIns="91425">
+            <a:noAutofit/>
+          </a:bodyPr>
+          <a:lstStyle/>
+          <a:p>
+            <a:pPr indent="0" lvl="0" marL="0" rtl="0" algn="l">
+              <a:spcBef>
+                <a:spcPts val="0"/>
+              </a:spcBef>
+              <a:spcAft>
+                <a:spcPts val="0"/>
+              </a:spcAft>
+              <a:buNone/>
+            </a:pPr>
+            <a:r>
+              <a:rPr lang="ru"/>
+              <a:t>Ключевое слово yield</a:t>
+            </a:r>
+            <a:endParaRPr/>
+          </a:p>
+        </p:txBody>
+      </p:sp>
+      <p:pic>
+        <p:nvPicPr>
+          <p:cNvPr id="279" name="Google Shape;279;p50"/>
+          <p:cNvPicPr preferRelativeResize="0"/>
+          <p:nvPr/>
+        </p:nvPicPr>
+        <p:blipFill>
+          <a:blip r:embed="rId3">
+            <a:alphaModFix/>
+          </a:blip>
+          <a:stretch>
+            <a:fillRect/>
+          </a:stretch>
+        </p:blipFill>
+        <p:spPr>
+          <a:xfrm>
+            <a:off x="1721500" y="1127725"/>
+            <a:ext cx="4396624" cy="3820975"/>
+          </a:xfrm>
+          <a:prstGeom prst="rect">
+            <a:avLst/>
+          </a:prstGeom>
+          <a:noFill/>
+          <a:ln>
+            <a:noFill/>
+          </a:ln>
+        </p:spPr>
+      </p:pic>
+    </p:spTree>
+  </p:cSld>
+  <p:clrMapOvr>
+    <a:masterClrMapping/>
+  </p:clrMapOvr>
+</p:sld>
+</file>
+
+<file path=ppt/slides/slide39.xml><?xml version="1.0" encoding="utf-8"?>
+<p:sld xmlns:a="http://schemas.openxmlformats.org/drawingml/2006/main" xmlns:r="http://schemas.openxmlformats.org/officeDocument/2006/relationships" xmlns:mc="http://schemas.openxmlformats.org/markup-compatibility/2006" xmlns:mv="urn:schemas-microsoft-com:mac:vml" xmlns:p="http://schemas.openxmlformats.org/presentationml/2006/main" xmlns:c="http://schemas.openxmlformats.org/drawingml/2006/chart" xmlns:dgm="http://schemas.openxmlformats.org/drawingml/2006/diagram" xmlns:o="urn:schemas-microsoft-com:office:office" xmlns:v="urn:schemas-microsoft-com:vml" xmlns:pvml="urn:schemas-microsoft-com:office:powerpoint" xmlns:com="http://schemas.openxmlformats.org/drawingml/2006/compatibility" xmlns:p14="http://schemas.microsoft.com/office/powerpoint/2010/main" xmlns:p15="http://schemas.microsoft.com/office/powerpoint/2012/main" xmlns:ahyp="http://schemas.microsoft.com/office/drawing/2018/hyperlinkcolor">
+  <p:cSld>
+    <p:spTree>
+      <p:nvGrpSpPr>
+        <p:cNvPr id="283" name="Shape 283"/>
+        <p:cNvGrpSpPr/>
+        <p:nvPr/>
+      </p:nvGrpSpPr>
+      <p:grpSpPr>
+        <a:xfrm>
+          <a:off x="0" y="0"/>
+          <a:ext cx="0" cy="0"/>
+          <a:chOff x="0" y="0"/>
+          <a:chExt cx="0" cy="0"/>
+        </a:xfrm>
+      </p:grpSpPr>
+      <p:sp>
+        <p:nvSpPr>
+          <p:cNvPr id="284" name="Google Shape;284;p51"/>
+          <p:cNvSpPr txBox="1"/>
+          <p:nvPr>
+            <p:ph type="title"/>
+          </p:nvPr>
+        </p:nvSpPr>
+        <p:spPr>
+          <a:xfrm>
+            <a:off x="311700" y="445025"/>
+            <a:ext cx="8520600" cy="572700"/>
+          </a:xfrm>
+          <a:prstGeom prst="rect">
+            <a:avLst/>
+          </a:prstGeom>
+        </p:spPr>
+        <p:txBody>
+          <a:bodyPr anchorCtr="0" anchor="t" bIns="91425" lIns="91425" spcFirstLastPara="1" rIns="91425" wrap="square" tIns="91425">
+            <a:noAutofit/>
+          </a:bodyPr>
+          <a:lstStyle/>
+          <a:p>
+            <a:pPr indent="0" lvl="0" marL="0" rtl="0" algn="l">
+              <a:spcBef>
+                <a:spcPts val="0"/>
+              </a:spcBef>
+              <a:spcAft>
+                <a:spcPts val="0"/>
+              </a:spcAft>
+              <a:buClr>
+                <a:schemeClr val="dk1"/>
+              </a:buClr>
+              <a:buSzPts val="1100"/>
+              <a:buFont typeface="Arial"/>
+              <a:buNone/>
+            </a:pPr>
+            <a:r>
+              <a:rPr lang="ru"/>
+              <a:t>Ключевое слово yield</a:t>
+            </a:r>
+            <a:endParaRPr/>
+          </a:p>
+          <a:p>
+            <a:pPr indent="0" lvl="0" marL="0" rtl="0" algn="l">
+              <a:spcBef>
+                <a:spcPts val="0"/>
+              </a:spcBef>
+              <a:spcAft>
+                <a:spcPts val="0"/>
+              </a:spcAft>
+              <a:buNone/>
+            </a:pPr>
+            <a:r>
+              <a:t/>
+            </a:r>
+            <a:endParaRPr/>
+          </a:p>
+        </p:txBody>
+      </p:sp>
+      <p:pic>
+        <p:nvPicPr>
+          <p:cNvPr id="285" name="Google Shape;285;p51"/>
+          <p:cNvPicPr preferRelativeResize="0"/>
+          <p:nvPr/>
+        </p:nvPicPr>
+        <p:blipFill>
+          <a:blip r:embed="rId3">
+            <a:alphaModFix/>
+          </a:blip>
+          <a:stretch>
+            <a:fillRect/>
+          </a:stretch>
+        </p:blipFill>
+        <p:spPr>
+          <a:xfrm>
+            <a:off x="2393975" y="988375"/>
+            <a:ext cx="4072745" cy="3820975"/>
+          </a:xfrm>
+          <a:prstGeom prst="rect">
+            <a:avLst/>
+          </a:prstGeom>
+          <a:noFill/>
+          <a:ln>
+            <a:noFill/>
+          </a:ln>
+        </p:spPr>
+      </p:pic>
+    </p:spTree>
+  </p:cSld>
+  <p:clrMapOvr>
+    <a:masterClrMapping/>
+  </p:clrMapOvr>
+</p:sld>
+</file>
+
 <file path=ppt/slides/slide4.xml><?xml version="1.0" encoding="utf-8"?>
 <p:sld xmlns:a="http://schemas.openxmlformats.org/drawingml/2006/main" xmlns:r="http://schemas.openxmlformats.org/officeDocument/2006/relationships" xmlns:mc="http://schemas.openxmlformats.org/markup-compatibility/2006" xmlns:mv="urn:schemas-microsoft-com:mac:vml" xmlns:p="http://schemas.openxmlformats.org/presentationml/2006/main" xmlns:c="http://schemas.openxmlformats.org/drawingml/2006/chart" xmlns:dgm="http://schemas.openxmlformats.org/drawingml/2006/diagram" xmlns:o="urn:schemas-microsoft-com:office:office" xmlns:v="urn:schemas-microsoft-com:vml" xmlns:pvml="urn:schemas-microsoft-com:office:powerpoint" xmlns:com="http://schemas.openxmlformats.org/drawingml/2006/compatibility" xmlns:p14="http://schemas.microsoft.com/office/powerpoint/2010/main" xmlns:p15="http://schemas.microsoft.com/office/powerpoint/2012/main" xmlns:ahyp="http://schemas.microsoft.com/office/drawing/2018/hyperlinkcolor">
   <p:cSld>
@@ -9910,6 +14975,716 @@
               <a:t>Mitchell L. Model. Bioinformatics Programming Using Python // O’Reilly 2010.</a:t>
             </a:r>
             <a:endParaRPr sz="1600"/>
+          </a:p>
+        </p:txBody>
+      </p:sp>
+    </p:spTree>
+  </p:cSld>
+  <p:clrMapOvr>
+    <a:masterClrMapping/>
+  </p:clrMapOvr>
+</p:sld>
+</file>
+
+<file path=ppt/slides/slide40.xml><?xml version="1.0" encoding="utf-8"?>
+<p:sld xmlns:a="http://schemas.openxmlformats.org/drawingml/2006/main" xmlns:r="http://schemas.openxmlformats.org/officeDocument/2006/relationships" xmlns:mc="http://schemas.openxmlformats.org/markup-compatibility/2006" xmlns:mv="urn:schemas-microsoft-com:mac:vml" xmlns:p="http://schemas.openxmlformats.org/presentationml/2006/main" xmlns:c="http://schemas.openxmlformats.org/drawingml/2006/chart" xmlns:dgm="http://schemas.openxmlformats.org/drawingml/2006/diagram" xmlns:o="urn:schemas-microsoft-com:office:office" xmlns:v="urn:schemas-microsoft-com:vml" xmlns:pvml="urn:schemas-microsoft-com:office:powerpoint" xmlns:com="http://schemas.openxmlformats.org/drawingml/2006/compatibility" xmlns:p14="http://schemas.microsoft.com/office/powerpoint/2010/main" xmlns:p15="http://schemas.microsoft.com/office/powerpoint/2012/main" xmlns:ahyp="http://schemas.microsoft.com/office/drawing/2018/hyperlinkcolor">
+  <p:cSld>
+    <p:spTree>
+      <p:nvGrpSpPr>
+        <p:cNvPr id="289" name="Shape 289"/>
+        <p:cNvGrpSpPr/>
+        <p:nvPr/>
+      </p:nvGrpSpPr>
+      <p:grpSpPr>
+        <a:xfrm>
+          <a:off x="0" y="0"/>
+          <a:ext cx="0" cy="0"/>
+          <a:chOff x="0" y="0"/>
+          <a:chExt cx="0" cy="0"/>
+        </a:xfrm>
+      </p:grpSpPr>
+      <p:sp>
+        <p:nvSpPr>
+          <p:cNvPr id="290" name="Google Shape;290;p52"/>
+          <p:cNvSpPr txBox="1"/>
+          <p:nvPr>
+            <p:ph type="title"/>
+          </p:nvPr>
+        </p:nvSpPr>
+        <p:spPr>
+          <a:xfrm>
+            <a:off x="311700" y="445025"/>
+            <a:ext cx="8520600" cy="572700"/>
+          </a:xfrm>
+          <a:prstGeom prst="rect">
+            <a:avLst/>
+          </a:prstGeom>
+        </p:spPr>
+        <p:txBody>
+          <a:bodyPr anchorCtr="0" anchor="t" bIns="91425" lIns="91425" spcFirstLastPara="1" rIns="91425" wrap="square" tIns="91425">
+            <a:noAutofit/>
+          </a:bodyPr>
+          <a:lstStyle/>
+          <a:p>
+            <a:pPr indent="0" lvl="0" marL="0" rtl="0" algn="l">
+              <a:spcBef>
+                <a:spcPts val="0"/>
+              </a:spcBef>
+              <a:spcAft>
+                <a:spcPts val="0"/>
+              </a:spcAft>
+              <a:buNone/>
+            </a:pPr>
+            <a:r>
+              <a:rPr lang="ru"/>
+              <a:t>Практическая Часть</a:t>
+            </a:r>
+            <a:endParaRPr/>
+          </a:p>
+        </p:txBody>
+      </p:sp>
+      <p:sp>
+        <p:nvSpPr>
+          <p:cNvPr id="291" name="Google Shape;291;p52"/>
+          <p:cNvSpPr/>
+          <p:nvPr/>
+        </p:nvSpPr>
+        <p:spPr>
+          <a:xfrm>
+            <a:off x="3569375" y="2223100"/>
+            <a:ext cx="1815900" cy="2464800"/>
+          </a:xfrm>
+          <a:prstGeom prst="downArrow">
+            <a:avLst>
+              <a:gd fmla="val 50000" name="adj1"/>
+              <a:gd fmla="val 50000" name="adj2"/>
+            </a:avLst>
+          </a:prstGeom>
+          <a:solidFill>
+            <a:schemeClr val="lt2"/>
+          </a:solidFill>
+          <a:ln cap="flat" cmpd="sng" w="9525">
+            <a:solidFill>
+              <a:schemeClr val="dk2"/>
+            </a:solidFill>
+            <a:prstDash val="solid"/>
+            <a:round/>
+            <a:headEnd len="sm" w="sm" type="none"/>
+            <a:tailEnd len="sm" w="sm" type="none"/>
+          </a:ln>
+        </p:spPr>
+        <p:txBody>
+          <a:bodyPr anchorCtr="0" anchor="ctr" bIns="91425" lIns="91425" spcFirstLastPara="1" rIns="91425" wrap="square" tIns="91425">
+            <a:noAutofit/>
+          </a:bodyPr>
+          <a:lstStyle/>
+          <a:p>
+            <a:pPr indent="0" lvl="0" marL="0" rtl="0" algn="l">
+              <a:spcBef>
+                <a:spcPts val="0"/>
+              </a:spcBef>
+              <a:spcAft>
+                <a:spcPts val="0"/>
+              </a:spcAft>
+              <a:buNone/>
+            </a:pPr>
+            <a:r>
+              <a:t/>
+            </a:r>
+            <a:endParaRPr/>
+          </a:p>
+        </p:txBody>
+      </p:sp>
+    </p:spTree>
+  </p:cSld>
+  <p:clrMapOvr>
+    <a:masterClrMapping/>
+  </p:clrMapOvr>
+</p:sld>
+</file>
+
+<file path=ppt/slides/slide41.xml><?xml version="1.0" encoding="utf-8"?>
+<p:sld xmlns:a="http://schemas.openxmlformats.org/drawingml/2006/main" xmlns:r="http://schemas.openxmlformats.org/officeDocument/2006/relationships" xmlns:mc="http://schemas.openxmlformats.org/markup-compatibility/2006" xmlns:mv="urn:schemas-microsoft-com:mac:vml" xmlns:p="http://schemas.openxmlformats.org/presentationml/2006/main" xmlns:c="http://schemas.openxmlformats.org/drawingml/2006/chart" xmlns:dgm="http://schemas.openxmlformats.org/drawingml/2006/diagram" xmlns:o="urn:schemas-microsoft-com:office:office" xmlns:v="urn:schemas-microsoft-com:vml" xmlns:pvml="urn:schemas-microsoft-com:office:powerpoint" xmlns:com="http://schemas.openxmlformats.org/drawingml/2006/compatibility" xmlns:p14="http://schemas.microsoft.com/office/powerpoint/2010/main" xmlns:p15="http://schemas.microsoft.com/office/powerpoint/2012/main" xmlns:ahyp="http://schemas.microsoft.com/office/drawing/2018/hyperlinkcolor">
+  <p:cSld>
+    <p:spTree>
+      <p:nvGrpSpPr>
+        <p:cNvPr id="295" name="Shape 295"/>
+        <p:cNvGrpSpPr/>
+        <p:nvPr/>
+      </p:nvGrpSpPr>
+      <p:grpSpPr>
+        <a:xfrm>
+          <a:off x="0" y="0"/>
+          <a:ext cx="0" cy="0"/>
+          <a:chOff x="0" y="0"/>
+          <a:chExt cx="0" cy="0"/>
+        </a:xfrm>
+      </p:grpSpPr>
+      <p:sp>
+        <p:nvSpPr>
+          <p:cNvPr id="296" name="Google Shape;296;p53"/>
+          <p:cNvSpPr txBox="1"/>
+          <p:nvPr>
+            <p:ph idx="1" type="body"/>
+          </p:nvPr>
+        </p:nvSpPr>
+        <p:spPr>
+          <a:xfrm>
+            <a:off x="311700" y="462050"/>
+            <a:ext cx="8520600" cy="3416400"/>
+          </a:xfrm>
+          <a:prstGeom prst="rect">
+            <a:avLst/>
+          </a:prstGeom>
+        </p:spPr>
+        <p:txBody>
+          <a:bodyPr anchorCtr="0" anchor="t" bIns="91425" lIns="91425" spcFirstLastPara="1" rIns="91425" wrap="square" tIns="91425">
+            <a:noAutofit/>
+          </a:bodyPr>
+          <a:lstStyle/>
+          <a:p>
+            <a:pPr indent="-317500" lvl="0" marL="457200" rtl="0" algn="l">
+              <a:spcBef>
+                <a:spcPts val="0"/>
+              </a:spcBef>
+              <a:spcAft>
+                <a:spcPts val="0"/>
+              </a:spcAft>
+              <a:buClr>
+                <a:srgbClr val="24292F"/>
+              </a:buClr>
+              <a:buSzPts val="1400"/>
+              <a:buAutoNum type="arabicPeriod"/>
+            </a:pPr>
+            <a:r>
+              <a:rPr lang="ru" sz="1400">
+                <a:solidFill>
+                  <a:srgbClr val="24292F"/>
+                </a:solidFill>
+                <a:highlight>
+                  <a:srgbClr val="FFFFFF"/>
+                </a:highlight>
+              </a:rPr>
+              <a:t>Постройте список с повторяющимися значениями и создайте из него множество</a:t>
+            </a:r>
+            <a:endParaRPr sz="1400">
+              <a:solidFill>
+                <a:srgbClr val="24292F"/>
+              </a:solidFill>
+              <a:highlight>
+                <a:srgbClr val="FFFFFF"/>
+              </a:highlight>
+            </a:endParaRPr>
+          </a:p>
+          <a:p>
+            <a:pPr indent="-317500" lvl="0" marL="457200" rtl="0" algn="l">
+              <a:spcBef>
+                <a:spcPts val="0"/>
+              </a:spcBef>
+              <a:spcAft>
+                <a:spcPts val="0"/>
+              </a:spcAft>
+              <a:buClr>
+                <a:srgbClr val="24292F"/>
+              </a:buClr>
+              <a:buSzPts val="1400"/>
+              <a:buAutoNum type="arabicPeriod"/>
+            </a:pPr>
+            <a:r>
+              <a:rPr lang="ru" sz="1400">
+                <a:solidFill>
+                  <a:srgbClr val="24292F"/>
+                </a:solidFill>
+                <a:highlight>
+                  <a:srgbClr val="FFFFFF"/>
+                </a:highlight>
+              </a:rPr>
+              <a:t>Определите основные теоретико </a:t>
+            </a:r>
+            <a:r>
+              <a:rPr lang="ru" sz="1400">
+                <a:solidFill>
+                  <a:srgbClr val="24292F"/>
+                </a:solidFill>
+                <a:highlight>
+                  <a:srgbClr val="FFFFFF"/>
+                </a:highlight>
+              </a:rPr>
+              <a:t>множественные</a:t>
+            </a:r>
+            <a:r>
+              <a:rPr lang="ru" sz="1400">
+                <a:solidFill>
+                  <a:srgbClr val="24292F"/>
+                </a:solidFill>
+                <a:highlight>
+                  <a:srgbClr val="FFFFFF"/>
+                </a:highlight>
+              </a:rPr>
+              <a:t> операции, объединение, пересечение, разность двух множеств</a:t>
+            </a:r>
+            <a:endParaRPr sz="1400">
+              <a:solidFill>
+                <a:srgbClr val="24292F"/>
+              </a:solidFill>
+              <a:highlight>
+                <a:srgbClr val="FFFFFF"/>
+              </a:highlight>
+            </a:endParaRPr>
+          </a:p>
+          <a:p>
+            <a:pPr indent="-317500" lvl="0" marL="457200" rtl="0" algn="l">
+              <a:spcBef>
+                <a:spcPts val="0"/>
+              </a:spcBef>
+              <a:spcAft>
+                <a:spcPts val="0"/>
+              </a:spcAft>
+              <a:buClr>
+                <a:srgbClr val="24292F"/>
+              </a:buClr>
+              <a:buSzPts val="1400"/>
+              <a:buAutoNum type="arabicPeriod"/>
+            </a:pPr>
+            <a:r>
+              <a:rPr lang="ru" sz="1400">
+                <a:solidFill>
+                  <a:srgbClr val="24292F"/>
+                </a:solidFill>
+                <a:highlight>
+                  <a:srgbClr val="FFFFFF"/>
+                </a:highlight>
+              </a:rPr>
+              <a:t>Расширьте ваши функции для работы с бесконечно большим </a:t>
+            </a:r>
+            <a:r>
+              <a:rPr lang="ru" sz="1400">
+                <a:solidFill>
+                  <a:srgbClr val="24292F"/>
+                </a:solidFill>
+                <a:highlight>
+                  <a:srgbClr val="FFFFFF"/>
+                </a:highlight>
+              </a:rPr>
+              <a:t>количеством</a:t>
+            </a:r>
+            <a:r>
+              <a:rPr lang="ru" sz="1400">
+                <a:solidFill>
+                  <a:srgbClr val="24292F"/>
+                </a:solidFill>
+                <a:highlight>
+                  <a:srgbClr val="FFFFFF"/>
+                </a:highlight>
+              </a:rPr>
+              <a:t> множеств.</a:t>
+            </a:r>
+            <a:endParaRPr sz="1400">
+              <a:solidFill>
+                <a:srgbClr val="24292F"/>
+              </a:solidFill>
+              <a:highlight>
+                <a:srgbClr val="FFFFFF"/>
+              </a:highlight>
+            </a:endParaRPr>
+          </a:p>
+          <a:p>
+            <a:pPr indent="-317500" lvl="0" marL="457200" rtl="0" algn="l">
+              <a:spcBef>
+                <a:spcPts val="0"/>
+              </a:spcBef>
+              <a:spcAft>
+                <a:spcPts val="0"/>
+              </a:spcAft>
+              <a:buClr>
+                <a:srgbClr val="24292F"/>
+              </a:buClr>
+              <a:buSzPts val="1400"/>
+              <a:buAutoNum type="arabicPeriod"/>
+            </a:pPr>
+            <a:r>
+              <a:rPr lang="ru" sz="1400">
+                <a:solidFill>
+                  <a:srgbClr val="24292F"/>
+                </a:solidFill>
+                <a:highlight>
+                  <a:srgbClr val="FFFFFF"/>
+                </a:highlight>
+              </a:rPr>
+              <a:t>Как можно просто в этой строке 'rewlkdfsklgjdflkjglkdsfjgkldfsjgliiiiiiiiiierwtsj;kldfjg;lksdfjgl;ksdjfl;gj;lsdfjg;lk' - удалить все повторяющиеся </a:t>
+            </a:r>
+            <a:r>
+              <a:rPr lang="ru" sz="1400">
+                <a:solidFill>
+                  <a:srgbClr val="24292F"/>
+                </a:solidFill>
+                <a:highlight>
+                  <a:srgbClr val="FFFFFF"/>
+                </a:highlight>
+              </a:rPr>
+              <a:t>элементы</a:t>
+            </a:r>
+            <a:endParaRPr sz="1400">
+              <a:solidFill>
+                <a:srgbClr val="24292F"/>
+              </a:solidFill>
+              <a:highlight>
+                <a:srgbClr val="FFFFFF"/>
+              </a:highlight>
+            </a:endParaRPr>
+          </a:p>
+          <a:p>
+            <a:pPr indent="-317500" lvl="0" marL="457200" rtl="0" algn="l">
+              <a:spcBef>
+                <a:spcPts val="0"/>
+              </a:spcBef>
+              <a:spcAft>
+                <a:spcPts val="0"/>
+              </a:spcAft>
+              <a:buClr>
+                <a:srgbClr val="24292F"/>
+              </a:buClr>
+              <a:buSzPts val="1400"/>
+              <a:buAutoNum type="arabicPeriod"/>
+            </a:pPr>
+            <a:r>
+              <a:rPr lang="ru" sz="1400">
+                <a:solidFill>
+                  <a:srgbClr val="24292F"/>
+                </a:solidFill>
+                <a:highlight>
+                  <a:srgbClr val="FFFFFF"/>
+                </a:highlight>
+              </a:rPr>
+              <a:t>Предположим вы вводите строку, используя стандартную функцию input() посчитайте и вывидете какое </a:t>
+            </a:r>
+            <a:r>
+              <a:rPr lang="ru" sz="1400">
+                <a:solidFill>
+                  <a:srgbClr val="24292F"/>
+                </a:solidFill>
+                <a:highlight>
+                  <a:srgbClr val="FFFFFF"/>
+                </a:highlight>
+              </a:rPr>
+              <a:t>количество</a:t>
+            </a:r>
+            <a:r>
+              <a:rPr lang="ru" sz="1400">
+                <a:solidFill>
+                  <a:srgbClr val="24292F"/>
+                </a:solidFill>
+                <a:highlight>
+                  <a:srgbClr val="FFFFFF"/>
+                </a:highlight>
+              </a:rPr>
+              <a:t> разных символов в этой строке</a:t>
+            </a:r>
+            <a:endParaRPr sz="1400">
+              <a:solidFill>
+                <a:srgbClr val="24292F"/>
+              </a:solidFill>
+              <a:highlight>
+                <a:srgbClr val="FFFFFF"/>
+              </a:highlight>
+            </a:endParaRPr>
+          </a:p>
+          <a:p>
+            <a:pPr indent="-304800" lvl="0" marL="457200" rtl="0" algn="l">
+              <a:spcBef>
+                <a:spcPts val="0"/>
+              </a:spcBef>
+              <a:spcAft>
+                <a:spcPts val="0"/>
+              </a:spcAft>
+              <a:buClr>
+                <a:srgbClr val="24292F"/>
+              </a:buClr>
+              <a:buSzPts val="1200"/>
+              <a:buAutoNum type="arabicPeriod"/>
+            </a:pPr>
+            <a:r>
+              <a:rPr lang="ru" sz="1400">
+                <a:solidFill>
+                  <a:srgbClr val="24292F"/>
+                </a:solidFill>
+                <a:highlight>
+                  <a:srgbClr val="FFFFFF"/>
+                </a:highlight>
+              </a:rPr>
+              <a:t>напишите функцию </a:t>
+            </a:r>
+            <a:r>
+              <a:rPr lang="ru" sz="1200">
+                <a:solidFill>
+                  <a:srgbClr val="24292F"/>
+                </a:solidFill>
+                <a:highlight>
+                  <a:srgbClr val="FFFFFF"/>
+                </a:highlight>
+                <a:latin typeface="Consolas"/>
+                <a:ea typeface="Consolas"/>
+                <a:cs typeface="Consolas"/>
+                <a:sym typeface="Consolas"/>
+              </a:rPr>
+              <a:t>concatenate(dict1, dict2)</a:t>
+            </a:r>
+            <a:r>
+              <a:rPr lang="ru" sz="1400">
+                <a:solidFill>
+                  <a:srgbClr val="24292F"/>
+                </a:solidFill>
+                <a:highlight>
+                  <a:srgbClr val="FFFFFF"/>
+                </a:highlight>
+              </a:rPr>
+              <a:t>, которая объединяет два словаря и вовращает результат, выведете результат</a:t>
+            </a:r>
+            <a:endParaRPr sz="1400">
+              <a:solidFill>
+                <a:srgbClr val="24292F"/>
+              </a:solidFill>
+              <a:highlight>
+                <a:srgbClr val="FFFFFF"/>
+              </a:highlight>
+            </a:endParaRPr>
+          </a:p>
+          <a:p>
+            <a:pPr indent="-317500" lvl="0" marL="457200" rtl="0" algn="l">
+              <a:spcBef>
+                <a:spcPts val="0"/>
+              </a:spcBef>
+              <a:spcAft>
+                <a:spcPts val="0"/>
+              </a:spcAft>
+              <a:buClr>
+                <a:srgbClr val="24292F"/>
+              </a:buClr>
+              <a:buSzPts val="1400"/>
+              <a:buAutoNum type="arabicPeriod"/>
+            </a:pPr>
+            <a:r>
+              <a:rPr lang="ru" sz="1400">
+                <a:solidFill>
+                  <a:srgbClr val="24292F"/>
+                </a:solidFill>
+                <a:highlight>
+                  <a:srgbClr val="FFFFFF"/>
+                </a:highlight>
+              </a:rPr>
+              <a:t>Реализуйте программу </a:t>
+            </a:r>
+            <a:r>
+              <a:rPr lang="ru" sz="1400">
+                <a:solidFill>
+                  <a:srgbClr val="24292F"/>
+                </a:solidFill>
+                <a:highlight>
+                  <a:srgbClr val="FFFFFF"/>
+                </a:highlight>
+              </a:rPr>
+              <a:t>заполняющую</a:t>
+            </a:r>
+            <a:r>
+              <a:rPr lang="ru" sz="1400">
+                <a:solidFill>
+                  <a:srgbClr val="24292F"/>
+                </a:solidFill>
+                <a:highlight>
+                  <a:srgbClr val="FFFFFF"/>
+                </a:highlight>
+              </a:rPr>
+              <a:t> телефонный справочник. При этом заполнение справочника должно осуществляться из строки ввода, учтите, что у человека может быть несколько телефонов. Добавьте специализированную </a:t>
+            </a:r>
+            <a:r>
+              <a:rPr lang="ru" sz="1400">
+                <a:solidFill>
+                  <a:srgbClr val="24292F"/>
+                </a:solidFill>
+                <a:highlight>
+                  <a:srgbClr val="FFFFFF"/>
+                </a:highlight>
+              </a:rPr>
+              <a:t>команду</a:t>
+            </a:r>
+            <a:r>
+              <a:rPr lang="ru" sz="1400">
+                <a:solidFill>
+                  <a:srgbClr val="24292F"/>
+                </a:solidFill>
+                <a:highlight>
+                  <a:srgbClr val="FFFFFF"/>
+                </a:highlight>
+              </a:rPr>
+              <a:t>, с помощью которой можно выводить справочник на экран.</a:t>
+            </a:r>
+            <a:endParaRPr sz="1400">
+              <a:solidFill>
+                <a:srgbClr val="24292F"/>
+              </a:solidFill>
+              <a:highlight>
+                <a:srgbClr val="FFFFFF"/>
+              </a:highlight>
+            </a:endParaRPr>
+          </a:p>
+          <a:p>
+            <a:pPr indent="0" lvl="0" marL="0" rtl="0" algn="l">
+              <a:spcBef>
+                <a:spcPts val="1200"/>
+              </a:spcBef>
+              <a:spcAft>
+                <a:spcPts val="1600"/>
+              </a:spcAft>
+              <a:buNone/>
+            </a:pPr>
+            <a:r>
+              <a:t/>
+            </a:r>
+            <a:endParaRPr sz="2000"/>
+          </a:p>
+        </p:txBody>
+      </p:sp>
+    </p:spTree>
+  </p:cSld>
+  <p:clrMapOvr>
+    <a:masterClrMapping/>
+  </p:clrMapOvr>
+</p:sld>
+</file>
+
+<file path=ppt/slides/slide42.xml><?xml version="1.0" encoding="utf-8"?>
+<p:sld xmlns:a="http://schemas.openxmlformats.org/drawingml/2006/main" xmlns:r="http://schemas.openxmlformats.org/officeDocument/2006/relationships" xmlns:mc="http://schemas.openxmlformats.org/markup-compatibility/2006" xmlns:mv="urn:schemas-microsoft-com:mac:vml" xmlns:p="http://schemas.openxmlformats.org/presentationml/2006/main" xmlns:c="http://schemas.openxmlformats.org/drawingml/2006/chart" xmlns:dgm="http://schemas.openxmlformats.org/drawingml/2006/diagram" xmlns:o="urn:schemas-microsoft-com:office:office" xmlns:v="urn:schemas-microsoft-com:vml" xmlns:pvml="urn:schemas-microsoft-com:office:powerpoint" xmlns:com="http://schemas.openxmlformats.org/drawingml/2006/compatibility" xmlns:p14="http://schemas.microsoft.com/office/powerpoint/2010/main" xmlns:p15="http://schemas.microsoft.com/office/powerpoint/2012/main" xmlns:ahyp="http://schemas.microsoft.com/office/drawing/2018/hyperlinkcolor">
+  <p:cSld>
+    <p:spTree>
+      <p:nvGrpSpPr>
+        <p:cNvPr id="300" name="Shape 300"/>
+        <p:cNvGrpSpPr/>
+        <p:nvPr/>
+      </p:nvGrpSpPr>
+      <p:grpSpPr>
+        <a:xfrm>
+          <a:off x="0" y="0"/>
+          <a:ext cx="0" cy="0"/>
+          <a:chOff x="0" y="0"/>
+          <a:chExt cx="0" cy="0"/>
+        </a:xfrm>
+      </p:grpSpPr>
+      <p:sp>
+        <p:nvSpPr>
+          <p:cNvPr id="301" name="Google Shape;301;p54"/>
+          <p:cNvSpPr txBox="1"/>
+          <p:nvPr>
+            <p:ph idx="1" type="body"/>
+          </p:nvPr>
+        </p:nvSpPr>
+        <p:spPr>
+          <a:xfrm>
+            <a:off x="311700" y="1152475"/>
+            <a:ext cx="8520600" cy="3416400"/>
+          </a:xfrm>
+          <a:prstGeom prst="rect">
+            <a:avLst/>
+          </a:prstGeom>
+        </p:spPr>
+        <p:txBody>
+          <a:bodyPr anchorCtr="0" anchor="t" bIns="91425" lIns="91425" spcFirstLastPara="1" rIns="91425" wrap="square" tIns="91425">
+            <a:noAutofit/>
+          </a:bodyPr>
+          <a:lstStyle/>
+          <a:p>
+            <a:pPr indent="-330200" lvl="0" marL="457200" rtl="0" algn="l">
+              <a:spcBef>
+                <a:spcPts val="0"/>
+              </a:spcBef>
+              <a:spcAft>
+                <a:spcPts val="0"/>
+              </a:spcAft>
+              <a:buClr>
+                <a:srgbClr val="24292F"/>
+              </a:buClr>
+              <a:buSzPts val="1600"/>
+              <a:buAutoNum type="arabicPeriod" startAt="8"/>
+            </a:pPr>
+            <a:r>
+              <a:rPr lang="ru" sz="1600">
+                <a:solidFill>
+                  <a:srgbClr val="24292F"/>
+                </a:solidFill>
+                <a:highlight>
+                  <a:srgbClr val="FFFFFF"/>
+                </a:highlight>
+              </a:rPr>
+              <a:t>Создайте генератор числовых значений от 0 до 100. Передеберите все значения этого генератора в цикле</a:t>
+            </a:r>
+            <a:endParaRPr sz="1600">
+              <a:solidFill>
+                <a:srgbClr val="24292F"/>
+              </a:solidFill>
+              <a:highlight>
+                <a:srgbClr val="FFFFFF"/>
+              </a:highlight>
+            </a:endParaRPr>
+          </a:p>
+          <a:p>
+            <a:pPr indent="-330200" lvl="0" marL="457200" rtl="0" algn="l">
+              <a:spcBef>
+                <a:spcPts val="0"/>
+              </a:spcBef>
+              <a:spcAft>
+                <a:spcPts val="0"/>
+              </a:spcAft>
+              <a:buClr>
+                <a:srgbClr val="24292F"/>
+              </a:buClr>
+              <a:buSzPts val="1600"/>
+              <a:buAutoNum type="arabicPeriod" startAt="8"/>
+            </a:pPr>
+            <a:r>
+              <a:rPr lang="ru" sz="1600">
+                <a:solidFill>
+                  <a:srgbClr val="24292F"/>
+                </a:solidFill>
+                <a:highlight>
+                  <a:srgbClr val="FFFFFF"/>
+                </a:highlight>
+              </a:rPr>
+              <a:t>Создайте генератор квадратов элементов предыдущего списка. Передеберите все значения этого генератора в цикле</a:t>
+            </a:r>
+            <a:endParaRPr sz="1600">
+              <a:solidFill>
+                <a:srgbClr val="24292F"/>
+              </a:solidFill>
+              <a:highlight>
+                <a:srgbClr val="FFFFFF"/>
+              </a:highlight>
+            </a:endParaRPr>
+          </a:p>
+          <a:p>
+            <a:pPr indent="-330200" lvl="0" marL="457200" rtl="0" algn="l">
+              <a:spcBef>
+                <a:spcPts val="0"/>
+              </a:spcBef>
+              <a:spcAft>
+                <a:spcPts val="0"/>
+              </a:spcAft>
+              <a:buClr>
+                <a:srgbClr val="24292F"/>
+              </a:buClr>
+              <a:buSzPts val="1600"/>
+              <a:buAutoNum type="arabicPeriod" startAt="8"/>
+            </a:pPr>
+            <a:r>
+              <a:rPr lang="ru" sz="1600">
+                <a:solidFill>
+                  <a:srgbClr val="24292F"/>
+                </a:solidFill>
+                <a:highlight>
+                  <a:srgbClr val="FFFFFF"/>
+                </a:highlight>
+              </a:rPr>
+              <a:t>Создайте генератор, состоящий из четных элементов предыдущего списка. Передеберите все значения этого генератора в цикле</a:t>
+            </a:r>
+            <a:endParaRPr sz="2200"/>
           </a:p>
         </p:txBody>
       </p:sp>
@@ -10246,6 +16021,23 @@
             </a:pPr>
             <a:r>
               <a:rPr lang="ru"/>
+              <a:t>Генераторы</a:t>
+            </a:r>
+            <a:endParaRPr/>
+          </a:p>
+          <a:p>
+            <a:pPr indent="-342900" lvl="0" marL="457200" rtl="0" algn="l">
+              <a:spcBef>
+                <a:spcPts val="0"/>
+              </a:spcBef>
+              <a:spcAft>
+                <a:spcPts val="0"/>
+              </a:spcAft>
+              <a:buSzPts val="1800"/>
+              <a:buChar char="●"/>
+            </a:pPr>
+            <a:r>
+              <a:rPr lang="ru"/>
               <a:t>Практика</a:t>
             </a:r>
             <a:endParaRPr/>
@@ -10317,34 +16109,112 @@
           </a:p>
         </p:txBody>
       </p:sp>
-      <p:pic>
-        <p:nvPicPr>
+      <p:sp>
+        <p:nvSpPr>
           <p:cNvPr id="90" name="Google Shape;90;p19"/>
-          <p:cNvPicPr preferRelativeResize="0"/>
-          <p:nvPr/>
-        </p:nvPicPr>
-        <p:blipFill>
-          <a:blip r:embed="rId3">
-            <a:alphaModFix/>
-          </a:blip>
-          <a:stretch>
-            <a:fillRect/>
-          </a:stretch>
-        </p:blipFill>
-        <p:spPr>
-          <a:xfrm>
-            <a:off x="2434125" y="1093200"/>
-            <a:ext cx="4983879" cy="3820974"/>
+          <p:cNvSpPr txBox="1"/>
+          <p:nvPr>
+            <p:ph idx="1" type="body"/>
+          </p:nvPr>
+        </p:nvSpPr>
+        <p:spPr>
+          <a:xfrm>
+            <a:off x="311700" y="1152475"/>
+            <a:ext cx="8520600" cy="1897800"/>
           </a:xfrm>
           <a:prstGeom prst="rect">
             <a:avLst/>
           </a:prstGeom>
-          <a:noFill/>
-          <a:ln>
-            <a:noFill/>
-          </a:ln>
-        </p:spPr>
-      </p:pic>
+        </p:spPr>
+        <p:txBody>
+          <a:bodyPr anchorCtr="0" anchor="t" bIns="91425" lIns="91425" spcFirstLastPara="1" rIns="91425" wrap="square" tIns="91425">
+            <a:noAutofit/>
+          </a:bodyPr>
+          <a:lstStyle/>
+          <a:p>
+            <a:pPr indent="0" lvl="0" marL="0" rtl="0" algn="l">
+              <a:spcBef>
+                <a:spcPts val="0"/>
+              </a:spcBef>
+              <a:spcAft>
+                <a:spcPts val="0"/>
+              </a:spcAft>
+              <a:buNone/>
+            </a:pPr>
+            <a:r>
+              <a:rPr lang="ru"/>
+              <a:t>Неоднозначная функция принимающая на вход некоторые данные и возвращающая </a:t>
+            </a:r>
+            <a:r>
+              <a:rPr lang="ru"/>
+              <a:t>некоторое</a:t>
+            </a:r>
+            <a:r>
+              <a:rPr lang="ru"/>
+              <a:t> </a:t>
+            </a:r>
+            <a:r>
+              <a:rPr lang="ru"/>
+              <a:t>целое</a:t>
+            </a:r>
+            <a:r>
+              <a:rPr lang="ru"/>
+              <a:t> число ∈ [0, ..., N]. Хорошая хеш-функция должна </a:t>
+            </a:r>
+            <a:r>
+              <a:rPr lang="ru"/>
+              <a:t>удовлетворять</a:t>
+            </a:r>
+            <a:r>
+              <a:rPr lang="ru"/>
+              <a:t> двум свойствам:</a:t>
+            </a:r>
+            <a:endParaRPr/>
+          </a:p>
+          <a:p>
+            <a:pPr indent="-342900" lvl="0" marL="457200" rtl="0" algn="l">
+              <a:spcBef>
+                <a:spcPts val="1600"/>
+              </a:spcBef>
+              <a:spcAft>
+                <a:spcPts val="0"/>
+              </a:spcAft>
+              <a:buSzPts val="1800"/>
+              <a:buChar char="●"/>
+            </a:pPr>
+            <a:r>
+              <a:rPr lang="ru"/>
+              <a:t>быстрое вычисление</a:t>
+            </a:r>
+            <a:endParaRPr/>
+          </a:p>
+          <a:p>
+            <a:pPr indent="-342900" lvl="0" marL="457200" rtl="0" algn="l">
+              <a:spcBef>
+                <a:spcPts val="0"/>
+              </a:spcBef>
+              <a:spcAft>
+                <a:spcPts val="0"/>
+              </a:spcAft>
+              <a:buSzPts val="1800"/>
+              <a:buChar char="●"/>
+            </a:pPr>
+            <a:r>
+              <a:rPr lang="ru"/>
+              <a:t>минимально </a:t>
+            </a:r>
+            <a:r>
+              <a:rPr lang="ru"/>
+              <a:t>количество</a:t>
+            </a:r>
+            <a:r>
+              <a:rPr lang="ru"/>
+              <a:t> коллизий</a:t>
+            </a:r>
+            <a:endParaRPr/>
+          </a:p>
+        </p:txBody>
+      </p:sp>
     </p:spTree>
   </p:cSld>
   <p:clrMapOvr>
@@ -10404,40 +16274,51 @@
             </a:pPr>
             <a:r>
               <a:rPr lang="ru"/>
-              <a:t>Hash function (коллизия)</a:t>
+              <a:t>Hash function</a:t>
             </a:r>
             <a:endParaRPr/>
           </a:p>
         </p:txBody>
       </p:sp>
-      <p:pic>
-        <p:nvPicPr>
+      <p:sp>
+        <p:nvSpPr>
           <p:cNvPr id="96" name="Google Shape;96;p20"/>
-          <p:cNvPicPr preferRelativeResize="0"/>
-          <p:nvPr/>
-        </p:nvPicPr>
-        <p:blipFill>
-          <a:blip r:embed="rId3">
-            <a:alphaModFix/>
-          </a:blip>
-          <a:stretch>
-            <a:fillRect/>
-          </a:stretch>
-        </p:blipFill>
-        <p:spPr>
-          <a:xfrm>
-            <a:off x="2263225" y="1017725"/>
-            <a:ext cx="5545178" cy="3820974"/>
+          <p:cNvSpPr txBox="1"/>
+          <p:nvPr>
+            <p:ph idx="1" type="body"/>
+          </p:nvPr>
+        </p:nvSpPr>
+        <p:spPr>
+          <a:xfrm>
+            <a:off x="311700" y="1152475"/>
+            <a:ext cx="8520600" cy="3416400"/>
           </a:xfrm>
           <a:prstGeom prst="rect">
             <a:avLst/>
           </a:prstGeom>
-          <a:noFill/>
-          <a:ln>
-            <a:noFill/>
-          </a:ln>
-        </p:spPr>
-      </p:pic>
+        </p:spPr>
+        <p:txBody>
+          <a:bodyPr anchorCtr="0" anchor="t" bIns="91425" lIns="91425" spcFirstLastPara="1" rIns="91425" wrap="square" tIns="91425">
+            <a:noAutofit/>
+          </a:bodyPr>
+          <a:lstStyle/>
+          <a:p>
+            <a:pPr indent="0" lvl="0" marL="0" rtl="0" algn="l">
+              <a:spcBef>
+                <a:spcPts val="0"/>
+              </a:spcBef>
+              <a:spcAft>
+                <a:spcPts val="1600"/>
+              </a:spcAft>
+              <a:buNone/>
+            </a:pPr>
+            <a:r>
+              <a:t/>
+            </a:r>
+            <a:endParaRPr/>
+          </a:p>
+        </p:txBody>
+      </p:sp>
     </p:spTree>
   </p:cSld>
   <p:clrMapOvr>
@@ -10497,7 +16378,7 @@
             </a:pPr>
             <a:r>
               <a:rPr lang="ru"/>
-              <a:t>Hash function (коллизия)</a:t>
+              <a:t>Hash function</a:t>
             </a:r>
             <a:endParaRPr/>
           </a:p>
@@ -10519,8 +16400,8 @@
         </p:blipFill>
         <p:spPr>
           <a:xfrm>
-            <a:off x="2371388" y="1161600"/>
-            <a:ext cx="4401213" cy="3820975"/>
+            <a:off x="2434125" y="1093200"/>
+            <a:ext cx="4983879" cy="3820974"/>
           </a:xfrm>
           <a:prstGeom prst="rect">
             <a:avLst/>
@@ -10540,6 +16421,285 @@
 </file>
 
 <file path=ppt/theme/theme1.xml><?xml version="1.0" encoding="utf-8"?>
+<a:theme xmlns:a="http://schemas.openxmlformats.org/drawingml/2006/main" xmlns:r="http://schemas.openxmlformats.org/officeDocument/2006/relationships">
+  <a:themeElements>
+    <a:clrScheme name="Default">
+      <a:dk1>
+        <a:srgbClr val="000000"/>
+      </a:dk1>
+      <a:lt1>
+        <a:srgbClr val="FFFFFF"/>
+      </a:lt1>
+      <a:dk2>
+        <a:srgbClr val="158158"/>
+      </a:dk2>
+      <a:lt2>
+        <a:srgbClr val="F3F3F3"/>
+      </a:lt2>
+      <a:accent1>
+        <a:srgbClr val="058DC7"/>
+      </a:accent1>
+      <a:accent2>
+        <a:srgbClr val="50B432"/>
+      </a:accent2>
+      <a:accent3>
+        <a:srgbClr val="ED561B"/>
+      </a:accent3>
+      <a:accent4>
+        <a:srgbClr val="EDEF00"/>
+      </a:accent4>
+      <a:accent5>
+        <a:srgbClr val="24CBE5"/>
+      </a:accent5>
+      <a:accent6>
+        <a:srgbClr val="64E572"/>
+      </a:accent6>
+      <a:hlink>
+        <a:srgbClr val="2200CC"/>
+      </a:hlink>
+      <a:folHlink>
+        <a:srgbClr val="551A8B"/>
+      </a:folHlink>
+    </a:clrScheme>
+    <a:fontScheme name="Office">
+      <a:majorFont>
+        <a:latin typeface="Arial"/>
+        <a:ea typeface=""/>
+        <a:cs typeface=""/>
+        <a:font script="Jpan" typeface="ＭＳ Ｐゴシック"/>
+        <a:font script="Hang" typeface="맑은 고딕"/>
+        <a:font script="Hans" typeface="宋体"/>
+        <a:font script="Hant" typeface="新細明體"/>
+        <a:font script="Arab" typeface="Times New Roman"/>
+        <a:font script="Hebr" typeface="Times New Roman"/>
+        <a:font script="Thai" typeface="Angsana New"/>
+        <a:font script="Ethi" typeface="Nyala"/>
+        <a:font script="Beng" typeface="Vrinda"/>
+        <a:font script="Gujr" typeface="Shruti"/>
+        <a:font script="Khmr" typeface="MoolBoran"/>
+        <a:font script="Knda" typeface="Tunga"/>
+        <a:font script="Guru" typeface="Raavi"/>
+        <a:font script="Cans" typeface="Euphemia"/>
+        <a:font script="Cher" typeface="Plantagenet Cherokee"/>
+        <a:font script="Yiii" typeface="Microsoft Yi Baiti"/>
+        <a:font script="Tibt" typeface="Microsoft Himalaya"/>
+        <a:font script="Thaa" typeface="MV Boli"/>
+        <a:font script="Deva" typeface="Mangal"/>
+        <a:font script="Telu" typeface="Gautami"/>
+        <a:font script="Taml" typeface="Latha"/>
+        <a:font script="Syrc" typeface="Estrangelo Edessa"/>
+        <a:font script="Orya" typeface="Kalinga"/>
+        <a:font script="Mlym" typeface="Kartika"/>
+        <a:font script="Laoo" typeface="DokChampa"/>
+        <a:font script="Sinh" typeface="Iskoola Pota"/>
+        <a:font script="Mong" typeface="Mongolian Baiti"/>
+        <a:font script="Viet" typeface="Times New Roman"/>
+        <a:font script="Uigh" typeface="Microsoft Uighur"/>
+        <a:font script="Geor" typeface="Sylfaen"/>
+      </a:majorFont>
+      <a:minorFont>
+        <a:latin typeface="Arial"/>
+        <a:ea typeface=""/>
+        <a:cs typeface=""/>
+        <a:font script="Jpan" typeface="ＭＳ Ｐゴシック"/>
+        <a:font script="Hang" typeface="맑은 고딕"/>
+        <a:font script="Hans" typeface="宋体"/>
+        <a:font script="Hant" typeface="新細明體"/>
+        <a:font script="Arab" typeface="Arial"/>
+        <a:font script="Hebr" typeface="Arial"/>
+        <a:font script="Thai" typeface="Cordia New"/>
+        <a:font script="Ethi" typeface="Nyala"/>
+        <a:font script="Beng" typeface="Vrinda"/>
+        <a:font script="Gujr" typeface="Shruti"/>
+        <a:font script="Khmr" typeface="DaunPenh"/>
+        <a:font script="Knda" typeface="Tunga"/>
+        <a:font script="Guru" typeface="Raavi"/>
+        <a:font script="Cans" typeface="Euphemia"/>
+        <a:font script="Cher" typeface="Plantagenet Cherokee"/>
+        <a:font script="Yiii" typeface="Microsoft Yi Baiti"/>
+        <a:font script="Tibt" typeface="Microsoft Himalaya"/>
+        <a:font script="Thaa" typeface="MV Boli"/>
+        <a:font script="Deva" typeface="Mangal"/>
+        <a:font script="Telu" typeface="Gautami"/>
+        <a:font script="Taml" typeface="Latha"/>
+        <a:font script="Syrc" typeface="Estrangelo Edessa"/>
+        <a:font script="Orya" typeface="Kalinga"/>
+        <a:font script="Mlym" typeface="Kartika"/>
+        <a:font script="Laoo" typeface="DokChampa"/>
+        <a:font script="Sinh" typeface="Iskoola Pota"/>
+        <a:font script="Mong" typeface="Mongolian Baiti"/>
+        <a:font script="Viet" typeface="Arial"/>
+        <a:font script="Uigh" typeface="Microsoft Uighur"/>
+        <a:font script="Geor" typeface="Sylfaen"/>
+      </a:minorFont>
+    </a:fontScheme>
+    <a:fmtScheme name="Office">
+      <a:fillStyleLst>
+        <a:solidFill>
+          <a:schemeClr val="phClr"/>
+        </a:solidFill>
+        <a:gradFill rotWithShape="1">
+          <a:gsLst>
+            <a:gs pos="0">
+              <a:schemeClr val="phClr">
+                <a:tint val="50000"/>
+                <a:satMod val="300000"/>
+              </a:schemeClr>
+            </a:gs>
+            <a:gs pos="35000">
+              <a:schemeClr val="phClr">
+                <a:tint val="37000"/>
+                <a:satMod val="300000"/>
+              </a:schemeClr>
+            </a:gs>
+            <a:gs pos="100000">
+              <a:schemeClr val="phClr">
+                <a:tint val="15000"/>
+                <a:satMod val="350000"/>
+              </a:schemeClr>
+            </a:gs>
+          </a:gsLst>
+          <a:lin ang="16200000" scaled="1"/>
+        </a:gradFill>
+        <a:gradFill rotWithShape="1">
+          <a:gsLst>
+            <a:gs pos="0">
+              <a:schemeClr val="phClr">
+                <a:tint val="100000"/>
+                <a:shade val="100000"/>
+                <a:satMod val="130000"/>
+              </a:schemeClr>
+            </a:gs>
+            <a:gs pos="100000">
+              <a:schemeClr val="phClr">
+                <a:tint val="50000"/>
+                <a:shade val="100000"/>
+                <a:satMod val="350000"/>
+              </a:schemeClr>
+            </a:gs>
+          </a:gsLst>
+          <a:lin ang="16200000" scaled="0"/>
+        </a:gradFill>
+      </a:fillStyleLst>
+      <a:lnStyleLst>
+        <a:ln w="9525" cap="flat" cmpd="sng" algn="ctr">
+          <a:solidFill>
+            <a:schemeClr val="phClr">
+              <a:shade val="95000"/>
+              <a:satMod val="105000"/>
+            </a:schemeClr>
+          </a:solidFill>
+          <a:prstDash val="solid"/>
+        </a:ln>
+        <a:ln w="25400" cap="flat" cmpd="sng" algn="ctr">
+          <a:solidFill>
+            <a:schemeClr val="phClr"/>
+          </a:solidFill>
+          <a:prstDash val="solid"/>
+        </a:ln>
+        <a:ln w="38100" cap="flat" cmpd="sng" algn="ctr">
+          <a:solidFill>
+            <a:schemeClr val="phClr"/>
+          </a:solidFill>
+          <a:prstDash val="solid"/>
+        </a:ln>
+      </a:lnStyleLst>
+      <a:effectStyleLst>
+        <a:effectStyle>
+          <a:effectLst>
+            <a:outerShdw blurRad="40000" dist="20000" dir="5400000" rotWithShape="0">
+              <a:srgbClr val="000000">
+                <a:alpha val="38000"/>
+              </a:srgbClr>
+            </a:outerShdw>
+          </a:effectLst>
+        </a:effectStyle>
+        <a:effectStyle>
+          <a:effectLst>
+            <a:outerShdw blurRad="40000" dist="23000" dir="5400000" rotWithShape="0">
+              <a:srgbClr val="000000">
+                <a:alpha val="35000"/>
+              </a:srgbClr>
+            </a:outerShdw>
+          </a:effectLst>
+        </a:effectStyle>
+        <a:effectStyle>
+          <a:effectLst>
+            <a:outerShdw blurRad="40000" dist="23000" dir="5400000" rotWithShape="0">
+              <a:srgbClr val="000000">
+                <a:alpha val="35000"/>
+              </a:srgbClr>
+            </a:outerShdw>
+          </a:effectLst>
+          <a:scene3d>
+            <a:camera prst="orthographicFront">
+              <a:rot lat="0" lon="0" rev="0"/>
+            </a:camera>
+            <a:lightRig rig="threePt" dir="t">
+              <a:rot lat="0" lon="0" rev="1200000"/>
+            </a:lightRig>
+          </a:scene3d>
+          <a:sp3d>
+            <a:bevelT w="63500" h="25400"/>
+          </a:sp3d>
+        </a:effectStyle>
+      </a:effectStyleLst>
+      <a:bgFillStyleLst>
+        <a:solidFill>
+          <a:schemeClr val="phClr"/>
+        </a:solidFill>
+        <a:gradFill rotWithShape="1">
+          <a:gsLst>
+            <a:gs pos="0">
+              <a:schemeClr val="phClr">
+                <a:tint val="40000"/>
+                <a:satMod val="350000"/>
+              </a:schemeClr>
+            </a:gs>
+            <a:gs pos="40000">
+              <a:schemeClr val="phClr">
+                <a:tint val="45000"/>
+                <a:shade val="99000"/>
+                <a:satMod val="350000"/>
+              </a:schemeClr>
+            </a:gs>
+            <a:gs pos="100000">
+              <a:schemeClr val="phClr">
+                <a:shade val="20000"/>
+                <a:satMod val="255000"/>
+              </a:schemeClr>
+            </a:gs>
+          </a:gsLst>
+          <a:path path="circle">
+            <a:fillToRect l="50000" t="-80000" r="50000" b="180000"/>
+          </a:path>
+        </a:gradFill>
+        <a:gradFill rotWithShape="1">
+          <a:gsLst>
+            <a:gs pos="0">
+              <a:schemeClr val="phClr">
+                <a:tint val="80000"/>
+                <a:satMod val="300000"/>
+              </a:schemeClr>
+            </a:gs>
+            <a:gs pos="100000">
+              <a:schemeClr val="phClr">
+                <a:shade val="30000"/>
+                <a:satMod val="200000"/>
+              </a:schemeClr>
+            </a:gs>
+          </a:gsLst>
+          <a:path path="circle">
+            <a:fillToRect l="50000" t="50000" r="50000" b="50000"/>
+          </a:path>
+        </a:gradFill>
+      </a:bgFillStyleLst>
+    </a:fmtScheme>
+  </a:themeElements>
+</a:theme>
+</file>
+
+<file path=ppt/theme/theme2.xml><?xml version="1.0" encoding="utf-8"?>
 <a:theme xmlns:a="http://schemas.openxmlformats.org/drawingml/2006/main" xmlns:r="http://schemas.openxmlformats.org/officeDocument/2006/relationships" name="Simple Light">
   <a:themeElements>
     <a:clrScheme name="Simple Light">
@@ -10816,283 +16976,4 @@
     </a:fmtScheme>
   </a:themeElements>
 </a:theme>
-</file>
-
-<file path=ppt/theme/theme2.xml><?xml version="1.0" encoding="utf-8"?>
-<a:theme xmlns:a="http://schemas.openxmlformats.org/drawingml/2006/main" xmlns:r="http://schemas.openxmlformats.org/officeDocument/2006/relationships">
-  <a:themeElements>
-    <a:clrScheme name="Default">
-      <a:dk1>
-        <a:srgbClr val="000000"/>
-      </a:dk1>
-      <a:lt1>
-        <a:srgbClr val="FFFFFF"/>
-      </a:lt1>
-      <a:dk2>
-        <a:srgbClr val="158158"/>
-      </a:dk2>
-      <a:lt2>
-        <a:srgbClr val="F3F3F3"/>
-      </a:lt2>
-      <a:accent1>
-        <a:srgbClr val="058DC7"/>
-      </a:accent1>
-      <a:accent2>
-        <a:srgbClr val="50B432"/>
-      </a:accent2>
-      <a:accent3>
-        <a:srgbClr val="ED561B"/>
-      </a:accent3>
-      <a:accent4>
-        <a:srgbClr val="EDEF00"/>
-      </a:accent4>
-      <a:accent5>
-        <a:srgbClr val="24CBE5"/>
-      </a:accent5>
-      <a:accent6>
-        <a:srgbClr val="64E572"/>
-      </a:accent6>
-      <a:hlink>
-        <a:srgbClr val="2200CC"/>
-      </a:hlink>
-      <a:folHlink>
-        <a:srgbClr val="551A8B"/>
-      </a:folHlink>
-    </a:clrScheme>
-    <a:fontScheme name="Office">
-      <a:majorFont>
-        <a:latin typeface="Arial"/>
-        <a:ea typeface=""/>
-        <a:cs typeface=""/>
-        <a:font script="Jpan" typeface="ＭＳ Ｐゴシック"/>
-        <a:font script="Hang" typeface="맑은 고딕"/>
-        <a:font script="Hans" typeface="宋体"/>
-        <a:font script="Hant" typeface="新細明體"/>
-        <a:font script="Arab" typeface="Times New Roman"/>
-        <a:font script="Hebr" typeface="Times New Roman"/>
-        <a:font script="Thai" typeface="Angsana New"/>
-        <a:font script="Ethi" typeface="Nyala"/>
-        <a:font script="Beng" typeface="Vrinda"/>
-        <a:font script="Gujr" typeface="Shruti"/>
-        <a:font script="Khmr" typeface="MoolBoran"/>
-        <a:font script="Knda" typeface="Tunga"/>
-        <a:font script="Guru" typeface="Raavi"/>
-        <a:font script="Cans" typeface="Euphemia"/>
-        <a:font script="Cher" typeface="Plantagenet Cherokee"/>
-        <a:font script="Yiii" typeface="Microsoft Yi Baiti"/>
-        <a:font script="Tibt" typeface="Microsoft Himalaya"/>
-        <a:font script="Thaa" typeface="MV Boli"/>
-        <a:font script="Deva" typeface="Mangal"/>
-        <a:font script="Telu" typeface="Gautami"/>
-        <a:font script="Taml" typeface="Latha"/>
-        <a:font script="Syrc" typeface="Estrangelo Edessa"/>
-        <a:font script="Orya" typeface="Kalinga"/>
-        <a:font script="Mlym" typeface="Kartika"/>
-        <a:font script="Laoo" typeface="DokChampa"/>
-        <a:font script="Sinh" typeface="Iskoola Pota"/>
-        <a:font script="Mong" typeface="Mongolian Baiti"/>
-        <a:font script="Viet" typeface="Times New Roman"/>
-        <a:font script="Uigh" typeface="Microsoft Uighur"/>
-        <a:font script="Geor" typeface="Sylfaen"/>
-      </a:majorFont>
-      <a:minorFont>
-        <a:latin typeface="Arial"/>
-        <a:ea typeface=""/>
-        <a:cs typeface=""/>
-        <a:font script="Jpan" typeface="ＭＳ Ｐゴシック"/>
-        <a:font script="Hang" typeface="맑은 고딕"/>
-        <a:font script="Hans" typeface="宋体"/>
-        <a:font script="Hant" typeface="新細明體"/>
-        <a:font script="Arab" typeface="Arial"/>
-        <a:font script="Hebr" typeface="Arial"/>
-        <a:font script="Thai" typeface="Cordia New"/>
-        <a:font script="Ethi" typeface="Nyala"/>
-        <a:font script="Beng" typeface="Vrinda"/>
-        <a:font script="Gujr" typeface="Shruti"/>
-        <a:font script="Khmr" typeface="DaunPenh"/>
-        <a:font script="Knda" typeface="Tunga"/>
-        <a:font script="Guru" typeface="Raavi"/>
-        <a:font script="Cans" typeface="Euphemia"/>
-        <a:font script="Cher" typeface="Plantagenet Cherokee"/>
-        <a:font script="Yiii" typeface="Microsoft Yi Baiti"/>
-        <a:font script="Tibt" typeface="Microsoft Himalaya"/>
-        <a:font script="Thaa" typeface="MV Boli"/>
-        <a:font script="Deva" typeface="Mangal"/>
-        <a:font script="Telu" typeface="Gautami"/>
-        <a:font script="Taml" typeface="Latha"/>
-        <a:font script="Syrc" typeface="Estrangelo Edessa"/>
-        <a:font script="Orya" typeface="Kalinga"/>
-        <a:font script="Mlym" typeface="Kartika"/>
-        <a:font script="Laoo" typeface="DokChampa"/>
-        <a:font script="Sinh" typeface="Iskoola Pota"/>
-        <a:font script="Mong" typeface="Mongolian Baiti"/>
-        <a:font script="Viet" typeface="Arial"/>
-        <a:font script="Uigh" typeface="Microsoft Uighur"/>
-        <a:font script="Geor" typeface="Sylfaen"/>
-      </a:minorFont>
-    </a:fontScheme>
-    <a:fmtScheme name="Office">
-      <a:fillStyleLst>
-        <a:solidFill>
-          <a:schemeClr val="phClr"/>
-        </a:solidFill>
-        <a:gradFill rotWithShape="1">
-          <a:gsLst>
-            <a:gs pos="0">
-              <a:schemeClr val="phClr">
-                <a:tint val="50000"/>
-                <a:satMod val="300000"/>
-              </a:schemeClr>
-            </a:gs>
-            <a:gs pos="35000">
-              <a:schemeClr val="phClr">
-                <a:tint val="37000"/>
-                <a:satMod val="300000"/>
-              </a:schemeClr>
-            </a:gs>
-            <a:gs pos="100000">
-              <a:schemeClr val="phClr">
-                <a:tint val="15000"/>
-                <a:satMod val="350000"/>
-              </a:schemeClr>
-            </a:gs>
-          </a:gsLst>
-          <a:lin ang="16200000" scaled="1"/>
-        </a:gradFill>
-        <a:gradFill rotWithShape="1">
-          <a:gsLst>
-            <a:gs pos="0">
-              <a:schemeClr val="phClr">
-                <a:tint val="100000"/>
-                <a:shade val="100000"/>
-                <a:satMod val="130000"/>
-              </a:schemeClr>
-            </a:gs>
-            <a:gs pos="100000">
-              <a:schemeClr val="phClr">
-                <a:tint val="50000"/>
-                <a:shade val="100000"/>
-                <a:satMod val="350000"/>
-              </a:schemeClr>
-            </a:gs>
-          </a:gsLst>
-          <a:lin ang="16200000" scaled="0"/>
-        </a:gradFill>
-      </a:fillStyleLst>
-      <a:lnStyleLst>
-        <a:ln w="9525" cap="flat" cmpd="sng" algn="ctr">
-          <a:solidFill>
-            <a:schemeClr val="phClr">
-              <a:shade val="95000"/>
-              <a:satMod val="105000"/>
-            </a:schemeClr>
-          </a:solidFill>
-          <a:prstDash val="solid"/>
-        </a:ln>
-        <a:ln w="25400" cap="flat" cmpd="sng" algn="ctr">
-          <a:solidFill>
-            <a:schemeClr val="phClr"/>
-          </a:solidFill>
-          <a:prstDash val="solid"/>
-        </a:ln>
-        <a:ln w="38100" cap="flat" cmpd="sng" algn="ctr">
-          <a:solidFill>
-            <a:schemeClr val="phClr"/>
-          </a:solidFill>
-          <a:prstDash val="solid"/>
-        </a:ln>
-      </a:lnStyleLst>
-      <a:effectStyleLst>
-        <a:effectStyle>
-          <a:effectLst>
-            <a:outerShdw blurRad="40000" dist="20000" dir="5400000" rotWithShape="0">
-              <a:srgbClr val="000000">
-                <a:alpha val="38000"/>
-              </a:srgbClr>
-            </a:outerShdw>
-          </a:effectLst>
-        </a:effectStyle>
-        <a:effectStyle>
-          <a:effectLst>
-            <a:outerShdw blurRad="40000" dist="23000" dir="5400000" rotWithShape="0">
-              <a:srgbClr val="000000">
-                <a:alpha val="35000"/>
-              </a:srgbClr>
-            </a:outerShdw>
-          </a:effectLst>
-        </a:effectStyle>
-        <a:effectStyle>
-          <a:effectLst>
-            <a:outerShdw blurRad="40000" dist="23000" dir="5400000" rotWithShape="0">
-              <a:srgbClr val="000000">
-                <a:alpha val="35000"/>
-              </a:srgbClr>
-            </a:outerShdw>
-          </a:effectLst>
-          <a:scene3d>
-            <a:camera prst="orthographicFront">
-              <a:rot lat="0" lon="0" rev="0"/>
-            </a:camera>
-            <a:lightRig rig="threePt" dir="t">
-              <a:rot lat="0" lon="0" rev="1200000"/>
-            </a:lightRig>
-          </a:scene3d>
-          <a:sp3d>
-            <a:bevelT w="63500" h="25400"/>
-          </a:sp3d>
-        </a:effectStyle>
-      </a:effectStyleLst>
-      <a:bgFillStyleLst>
-        <a:solidFill>
-          <a:schemeClr val="phClr"/>
-        </a:solidFill>
-        <a:gradFill rotWithShape="1">
-          <a:gsLst>
-            <a:gs pos="0">
-              <a:schemeClr val="phClr">
-                <a:tint val="40000"/>
-                <a:satMod val="350000"/>
-              </a:schemeClr>
-            </a:gs>
-            <a:gs pos="40000">
-              <a:schemeClr val="phClr">
-                <a:tint val="45000"/>
-                <a:shade val="99000"/>
-                <a:satMod val="350000"/>
-              </a:schemeClr>
-            </a:gs>
-            <a:gs pos="100000">
-              <a:schemeClr val="phClr">
-                <a:shade val="20000"/>
-                <a:satMod val="255000"/>
-              </a:schemeClr>
-            </a:gs>
-          </a:gsLst>
-          <a:path path="circle">
-            <a:fillToRect l="50000" t="-80000" r="50000" b="180000"/>
-          </a:path>
-        </a:gradFill>
-        <a:gradFill rotWithShape="1">
-          <a:gsLst>
-            <a:gs pos="0">
-              <a:schemeClr val="phClr">
-                <a:tint val="80000"/>
-                <a:satMod val="300000"/>
-              </a:schemeClr>
-            </a:gs>
-            <a:gs pos="100000">
-              <a:schemeClr val="phClr">
-                <a:shade val="30000"/>
-                <a:satMod val="200000"/>
-              </a:schemeClr>
-            </a:gs>
-          </a:gsLst>
-          <a:path path="circle">
-            <a:fillToRect l="50000" t="50000" r="50000" b="50000"/>
-          </a:path>
-        </a:gradFill>
-      </a:bgFillStyleLst>
-    </a:fmtScheme>
-  </a:themeElements>
-</a:theme>
 </file>
--- a/lecture/Lecture6.pptx
+++ b/lecture/Lecture6.pptx
@@ -49,7 +49,6 @@
     <p:sldId id="294" r:id="rId44"/>
     <p:sldId id="295" r:id="rId45"/>
     <p:sldId id="296" r:id="rId46"/>
-    <p:sldId id="297" r:id="rId47"/>
   </p:sldIdLst>
   <p:sldSz cy="5143500" cx="9144000"/>
   <p:notesSz cx="6858000" cy="9144000"/>
@@ -845,7 +844,7 @@
       </p:grpSpPr>
       <p:sp>
         <p:nvSpPr>
-          <p:cNvPr id="104" name="Google Shape;104;ga4e45b0e5d_0_79:notes"/>
+          <p:cNvPr id="104" name="Google Shape;104;ga4e45b0e5d_0_84:notes"/>
           <p:cNvSpPr/>
           <p:nvPr>
             <p:ph idx="2" type="sldImg"/>
@@ -880,7 +879,7 @@
       </p:sp>
       <p:sp>
         <p:nvSpPr>
-          <p:cNvPr id="105" name="Google Shape;105;ga4e45b0e5d_0_79:notes"/>
+          <p:cNvPr id="105" name="Google Shape;105;ga4e45b0e5d_0_84:notes"/>
           <p:cNvSpPr txBox="1"/>
           <p:nvPr>
             <p:ph idx="1" type="body"/>
@@ -944,7 +943,7 @@
       </p:grpSpPr>
       <p:sp>
         <p:nvSpPr>
-          <p:cNvPr id="110" name="Google Shape;110;ga4e45b0e5d_0_84:notes"/>
+          <p:cNvPr id="110" name="Google Shape;110;gf65146e941_0_0:notes"/>
           <p:cNvSpPr/>
           <p:nvPr>
             <p:ph idx="2" type="sldImg"/>
@@ -979,7 +978,7 @@
       </p:sp>
       <p:sp>
         <p:nvSpPr>
-          <p:cNvPr id="111" name="Google Shape;111;ga4e45b0e5d_0_84:notes"/>
+          <p:cNvPr id="111" name="Google Shape;111;gf65146e941_0_0:notes"/>
           <p:cNvSpPr txBox="1"/>
           <p:nvPr>
             <p:ph idx="1" type="body"/>
@@ -1043,7 +1042,7 @@
       </p:grpSpPr>
       <p:sp>
         <p:nvSpPr>
-          <p:cNvPr id="116" name="Google Shape;116;gf65146e941_0_0:notes"/>
+          <p:cNvPr id="116" name="Google Shape;116;gf65146e941_0_5:notes"/>
           <p:cNvSpPr/>
           <p:nvPr>
             <p:ph idx="2" type="sldImg"/>
@@ -1078,7 +1077,7 @@
       </p:sp>
       <p:sp>
         <p:nvSpPr>
-          <p:cNvPr id="117" name="Google Shape;117;gf65146e941_0_0:notes"/>
+          <p:cNvPr id="117" name="Google Shape;117;gf65146e941_0_5:notes"/>
           <p:cNvSpPr txBox="1"/>
           <p:nvPr>
             <p:ph idx="1" type="body"/>
@@ -1142,7 +1141,7 @@
       </p:grpSpPr>
       <p:sp>
         <p:nvSpPr>
-          <p:cNvPr id="122" name="Google Shape;122;gf65146e941_0_5:notes"/>
+          <p:cNvPr id="122" name="Google Shape;122;gf65146e941_0_10:notes"/>
           <p:cNvSpPr/>
           <p:nvPr>
             <p:ph idx="2" type="sldImg"/>
@@ -1177,7 +1176,7 @@
       </p:sp>
       <p:sp>
         <p:nvSpPr>
-          <p:cNvPr id="123" name="Google Shape;123;gf65146e941_0_5:notes"/>
+          <p:cNvPr id="123" name="Google Shape;123;gf65146e941_0_10:notes"/>
           <p:cNvSpPr txBox="1"/>
           <p:nvPr>
             <p:ph idx="1" type="body"/>
@@ -1241,7 +1240,7 @@
       </p:grpSpPr>
       <p:sp>
         <p:nvSpPr>
-          <p:cNvPr id="128" name="Google Shape;128;gf65146e941_0_10:notes"/>
+          <p:cNvPr id="128" name="Google Shape;128;ga4e45b0e5d_0_89:notes"/>
           <p:cNvSpPr/>
           <p:nvPr>
             <p:ph idx="2" type="sldImg"/>
@@ -1276,7 +1275,7 @@
       </p:sp>
       <p:sp>
         <p:nvSpPr>
-          <p:cNvPr id="129" name="Google Shape;129;gf65146e941_0_10:notes"/>
+          <p:cNvPr id="129" name="Google Shape;129;ga4e45b0e5d_0_89:notes"/>
           <p:cNvSpPr txBox="1"/>
           <p:nvPr>
             <p:ph idx="1" type="body"/>
@@ -1326,7 +1325,7 @@
   <p:cSld>
     <p:spTree>
       <p:nvGrpSpPr>
-        <p:cNvPr id="133" name="Shape 133"/>
+        <p:cNvPr id="134" name="Shape 134"/>
         <p:cNvGrpSpPr/>
         <p:nvPr/>
       </p:nvGrpSpPr>
@@ -1340,7 +1339,7 @@
       </p:grpSpPr>
       <p:sp>
         <p:nvSpPr>
-          <p:cNvPr id="134" name="Google Shape;134;ga4e45b0e5d_0_89:notes"/>
+          <p:cNvPr id="135" name="Google Shape;135;ga4e45b0e5d_0_94:notes"/>
           <p:cNvSpPr/>
           <p:nvPr>
             <p:ph idx="2" type="sldImg"/>
@@ -1375,7 +1374,7 @@
       </p:sp>
       <p:sp>
         <p:nvSpPr>
-          <p:cNvPr id="135" name="Google Shape;135;ga4e45b0e5d_0_89:notes"/>
+          <p:cNvPr id="136" name="Google Shape;136;ga4e45b0e5d_0_94:notes"/>
           <p:cNvSpPr txBox="1"/>
           <p:nvPr>
             <p:ph idx="1" type="body"/>
@@ -1439,7 +1438,7 @@
       </p:grpSpPr>
       <p:sp>
         <p:nvSpPr>
-          <p:cNvPr id="141" name="Google Shape;141;ga4e45b0e5d_0_94:notes"/>
+          <p:cNvPr id="141" name="Google Shape;141;ga4e45b0e5d_0_128:notes"/>
           <p:cNvSpPr/>
           <p:nvPr>
             <p:ph idx="2" type="sldImg"/>
@@ -1474,7 +1473,7 @@
       </p:sp>
       <p:sp>
         <p:nvSpPr>
-          <p:cNvPr id="142" name="Google Shape;142;ga4e45b0e5d_0_94:notes"/>
+          <p:cNvPr id="142" name="Google Shape;142;ga4e45b0e5d_0_128:notes"/>
           <p:cNvSpPr txBox="1"/>
           <p:nvPr>
             <p:ph idx="1" type="body"/>
@@ -1538,7 +1537,7 @@
       </p:grpSpPr>
       <p:sp>
         <p:nvSpPr>
-          <p:cNvPr id="147" name="Google Shape;147;ga4e45b0e5d_0_128:notes"/>
+          <p:cNvPr id="147" name="Google Shape;147;ga4e45b0e5d_0_133:notes"/>
           <p:cNvSpPr/>
           <p:nvPr>
             <p:ph idx="2" type="sldImg"/>
@@ -1573,7 +1572,7 @@
       </p:sp>
       <p:sp>
         <p:nvSpPr>
-          <p:cNvPr id="148" name="Google Shape;148;ga4e45b0e5d_0_128:notes"/>
+          <p:cNvPr id="148" name="Google Shape;148;ga4e45b0e5d_0_133:notes"/>
           <p:cNvSpPr txBox="1"/>
           <p:nvPr>
             <p:ph idx="1" type="body"/>
@@ -1637,7 +1636,7 @@
       </p:grpSpPr>
       <p:sp>
         <p:nvSpPr>
-          <p:cNvPr id="153" name="Google Shape;153;ga4e45b0e5d_0_133:notes"/>
+          <p:cNvPr id="153" name="Google Shape;153;ga4e45b0e5d_0_99:notes"/>
           <p:cNvSpPr/>
           <p:nvPr>
             <p:ph idx="2" type="sldImg"/>
@@ -1672,7 +1671,7 @@
       </p:sp>
       <p:sp>
         <p:nvSpPr>
-          <p:cNvPr id="154" name="Google Shape;154;ga4e45b0e5d_0_133:notes"/>
+          <p:cNvPr id="154" name="Google Shape;154;ga4e45b0e5d_0_99:notes"/>
           <p:cNvSpPr txBox="1"/>
           <p:nvPr>
             <p:ph idx="1" type="body"/>
@@ -1736,7 +1735,7 @@
       </p:grpSpPr>
       <p:sp>
         <p:nvSpPr>
-          <p:cNvPr id="159" name="Google Shape;159;ga4e45b0e5d_0_99:notes"/>
+          <p:cNvPr id="159" name="Google Shape;159;ga4e45b0e5d_0_104:notes"/>
           <p:cNvSpPr/>
           <p:nvPr>
             <p:ph idx="2" type="sldImg"/>
@@ -1771,7 +1770,7 @@
       </p:sp>
       <p:sp>
         <p:nvSpPr>
-          <p:cNvPr id="160" name="Google Shape;160;ga4e45b0e5d_0_99:notes"/>
+          <p:cNvPr id="160" name="Google Shape;160;ga4e45b0e5d_0_104:notes"/>
           <p:cNvSpPr txBox="1"/>
           <p:nvPr>
             <p:ph idx="1" type="body"/>
@@ -1920,7 +1919,7 @@
   <p:cSld>
     <p:spTree>
       <p:nvGrpSpPr>
-        <p:cNvPr id="164" name="Shape 164"/>
+        <p:cNvPr id="165" name="Shape 165"/>
         <p:cNvGrpSpPr/>
         <p:nvPr/>
       </p:nvGrpSpPr>
@@ -1934,7 +1933,7 @@
       </p:grpSpPr>
       <p:sp>
         <p:nvSpPr>
-          <p:cNvPr id="165" name="Google Shape;165;ga4e45b0e5d_0_104:notes"/>
+          <p:cNvPr id="166" name="Google Shape;166;gf65146e941_0_16:notes"/>
           <p:cNvSpPr/>
           <p:nvPr>
             <p:ph idx="2" type="sldImg"/>
@@ -1969,7 +1968,7 @@
       </p:sp>
       <p:sp>
         <p:nvSpPr>
-          <p:cNvPr id="166" name="Google Shape;166;ga4e45b0e5d_0_104:notes"/>
+          <p:cNvPr id="167" name="Google Shape;167;gf65146e941_0_16:notes"/>
           <p:cNvSpPr txBox="1"/>
           <p:nvPr>
             <p:ph idx="1" type="body"/>
@@ -2033,7 +2032,7 @@
       </p:grpSpPr>
       <p:sp>
         <p:nvSpPr>
-          <p:cNvPr id="172" name="Google Shape;172;gf65146e941_0_16:notes"/>
+          <p:cNvPr id="172" name="Google Shape;172;gf65146e941_0_22:notes"/>
           <p:cNvSpPr/>
           <p:nvPr>
             <p:ph idx="2" type="sldImg"/>
@@ -2068,7 +2067,7 @@
       </p:sp>
       <p:sp>
         <p:nvSpPr>
-          <p:cNvPr id="173" name="Google Shape;173;gf65146e941_0_16:notes"/>
+          <p:cNvPr id="173" name="Google Shape;173;gf65146e941_0_22:notes"/>
           <p:cNvSpPr txBox="1"/>
           <p:nvPr>
             <p:ph idx="1" type="body"/>
@@ -2132,7 +2131,7 @@
       </p:grpSpPr>
       <p:sp>
         <p:nvSpPr>
-          <p:cNvPr id="178" name="Google Shape;178;gf65146e941_0_22:notes"/>
+          <p:cNvPr id="178" name="Google Shape;178;ga4e45b0e5d_0_109:notes"/>
           <p:cNvSpPr/>
           <p:nvPr>
             <p:ph idx="2" type="sldImg"/>
@@ -2167,7 +2166,7 @@
       </p:sp>
       <p:sp>
         <p:nvSpPr>
-          <p:cNvPr id="179" name="Google Shape;179;gf65146e941_0_22:notes"/>
+          <p:cNvPr id="179" name="Google Shape;179;ga4e45b0e5d_0_109:notes"/>
           <p:cNvSpPr txBox="1"/>
           <p:nvPr>
             <p:ph idx="1" type="body"/>
@@ -2231,7 +2230,7 @@
       </p:grpSpPr>
       <p:sp>
         <p:nvSpPr>
-          <p:cNvPr id="184" name="Google Shape;184;ga4e45b0e5d_0_109:notes"/>
+          <p:cNvPr id="184" name="Google Shape;184;ga4e45b0e5d_0_200:notes"/>
           <p:cNvSpPr/>
           <p:nvPr>
             <p:ph idx="2" type="sldImg"/>
@@ -2266,7 +2265,7 @@
       </p:sp>
       <p:sp>
         <p:nvSpPr>
-          <p:cNvPr id="185" name="Google Shape;185;ga4e45b0e5d_0_109:notes"/>
+          <p:cNvPr id="185" name="Google Shape;185;ga4e45b0e5d_0_200:notes"/>
           <p:cNvSpPr txBox="1"/>
           <p:nvPr>
             <p:ph idx="1" type="body"/>
@@ -2330,7 +2329,7 @@
       </p:grpSpPr>
       <p:sp>
         <p:nvSpPr>
-          <p:cNvPr id="190" name="Google Shape;190;ga4e45b0e5d_0_200:notes"/>
+          <p:cNvPr id="190" name="Google Shape;190;ga4e45b0e5d_0_190:notes"/>
           <p:cNvSpPr/>
           <p:nvPr>
             <p:ph idx="2" type="sldImg"/>
@@ -2365,7 +2364,7 @@
       </p:sp>
       <p:sp>
         <p:nvSpPr>
-          <p:cNvPr id="191" name="Google Shape;191;ga4e45b0e5d_0_200:notes"/>
+          <p:cNvPr id="191" name="Google Shape;191;ga4e45b0e5d_0_190:notes"/>
           <p:cNvSpPr txBox="1"/>
           <p:nvPr>
             <p:ph idx="1" type="body"/>
@@ -2429,7 +2428,7 @@
       </p:grpSpPr>
       <p:sp>
         <p:nvSpPr>
-          <p:cNvPr id="196" name="Google Shape;196;ga4e45b0e5d_0_190:notes"/>
+          <p:cNvPr id="196" name="Google Shape;196;ga4e45b0e5d_0_195:notes"/>
           <p:cNvSpPr/>
           <p:nvPr>
             <p:ph idx="2" type="sldImg"/>
@@ -2464,7 +2463,7 @@
       </p:sp>
       <p:sp>
         <p:nvSpPr>
-          <p:cNvPr id="197" name="Google Shape;197;ga4e45b0e5d_0_190:notes"/>
+          <p:cNvPr id="197" name="Google Shape;197;ga4e45b0e5d_0_195:notes"/>
           <p:cNvSpPr txBox="1"/>
           <p:nvPr>
             <p:ph idx="1" type="body"/>
@@ -2528,7 +2527,7 @@
       </p:grpSpPr>
       <p:sp>
         <p:nvSpPr>
-          <p:cNvPr id="202" name="Google Shape;202;ga4e45b0e5d_0_195:notes"/>
+          <p:cNvPr id="202" name="Google Shape;202;gf9ae137bfa_0_0:notes"/>
           <p:cNvSpPr/>
           <p:nvPr>
             <p:ph idx="2" type="sldImg"/>
@@ -2563,7 +2562,7 @@
       </p:sp>
       <p:sp>
         <p:nvSpPr>
-          <p:cNvPr id="203" name="Google Shape;203;ga4e45b0e5d_0_195:notes"/>
+          <p:cNvPr id="203" name="Google Shape;203;gf9ae137bfa_0_0:notes"/>
           <p:cNvSpPr txBox="1"/>
           <p:nvPr>
             <p:ph idx="1" type="body"/>
@@ -2627,7 +2626,7 @@
       </p:grpSpPr>
       <p:sp>
         <p:nvSpPr>
-          <p:cNvPr id="208" name="Google Shape;208;gf9ae137bfa_0_0:notes"/>
+          <p:cNvPr id="208" name="Google Shape;208;ga4e45b0e5d_0_114:notes"/>
           <p:cNvSpPr/>
           <p:nvPr>
             <p:ph idx="2" type="sldImg"/>
@@ -2662,7 +2661,7 @@
       </p:sp>
       <p:sp>
         <p:nvSpPr>
-          <p:cNvPr id="209" name="Google Shape;209;gf9ae137bfa_0_0:notes"/>
+          <p:cNvPr id="209" name="Google Shape;209;ga4e45b0e5d_0_114:notes"/>
           <p:cNvSpPr txBox="1"/>
           <p:nvPr>
             <p:ph idx="1" type="body"/>
@@ -2712,7 +2711,7 @@
   <p:cSld>
     <p:spTree>
       <p:nvGrpSpPr>
-        <p:cNvPr id="213" name="Shape 213"/>
+        <p:cNvPr id="214" name="Shape 214"/>
         <p:cNvGrpSpPr/>
         <p:nvPr/>
       </p:nvGrpSpPr>
@@ -2726,7 +2725,7 @@
       </p:grpSpPr>
       <p:sp>
         <p:nvSpPr>
-          <p:cNvPr id="214" name="Google Shape;214;ga4e45b0e5d_0_114:notes"/>
+          <p:cNvPr id="215" name="Google Shape;215;gf65146e941_0_49:notes"/>
           <p:cNvSpPr/>
           <p:nvPr>
             <p:ph idx="2" type="sldImg"/>
@@ -2761,7 +2760,7 @@
       </p:sp>
       <p:sp>
         <p:nvSpPr>
-          <p:cNvPr id="215" name="Google Shape;215;ga4e45b0e5d_0_114:notes"/>
+          <p:cNvPr id="216" name="Google Shape;216;gf65146e941_0_49:notes"/>
           <p:cNvSpPr txBox="1"/>
           <p:nvPr>
             <p:ph idx="1" type="body"/>
@@ -2825,7 +2824,7 @@
       </p:grpSpPr>
       <p:sp>
         <p:nvSpPr>
-          <p:cNvPr id="221" name="Google Shape;221;gf65146e941_0_49:notes"/>
+          <p:cNvPr id="221" name="Google Shape;221;gf65146e941_0_64:notes"/>
           <p:cNvSpPr/>
           <p:nvPr>
             <p:ph idx="2" type="sldImg"/>
@@ -2860,7 +2859,7 @@
       </p:sp>
       <p:sp>
         <p:nvSpPr>
-          <p:cNvPr id="222" name="Google Shape;222;gf65146e941_0_49:notes"/>
+          <p:cNvPr id="222" name="Google Shape;222;gf65146e941_0_64:notes"/>
           <p:cNvSpPr txBox="1"/>
           <p:nvPr>
             <p:ph idx="1" type="body"/>
@@ -3023,7 +3022,7 @@
       </p:grpSpPr>
       <p:sp>
         <p:nvSpPr>
-          <p:cNvPr id="227" name="Google Shape;227;gf65146e941_0_64:notes"/>
+          <p:cNvPr id="227" name="Google Shape;227;gf65146e941_0_71:notes"/>
           <p:cNvSpPr/>
           <p:nvPr>
             <p:ph idx="2" type="sldImg"/>
@@ -3058,7 +3057,7 @@
       </p:sp>
       <p:sp>
         <p:nvSpPr>
-          <p:cNvPr id="228" name="Google Shape;228;gf65146e941_0_64:notes"/>
+          <p:cNvPr id="228" name="Google Shape;228;gf65146e941_0_71:notes"/>
           <p:cNvSpPr txBox="1"/>
           <p:nvPr>
             <p:ph idx="1" type="body"/>
@@ -3122,7 +3121,7 @@
       </p:grpSpPr>
       <p:sp>
         <p:nvSpPr>
-          <p:cNvPr id="233" name="Google Shape;233;gf65146e941_0_71:notes"/>
+          <p:cNvPr id="233" name="Google Shape;233;ga4e45b0e5d_0_159:notes"/>
           <p:cNvSpPr/>
           <p:nvPr>
             <p:ph idx="2" type="sldImg"/>
@@ -3157,7 +3156,7 @@
       </p:sp>
       <p:sp>
         <p:nvSpPr>
-          <p:cNvPr id="234" name="Google Shape;234;gf65146e941_0_71:notes"/>
+          <p:cNvPr id="234" name="Google Shape;234;ga4e45b0e5d_0_159:notes"/>
           <p:cNvSpPr txBox="1"/>
           <p:nvPr>
             <p:ph idx="1" type="body"/>
@@ -3221,7 +3220,7 @@
       </p:grpSpPr>
       <p:sp>
         <p:nvSpPr>
-          <p:cNvPr id="239" name="Google Shape;239;ga4e45b0e5d_0_159:notes"/>
+          <p:cNvPr id="239" name="Google Shape;239;gfab5026546_0_90:notes"/>
           <p:cNvSpPr/>
           <p:nvPr>
             <p:ph idx="2" type="sldImg"/>
@@ -3256,7 +3255,7 @@
       </p:sp>
       <p:sp>
         <p:nvSpPr>
-          <p:cNvPr id="240" name="Google Shape;240;ga4e45b0e5d_0_159:notes"/>
+          <p:cNvPr id="240" name="Google Shape;240;gfab5026546_0_90:notes"/>
           <p:cNvSpPr txBox="1"/>
           <p:nvPr>
             <p:ph idx="1" type="body"/>
@@ -3320,7 +3319,7 @@
       </p:grpSpPr>
       <p:sp>
         <p:nvSpPr>
-          <p:cNvPr id="245" name="Google Shape;245;gfab5026546_0_90:notes"/>
+          <p:cNvPr id="245" name="Google Shape;245;gfab5026546_0_95:notes"/>
           <p:cNvSpPr/>
           <p:nvPr>
             <p:ph idx="2" type="sldImg"/>
@@ -3355,7 +3354,7 @@
       </p:sp>
       <p:sp>
         <p:nvSpPr>
-          <p:cNvPr id="246" name="Google Shape;246;gfab5026546_0_90:notes"/>
+          <p:cNvPr id="246" name="Google Shape;246;gfab5026546_0_95:notes"/>
           <p:cNvSpPr txBox="1"/>
           <p:nvPr>
             <p:ph idx="1" type="body"/>
@@ -3419,7 +3418,7 @@
       </p:grpSpPr>
       <p:sp>
         <p:nvSpPr>
-          <p:cNvPr id="251" name="Google Shape;251;gfab5026546_0_95:notes"/>
+          <p:cNvPr id="251" name="Google Shape;251;gfab5026546_0_100:notes"/>
           <p:cNvSpPr/>
           <p:nvPr>
             <p:ph idx="2" type="sldImg"/>
@@ -3454,7 +3453,7 @@
       </p:sp>
       <p:sp>
         <p:nvSpPr>
-          <p:cNvPr id="252" name="Google Shape;252;gfab5026546_0_95:notes"/>
+          <p:cNvPr id="252" name="Google Shape;252;gfab5026546_0_100:notes"/>
           <p:cNvSpPr txBox="1"/>
           <p:nvPr>
             <p:ph idx="1" type="body"/>
@@ -3518,7 +3517,7 @@
       </p:grpSpPr>
       <p:sp>
         <p:nvSpPr>
-          <p:cNvPr id="257" name="Google Shape;257;gfab5026546_0_100:notes"/>
+          <p:cNvPr id="257" name="Google Shape;257;gfab5026546_0_105:notes"/>
           <p:cNvSpPr/>
           <p:nvPr>
             <p:ph idx="2" type="sldImg"/>
@@ -3553,7 +3552,7 @@
       </p:sp>
       <p:sp>
         <p:nvSpPr>
-          <p:cNvPr id="258" name="Google Shape;258;gfab5026546_0_100:notes"/>
+          <p:cNvPr id="258" name="Google Shape;258;gfab5026546_0_105:notes"/>
           <p:cNvSpPr txBox="1"/>
           <p:nvPr>
             <p:ph idx="1" type="body"/>
@@ -3617,7 +3616,7 @@
       </p:grpSpPr>
       <p:sp>
         <p:nvSpPr>
-          <p:cNvPr id="263" name="Google Shape;263;gfab5026546_0_105:notes"/>
+          <p:cNvPr id="263" name="Google Shape;263;gfab5026546_0_110:notes"/>
           <p:cNvSpPr/>
           <p:nvPr>
             <p:ph idx="2" type="sldImg"/>
@@ -3652,7 +3651,7 @@
       </p:sp>
       <p:sp>
         <p:nvSpPr>
-          <p:cNvPr id="264" name="Google Shape;264;gfab5026546_0_105:notes"/>
+          <p:cNvPr id="264" name="Google Shape;264;gfab5026546_0_110:notes"/>
           <p:cNvSpPr txBox="1"/>
           <p:nvPr>
             <p:ph idx="1" type="body"/>
@@ -3716,7 +3715,7 @@
       </p:grpSpPr>
       <p:sp>
         <p:nvSpPr>
-          <p:cNvPr id="269" name="Google Shape;269;gfab5026546_0_110:notes"/>
+          <p:cNvPr id="269" name="Google Shape;269;gfab5026546_0_115:notes"/>
           <p:cNvSpPr/>
           <p:nvPr>
             <p:ph idx="2" type="sldImg"/>
@@ -3751,7 +3750,7 @@
       </p:sp>
       <p:sp>
         <p:nvSpPr>
-          <p:cNvPr id="270" name="Google Shape;270;gfab5026546_0_110:notes"/>
+          <p:cNvPr id="270" name="Google Shape;270;gfab5026546_0_115:notes"/>
           <p:cNvSpPr txBox="1"/>
           <p:nvPr>
             <p:ph idx="1" type="body"/>
@@ -3815,7 +3814,7 @@
       </p:grpSpPr>
       <p:sp>
         <p:nvSpPr>
-          <p:cNvPr id="275" name="Google Shape;275;gfab5026546_0_115:notes"/>
+          <p:cNvPr id="275" name="Google Shape;275;gfab5026546_0_120:notes"/>
           <p:cNvSpPr/>
           <p:nvPr>
             <p:ph idx="2" type="sldImg"/>
@@ -3850,7 +3849,7 @@
       </p:sp>
       <p:sp>
         <p:nvSpPr>
-          <p:cNvPr id="276" name="Google Shape;276;gfab5026546_0_115:notes"/>
+          <p:cNvPr id="276" name="Google Shape;276;gfab5026546_0_120:notes"/>
           <p:cNvSpPr txBox="1"/>
           <p:nvPr>
             <p:ph idx="1" type="body"/>
@@ -3914,7 +3913,7 @@
       </p:grpSpPr>
       <p:sp>
         <p:nvSpPr>
-          <p:cNvPr id="281" name="Google Shape;281;gfab5026546_0_120:notes"/>
+          <p:cNvPr id="281" name="Google Shape;281;ga4e45b0e5d_0_219:notes"/>
           <p:cNvSpPr/>
           <p:nvPr>
             <p:ph idx="2" type="sldImg"/>
@@ -3949,7 +3948,7 @@
       </p:sp>
       <p:sp>
         <p:nvSpPr>
-          <p:cNvPr id="282" name="Google Shape;282;gfab5026546_0_120:notes"/>
+          <p:cNvPr id="282" name="Google Shape;282;ga4e45b0e5d_0_219:notes"/>
           <p:cNvSpPr txBox="1"/>
           <p:nvPr>
             <p:ph idx="1" type="body"/>
@@ -4112,7 +4111,7 @@
       </p:grpSpPr>
       <p:sp>
         <p:nvSpPr>
-          <p:cNvPr id="287" name="Google Shape;287;ga4e45b0e5d_0_219:notes"/>
+          <p:cNvPr id="287" name="Google Shape;287;gf65146e941_0_83:notes"/>
           <p:cNvSpPr/>
           <p:nvPr>
             <p:ph idx="2" type="sldImg"/>
@@ -4147,7 +4146,7 @@
       </p:sp>
       <p:sp>
         <p:nvSpPr>
-          <p:cNvPr id="288" name="Google Shape;288;ga4e45b0e5d_0_219:notes"/>
+          <p:cNvPr id="288" name="Google Shape;288;gf65146e941_0_83:notes"/>
           <p:cNvSpPr txBox="1"/>
           <p:nvPr>
             <p:ph idx="1" type="body"/>
@@ -4197,7 +4196,7 @@
   <p:cSld>
     <p:spTree>
       <p:nvGrpSpPr>
-        <p:cNvPr id="292" name="Shape 292"/>
+        <p:cNvPr id="291" name="Shape 291"/>
         <p:cNvGrpSpPr/>
         <p:nvPr/>
       </p:nvGrpSpPr>
@@ -4211,7 +4210,7 @@
       </p:grpSpPr>
       <p:sp>
         <p:nvSpPr>
-          <p:cNvPr id="293" name="Google Shape;293;gf65146e941_0_83:notes"/>
+          <p:cNvPr id="292" name="Google Shape;292;gf65146e941_0_78:notes"/>
           <p:cNvSpPr/>
           <p:nvPr>
             <p:ph idx="2" type="sldImg"/>
@@ -4246,106 +4245,7 @@
       </p:sp>
       <p:sp>
         <p:nvSpPr>
-          <p:cNvPr id="294" name="Google Shape;294;gf65146e941_0_83:notes"/>
-          <p:cNvSpPr txBox="1"/>
-          <p:nvPr>
-            <p:ph idx="1" type="body"/>
-          </p:nvPr>
-        </p:nvSpPr>
-        <p:spPr>
-          <a:xfrm>
-            <a:off x="685800" y="4343400"/>
-            <a:ext cx="5486400" cy="4114800"/>
-          </a:xfrm>
-          <a:prstGeom prst="rect">
-            <a:avLst/>
-          </a:prstGeom>
-        </p:spPr>
-        <p:txBody>
-          <a:bodyPr anchorCtr="0" anchor="t" bIns="91425" lIns="91425" spcFirstLastPara="1" rIns="91425" wrap="square" tIns="91425">
-            <a:noAutofit/>
-          </a:bodyPr>
-          <a:lstStyle/>
-          <a:p>
-            <a:pPr indent="0" lvl="0" marL="0" rtl="0" algn="l">
-              <a:spcBef>
-                <a:spcPts val="0"/>
-              </a:spcBef>
-              <a:spcAft>
-                <a:spcPts val="0"/>
-              </a:spcAft>
-              <a:buNone/>
-            </a:pPr>
-            <a:r>
-              <a:t/>
-            </a:r>
-            <a:endParaRPr/>
-          </a:p>
-        </p:txBody>
-      </p:sp>
-    </p:spTree>
-  </p:cSld>
-  <p:clrMapOvr>
-    <a:masterClrMapping/>
-  </p:clrMapOvr>
-</p:notes>
-</file>
-
-<file path=ppt/notesSlides/notesSlide42.xml><?xml version="1.0" encoding="utf-8"?>
-<p:notes xmlns:a="http://schemas.openxmlformats.org/drawingml/2006/main" xmlns:r="http://schemas.openxmlformats.org/officeDocument/2006/relationships" xmlns:mc="http://schemas.openxmlformats.org/markup-compatibility/2006" xmlns:mv="urn:schemas-microsoft-com:mac:vml" xmlns:p="http://schemas.openxmlformats.org/presentationml/2006/main" xmlns:c="http://schemas.openxmlformats.org/drawingml/2006/chart" xmlns:dgm="http://schemas.openxmlformats.org/drawingml/2006/diagram" xmlns:o="urn:schemas-microsoft-com:office:office" xmlns:v="urn:schemas-microsoft-com:vml" xmlns:pvml="urn:schemas-microsoft-com:office:powerpoint" xmlns:com="http://schemas.openxmlformats.org/drawingml/2006/compatibility" xmlns:p14="http://schemas.microsoft.com/office/powerpoint/2010/main" xmlns:p15="http://schemas.microsoft.com/office/powerpoint/2012/main" xmlns:ahyp="http://schemas.microsoft.com/office/drawing/2018/hyperlinkcolor" showMasterPhAnim="0" showMasterSp="0">
-  <p:cSld>
-    <p:spTree>
-      <p:nvGrpSpPr>
-        <p:cNvPr id="297" name="Shape 297"/>
-        <p:cNvGrpSpPr/>
-        <p:nvPr/>
-      </p:nvGrpSpPr>
-      <p:grpSpPr>
-        <a:xfrm>
-          <a:off x="0" y="0"/>
-          <a:ext cx="0" cy="0"/>
-          <a:chOff x="0" y="0"/>
-          <a:chExt cx="0" cy="0"/>
-        </a:xfrm>
-      </p:grpSpPr>
-      <p:sp>
-        <p:nvSpPr>
-          <p:cNvPr id="298" name="Google Shape;298;gf65146e941_0_78:notes"/>
-          <p:cNvSpPr/>
-          <p:nvPr>
-            <p:ph idx="2" type="sldImg"/>
-          </p:nvPr>
-        </p:nvSpPr>
-        <p:spPr>
-          <a:xfrm>
-            <a:off x="381300" y="685800"/>
-            <a:ext cx="6096000" cy="3429000"/>
-          </a:xfrm>
-          <a:custGeom>
-            <a:rect b="b" l="l" r="r" t="t"/>
-            <a:pathLst>
-              <a:path extrusionOk="0" h="120000" w="120000">
-                <a:moveTo>
-                  <a:pt x="0" y="0"/>
-                </a:moveTo>
-                <a:lnTo>
-                  <a:pt x="120000" y="0"/>
-                </a:lnTo>
-                <a:lnTo>
-                  <a:pt x="120000" y="120000"/>
-                </a:lnTo>
-                <a:lnTo>
-                  <a:pt x="0" y="120000"/>
-                </a:lnTo>
-                <a:close/>
-              </a:path>
-            </a:pathLst>
-          </a:custGeom>
-        </p:spPr>
-      </p:sp>
-      <p:sp>
-        <p:nvSpPr>
-          <p:cNvPr id="299" name="Google Shape;299;gf65146e941_0_78:notes"/>
+          <p:cNvPr id="293" name="Google Shape;293;gf65146e941_0_78:notes"/>
           <p:cNvSpPr txBox="1"/>
           <p:nvPr>
             <p:ph idx="1" type="body"/>
@@ -4706,7 +4606,7 @@
       </p:grpSpPr>
       <p:sp>
         <p:nvSpPr>
-          <p:cNvPr id="92" name="Google Shape;92;gf72ae395c1_0_5:notes"/>
+          <p:cNvPr id="92" name="Google Shape;92;ga4e45b0e5d_0_74:notes"/>
           <p:cNvSpPr/>
           <p:nvPr>
             <p:ph idx="2" type="sldImg"/>
@@ -4741,7 +4641,7 @@
       </p:sp>
       <p:sp>
         <p:nvSpPr>
-          <p:cNvPr id="93" name="Google Shape;93;gf72ae395c1_0_5:notes"/>
+          <p:cNvPr id="93" name="Google Shape;93;ga4e45b0e5d_0_74:notes"/>
           <p:cNvSpPr txBox="1"/>
           <p:nvPr>
             <p:ph idx="1" type="body"/>
@@ -4805,7 +4705,7 @@
       </p:grpSpPr>
       <p:sp>
         <p:nvSpPr>
-          <p:cNvPr id="98" name="Google Shape;98;ga4e45b0e5d_0_74:notes"/>
+          <p:cNvPr id="98" name="Google Shape;98;ga4e45b0e5d_0_79:notes"/>
           <p:cNvSpPr/>
           <p:nvPr>
             <p:ph idx="2" type="sldImg"/>
@@ -4840,7 +4740,7 @@
       </p:sp>
       <p:sp>
         <p:nvSpPr>
-          <p:cNvPr id="99" name="Google Shape;99;ga4e45b0e5d_0_74:notes"/>
+          <p:cNvPr id="99" name="Google Shape;99;ga4e45b0e5d_0_79:notes"/>
           <p:cNvSpPr txBox="1"/>
           <p:nvPr>
             <p:ph idx="1" type="body"/>
@@ -9712,8 +9612,8 @@
         </p:blipFill>
         <p:spPr>
           <a:xfrm>
-            <a:off x="2263225" y="1017725"/>
-            <a:ext cx="5545178" cy="3820974"/>
+            <a:off x="2371388" y="1161600"/>
+            <a:ext cx="4401213" cy="3820975"/>
           </a:xfrm>
           <a:prstGeom prst="rect">
             <a:avLst/>
@@ -9779,44 +9679,85 @@
               <a:spcAft>
                 <a:spcPts val="0"/>
               </a:spcAft>
+              <a:buClr>
+                <a:schemeClr val="dk1"/>
+              </a:buClr>
+              <a:buSzPts val="1100"/>
+              <a:buFont typeface="Arial"/>
               <a:buNone/>
             </a:pPr>
             <a:r>
               <a:rPr lang="ru"/>
-              <a:t>Hash function (коллизия)</a:t>
+              <a:t>Hash table</a:t>
             </a:r>
             <a:endParaRPr/>
           </a:p>
         </p:txBody>
       </p:sp>
-      <p:pic>
-        <p:nvPicPr>
+      <p:sp>
+        <p:nvSpPr>
           <p:cNvPr id="114" name="Google Shape;114;p23"/>
-          <p:cNvPicPr preferRelativeResize="0"/>
-          <p:nvPr/>
-        </p:nvPicPr>
-        <p:blipFill>
-          <a:blip r:embed="rId3">
-            <a:alphaModFix/>
-          </a:blip>
-          <a:stretch>
-            <a:fillRect/>
-          </a:stretch>
-        </p:blipFill>
-        <p:spPr>
-          <a:xfrm>
-            <a:off x="2371388" y="1161600"/>
-            <a:ext cx="4401213" cy="3820975"/>
+          <p:cNvSpPr txBox="1"/>
+          <p:nvPr>
+            <p:ph idx="1" type="body"/>
+          </p:nvPr>
+        </p:nvSpPr>
+        <p:spPr>
+          <a:xfrm>
+            <a:off x="311700" y="1152475"/>
+            <a:ext cx="8520600" cy="3416400"/>
           </a:xfrm>
           <a:prstGeom prst="rect">
             <a:avLst/>
           </a:prstGeom>
-          <a:noFill/>
-          <a:ln>
-            <a:noFill/>
-          </a:ln>
-        </p:spPr>
-      </p:pic>
+        </p:spPr>
+        <p:txBody>
+          <a:bodyPr anchorCtr="0" anchor="t" bIns="91425" lIns="91425" spcFirstLastPara="1" rIns="91425" wrap="square" tIns="91425">
+            <a:noAutofit/>
+          </a:bodyPr>
+          <a:lstStyle/>
+          <a:p>
+            <a:pPr indent="0" lvl="0" marL="0" rtl="0" algn="l">
+              <a:spcBef>
+                <a:spcPts val="0"/>
+              </a:spcBef>
+              <a:spcAft>
+                <a:spcPts val="1600"/>
+              </a:spcAft>
+              <a:buNone/>
+            </a:pPr>
+            <a:r>
+              <a:rPr lang="ru"/>
+              <a:t>Еще называют хеш таблицей(дословный перевод), </a:t>
+            </a:r>
+            <a:r>
+              <a:rPr lang="ru"/>
+              <a:t>ассоциативный</a:t>
+            </a:r>
+            <a:r>
+              <a:rPr lang="ru"/>
+              <a:t> массив, словарь… Структура, которая не сохраняет порядок элементов при вставки, НО обеспечивает при этом быстрый доступ, быстрое удаление и </a:t>
+            </a:r>
+            <a:r>
+              <a:rPr lang="ru"/>
+              <a:t>вставку</a:t>
+            </a:r>
+            <a:r>
+              <a:rPr lang="ru"/>
+              <a:t>. В </a:t>
+            </a:r>
+            <a:r>
+              <a:rPr lang="ru"/>
+              <a:t>худшем</a:t>
+            </a:r>
+            <a:r>
+              <a:rPr lang="ru"/>
+              <a:t> и среднем случае работы этих функций производится за константное время в худшем за линейное.</a:t>
+            </a:r>
+            <a:endParaRPr/>
+          </a:p>
+        </p:txBody>
+      </p:sp>
     </p:spTree>
   </p:cSld>
   <p:clrMapOvr>
@@ -9872,11 +9813,6 @@
               <a:spcAft>
                 <a:spcPts val="0"/>
               </a:spcAft>
-              <a:buClr>
-                <a:schemeClr val="dk1"/>
-              </a:buClr>
-              <a:buSzPts val="1100"/>
-              <a:buFont typeface="Arial"/>
               <a:buNone/>
             </a:pPr>
             <a:r>
@@ -9921,31 +9857,15 @@
             </a:pPr>
             <a:r>
               <a:rPr lang="ru"/>
-              <a:t>Еще называют хеш таблицей(дословный перевод), </a:t>
+              <a:t>Python, как и почти все языки программирования дает </a:t>
             </a:r>
             <a:r>
               <a:rPr lang="ru"/>
-              <a:t>ассоциативный</a:t>
+              <a:t>возможность</a:t>
             </a:r>
             <a:r>
               <a:rPr lang="ru"/>
-              <a:t> массив, словарь… Структура, которая не сохраняет порядок элементов при вставки, НО обеспечивает при этом быстрый доступ, быстрое удаление и </a:t>
-            </a:r>
-            <a:r>
-              <a:rPr lang="ru"/>
-              <a:t>вставку</a:t>
-            </a:r>
-            <a:r>
-              <a:rPr lang="ru"/>
-              <a:t>. В </a:t>
-            </a:r>
-            <a:r>
-              <a:rPr lang="ru"/>
-              <a:t>худшем</a:t>
-            </a:r>
-            <a:r>
-              <a:rPr lang="ru"/>
-              <a:t> и среднем случае работы этих функций производится за константное время в худшем за линейное.</a:t>
+              <a:t> программисту создавать такие структуры. Ключами при этом могут быть только те типы данных, которые поддерживают операцию хеширования - значениями могут быть любые типы данных.</a:t>
             </a:r>
             <a:endParaRPr/>
           </a:p>
@@ -10006,11 +9926,16 @@
               <a:spcAft>
                 <a:spcPts val="0"/>
               </a:spcAft>
+              <a:buClr>
+                <a:schemeClr val="dk1"/>
+              </a:buClr>
+              <a:buSzPts val="1100"/>
+              <a:buFont typeface="Arial"/>
               <a:buNone/>
             </a:pPr>
             <a:r>
               <a:rPr lang="ru"/>
-              <a:t>Hash table</a:t>
+              <a:t>Hash table (python)</a:t>
             </a:r>
             <a:endParaRPr/>
           </a:p>
@@ -10044,21 +9969,85 @@
                 <a:spcPts val="0"/>
               </a:spcBef>
               <a:spcAft>
+                <a:spcPts val="0"/>
+              </a:spcAft>
+              <a:buNone/>
+            </a:pPr>
+            <a:r>
+              <a:rPr lang="ru"/>
+              <a:t>Словарь можно определить несколькими способами</a:t>
+            </a:r>
+            <a:endParaRPr/>
+          </a:p>
+          <a:p>
+            <a:pPr indent="-342900" lvl="0" marL="457200" rtl="0" algn="l">
+              <a:spcBef>
                 <a:spcPts val="1600"/>
-              </a:spcAft>
-              <a:buNone/>
+              </a:spcBef>
+              <a:spcAft>
+                <a:spcPts val="0"/>
+              </a:spcAft>
+              <a:buSzPts val="1800"/>
+              <a:buChar char="●"/>
             </a:pPr>
             <a:r>
               <a:rPr lang="ru"/>
-              <a:t>Python, как и почти все языки программирования дает </a:t>
-            </a:r>
+              <a:t>Явно</a:t>
+            </a:r>
+            <a:endParaRPr/>
+          </a:p>
+          <a:p>
+            <a:pPr indent="-342900" lvl="0" marL="457200" rtl="0" algn="l">
+              <a:spcBef>
+                <a:spcPts val="0"/>
+              </a:spcBef>
+              <a:spcAft>
+                <a:spcPts val="0"/>
+              </a:spcAft>
+              <a:buSzPts val="1800"/>
+              <a:buChar char="●"/>
+            </a:pPr>
             <a:r>
               <a:rPr lang="ru"/>
-              <a:t>возможность</a:t>
+              <a:t>Dict </a:t>
             </a:r>
             <a:r>
               <a:rPr lang="ru"/>
-              <a:t> программисту создавать такие структуры. Ключами при этом могут быть только те типы данных, которые поддерживают операцию хеширования - значениями могут быть любые типы данных.</a:t>
+              <a:t>comprehension</a:t>
+            </a:r>
+            <a:endParaRPr/>
+          </a:p>
+          <a:p>
+            <a:pPr indent="-342900" lvl="0" marL="457200" rtl="0" algn="l">
+              <a:spcBef>
+                <a:spcPts val="0"/>
+              </a:spcBef>
+              <a:spcAft>
+                <a:spcPts val="0"/>
+              </a:spcAft>
+              <a:buSzPts val="1800"/>
+              <a:buChar char="●"/>
+            </a:pPr>
+            <a:r>
+              <a:rPr lang="ru"/>
+              <a:t>через цикл</a:t>
+            </a:r>
+            <a:endParaRPr/>
+          </a:p>
+          <a:p>
+            <a:pPr indent="-342900" lvl="0" marL="457200" rtl="0" algn="l">
+              <a:spcBef>
+                <a:spcPts val="0"/>
+              </a:spcBef>
+              <a:spcAft>
+                <a:spcPts val="0"/>
+              </a:spcAft>
+              <a:buSzPts val="1800"/>
+              <a:buChar char="●"/>
+            </a:pPr>
+            <a:r>
+              <a:rPr lang="ru"/>
+              <a:t>ключевое слово dict</a:t>
             </a:r>
             <a:endParaRPr/>
           </a:p>
@@ -10119,11 +10108,6 @@
               <a:spcAft>
                 <a:spcPts val="0"/>
               </a:spcAft>
-              <a:buClr>
-                <a:schemeClr val="dk1"/>
-              </a:buClr>
-              <a:buSzPts val="1100"/>
-              <a:buFont typeface="Arial"/>
               <a:buNone/>
             </a:pPr>
             <a:r>
@@ -10134,22 +10118,52 @@
           </a:p>
         </p:txBody>
       </p:sp>
-      <p:sp>
-        <p:nvSpPr>
+      <p:pic>
+        <p:nvPicPr>
           <p:cNvPr id="132" name="Google Shape;132;p26"/>
-          <p:cNvSpPr txBox="1"/>
-          <p:nvPr>
-            <p:ph idx="1" type="body"/>
-          </p:nvPr>
-        </p:nvSpPr>
-        <p:spPr>
-          <a:xfrm>
-            <a:off x="311700" y="1152475"/>
-            <a:ext cx="8520600" cy="3416400"/>
+          <p:cNvPicPr preferRelativeResize="0"/>
+          <p:nvPr/>
+        </p:nvPicPr>
+        <p:blipFill>
+          <a:blip r:embed="rId3">
+            <a:alphaModFix/>
+          </a:blip>
+          <a:stretch>
+            <a:fillRect/>
+          </a:stretch>
+        </p:blipFill>
+        <p:spPr>
+          <a:xfrm>
+            <a:off x="2015400" y="1171575"/>
+            <a:ext cx="4591050" cy="2800350"/>
           </a:xfrm>
           <a:prstGeom prst="rect">
             <a:avLst/>
           </a:prstGeom>
+          <a:noFill/>
+          <a:ln>
+            <a:noFill/>
+          </a:ln>
+        </p:spPr>
+      </p:pic>
+      <p:sp>
+        <p:nvSpPr>
+          <p:cNvPr id="133" name="Google Shape;133;p26"/>
+          <p:cNvSpPr txBox="1"/>
+          <p:nvPr/>
+        </p:nvSpPr>
+        <p:spPr>
+          <a:xfrm>
+            <a:off x="3604975" y="4625575"/>
+            <a:ext cx="5426700" cy="435900"/>
+          </a:xfrm>
+          <a:prstGeom prst="rect">
+            <a:avLst/>
+          </a:prstGeom>
+          <a:noFill/>
+          <a:ln>
+            <a:noFill/>
+          </a:ln>
         </p:spPr>
         <p:txBody>
           <a:bodyPr anchorCtr="0" anchor="t" bIns="91425" lIns="91425" spcFirstLastPara="1" rIns="91425" wrap="square" tIns="91425">
@@ -10167,80 +10181,13 @@
               <a:buNone/>
             </a:pPr>
             <a:r>
-              <a:rPr lang="ru"/>
-              <a:t>Словарь можно определить несколькими способами</a:t>
-            </a:r>
-            <a:endParaRPr/>
-          </a:p>
-          <a:p>
-            <a:pPr indent="-342900" lvl="0" marL="457200" rtl="0" algn="l">
-              <a:spcBef>
-                <a:spcPts val="1600"/>
-              </a:spcBef>
-              <a:spcAft>
-                <a:spcPts val="0"/>
-              </a:spcAft>
-              <a:buSzPts val="1800"/>
-              <a:buChar char="●"/>
-            </a:pPr>
-            <a:r>
-              <a:rPr lang="ru"/>
-              <a:t>Явно</a:t>
-            </a:r>
-            <a:endParaRPr/>
-          </a:p>
-          <a:p>
-            <a:pPr indent="-342900" lvl="0" marL="457200" rtl="0" algn="l">
-              <a:spcBef>
-                <a:spcPts val="0"/>
-              </a:spcBef>
-              <a:spcAft>
-                <a:spcPts val="0"/>
-              </a:spcAft>
-              <a:buSzPts val="1800"/>
-              <a:buChar char="●"/>
-            </a:pPr>
-            <a:r>
-              <a:rPr lang="ru"/>
-              <a:t>Dict </a:t>
-            </a:r>
-            <a:r>
-              <a:rPr lang="ru"/>
-              <a:t>comprehension</a:t>
-            </a:r>
-            <a:endParaRPr/>
-          </a:p>
-          <a:p>
-            <a:pPr indent="-342900" lvl="0" marL="457200" rtl="0" algn="l">
-              <a:spcBef>
-                <a:spcPts val="0"/>
-              </a:spcBef>
-              <a:spcAft>
-                <a:spcPts val="0"/>
-              </a:spcAft>
-              <a:buSzPts val="1800"/>
-              <a:buChar char="●"/>
-            </a:pPr>
-            <a:r>
-              <a:rPr lang="ru"/>
-              <a:t>через цикл</a:t>
-            </a:r>
-            <a:endParaRPr/>
-          </a:p>
-          <a:p>
-            <a:pPr indent="-342900" lvl="0" marL="457200" rtl="0" algn="l">
-              <a:spcBef>
-                <a:spcPts val="0"/>
-              </a:spcBef>
-              <a:spcAft>
-                <a:spcPts val="0"/>
-              </a:spcAft>
-              <a:buSzPts val="1800"/>
-              <a:buChar char="●"/>
-            </a:pPr>
-            <a:r>
-              <a:rPr lang="ru"/>
-              <a:t>ключевое слово dict</a:t>
+              <a:rPr lang="ru" u="sng">
+                <a:solidFill>
+                  <a:schemeClr val="hlink"/>
+                </a:solidFill>
+                <a:hlinkClick r:id="rId4"/>
+              </a:rPr>
+              <a:t>https://docs.python.org/3/tutorial/datastructures.html#dictionaries</a:t>
             </a:r>
             <a:endParaRPr/>
           </a:p>
@@ -10259,7 +10206,7 @@
   <p:cSld>
     <p:spTree>
       <p:nvGrpSpPr>
-        <p:cNvPr id="136" name="Shape 136"/>
+        <p:cNvPr id="137" name="Shape 137"/>
         <p:cNvGrpSpPr/>
         <p:nvPr/>
       </p:nvGrpSpPr>
@@ -10273,7 +10220,7 @@
       </p:grpSpPr>
       <p:sp>
         <p:nvSpPr>
-          <p:cNvPr id="137" name="Google Shape;137;p27"/>
+          <p:cNvPr id="138" name="Google Shape;138;p27"/>
           <p:cNvSpPr txBox="1"/>
           <p:nvPr>
             <p:ph type="title"/>
@@ -10301,11 +10248,43 @@
               <a:spcAft>
                 <a:spcPts val="0"/>
               </a:spcAft>
+              <a:buClr>
+                <a:schemeClr val="dk1"/>
+              </a:buClr>
+              <a:buSzPts val="1100"/>
+              <a:buFont typeface="Arial"/>
               <a:buNone/>
             </a:pPr>
             <a:r>
               <a:rPr lang="ru"/>
-              <a:t>Hash table (python)</a:t>
+              <a:t>Python </a:t>
+            </a:r>
+            <a:r>
+              <a:rPr b="1" lang="ru"/>
+              <a:t>dict </a:t>
+            </a:r>
+            <a:r>
+              <a:rPr lang="ru"/>
+              <a:t>obj</a:t>
+            </a:r>
+            <a:r>
+              <a:rPr lang="ru"/>
+              <a:t> definition 1</a:t>
+            </a:r>
+            <a:endParaRPr/>
+          </a:p>
+          <a:p>
+            <a:pPr indent="0" lvl="0" marL="0" rtl="0" algn="l">
+              <a:spcBef>
+                <a:spcPts val="0"/>
+              </a:spcBef>
+              <a:spcAft>
+                <a:spcPts val="0"/>
+              </a:spcAft>
+              <a:buNone/>
+            </a:pPr>
+            <a:r>
+              <a:t/>
             </a:r>
             <a:endParaRPr/>
           </a:p>
@@ -10313,7 +10292,7 @@
       </p:sp>
       <p:pic>
         <p:nvPicPr>
-          <p:cNvPr id="138" name="Google Shape;138;p27"/>
+          <p:cNvPr id="139" name="Google Shape;139;p27"/>
           <p:cNvPicPr preferRelativeResize="0"/>
           <p:nvPr/>
         </p:nvPicPr>
@@ -10327,8 +10306,8 @@
         </p:blipFill>
         <p:spPr>
           <a:xfrm>
-            <a:off x="2015400" y="1171575"/>
-            <a:ext cx="4591050" cy="2800350"/>
+            <a:off x="2639225" y="1204325"/>
+            <a:ext cx="3733800" cy="3019425"/>
           </a:xfrm>
           <a:prstGeom prst="rect">
             <a:avLst/>
@@ -10339,53 +10318,6 @@
           </a:ln>
         </p:spPr>
       </p:pic>
-      <p:sp>
-        <p:nvSpPr>
-          <p:cNvPr id="139" name="Google Shape;139;p27"/>
-          <p:cNvSpPr txBox="1"/>
-          <p:nvPr/>
-        </p:nvSpPr>
-        <p:spPr>
-          <a:xfrm>
-            <a:off x="3604975" y="4625575"/>
-            <a:ext cx="5426700" cy="435900"/>
-          </a:xfrm>
-          <a:prstGeom prst="rect">
-            <a:avLst/>
-          </a:prstGeom>
-          <a:noFill/>
-          <a:ln>
-            <a:noFill/>
-          </a:ln>
-        </p:spPr>
-        <p:txBody>
-          <a:bodyPr anchorCtr="0" anchor="t" bIns="91425" lIns="91425" spcFirstLastPara="1" rIns="91425" wrap="square" tIns="91425">
-            <a:noAutofit/>
-          </a:bodyPr>
-          <a:lstStyle/>
-          <a:p>
-            <a:pPr indent="0" lvl="0" marL="0" rtl="0" algn="l">
-              <a:spcBef>
-                <a:spcPts val="0"/>
-              </a:spcBef>
-              <a:spcAft>
-                <a:spcPts val="0"/>
-              </a:spcAft>
-              <a:buNone/>
-            </a:pPr>
-            <a:r>
-              <a:rPr lang="ru" u="sng">
-                <a:solidFill>
-                  <a:schemeClr val="hlink"/>
-                </a:solidFill>
-                <a:hlinkClick r:id="rId4"/>
-              </a:rPr>
-              <a:t>https://docs.python.org/3/tutorial/datastructures.html#dictionaries</a:t>
-            </a:r>
-            <a:endParaRPr/>
-          </a:p>
-        </p:txBody>
-      </p:sp>
     </p:spTree>
   </p:cSld>
   <p:clrMapOvr>
@@ -10441,11 +10373,6 @@
               <a:spcAft>
                 <a:spcPts val="0"/>
               </a:spcAft>
-              <a:buClr>
-                <a:schemeClr val="dk1"/>
-              </a:buClr>
-              <a:buSzPts val="1100"/>
-              <a:buFont typeface="Arial"/>
               <a:buNone/>
             </a:pPr>
             <a:r>
@@ -10458,11 +10385,11 @@
             </a:r>
             <a:r>
               <a:rPr lang="ru"/>
-              <a:t>obj</a:t>
+              <a:t>obj definition </a:t>
             </a:r>
             <a:r>
               <a:rPr lang="ru"/>
-              <a:t> definition 1</a:t>
+              <a:t>2</a:t>
             </a:r>
             <a:endParaRPr/>
           </a:p>
@@ -10499,8 +10426,8 @@
         </p:blipFill>
         <p:spPr>
           <a:xfrm>
-            <a:off x="2639225" y="1204325"/>
-            <a:ext cx="3733800" cy="3019425"/>
+            <a:off x="2032475" y="1281225"/>
+            <a:ext cx="5638800" cy="2114550"/>
           </a:xfrm>
           <a:prstGeom prst="rect">
             <a:avLst/>
@@ -10582,22 +10509,7 @@
             </a:r>
             <a:r>
               <a:rPr lang="ru"/>
-              <a:t>2</a:t>
-            </a:r>
-            <a:endParaRPr/>
-          </a:p>
-          <a:p>
-            <a:pPr indent="0" lvl="0" marL="0" rtl="0" algn="l">
-              <a:spcBef>
-                <a:spcPts val="0"/>
-              </a:spcBef>
-              <a:spcAft>
-                <a:spcPts val="0"/>
-              </a:spcAft>
-              <a:buNone/>
-            </a:pPr>
-            <a:r>
-              <a:t/>
+              <a:t>3</a:t>
             </a:r>
             <a:endParaRPr/>
           </a:p>
@@ -10619,8 +10531,8 @@
         </p:blipFill>
         <p:spPr>
           <a:xfrm>
-            <a:off x="2032475" y="1281225"/>
-            <a:ext cx="5638800" cy="2114550"/>
+            <a:off x="2425575" y="1802500"/>
+            <a:ext cx="4019550" cy="2628900"/>
           </a:xfrm>
           <a:prstGeom prst="rect">
             <a:avLst/>
@@ -10698,11 +10610,7 @@
             </a:r>
             <a:r>
               <a:rPr lang="ru"/>
-              <a:t>obj definition </a:t>
-            </a:r>
-            <a:r>
-              <a:rPr lang="ru"/>
-              <a:t>3</a:t>
+              <a:t>obj definition 3</a:t>
             </a:r>
             <a:endParaRPr/>
           </a:p>
@@ -10724,8 +10632,8 @@
         </p:blipFill>
         <p:spPr>
           <a:xfrm>
-            <a:off x="2425575" y="1802500"/>
-            <a:ext cx="4019550" cy="2628900"/>
+            <a:off x="1981200" y="1212850"/>
+            <a:ext cx="5695950" cy="3248025"/>
           </a:xfrm>
           <a:prstGeom prst="rect">
             <a:avLst/>
@@ -10803,7 +10711,52 @@
             </a:r>
             <a:r>
               <a:rPr lang="ru"/>
-              <a:t>obj definition 3</a:t>
+              <a:t>obj definition 4</a:t>
+            </a:r>
+            <a:endParaRPr/>
+          </a:p>
+        </p:txBody>
+      </p:sp>
+      <p:sp>
+        <p:nvSpPr>
+          <p:cNvPr id="163" name="Google Shape;163;p31"/>
+          <p:cNvSpPr txBox="1"/>
+          <p:nvPr>
+            <p:ph idx="1" type="body"/>
+          </p:nvPr>
+        </p:nvSpPr>
+        <p:spPr>
+          <a:xfrm>
+            <a:off x="311700" y="4505925"/>
+            <a:ext cx="8520600" cy="498600"/>
+          </a:xfrm>
+          <a:prstGeom prst="rect">
+            <a:avLst/>
+          </a:prstGeom>
+        </p:spPr>
+        <p:txBody>
+          <a:bodyPr anchorCtr="0" anchor="t" bIns="91425" lIns="91425" spcFirstLastPara="1" rIns="91425" wrap="square" tIns="91425">
+            <a:noAutofit/>
+          </a:bodyPr>
+          <a:lstStyle/>
+          <a:p>
+            <a:pPr indent="0" lvl="0" marL="0" rtl="0" algn="l">
+              <a:spcBef>
+                <a:spcPts val="0"/>
+              </a:spcBef>
+              <a:spcAft>
+                <a:spcPts val="1600"/>
+              </a:spcAft>
+              <a:buNone/>
+            </a:pPr>
+            <a:r>
+              <a:rPr lang="ru" u="sng">
+                <a:solidFill>
+                  <a:schemeClr val="hlink"/>
+                </a:solidFill>
+                <a:hlinkClick r:id="rId3"/>
+              </a:rPr>
+              <a:t>https://docs.python.org/3/library/stdtypes.html#typesmapping</a:t>
             </a:r>
             <a:endParaRPr/>
           </a:p>
@@ -10811,12 +10764,12 @@
       </p:sp>
       <p:pic>
         <p:nvPicPr>
-          <p:cNvPr id="163" name="Google Shape;163;p31"/>
+          <p:cNvPr id="164" name="Google Shape;164;p31"/>
           <p:cNvPicPr preferRelativeResize="0"/>
           <p:nvPr/>
         </p:nvPicPr>
         <p:blipFill>
-          <a:blip r:embed="rId3">
+          <a:blip r:embed="rId4">
             <a:alphaModFix/>
           </a:blip>
           <a:stretch>
@@ -10825,8 +10778,8 @@
         </p:blipFill>
         <p:spPr>
           <a:xfrm>
-            <a:off x="1981200" y="1212850"/>
-            <a:ext cx="5695950" cy="3248025"/>
+            <a:off x="989875" y="1469225"/>
+            <a:ext cx="6877050" cy="1476375"/>
           </a:xfrm>
           <a:prstGeom prst="rect">
             <a:avLst/>
@@ -10978,7 +10931,7 @@
   <p:cSld>
     <p:spTree>
       <p:nvGrpSpPr>
-        <p:cNvPr id="167" name="Shape 167"/>
+        <p:cNvPr id="168" name="Shape 168"/>
         <p:cNvGrpSpPr/>
         <p:nvPr/>
       </p:nvGrpSpPr>
@@ -10992,7 +10945,7 @@
       </p:grpSpPr>
       <p:sp>
         <p:nvSpPr>
-          <p:cNvPr id="168" name="Google Shape;168;p32"/>
+          <p:cNvPr id="169" name="Google Shape;169;p32"/>
           <p:cNvSpPr txBox="1"/>
           <p:nvPr>
             <p:ph type="title"/>
@@ -11000,7 +10953,7 @@
         </p:nvSpPr>
         <p:spPr>
           <a:xfrm>
-            <a:off x="311700" y="445025"/>
+            <a:off x="311700" y="279350"/>
             <a:ext cx="8520600" cy="572700"/>
           </a:xfrm>
           <a:prstGeom prst="rect">
@@ -11024,15 +10977,7 @@
             </a:pPr>
             <a:r>
               <a:rPr lang="ru"/>
-              <a:t>Python </a:t>
-            </a:r>
-            <a:r>
-              <a:rPr b="1" lang="ru"/>
-              <a:t>dict </a:t>
-            </a:r>
-            <a:r>
-              <a:rPr lang="ru"/>
-              <a:t>obj definition 4</a:t>
+              <a:t>Dict - операции</a:t>
             </a:r>
             <a:endParaRPr/>
           </a:p>
@@ -11040,7 +10985,7 @@
       </p:sp>
       <p:sp>
         <p:nvSpPr>
-          <p:cNvPr id="169" name="Google Shape;169;p32"/>
+          <p:cNvPr id="170" name="Google Shape;170;p32"/>
           <p:cNvSpPr txBox="1"/>
           <p:nvPr>
             <p:ph idx="1" type="body"/>
@@ -11048,8 +10993,8 @@
         </p:nvSpPr>
         <p:spPr>
           <a:xfrm>
-            <a:off x="311700" y="4505925"/>
-            <a:ext cx="8520600" cy="498600"/>
+            <a:off x="311700" y="821100"/>
+            <a:ext cx="8520600" cy="3416400"/>
           </a:xfrm>
           <a:prstGeom prst="rect">
             <a:avLst/>
@@ -11063,54 +11008,334 @@
           <a:p>
             <a:pPr indent="0" lvl="0" marL="0" rtl="0" algn="l">
               <a:spcBef>
-                <a:spcPts val="0"/>
-              </a:spcBef>
-              <a:spcAft>
-                <a:spcPts val="1600"/>
-              </a:spcAft>
-              <a:buNone/>
-            </a:pPr>
-            <a:r>
-              <a:rPr lang="ru" u="sng">
+                <a:spcPts val="600"/>
+              </a:spcBef>
+              <a:spcAft>
+                <a:spcPts val="0"/>
+              </a:spcAft>
+              <a:buClr>
+                <a:schemeClr val="dk1"/>
+              </a:buClr>
+              <a:buSzPts val="1100"/>
+              <a:buFont typeface="Arial"/>
+              <a:buNone/>
+            </a:pPr>
+            <a:r>
+              <a:rPr b="1" lang="ru">
                 <a:solidFill>
-                  <a:schemeClr val="hlink"/>
+                  <a:srgbClr val="454545"/>
                 </a:solidFill>
-                <a:hlinkClick r:id="rId3"/>
+                <a:highlight>
+                  <a:srgbClr val="FFFFFF"/>
+                </a:highlight>
               </a:rPr>
-              <a:t>https://docs.python.org/3/library/stdtypes.html#typesmapping</a:t>
-            </a:r>
-            <a:endParaRPr/>
+              <a:t>dict.clear</a:t>
+            </a:r>
+            <a:r>
+              <a:rPr lang="ru">
+                <a:solidFill>
+                  <a:srgbClr val="454545"/>
+                </a:solidFill>
+                <a:highlight>
+                  <a:srgbClr val="FFFFFF"/>
+                </a:highlight>
+              </a:rPr>
+              <a:t>() - очищает словарь.</a:t>
+            </a:r>
+            <a:endParaRPr>
+              <a:solidFill>
+                <a:srgbClr val="454545"/>
+              </a:solidFill>
+              <a:highlight>
+                <a:srgbClr val="FFFFFF"/>
+              </a:highlight>
+            </a:endParaRPr>
+          </a:p>
+          <a:p>
+            <a:pPr indent="0" lvl="0" marL="0" rtl="0" algn="l">
+              <a:spcBef>
+                <a:spcPts val="600"/>
+              </a:spcBef>
+              <a:spcAft>
+                <a:spcPts val="0"/>
+              </a:spcAft>
+              <a:buClr>
+                <a:schemeClr val="dk1"/>
+              </a:buClr>
+              <a:buSzPts val="1100"/>
+              <a:buFont typeface="Arial"/>
+              <a:buNone/>
+            </a:pPr>
+            <a:r>
+              <a:rPr b="1" lang="ru">
+                <a:solidFill>
+                  <a:srgbClr val="454545"/>
+                </a:solidFill>
+                <a:highlight>
+                  <a:srgbClr val="FFFFFF"/>
+                </a:highlight>
+              </a:rPr>
+              <a:t>dict.copy</a:t>
+            </a:r>
+            <a:r>
+              <a:rPr lang="ru">
+                <a:solidFill>
+                  <a:srgbClr val="454545"/>
+                </a:solidFill>
+                <a:highlight>
+                  <a:srgbClr val="FFFFFF"/>
+                </a:highlight>
+              </a:rPr>
+              <a:t>() - возвращает копию словаря.</a:t>
+            </a:r>
+            <a:endParaRPr>
+              <a:solidFill>
+                <a:srgbClr val="454545"/>
+              </a:solidFill>
+              <a:highlight>
+                <a:srgbClr val="FFFFFF"/>
+              </a:highlight>
+            </a:endParaRPr>
+          </a:p>
+          <a:p>
+            <a:pPr indent="0" lvl="0" marL="0" rtl="0" algn="l">
+              <a:spcBef>
+                <a:spcPts val="600"/>
+              </a:spcBef>
+              <a:spcAft>
+                <a:spcPts val="0"/>
+              </a:spcAft>
+              <a:buClr>
+                <a:schemeClr val="dk1"/>
+              </a:buClr>
+              <a:buSzPts val="1100"/>
+              <a:buFont typeface="Arial"/>
+              <a:buNone/>
+            </a:pPr>
+            <a:r>
+              <a:rPr b="1" lang="ru">
+                <a:solidFill>
+                  <a:srgbClr val="454545"/>
+                </a:solidFill>
+                <a:highlight>
+                  <a:srgbClr val="FFFFFF"/>
+                </a:highlight>
+              </a:rPr>
+              <a:t>dict.get</a:t>
+            </a:r>
+            <a:r>
+              <a:rPr lang="ru">
+                <a:solidFill>
+                  <a:srgbClr val="454545"/>
+                </a:solidFill>
+                <a:highlight>
+                  <a:srgbClr val="FFFFFF"/>
+                </a:highlight>
+              </a:rPr>
+              <a:t>(key[, default]) - возвращает значение ключа, но если его нет, не бросает исключение, а возвращает default (по умолчанию None).</a:t>
+            </a:r>
+            <a:endParaRPr>
+              <a:solidFill>
+                <a:srgbClr val="454545"/>
+              </a:solidFill>
+              <a:highlight>
+                <a:srgbClr val="FFFFFF"/>
+              </a:highlight>
+            </a:endParaRPr>
+          </a:p>
+          <a:p>
+            <a:pPr indent="0" lvl="0" marL="0" rtl="0" algn="l">
+              <a:spcBef>
+                <a:spcPts val="600"/>
+              </a:spcBef>
+              <a:spcAft>
+                <a:spcPts val="0"/>
+              </a:spcAft>
+              <a:buClr>
+                <a:schemeClr val="dk1"/>
+              </a:buClr>
+              <a:buSzPts val="1100"/>
+              <a:buFont typeface="Arial"/>
+              <a:buNone/>
+            </a:pPr>
+            <a:r>
+              <a:rPr b="1" lang="ru">
+                <a:solidFill>
+                  <a:srgbClr val="454545"/>
+                </a:solidFill>
+                <a:highlight>
+                  <a:srgbClr val="FFFFFF"/>
+                </a:highlight>
+              </a:rPr>
+              <a:t>dict.items</a:t>
+            </a:r>
+            <a:r>
+              <a:rPr lang="ru">
+                <a:solidFill>
+                  <a:srgbClr val="454545"/>
+                </a:solidFill>
+                <a:highlight>
+                  <a:srgbClr val="FFFFFF"/>
+                </a:highlight>
+              </a:rPr>
+              <a:t>() - возвращает пары (ключ, значение).</a:t>
+            </a:r>
+            <a:endParaRPr>
+              <a:solidFill>
+                <a:srgbClr val="454545"/>
+              </a:solidFill>
+              <a:highlight>
+                <a:srgbClr val="FFFFFF"/>
+              </a:highlight>
+            </a:endParaRPr>
+          </a:p>
+          <a:p>
+            <a:pPr indent="0" lvl="0" marL="0" rtl="0" algn="l">
+              <a:spcBef>
+                <a:spcPts val="600"/>
+              </a:spcBef>
+              <a:spcAft>
+                <a:spcPts val="0"/>
+              </a:spcAft>
+              <a:buNone/>
+            </a:pPr>
+            <a:r>
+              <a:rPr b="1" lang="ru">
+                <a:solidFill>
+                  <a:srgbClr val="454545"/>
+                </a:solidFill>
+                <a:highlight>
+                  <a:srgbClr val="FFFFFF"/>
+                </a:highlight>
+              </a:rPr>
+              <a:t>dict.keys</a:t>
+            </a:r>
+            <a:r>
+              <a:rPr lang="ru">
+                <a:solidFill>
+                  <a:srgbClr val="454545"/>
+                </a:solidFill>
+                <a:highlight>
+                  <a:srgbClr val="FFFFFF"/>
+                </a:highlight>
+              </a:rPr>
+              <a:t>() - возвращает ключи в словаре.</a:t>
+            </a:r>
+            <a:endParaRPr>
+              <a:solidFill>
+                <a:srgbClr val="454545"/>
+              </a:solidFill>
+              <a:highlight>
+                <a:srgbClr val="FFFFFF"/>
+              </a:highlight>
+            </a:endParaRPr>
+          </a:p>
+          <a:p>
+            <a:pPr indent="0" lvl="0" marL="0" rtl="0" algn="l">
+              <a:spcBef>
+                <a:spcPts val="600"/>
+              </a:spcBef>
+              <a:spcAft>
+                <a:spcPts val="0"/>
+              </a:spcAft>
+              <a:buNone/>
+            </a:pPr>
+            <a:r>
+              <a:rPr b="1" lang="ru">
+                <a:solidFill>
+                  <a:srgbClr val="454545"/>
+                </a:solidFill>
+                <a:highlight>
+                  <a:srgbClr val="FFFFFF"/>
+                </a:highlight>
+              </a:rPr>
+              <a:t>dict.pop</a:t>
+            </a:r>
+            <a:r>
+              <a:rPr lang="ru">
+                <a:solidFill>
+                  <a:srgbClr val="454545"/>
+                </a:solidFill>
+                <a:highlight>
+                  <a:srgbClr val="FFFFFF"/>
+                </a:highlight>
+              </a:rPr>
+              <a:t>(key[, default]) - удаляет ключ и возвращает значение. Если ключа нет, возвращает default (по умолчанию бросает исключение).</a:t>
+            </a:r>
+            <a:endParaRPr>
+              <a:solidFill>
+                <a:srgbClr val="454545"/>
+              </a:solidFill>
+              <a:highlight>
+                <a:srgbClr val="FFFFFF"/>
+              </a:highlight>
+            </a:endParaRPr>
+          </a:p>
+          <a:p>
+            <a:pPr indent="0" lvl="0" marL="0" rtl="0" algn="l">
+              <a:spcBef>
+                <a:spcPts val="600"/>
+              </a:spcBef>
+              <a:spcAft>
+                <a:spcPts val="0"/>
+              </a:spcAft>
+              <a:buNone/>
+            </a:pPr>
+            <a:r>
+              <a:rPr b="1" lang="ru">
+                <a:solidFill>
+                  <a:srgbClr val="454545"/>
+                </a:solidFill>
+                <a:highlight>
+                  <a:srgbClr val="FFFFFF"/>
+                </a:highlight>
+              </a:rPr>
+              <a:t>dict.popitem</a:t>
+            </a:r>
+            <a:r>
+              <a:rPr lang="ru">
+                <a:solidFill>
+                  <a:srgbClr val="454545"/>
+                </a:solidFill>
+                <a:highlight>
+                  <a:srgbClr val="FFFFFF"/>
+                </a:highlight>
+              </a:rPr>
+              <a:t>() - удаляет и возвращает пару (ключ, значение). Если словарь пуст, бросает исключение KeyError. Помните, что словари неупорядочены.</a:t>
+            </a:r>
+            <a:endParaRPr>
+              <a:solidFill>
+                <a:srgbClr val="454545"/>
+              </a:solidFill>
+              <a:highlight>
+                <a:srgbClr val="FFFFFF"/>
+              </a:highlight>
+            </a:endParaRPr>
+          </a:p>
+          <a:p>
+            <a:pPr indent="0" lvl="0" marL="0" rtl="0" algn="l">
+              <a:spcBef>
+                <a:spcPts val="600"/>
+              </a:spcBef>
+              <a:spcAft>
+                <a:spcPts val="600"/>
+              </a:spcAft>
+              <a:buNone/>
+            </a:pPr>
+            <a:r>
+              <a:t/>
+            </a:r>
+            <a:endParaRPr>
+              <a:solidFill>
+                <a:srgbClr val="454545"/>
+              </a:solidFill>
+              <a:highlight>
+                <a:srgbClr val="FFFFFF"/>
+              </a:highlight>
+            </a:endParaRPr>
           </a:p>
         </p:txBody>
       </p:sp>
-      <p:pic>
-        <p:nvPicPr>
-          <p:cNvPr id="170" name="Google Shape;170;p32"/>
-          <p:cNvPicPr preferRelativeResize="0"/>
-          <p:nvPr/>
-        </p:nvPicPr>
-        <p:blipFill>
-          <a:blip r:embed="rId4">
-            <a:alphaModFix/>
-          </a:blip>
-          <a:stretch>
-            <a:fillRect/>
-          </a:stretch>
-        </p:blipFill>
-        <p:spPr>
-          <a:xfrm>
-            <a:off x="989875" y="1469225"/>
-            <a:ext cx="6877050" cy="1476375"/>
-          </a:xfrm>
-          <a:prstGeom prst="rect">
-            <a:avLst/>
-          </a:prstGeom>
-          <a:noFill/>
-          <a:ln>
-            <a:noFill/>
-          </a:ln>
-        </p:spPr>
-      </p:pic>
     </p:spTree>
   </p:cSld>
   <p:clrMapOvr>
@@ -11146,7 +11371,7 @@
         </p:nvSpPr>
         <p:spPr>
           <a:xfrm>
-            <a:off x="311700" y="279350"/>
+            <a:off x="311700" y="134350"/>
             <a:ext cx="8520600" cy="572700"/>
           </a:xfrm>
           <a:prstGeom prst="rect">
@@ -11186,7 +11411,7 @@
         </p:nvSpPr>
         <p:spPr>
           <a:xfrm>
-            <a:off x="311700" y="821100"/>
+            <a:off x="311700" y="765850"/>
             <a:ext cx="8520600" cy="3416400"/>
           </a:xfrm>
           <a:prstGeom prst="rect">
@@ -11222,7 +11447,7 @@
                   <a:srgbClr val="FFFFFF"/>
                 </a:highlight>
               </a:rPr>
-              <a:t>dict.clear</a:t>
+              <a:t>dict.setdefault</a:t>
             </a:r>
             <a:r>
               <a:rPr lang="ru">
@@ -11233,7 +11458,7 @@
                   <a:srgbClr val="FFFFFF"/>
                 </a:highlight>
               </a:rPr>
-              <a:t>() - очищает словарь.</a:t>
+              <a:t>(key[, default]) - возвращает значение ключа, но если его нет, не бросает исключение, а создает ключ со значением default (по умолчанию None).</a:t>
             </a:r>
             <a:endParaRPr>
               <a:solidFill>
@@ -11268,7 +11493,7 @@
                   <a:srgbClr val="FFFFFF"/>
                 </a:highlight>
               </a:rPr>
-              <a:t>dict.copy</a:t>
+              <a:t>dict.update</a:t>
             </a:r>
             <a:r>
               <a:rPr lang="ru">
@@ -11279,7 +11504,7 @@
                   <a:srgbClr val="FFFFFF"/>
                 </a:highlight>
               </a:rPr>
-              <a:t>() - возвращает копию словаря.</a:t>
+              <a:t>([other]) - обновляет словарь, добавляя пары (ключ, значение) из other. Существующие ключи перезаписываются. Возвращает None (не новый словарь!).</a:t>
             </a:r>
             <a:endParaRPr>
               <a:solidFill>
@@ -11314,7 +11539,7 @@
                   <a:srgbClr val="FFFFFF"/>
                 </a:highlight>
               </a:rPr>
-              <a:t>dict.get</a:t>
+              <a:t>dict.values</a:t>
             </a:r>
             <a:r>
               <a:rPr lang="ru">
@@ -11325,7 +11550,7 @@
                   <a:srgbClr val="FFFFFF"/>
                 </a:highlight>
               </a:rPr>
-              <a:t>(key[, default]) - возвращает значение ключа, но если его нет, не бросает исключение, а возвращает default (по умолчанию None).</a:t>
+              <a:t>() - возвращает значения в словаре.</a:t>
             </a:r>
             <a:endParaRPr>
               <a:solidFill>
@@ -11339,193 +11564,17 @@
           <a:p>
             <a:pPr indent="0" lvl="0" marL="0" rtl="0" algn="l">
               <a:spcBef>
-                <a:spcPts val="600"/>
-              </a:spcBef>
-              <a:spcAft>
-                <a:spcPts val="0"/>
-              </a:spcAft>
-              <a:buClr>
-                <a:schemeClr val="dk1"/>
-              </a:buClr>
-              <a:buSzPts val="1100"/>
-              <a:buFont typeface="Arial"/>
-              <a:buNone/>
-            </a:pPr>
-            <a:r>
-              <a:rPr b="1" lang="ru">
-                <a:solidFill>
-                  <a:srgbClr val="454545"/>
-                </a:solidFill>
-                <a:highlight>
-                  <a:srgbClr val="FFFFFF"/>
-                </a:highlight>
-              </a:rPr>
-              <a:t>dict.items</a:t>
-            </a:r>
-            <a:r>
-              <a:rPr lang="ru">
-                <a:solidFill>
-                  <a:srgbClr val="454545"/>
-                </a:solidFill>
-                <a:highlight>
-                  <a:srgbClr val="FFFFFF"/>
-                </a:highlight>
-              </a:rPr>
-              <a:t>() - возвращает пары (ключ, значение).</a:t>
-            </a:r>
-            <a:endParaRPr>
-              <a:solidFill>
-                <a:srgbClr val="454545"/>
-              </a:solidFill>
-              <a:highlight>
-                <a:srgbClr val="FFFFFF"/>
-              </a:highlight>
-            </a:endParaRPr>
-          </a:p>
-          <a:p>
-            <a:pPr indent="0" lvl="0" marL="0" rtl="0" algn="l">
-              <a:spcBef>
-                <a:spcPts val="600"/>
-              </a:spcBef>
-              <a:spcAft>
-                <a:spcPts val="0"/>
-              </a:spcAft>
-              <a:buNone/>
-            </a:pPr>
-            <a:r>
-              <a:rPr b="1" lang="ru">
-                <a:solidFill>
-                  <a:srgbClr val="454545"/>
-                </a:solidFill>
-                <a:highlight>
-                  <a:srgbClr val="FFFFFF"/>
-                </a:highlight>
-              </a:rPr>
-              <a:t>dict.keys</a:t>
-            </a:r>
-            <a:r>
-              <a:rPr lang="ru">
-                <a:solidFill>
-                  <a:srgbClr val="454545"/>
-                </a:solidFill>
-                <a:highlight>
-                  <a:srgbClr val="FFFFFF"/>
-                </a:highlight>
-              </a:rPr>
-              <a:t>() - возвращает ключи в словаре.</a:t>
-            </a:r>
-            <a:endParaRPr>
-              <a:solidFill>
-                <a:srgbClr val="454545"/>
-              </a:solidFill>
-              <a:highlight>
-                <a:srgbClr val="FFFFFF"/>
-              </a:highlight>
-            </a:endParaRPr>
-          </a:p>
-          <a:p>
-            <a:pPr indent="0" lvl="0" marL="0" rtl="0" algn="l">
-              <a:spcBef>
-                <a:spcPts val="600"/>
-              </a:spcBef>
-              <a:spcAft>
-                <a:spcPts val="0"/>
-              </a:spcAft>
-              <a:buNone/>
-            </a:pPr>
-            <a:r>
-              <a:rPr b="1" lang="ru">
-                <a:solidFill>
-                  <a:srgbClr val="454545"/>
-                </a:solidFill>
-                <a:highlight>
-                  <a:srgbClr val="FFFFFF"/>
-                </a:highlight>
-              </a:rPr>
-              <a:t>dict.pop</a:t>
-            </a:r>
-            <a:r>
-              <a:rPr lang="ru">
-                <a:solidFill>
-                  <a:srgbClr val="454545"/>
-                </a:solidFill>
-                <a:highlight>
-                  <a:srgbClr val="FFFFFF"/>
-                </a:highlight>
-              </a:rPr>
-              <a:t>(key[, default]) - удаляет ключ и возвращает значение. Если ключа нет, возвращает default (по умолчанию бросает исключение).</a:t>
-            </a:r>
-            <a:endParaRPr>
-              <a:solidFill>
-                <a:srgbClr val="454545"/>
-              </a:solidFill>
-              <a:highlight>
-                <a:srgbClr val="FFFFFF"/>
-              </a:highlight>
-            </a:endParaRPr>
-          </a:p>
-          <a:p>
-            <a:pPr indent="0" lvl="0" marL="0" rtl="0" algn="l">
-              <a:spcBef>
-                <a:spcPts val="600"/>
-              </a:spcBef>
-              <a:spcAft>
-                <a:spcPts val="0"/>
-              </a:spcAft>
-              <a:buNone/>
-            </a:pPr>
-            <a:r>
-              <a:rPr b="1" lang="ru">
-                <a:solidFill>
-                  <a:srgbClr val="454545"/>
-                </a:solidFill>
-                <a:highlight>
-                  <a:srgbClr val="FFFFFF"/>
-                </a:highlight>
-              </a:rPr>
-              <a:t>dict.popitem</a:t>
-            </a:r>
-            <a:r>
-              <a:rPr lang="ru">
-                <a:solidFill>
-                  <a:srgbClr val="454545"/>
-                </a:solidFill>
-                <a:highlight>
-                  <a:srgbClr val="FFFFFF"/>
-                </a:highlight>
-              </a:rPr>
-              <a:t>() - удаляет и возвращает пару (ключ, значение). Если словарь пуст, бросает исключение KeyError. Помните, что словари неупорядочены.</a:t>
-            </a:r>
-            <a:endParaRPr>
-              <a:solidFill>
-                <a:srgbClr val="454545"/>
-              </a:solidFill>
-              <a:highlight>
-                <a:srgbClr val="FFFFFF"/>
-              </a:highlight>
-            </a:endParaRPr>
-          </a:p>
-          <a:p>
-            <a:pPr indent="0" lvl="0" marL="0" rtl="0" algn="l">
-              <a:spcBef>
-                <a:spcPts val="600"/>
-              </a:spcBef>
-              <a:spcAft>
-                <a:spcPts val="600"/>
+                <a:spcPts val="0"/>
+              </a:spcBef>
+              <a:spcAft>
+                <a:spcPts val="1600"/>
               </a:spcAft>
               <a:buNone/>
             </a:pPr>
             <a:r>
               <a:t/>
             </a:r>
-            <a:endParaRPr>
-              <a:solidFill>
-                <a:srgbClr val="454545"/>
-              </a:solidFill>
-              <a:highlight>
-                <a:srgbClr val="FFFFFF"/>
-              </a:highlight>
-            </a:endParaRPr>
+            <a:endParaRPr/>
           </a:p>
         </p:txBody>
       </p:sp>
@@ -11564,7 +11613,7 @@
         </p:nvSpPr>
         <p:spPr>
           <a:xfrm>
-            <a:off x="311700" y="134350"/>
+            <a:off x="311700" y="445025"/>
             <a:ext cx="8520600" cy="572700"/>
           </a:xfrm>
           <a:prstGeom prst="rect">
@@ -11588,189 +11637,40 @@
             </a:pPr>
             <a:r>
               <a:rPr lang="ru"/>
-              <a:t>Dict - операции</a:t>
+              <a:t>Dict (проход)</a:t>
             </a:r>
             <a:endParaRPr/>
           </a:p>
         </p:txBody>
       </p:sp>
-      <p:sp>
-        <p:nvSpPr>
+      <p:pic>
+        <p:nvPicPr>
           <p:cNvPr id="182" name="Google Shape;182;p34"/>
-          <p:cNvSpPr txBox="1"/>
-          <p:nvPr>
-            <p:ph idx="1" type="body"/>
-          </p:nvPr>
-        </p:nvSpPr>
-        <p:spPr>
-          <a:xfrm>
-            <a:off x="311700" y="765850"/>
-            <a:ext cx="8520600" cy="3416400"/>
+          <p:cNvPicPr preferRelativeResize="0"/>
+          <p:nvPr/>
+        </p:nvPicPr>
+        <p:blipFill>
+          <a:blip r:embed="rId3">
+            <a:alphaModFix/>
+          </a:blip>
+          <a:stretch>
+            <a:fillRect/>
+          </a:stretch>
+        </p:blipFill>
+        <p:spPr>
+          <a:xfrm>
+            <a:off x="2966313" y="925375"/>
+            <a:ext cx="2879975" cy="4128150"/>
           </a:xfrm>
           <a:prstGeom prst="rect">
             <a:avLst/>
           </a:prstGeom>
-        </p:spPr>
-        <p:txBody>
-          <a:bodyPr anchorCtr="0" anchor="t" bIns="91425" lIns="91425" spcFirstLastPara="1" rIns="91425" wrap="square" tIns="91425">
-            <a:noAutofit/>
-          </a:bodyPr>
-          <a:lstStyle/>
-          <a:p>
-            <a:pPr indent="0" lvl="0" marL="0" rtl="0" algn="l">
-              <a:spcBef>
-                <a:spcPts val="600"/>
-              </a:spcBef>
-              <a:spcAft>
-                <a:spcPts val="0"/>
-              </a:spcAft>
-              <a:buClr>
-                <a:schemeClr val="dk1"/>
-              </a:buClr>
-              <a:buSzPts val="1100"/>
-              <a:buFont typeface="Arial"/>
-              <a:buNone/>
-            </a:pPr>
-            <a:r>
-              <a:rPr b="1" lang="ru">
-                <a:solidFill>
-                  <a:srgbClr val="454545"/>
-                </a:solidFill>
-                <a:highlight>
-                  <a:srgbClr val="FFFFFF"/>
-                </a:highlight>
-              </a:rPr>
-              <a:t>dict.setdefault</a:t>
-            </a:r>
-            <a:r>
-              <a:rPr lang="ru">
-                <a:solidFill>
-                  <a:srgbClr val="454545"/>
-                </a:solidFill>
-                <a:highlight>
-                  <a:srgbClr val="FFFFFF"/>
-                </a:highlight>
-              </a:rPr>
-              <a:t>(key[, default]) - возвращает значение ключа, но если его нет, не бросает исключение, а создает ключ со значением default (по умолчанию None).</a:t>
-            </a:r>
-            <a:endParaRPr>
-              <a:solidFill>
-                <a:srgbClr val="454545"/>
-              </a:solidFill>
-              <a:highlight>
-                <a:srgbClr val="FFFFFF"/>
-              </a:highlight>
-            </a:endParaRPr>
-          </a:p>
-          <a:p>
-            <a:pPr indent="0" lvl="0" marL="0" rtl="0" algn="l">
-              <a:spcBef>
-                <a:spcPts val="600"/>
-              </a:spcBef>
-              <a:spcAft>
-                <a:spcPts val="0"/>
-              </a:spcAft>
-              <a:buClr>
-                <a:schemeClr val="dk1"/>
-              </a:buClr>
-              <a:buSzPts val="1100"/>
-              <a:buFont typeface="Arial"/>
-              <a:buNone/>
-            </a:pPr>
-            <a:r>
-              <a:rPr b="1" lang="ru">
-                <a:solidFill>
-                  <a:srgbClr val="454545"/>
-                </a:solidFill>
-                <a:highlight>
-                  <a:srgbClr val="FFFFFF"/>
-                </a:highlight>
-              </a:rPr>
-              <a:t>dict.update</a:t>
-            </a:r>
-            <a:r>
-              <a:rPr lang="ru">
-                <a:solidFill>
-                  <a:srgbClr val="454545"/>
-                </a:solidFill>
-                <a:highlight>
-                  <a:srgbClr val="FFFFFF"/>
-                </a:highlight>
-              </a:rPr>
-              <a:t>([other]) - обновляет словарь, добавляя пары (ключ, значение) из other. Существующие ключи перезаписываются. Возвращает None (не новый словарь!).</a:t>
-            </a:r>
-            <a:endParaRPr>
-              <a:solidFill>
-                <a:srgbClr val="454545"/>
-              </a:solidFill>
-              <a:highlight>
-                <a:srgbClr val="FFFFFF"/>
-              </a:highlight>
-            </a:endParaRPr>
-          </a:p>
-          <a:p>
-            <a:pPr indent="0" lvl="0" marL="0" rtl="0" algn="l">
-              <a:spcBef>
-                <a:spcPts val="600"/>
-              </a:spcBef>
-              <a:spcAft>
-                <a:spcPts val="0"/>
-              </a:spcAft>
-              <a:buClr>
-                <a:schemeClr val="dk1"/>
-              </a:buClr>
-              <a:buSzPts val="1100"/>
-              <a:buFont typeface="Arial"/>
-              <a:buNone/>
-            </a:pPr>
-            <a:r>
-              <a:rPr b="1" lang="ru">
-                <a:solidFill>
-                  <a:srgbClr val="454545"/>
-                </a:solidFill>
-                <a:highlight>
-                  <a:srgbClr val="FFFFFF"/>
-                </a:highlight>
-              </a:rPr>
-              <a:t>dict.values</a:t>
-            </a:r>
-            <a:r>
-              <a:rPr lang="ru">
-                <a:solidFill>
-                  <a:srgbClr val="454545"/>
-                </a:solidFill>
-                <a:highlight>
-                  <a:srgbClr val="FFFFFF"/>
-                </a:highlight>
-              </a:rPr>
-              <a:t>() - возвращает значения в словаре.</a:t>
-            </a:r>
-            <a:endParaRPr>
-              <a:solidFill>
-                <a:srgbClr val="454545"/>
-              </a:solidFill>
-              <a:highlight>
-                <a:srgbClr val="FFFFFF"/>
-              </a:highlight>
-            </a:endParaRPr>
-          </a:p>
-          <a:p>
-            <a:pPr indent="0" lvl="0" marL="0" rtl="0" algn="l">
-              <a:spcBef>
-                <a:spcPts val="0"/>
-              </a:spcBef>
-              <a:spcAft>
-                <a:spcPts val="1600"/>
-              </a:spcAft>
-              <a:buNone/>
-            </a:pPr>
-            <a:r>
-              <a:t/>
-            </a:r>
-            <a:endParaRPr/>
-          </a:p>
-        </p:txBody>
-      </p:sp>
+          <a:noFill/>
+          <a:ln>
+            <a:noFill/>
+          </a:ln>
+        </p:spPr>
+      </p:pic>
     </p:spTree>
   </p:cSld>
   <p:clrMapOvr>
@@ -11830,40 +11730,127 @@
             </a:pPr>
             <a:r>
               <a:rPr lang="ru"/>
-              <a:t>Dict (проход)</a:t>
+              <a:t>Dict - ключи</a:t>
             </a:r>
             <a:endParaRPr/>
           </a:p>
         </p:txBody>
       </p:sp>
-      <p:pic>
-        <p:nvPicPr>
+      <p:sp>
+        <p:nvSpPr>
           <p:cNvPr id="188" name="Google Shape;188;p35"/>
-          <p:cNvPicPr preferRelativeResize="0"/>
-          <p:nvPr/>
-        </p:nvPicPr>
-        <p:blipFill>
-          <a:blip r:embed="rId3">
-            <a:alphaModFix/>
-          </a:blip>
-          <a:stretch>
-            <a:fillRect/>
-          </a:stretch>
-        </p:blipFill>
-        <p:spPr>
-          <a:xfrm>
-            <a:off x="2966313" y="925375"/>
-            <a:ext cx="2879975" cy="4128150"/>
+          <p:cNvSpPr txBox="1"/>
+          <p:nvPr>
+            <p:ph idx="1" type="body"/>
+          </p:nvPr>
+        </p:nvSpPr>
+        <p:spPr>
+          <a:xfrm>
+            <a:off x="311700" y="1152475"/>
+            <a:ext cx="8520600" cy="3416400"/>
           </a:xfrm>
           <a:prstGeom prst="rect">
             <a:avLst/>
           </a:prstGeom>
-          <a:noFill/>
-          <a:ln>
-            <a:noFill/>
-          </a:ln>
-        </p:spPr>
-      </p:pic>
+        </p:spPr>
+        <p:txBody>
+          <a:bodyPr anchorCtr="0" anchor="t" bIns="91425" lIns="91425" spcFirstLastPara="1" rIns="91425" wrap="square" tIns="91425">
+            <a:noAutofit/>
+          </a:bodyPr>
+          <a:lstStyle/>
+          <a:p>
+            <a:pPr indent="-381000" lvl="0" marL="457200" rtl="0" algn="l">
+              <a:spcBef>
+                <a:spcPts val="0"/>
+              </a:spcBef>
+              <a:spcAft>
+                <a:spcPts val="0"/>
+              </a:spcAft>
+              <a:buSzPts val="2400"/>
+              <a:buChar char="-"/>
+            </a:pPr>
+            <a:r>
+              <a:rPr lang="ru" sz="2400" u="sng">
+                <a:solidFill>
+                  <a:schemeClr val="hlink"/>
+                </a:solidFill>
+                <a:hlinkClick r:id="rId3"/>
+              </a:rPr>
+              <a:t>immutable</a:t>
+            </a:r>
+            <a:r>
+              <a:rPr lang="ru" sz="2400"/>
+              <a:t> objects</a:t>
+            </a:r>
+            <a:endParaRPr sz="2400"/>
+          </a:p>
+          <a:p>
+            <a:pPr indent="-381000" lvl="0" marL="457200" rtl="0" algn="l">
+              <a:spcBef>
+                <a:spcPts val="0"/>
+              </a:spcBef>
+              <a:spcAft>
+                <a:spcPts val="0"/>
+              </a:spcAft>
+              <a:buSzPts val="2400"/>
+              <a:buChar char="-"/>
+            </a:pPr>
+            <a:r>
+              <a:rPr lang="ru" sz="2400" u="sng">
+                <a:solidFill>
+                  <a:schemeClr val="hlink"/>
+                </a:solidFill>
+                <a:hlinkClick r:id="rId4"/>
+              </a:rPr>
+              <a:t>hashable</a:t>
+            </a:r>
+            <a:endParaRPr sz="2400"/>
+          </a:p>
+          <a:p>
+            <a:pPr indent="-361950" lvl="0" marL="457200" rtl="0" algn="l">
+              <a:spcBef>
+                <a:spcPts val="0"/>
+              </a:spcBef>
+              <a:spcAft>
+                <a:spcPts val="0"/>
+              </a:spcAft>
+              <a:buSzPts val="2100"/>
+              <a:buChar char="-"/>
+            </a:pPr>
+            <a:r>
+              <a:rPr lang="ru" sz="2100">
+                <a:highlight>
+                  <a:srgbClr val="FFFFFF"/>
+                </a:highlight>
+              </a:rPr>
+              <a:t>comparable</a:t>
+            </a:r>
+            <a:r>
+              <a:rPr lang="ru" sz="2100">
+                <a:solidFill>
+                  <a:srgbClr val="222222"/>
+                </a:solidFill>
+                <a:highlight>
+                  <a:srgbClr val="FFFFFF"/>
+                </a:highlight>
+              </a:rPr>
+              <a:t> ⇒ obj1 == obj2</a:t>
+            </a:r>
+            <a:r>
+              <a:rPr lang="ru" sz="1500">
+                <a:solidFill>
+                  <a:srgbClr val="222222"/>
+                </a:solidFill>
+                <a:highlight>
+                  <a:srgbClr val="FFFFFF"/>
+                </a:highlight>
+              </a:rPr>
+              <a:t> </a:t>
+            </a:r>
+            <a:endParaRPr sz="2100"/>
+          </a:p>
+        </p:txBody>
+      </p:sp>
     </p:spTree>
   </p:cSld>
   <p:clrMapOvr>
@@ -11929,121 +11916,34 @@
           </a:p>
         </p:txBody>
       </p:sp>
-      <p:sp>
-        <p:nvSpPr>
+      <p:pic>
+        <p:nvPicPr>
           <p:cNvPr id="194" name="Google Shape;194;p36"/>
-          <p:cNvSpPr txBox="1"/>
-          <p:nvPr>
-            <p:ph idx="1" type="body"/>
-          </p:nvPr>
-        </p:nvSpPr>
-        <p:spPr>
-          <a:xfrm>
-            <a:off x="311700" y="1152475"/>
-            <a:ext cx="8520600" cy="3416400"/>
+          <p:cNvPicPr preferRelativeResize="0"/>
+          <p:nvPr/>
+        </p:nvPicPr>
+        <p:blipFill>
+          <a:blip r:embed="rId3">
+            <a:alphaModFix/>
+          </a:blip>
+          <a:stretch>
+            <a:fillRect/>
+          </a:stretch>
+        </p:blipFill>
+        <p:spPr>
+          <a:xfrm>
+            <a:off x="983800" y="1257300"/>
+            <a:ext cx="6572250" cy="3200400"/>
           </a:xfrm>
           <a:prstGeom prst="rect">
             <a:avLst/>
           </a:prstGeom>
-        </p:spPr>
-        <p:txBody>
-          <a:bodyPr anchorCtr="0" anchor="t" bIns="91425" lIns="91425" spcFirstLastPara="1" rIns="91425" wrap="square" tIns="91425">
-            <a:noAutofit/>
-          </a:bodyPr>
-          <a:lstStyle/>
-          <a:p>
-            <a:pPr indent="-381000" lvl="0" marL="457200" rtl="0" algn="l">
-              <a:spcBef>
-                <a:spcPts val="0"/>
-              </a:spcBef>
-              <a:spcAft>
-                <a:spcPts val="0"/>
-              </a:spcAft>
-              <a:buSzPts val="2400"/>
-              <a:buChar char="-"/>
-            </a:pPr>
-            <a:r>
-              <a:rPr lang="ru" sz="2400" u="sng">
-                <a:solidFill>
-                  <a:schemeClr val="hlink"/>
-                </a:solidFill>
-                <a:hlinkClick r:id="rId3"/>
-              </a:rPr>
-              <a:t>immutable</a:t>
-            </a:r>
-            <a:r>
-              <a:rPr lang="ru" sz="2400"/>
-              <a:t> objects</a:t>
-            </a:r>
-            <a:endParaRPr sz="2400"/>
-          </a:p>
-          <a:p>
-            <a:pPr indent="-381000" lvl="0" marL="457200" rtl="0" algn="l">
-              <a:spcBef>
-                <a:spcPts val="0"/>
-              </a:spcBef>
-              <a:spcAft>
-                <a:spcPts val="0"/>
-              </a:spcAft>
-              <a:buSzPts val="2400"/>
-              <a:buChar char="-"/>
-            </a:pPr>
-            <a:r>
-              <a:rPr lang="ru" sz="2400" u="sng">
-                <a:solidFill>
-                  <a:schemeClr val="hlink"/>
-                </a:solidFill>
-                <a:hlinkClick r:id="rId4"/>
-              </a:rPr>
-              <a:t>hashable</a:t>
-            </a:r>
-            <a:endParaRPr sz="2400"/>
-          </a:p>
-          <a:p>
-            <a:pPr indent="-361950" lvl="0" marL="457200" rtl="0" algn="l">
-              <a:spcBef>
-                <a:spcPts val="0"/>
-              </a:spcBef>
-              <a:spcAft>
-                <a:spcPts val="0"/>
-              </a:spcAft>
-              <a:buSzPts val="2100"/>
-              <a:buChar char="-"/>
-            </a:pPr>
-            <a:r>
-              <a:rPr lang="ru" sz="2100">
-                <a:highlight>
-                  <a:srgbClr val="FFFFFF"/>
-                </a:highlight>
-              </a:rPr>
-              <a:t>comparable</a:t>
-            </a:r>
-            <a:r>
-              <a:rPr lang="ru" sz="2100">
-                <a:solidFill>
-                  <a:srgbClr val="222222"/>
-                </a:solidFill>
-                <a:highlight>
-                  <a:srgbClr val="FFFFFF"/>
-                </a:highlight>
-              </a:rPr>
-              <a:t> ⇒ obj1 == obj2</a:t>
-            </a:r>
-            <a:r>
-              <a:rPr lang="ru" sz="1500">
-                <a:solidFill>
-                  <a:srgbClr val="222222"/>
-                </a:solidFill>
-                <a:highlight>
-                  <a:srgbClr val="FFFFFF"/>
-                </a:highlight>
-              </a:rPr>
-              <a:t> </a:t>
-            </a:r>
-            <a:endParaRPr sz="2100"/>
-          </a:p>
-        </p:txBody>
-      </p:sp>
+          <a:noFill/>
+          <a:ln>
+            <a:noFill/>
+          </a:ln>
+        </p:spPr>
+      </p:pic>
     </p:spTree>
   </p:cSld>
   <p:clrMapOvr>
@@ -12125,8 +12025,8 @@
         </p:blipFill>
         <p:spPr>
           <a:xfrm>
-            <a:off x="983800" y="1257300"/>
-            <a:ext cx="6572250" cy="3200400"/>
+            <a:off x="442525" y="1446275"/>
+            <a:ext cx="8258950" cy="2840400"/>
           </a:xfrm>
           <a:prstGeom prst="rect">
             <a:avLst/>
@@ -12196,40 +12096,68 @@
             </a:pPr>
             <a:r>
               <a:rPr lang="ru"/>
-              <a:t>Dict - ключи</a:t>
+              <a:t>Set - множество</a:t>
             </a:r>
             <a:endParaRPr/>
           </a:p>
         </p:txBody>
       </p:sp>
-      <p:pic>
-        <p:nvPicPr>
+      <p:sp>
+        <p:nvSpPr>
           <p:cNvPr id="206" name="Google Shape;206;p38"/>
-          <p:cNvPicPr preferRelativeResize="0"/>
-          <p:nvPr/>
-        </p:nvPicPr>
-        <p:blipFill>
-          <a:blip r:embed="rId3">
-            <a:alphaModFix/>
-          </a:blip>
-          <a:stretch>
-            <a:fillRect/>
-          </a:stretch>
-        </p:blipFill>
-        <p:spPr>
-          <a:xfrm>
-            <a:off x="442525" y="1446275"/>
-            <a:ext cx="8258950" cy="2840400"/>
+          <p:cNvSpPr txBox="1"/>
+          <p:nvPr>
+            <p:ph idx="1" type="body"/>
+          </p:nvPr>
+        </p:nvSpPr>
+        <p:spPr>
+          <a:xfrm>
+            <a:off x="311700" y="1152475"/>
+            <a:ext cx="8520600" cy="3337200"/>
           </a:xfrm>
           <a:prstGeom prst="rect">
             <a:avLst/>
           </a:prstGeom>
-          <a:noFill/>
-          <a:ln>
-            <a:noFill/>
-          </a:ln>
-        </p:spPr>
-      </p:pic>
+        </p:spPr>
+        <p:txBody>
+          <a:bodyPr anchorCtr="0" anchor="t" bIns="91425" lIns="91425" spcFirstLastPara="1" rIns="91425" wrap="square" tIns="91425">
+            <a:noAutofit/>
+          </a:bodyPr>
+          <a:lstStyle/>
+          <a:p>
+            <a:pPr indent="0" lvl="0" marL="0" rtl="0" algn="l">
+              <a:spcBef>
+                <a:spcPts val="0"/>
+              </a:spcBef>
+              <a:spcAft>
+                <a:spcPts val="1600"/>
+              </a:spcAft>
+              <a:buNone/>
+            </a:pPr>
+            <a:r>
+              <a:rPr lang="ru"/>
+              <a:t>Структура данных очень похожая на словарь, но в </a:t>
+            </a:r>
+            <a:r>
+              <a:rPr lang="ru"/>
+              <a:t>отличие</a:t>
+            </a:r>
+            <a:r>
+              <a:rPr lang="ru"/>
+              <a:t> от словаря хранит только ключи. Ключи уникальны. Сам тип данных реализует </a:t>
+            </a:r>
+            <a:r>
+              <a:rPr lang="ru"/>
+              <a:t>теоретико-множественные </a:t>
+            </a:r>
+            <a:r>
+              <a:rPr lang="ru"/>
+              <a:t>операции.</a:t>
+            </a:r>
+            <a:endParaRPr/>
+          </a:p>
+        </p:txBody>
+      </p:sp>
     </p:spTree>
   </p:cSld>
   <p:clrMapOvr>
@@ -12289,7 +12217,7 @@
             </a:pPr>
             <a:r>
               <a:rPr lang="ru"/>
-              <a:t>Set - множество</a:t>
+              <a:t>Множество (Set)</a:t>
             </a:r>
             <a:endParaRPr/>
           </a:p>
@@ -12305,8 +12233,8 @@
         </p:nvSpPr>
         <p:spPr>
           <a:xfrm>
-            <a:off x="311700" y="1152475"/>
-            <a:ext cx="8520600" cy="3337200"/>
+            <a:off x="311700" y="4557200"/>
+            <a:ext cx="8520600" cy="464700"/>
           </a:xfrm>
           <a:prstGeom prst="rect">
             <a:avLst/>
@@ -12328,29 +12256,46 @@
               <a:buNone/>
             </a:pPr>
             <a:r>
-              <a:rPr lang="ru"/>
-              <a:t>Структура данных очень похожая на словарь, но в </a:t>
-            </a:r>
-            <a:r>
-              <a:rPr lang="ru"/>
-              <a:t>отличие</a:t>
-            </a:r>
-            <a:r>
-              <a:rPr lang="ru"/>
-              <a:t> от словаря хранит только ключи. Ключи уникальны. Сам тип данных реализует </a:t>
-            </a:r>
-            <a:r>
-              <a:rPr lang="ru"/>
-              <a:t>теоретико-множественные </a:t>
-            </a:r>
-            <a:r>
-              <a:rPr lang="ru"/>
-              <a:t>операции.</a:t>
+              <a:rPr lang="ru" u="sng">
+                <a:solidFill>
+                  <a:schemeClr val="hlink"/>
+                </a:solidFill>
+                <a:hlinkClick r:id="rId3"/>
+              </a:rPr>
+              <a:t>https://docs.python.org/3/tutorial/datastructures.html#sets</a:t>
             </a:r>
             <a:endParaRPr/>
           </a:p>
         </p:txBody>
       </p:sp>
+      <p:pic>
+        <p:nvPicPr>
+          <p:cNvPr id="213" name="Google Shape;213;p39"/>
+          <p:cNvPicPr preferRelativeResize="0"/>
+          <p:nvPr/>
+        </p:nvPicPr>
+        <p:blipFill>
+          <a:blip r:embed="rId4">
+            <a:alphaModFix/>
+          </a:blip>
+          <a:stretch>
+            <a:fillRect/>
+          </a:stretch>
+        </p:blipFill>
+        <p:spPr>
+          <a:xfrm>
+            <a:off x="2699025" y="1110300"/>
+            <a:ext cx="3461542" cy="3234675"/>
+          </a:xfrm>
+          <a:prstGeom prst="rect">
+            <a:avLst/>
+          </a:prstGeom>
+          <a:noFill/>
+          <a:ln>
+            <a:noFill/>
+          </a:ln>
+        </p:spPr>
+      </p:pic>
     </p:spTree>
   </p:cSld>
   <p:clrMapOvr>
@@ -12364,7 +12309,7 @@
   <p:cSld>
     <p:spTree>
       <p:nvGrpSpPr>
-        <p:cNvPr id="216" name="Shape 216"/>
+        <p:cNvPr id="217" name="Shape 217"/>
         <p:cNvGrpSpPr/>
         <p:nvPr/>
       </p:nvGrpSpPr>
@@ -12378,7 +12323,7 @@
       </p:grpSpPr>
       <p:sp>
         <p:nvSpPr>
-          <p:cNvPr id="217" name="Google Shape;217;p40"/>
+          <p:cNvPr id="218" name="Google Shape;218;p40"/>
           <p:cNvSpPr txBox="1"/>
           <p:nvPr>
             <p:ph type="title"/>
@@ -12409,8 +12354,12 @@
               <a:buNone/>
             </a:pPr>
             <a:r>
+              <a:rPr b="1" lang="ru"/>
+              <a:t>set</a:t>
+            </a:r>
+            <a:r>
               <a:rPr lang="ru"/>
-              <a:t>Множество (Set)</a:t>
+              <a:t> операции</a:t>
             </a:r>
             <a:endParaRPr/>
           </a:p>
@@ -12418,7 +12367,7 @@
       </p:sp>
       <p:sp>
         <p:nvSpPr>
-          <p:cNvPr id="218" name="Google Shape;218;p40"/>
+          <p:cNvPr id="219" name="Google Shape;219;p40"/>
           <p:cNvSpPr txBox="1"/>
           <p:nvPr>
             <p:ph idx="1" type="body"/>
@@ -12426,8 +12375,8 @@
         </p:nvSpPr>
         <p:spPr>
           <a:xfrm>
-            <a:off x="311700" y="4557200"/>
-            <a:ext cx="8520600" cy="464700"/>
+            <a:off x="311700" y="1152475"/>
+            <a:ext cx="8520600" cy="3416400"/>
           </a:xfrm>
           <a:prstGeom prst="rect">
             <a:avLst/>
@@ -12444,51 +12393,266 @@
                 <a:spcPts val="0"/>
               </a:spcBef>
               <a:spcAft>
-                <a:spcPts val="1600"/>
-              </a:spcAft>
-              <a:buNone/>
-            </a:pPr>
-            <a:r>
-              <a:rPr lang="ru" u="sng">
+                <a:spcPts val="0"/>
+              </a:spcAft>
+              <a:buClr>
+                <a:schemeClr val="dk1"/>
+              </a:buClr>
+              <a:buSzPts val="1100"/>
+              <a:buFont typeface="Arial"/>
+              <a:buNone/>
+            </a:pPr>
+            <a:r>
+              <a:rPr b="1" lang="ru">
                 <a:solidFill>
-                  <a:schemeClr val="hlink"/>
+                  <a:srgbClr val="666666"/>
                 </a:solidFill>
-                <a:hlinkClick r:id="rId3"/>
+                <a:highlight>
+                  <a:srgbClr val="FFFFFF"/>
+                </a:highlight>
               </a:rPr>
-              <a:t>https://docs.python.org/3/tutorial/datastructures.html#sets</a:t>
-            </a:r>
-            <a:endParaRPr/>
+              <a:t>len(s) - </a:t>
+            </a:r>
+            <a:r>
+              <a:rPr lang="ru">
+                <a:solidFill>
+                  <a:srgbClr val="666666"/>
+                </a:solidFill>
+                <a:highlight>
+                  <a:srgbClr val="FFFFFF"/>
+                </a:highlight>
+              </a:rPr>
+              <a:t>вернет длину множества</a:t>
+            </a:r>
+            <a:endParaRPr>
+              <a:solidFill>
+                <a:srgbClr val="666666"/>
+              </a:solidFill>
+              <a:highlight>
+                <a:srgbClr val="FFFFFF"/>
+              </a:highlight>
+            </a:endParaRPr>
+          </a:p>
+          <a:p>
+            <a:pPr indent="0" lvl="0" marL="0" rtl="0" algn="l">
+              <a:spcBef>
+                <a:spcPts val="1100"/>
+              </a:spcBef>
+              <a:spcAft>
+                <a:spcPts val="0"/>
+              </a:spcAft>
+              <a:buClr>
+                <a:schemeClr val="dk1"/>
+              </a:buClr>
+              <a:buSzPts val="1100"/>
+              <a:buFont typeface="Arial"/>
+              <a:buNone/>
+            </a:pPr>
+            <a:r>
+              <a:rPr b="1" lang="ru">
+                <a:solidFill>
+                  <a:srgbClr val="666666"/>
+                </a:solidFill>
+                <a:highlight>
+                  <a:srgbClr val="FFFFFF"/>
+                </a:highlight>
+              </a:rPr>
+              <a:t>x in s - </a:t>
+            </a:r>
+            <a:r>
+              <a:rPr lang="ru">
+                <a:solidFill>
+                  <a:srgbClr val="666666"/>
+                </a:solidFill>
+                <a:highlight>
+                  <a:srgbClr val="FFFFFF"/>
+                </a:highlight>
+              </a:rPr>
+              <a:t>проверить наличее элемента в множестве</a:t>
+            </a:r>
+            <a:endParaRPr>
+              <a:solidFill>
+                <a:srgbClr val="666666"/>
+              </a:solidFill>
+              <a:highlight>
+                <a:srgbClr val="FFFFFF"/>
+              </a:highlight>
+            </a:endParaRPr>
+          </a:p>
+          <a:p>
+            <a:pPr indent="0" lvl="0" marL="0" rtl="0" algn="l">
+              <a:spcBef>
+                <a:spcPts val="1100"/>
+              </a:spcBef>
+              <a:spcAft>
+                <a:spcPts val="0"/>
+              </a:spcAft>
+              <a:buClr>
+                <a:schemeClr val="dk1"/>
+              </a:buClr>
+              <a:buSzPts val="1100"/>
+              <a:buFont typeface="Arial"/>
+              <a:buNone/>
+            </a:pPr>
+            <a:r>
+              <a:rPr b="1" lang="ru">
+                <a:solidFill>
+                  <a:srgbClr val="666666"/>
+                </a:solidFill>
+                <a:highlight>
+                  <a:srgbClr val="FFFFFF"/>
+                </a:highlight>
+              </a:rPr>
+              <a:t>x not in s - </a:t>
+            </a:r>
+            <a:r>
+              <a:rPr lang="ru">
+                <a:solidFill>
+                  <a:srgbClr val="666666"/>
+                </a:solidFill>
+                <a:highlight>
+                  <a:srgbClr val="FFFFFF"/>
+                </a:highlight>
+              </a:rPr>
+              <a:t>проверить отсутствие элемента в множестве</a:t>
+            </a:r>
+            <a:endParaRPr b="1">
+              <a:solidFill>
+                <a:srgbClr val="666666"/>
+              </a:solidFill>
+              <a:highlight>
+                <a:srgbClr val="FFFFFF"/>
+              </a:highlight>
+            </a:endParaRPr>
+          </a:p>
+          <a:p>
+            <a:pPr indent="0" lvl="0" marL="38100" marR="38100" rtl="0" algn="l">
+              <a:spcBef>
+                <a:spcPts val="1100"/>
+              </a:spcBef>
+              <a:spcAft>
+                <a:spcPts val="0"/>
+              </a:spcAft>
+              <a:buNone/>
+            </a:pPr>
+            <a:r>
+              <a:rPr b="1" lang="ru">
+                <a:solidFill>
+                  <a:srgbClr val="666666"/>
+                </a:solidFill>
+                <a:highlight>
+                  <a:srgbClr val="FFFFFF"/>
+                </a:highlight>
+              </a:rPr>
+              <a:t>isdisjoint</a:t>
+            </a:r>
+            <a:r>
+              <a:rPr lang="ru">
+                <a:solidFill>
+                  <a:srgbClr val="666666"/>
+                </a:solidFill>
+                <a:highlight>
+                  <a:srgbClr val="FFFFFF"/>
+                </a:highlight>
+              </a:rPr>
+              <a:t>(</a:t>
+            </a:r>
+            <a:r>
+              <a:rPr i="1" lang="ru">
+                <a:solidFill>
+                  <a:srgbClr val="666666"/>
+                </a:solidFill>
+                <a:highlight>
+                  <a:srgbClr val="FFFFFF"/>
+                </a:highlight>
+              </a:rPr>
+              <a:t>other</a:t>
+            </a:r>
+            <a:r>
+              <a:rPr lang="ru">
+                <a:solidFill>
+                  <a:srgbClr val="666666"/>
+                </a:solidFill>
+                <a:highlight>
+                  <a:srgbClr val="FFFFFF"/>
+                </a:highlight>
+              </a:rPr>
+              <a:t>) - Верните </a:t>
+            </a:r>
+            <a:r>
+              <a:rPr b="1" lang="ru">
+                <a:solidFill>
+                  <a:srgbClr val="666666"/>
+                </a:solidFill>
+                <a:highlight>
+                  <a:srgbClr val="FFFFFF"/>
+                </a:highlight>
+              </a:rPr>
+              <a:t>True</a:t>
+            </a:r>
+            <a:r>
+              <a:rPr lang="ru">
+                <a:solidFill>
+                  <a:srgbClr val="666666"/>
+                </a:solidFill>
+                <a:highlight>
+                  <a:srgbClr val="FFFFFF"/>
+                </a:highlight>
+              </a:rPr>
+              <a:t>, если множество не имеет общих элементов с другими. Множества не пересекаются тогда и только тогда, когда их пересечение - пустое множество.</a:t>
+            </a:r>
+            <a:endParaRPr>
+              <a:solidFill>
+                <a:srgbClr val="666666"/>
+              </a:solidFill>
+              <a:highlight>
+                <a:srgbClr val="FFFFFF"/>
+              </a:highlight>
+            </a:endParaRPr>
+          </a:p>
+          <a:p>
+            <a:pPr indent="0" lvl="0" marL="38100" marR="38100" rtl="0" algn="l">
+              <a:spcBef>
+                <a:spcPts val="1100"/>
+              </a:spcBef>
+              <a:spcAft>
+                <a:spcPts val="1100"/>
+              </a:spcAft>
+              <a:buNone/>
+            </a:pPr>
+            <a:r>
+              <a:rPr b="1" lang="ru">
+                <a:solidFill>
+                  <a:srgbClr val="666666"/>
+                </a:solidFill>
+                <a:highlight>
+                  <a:srgbClr val="FFFFFF"/>
+                </a:highlight>
+              </a:rPr>
+              <a:t>issubset</a:t>
+            </a:r>
+            <a:r>
+              <a:rPr lang="ru">
+                <a:solidFill>
+                  <a:srgbClr val="666666"/>
+                </a:solidFill>
+                <a:highlight>
+                  <a:srgbClr val="FFFFFF"/>
+                </a:highlight>
+              </a:rPr>
+              <a:t>(other) - наоборот</a:t>
+            </a:r>
+            <a:endParaRPr>
+              <a:solidFill>
+                <a:srgbClr val="666666"/>
+              </a:solidFill>
+              <a:highlight>
+                <a:srgbClr val="FFFFFF"/>
+              </a:highlight>
+            </a:endParaRPr>
           </a:p>
         </p:txBody>
       </p:sp>
-      <p:pic>
-        <p:nvPicPr>
-          <p:cNvPr id="219" name="Google Shape;219;p40"/>
-          <p:cNvPicPr preferRelativeResize="0"/>
-          <p:nvPr/>
-        </p:nvPicPr>
-        <p:blipFill>
-          <a:blip r:embed="rId4">
-            <a:alphaModFix/>
-          </a:blip>
-          <a:stretch>
-            <a:fillRect/>
-          </a:stretch>
-        </p:blipFill>
-        <p:spPr>
-          <a:xfrm>
-            <a:off x="2699025" y="1110300"/>
-            <a:ext cx="3461542" cy="3234675"/>
-          </a:xfrm>
-          <a:prstGeom prst="rect">
-            <a:avLst/>
-          </a:prstGeom>
-          <a:noFill/>
-          <a:ln>
-            <a:noFill/>
-          </a:ln>
-        </p:spPr>
-      </p:pic>
     </p:spTree>
   </p:cSld>
   <p:clrMapOvr>
@@ -12604,7 +12768,7 @@
                   <a:srgbClr val="FFFFFF"/>
                 </a:highlight>
               </a:rPr>
-              <a:t>len(s) - </a:t>
+              <a:t>set &lt;= other - </a:t>
             </a:r>
             <a:r>
               <a:rPr lang="ru">
@@ -12615,7 +12779,7 @@
                   <a:srgbClr val="FFFFFF"/>
                 </a:highlight>
               </a:rPr>
-              <a:t>вернет длину множества</a:t>
+              <a:t>Является ли каждый ли элемент в наборе состоит из другого.</a:t>
             </a:r>
             <a:endParaRPr>
               <a:solidFill>
@@ -12650,7 +12814,7 @@
                   <a:srgbClr val="FFFFFF"/>
                 </a:highlight>
               </a:rPr>
-              <a:t>x in s - </a:t>
+              <a:t>set &lt; other - </a:t>
             </a:r>
             <a:r>
               <a:rPr lang="ru">
@@ -12661,7 +12825,7 @@
                   <a:srgbClr val="FFFFFF"/>
                 </a:highlight>
               </a:rPr>
-              <a:t>проверить наличее элемента в множестве</a:t>
+              <a:t>Тоже самое но строго</a:t>
             </a:r>
             <a:endParaRPr>
               <a:solidFill>
@@ -12696,18 +12860,7 @@
                   <a:srgbClr val="FFFFFF"/>
                 </a:highlight>
               </a:rPr>
-              <a:t>x not in s - </a:t>
-            </a:r>
-            <a:r>
-              <a:rPr lang="ru">
-                <a:solidFill>
-                  <a:srgbClr val="666666"/>
-                </a:solidFill>
-                <a:highlight>
-                  <a:srgbClr val="FFFFFF"/>
-                </a:highlight>
-              </a:rPr>
-              <a:t>проверить отсутствие элемента в множестве</a:t>
+              <a:t>set &gt;= other</a:t>
             </a:r>
             <a:endParaRPr b="1">
               <a:solidFill>
@@ -12719,13 +12872,18 @@
             </a:endParaRPr>
           </a:p>
           <a:p>
-            <a:pPr indent="0" lvl="0" marL="38100" marR="38100" rtl="0" algn="l">
+            <a:pPr indent="0" lvl="0" marL="0" rtl="0" algn="l">
               <a:spcBef>
                 <a:spcPts val="1100"/>
               </a:spcBef>
               <a:spcAft>
                 <a:spcPts val="0"/>
               </a:spcAft>
+              <a:buClr>
+                <a:schemeClr val="dk1"/>
+              </a:buClr>
+              <a:buSzPts val="1100"/>
+              <a:buFont typeface="Arial"/>
               <a:buNone/>
             </a:pPr>
             <a:r>
@@ -12737,7 +12895,37 @@
                   <a:srgbClr val="FFFFFF"/>
                 </a:highlight>
               </a:rPr>
-              <a:t>isdisjoint</a:t>
+              <a:t>set &gt; other</a:t>
+            </a:r>
+            <a:endParaRPr b="1">
+              <a:solidFill>
+                <a:srgbClr val="666666"/>
+              </a:solidFill>
+              <a:highlight>
+                <a:srgbClr val="FFFFFF"/>
+              </a:highlight>
+            </a:endParaRPr>
+          </a:p>
+          <a:p>
+            <a:pPr indent="0" lvl="0" marL="38100" marR="38100" rtl="0" algn="l">
+              <a:spcBef>
+                <a:spcPts val="1100"/>
+              </a:spcBef>
+              <a:spcAft>
+                <a:spcPts val="1100"/>
+              </a:spcAft>
+              <a:buNone/>
+            </a:pPr>
+            <a:r>
+              <a:rPr b="1" lang="ru">
+                <a:solidFill>
+                  <a:srgbClr val="666666"/>
+                </a:solidFill>
+                <a:highlight>
+                  <a:srgbClr val="FFFFFF"/>
+                </a:highlight>
+              </a:rPr>
+              <a:t>union</a:t>
             </a:r>
             <a:r>
               <a:rPr lang="ru">
@@ -12759,7 +12947,7 @@
                   <a:srgbClr val="FFFFFF"/>
                 </a:highlight>
               </a:rPr>
-              <a:t>other</a:t>
+              <a:t>*others</a:t>
             </a:r>
             <a:r>
               <a:rPr lang="ru">
@@ -12770,7 +12958,7 @@
                   <a:srgbClr val="FFFFFF"/>
                 </a:highlight>
               </a:rPr>
-              <a:t>) - Верните </a:t>
+              <a:t>) ⇒ </a:t>
             </a:r>
             <a:r>
               <a:rPr b="1" lang="ru">
@@ -12781,7 +12969,7 @@
                   <a:srgbClr val="FFFFFF"/>
                 </a:highlight>
               </a:rPr>
-              <a:t>True</a:t>
+              <a:t>set | other | … - </a:t>
             </a:r>
             <a:r>
               <a:rPr lang="ru">
@@ -12792,56 +12980,12 @@
                   <a:srgbClr val="FFFFFF"/>
                 </a:highlight>
               </a:rPr>
-              <a:t>, если множество не имеет общих элементов с другими. Множества не пересекаются тогда и только тогда, когда их пересечение - пустое множество.</a:t>
+              <a:t>Объединение множеств в одно результат множество</a:t>
             </a:r>
             <a:endParaRPr>
               <a:solidFill>
                 <a:srgbClr val="666666"/>
               </a:solidFill>
-              <a:highlight>
-                <a:srgbClr val="FFFFFF"/>
-              </a:highlight>
-            </a:endParaRPr>
-          </a:p>
-          <a:p>
-            <a:pPr indent="0" lvl="0" marL="38100" marR="38100" rtl="0" algn="l">
-              <a:spcBef>
-                <a:spcPts val="1100"/>
-              </a:spcBef>
-              <a:spcAft>
-                <a:spcPts val="1100"/>
-              </a:spcAft>
-              <a:buNone/>
-            </a:pPr>
-            <a:r>
-              <a:rPr b="1" lang="ru">
-                <a:solidFill>
-                  <a:srgbClr val="666666"/>
-                </a:solidFill>
-                <a:highlight>
-                  <a:srgbClr val="FFFFFF"/>
-                </a:highlight>
-              </a:rPr>
-              <a:t>issubset</a:t>
-            </a:r>
-            <a:r>
-              <a:rPr lang="ru">
-                <a:solidFill>
-                  <a:srgbClr val="666666"/>
-                </a:solidFill>
-                <a:highlight>
-                  <a:srgbClr val="FFFFFF"/>
-                </a:highlight>
-              </a:rPr>
-              <a:t>(other) - наоборот</a:t>
-            </a:r>
-            <a:endParaRPr>
-              <a:solidFill>
-                <a:srgbClr val="666666"/>
-              </a:solidFill>
-              <a:highlight>
-                <a:srgbClr val="FFFFFF"/>
-              </a:highlight>
             </a:endParaRPr>
           </a:p>
         </p:txBody>
@@ -13076,12 +13220,7 @@
               <a:buNone/>
             </a:pPr>
             <a:r>
-              <a:rPr b="1" lang="ru"/>
-              <a:t>set</a:t>
-            </a:r>
-            <a:r>
-              <a:rPr lang="ru"/>
-              <a:t> операции</a:t>
+              <a:t/>
             </a:r>
             <a:endParaRPr/>
           </a:p>
@@ -13110,7 +13249,7 @@
           </a:bodyPr>
           <a:lstStyle/>
           <a:p>
-            <a:pPr indent="0" lvl="0" marL="0" rtl="0" algn="l">
+            <a:pPr indent="0" lvl="0" marL="38100" marR="38100" rtl="0" algn="l">
               <a:spcBef>
                 <a:spcPts val="0"/>
               </a:spcBef>
@@ -13133,164 +13272,7 @@
                   <a:srgbClr val="FFFFFF"/>
                 </a:highlight>
               </a:rPr>
-              <a:t>set &lt;= other - </a:t>
-            </a:r>
-            <a:r>
-              <a:rPr lang="ru">
-                <a:solidFill>
-                  <a:srgbClr val="666666"/>
-                </a:solidFill>
-                <a:highlight>
-                  <a:srgbClr val="FFFFFF"/>
-                </a:highlight>
-              </a:rPr>
-              <a:t>Является ли каждый ли элемент в наборе состоит из другого.</a:t>
-            </a:r>
-            <a:endParaRPr>
-              <a:solidFill>
-                <a:srgbClr val="666666"/>
-              </a:solidFill>
-              <a:highlight>
-                <a:srgbClr val="FFFFFF"/>
-              </a:highlight>
-            </a:endParaRPr>
-          </a:p>
-          <a:p>
-            <a:pPr indent="0" lvl="0" marL="0" rtl="0" algn="l">
-              <a:spcBef>
-                <a:spcPts val="1100"/>
-              </a:spcBef>
-              <a:spcAft>
-                <a:spcPts val="0"/>
-              </a:spcAft>
-              <a:buClr>
-                <a:schemeClr val="dk1"/>
-              </a:buClr>
-              <a:buSzPts val="1100"/>
-              <a:buFont typeface="Arial"/>
-              <a:buNone/>
-            </a:pPr>
-            <a:r>
-              <a:rPr b="1" lang="ru">
-                <a:solidFill>
-                  <a:srgbClr val="666666"/>
-                </a:solidFill>
-                <a:highlight>
-                  <a:srgbClr val="FFFFFF"/>
-                </a:highlight>
-              </a:rPr>
-              <a:t>set &lt; other - </a:t>
-            </a:r>
-            <a:r>
-              <a:rPr lang="ru">
-                <a:solidFill>
-                  <a:srgbClr val="666666"/>
-                </a:solidFill>
-                <a:highlight>
-                  <a:srgbClr val="FFFFFF"/>
-                </a:highlight>
-              </a:rPr>
-              <a:t>Тоже самое но строго</a:t>
-            </a:r>
-            <a:endParaRPr>
-              <a:solidFill>
-                <a:srgbClr val="666666"/>
-              </a:solidFill>
-              <a:highlight>
-                <a:srgbClr val="FFFFFF"/>
-              </a:highlight>
-            </a:endParaRPr>
-          </a:p>
-          <a:p>
-            <a:pPr indent="0" lvl="0" marL="0" rtl="0" algn="l">
-              <a:spcBef>
-                <a:spcPts val="1100"/>
-              </a:spcBef>
-              <a:spcAft>
-                <a:spcPts val="0"/>
-              </a:spcAft>
-              <a:buClr>
-                <a:schemeClr val="dk1"/>
-              </a:buClr>
-              <a:buSzPts val="1100"/>
-              <a:buFont typeface="Arial"/>
-              <a:buNone/>
-            </a:pPr>
-            <a:r>
-              <a:rPr b="1" lang="ru">
-                <a:solidFill>
-                  <a:srgbClr val="666666"/>
-                </a:solidFill>
-                <a:highlight>
-                  <a:srgbClr val="FFFFFF"/>
-                </a:highlight>
-              </a:rPr>
-              <a:t>set &gt;= other</a:t>
-            </a:r>
-            <a:endParaRPr b="1">
-              <a:solidFill>
-                <a:srgbClr val="666666"/>
-              </a:solidFill>
-              <a:highlight>
-                <a:srgbClr val="FFFFFF"/>
-              </a:highlight>
-            </a:endParaRPr>
-          </a:p>
-          <a:p>
-            <a:pPr indent="0" lvl="0" marL="0" rtl="0" algn="l">
-              <a:spcBef>
-                <a:spcPts val="1100"/>
-              </a:spcBef>
-              <a:spcAft>
-                <a:spcPts val="0"/>
-              </a:spcAft>
-              <a:buClr>
-                <a:schemeClr val="dk1"/>
-              </a:buClr>
-              <a:buSzPts val="1100"/>
-              <a:buFont typeface="Arial"/>
-              <a:buNone/>
-            </a:pPr>
-            <a:r>
-              <a:rPr b="1" lang="ru">
-                <a:solidFill>
-                  <a:srgbClr val="666666"/>
-                </a:solidFill>
-                <a:highlight>
-                  <a:srgbClr val="FFFFFF"/>
-                </a:highlight>
-              </a:rPr>
-              <a:t>set &gt; other</a:t>
-            </a:r>
-            <a:endParaRPr b="1">
-              <a:solidFill>
-                <a:srgbClr val="666666"/>
-              </a:solidFill>
-              <a:highlight>
-                <a:srgbClr val="FFFFFF"/>
-              </a:highlight>
-            </a:endParaRPr>
-          </a:p>
-          <a:p>
-            <a:pPr indent="0" lvl="0" marL="38100" marR="38100" rtl="0" algn="l">
-              <a:spcBef>
-                <a:spcPts val="1100"/>
-              </a:spcBef>
-              <a:spcAft>
-                <a:spcPts val="1100"/>
-              </a:spcAft>
-              <a:buNone/>
-            </a:pPr>
-            <a:r>
-              <a:rPr b="1" lang="ru">
-                <a:solidFill>
-                  <a:srgbClr val="666666"/>
-                </a:solidFill>
-                <a:highlight>
-                  <a:srgbClr val="FFFFFF"/>
-                </a:highlight>
-              </a:rPr>
-              <a:t>union</a:t>
+              <a:t>intersection</a:t>
             </a:r>
             <a:r>
               <a:rPr lang="ru">
@@ -13334,7 +13316,7 @@
                   <a:srgbClr val="FFFFFF"/>
                 </a:highlight>
               </a:rPr>
-              <a:t>set | other | … - </a:t>
+              <a:t>set &amp; other &amp; … </a:t>
             </a:r>
             <a:r>
               <a:rPr lang="ru">
@@ -13345,7 +13327,244 @@
                   <a:srgbClr val="FFFFFF"/>
                 </a:highlight>
               </a:rPr>
-              <a:t>Объединение множеств в одно результат множество</a:t>
+              <a:t>Пересечение всех </a:t>
+            </a:r>
+            <a:r>
+              <a:rPr lang="ru">
+                <a:solidFill>
+                  <a:srgbClr val="666666"/>
+                </a:solidFill>
+                <a:highlight>
+                  <a:srgbClr val="FFFFFF"/>
+                </a:highlight>
+              </a:rPr>
+              <a:t>множеств</a:t>
+            </a:r>
+            <a:r>
+              <a:rPr lang="ru">
+                <a:solidFill>
+                  <a:srgbClr val="666666"/>
+                </a:solidFill>
+                <a:highlight>
+                  <a:srgbClr val="FFFFFF"/>
+                </a:highlight>
+              </a:rPr>
+              <a:t>, то есть результат это </a:t>
+            </a:r>
+            <a:r>
+              <a:rPr lang="ru">
+                <a:solidFill>
+                  <a:srgbClr val="666666"/>
+                </a:solidFill>
+                <a:highlight>
+                  <a:srgbClr val="FFFFFF"/>
+                </a:highlight>
+              </a:rPr>
+              <a:t>множество</a:t>
+            </a:r>
+            <a:r>
+              <a:rPr lang="ru">
+                <a:solidFill>
+                  <a:srgbClr val="666666"/>
+                </a:solidFill>
+                <a:highlight>
+                  <a:srgbClr val="FFFFFF"/>
+                </a:highlight>
+              </a:rPr>
+              <a:t> из элементов общих для всех</a:t>
+            </a:r>
+            <a:endParaRPr>
+              <a:solidFill>
+                <a:srgbClr val="666666"/>
+              </a:solidFill>
+              <a:highlight>
+                <a:srgbClr val="FFFFFF"/>
+              </a:highlight>
+            </a:endParaRPr>
+          </a:p>
+          <a:p>
+            <a:pPr indent="0" lvl="0" marL="38100" marR="38100" rtl="0" algn="l">
+              <a:spcBef>
+                <a:spcPts val="1100"/>
+              </a:spcBef>
+              <a:spcAft>
+                <a:spcPts val="0"/>
+              </a:spcAft>
+              <a:buClr>
+                <a:schemeClr val="dk1"/>
+              </a:buClr>
+              <a:buSzPts val="1100"/>
+              <a:buFont typeface="Arial"/>
+              <a:buNone/>
+            </a:pPr>
+            <a:r>
+              <a:rPr b="1" lang="ru">
+                <a:solidFill>
+                  <a:srgbClr val="666666"/>
+                </a:solidFill>
+                <a:highlight>
+                  <a:srgbClr val="FFFFFF"/>
+                </a:highlight>
+              </a:rPr>
+              <a:t>difference</a:t>
+            </a:r>
+            <a:r>
+              <a:rPr lang="ru">
+                <a:solidFill>
+                  <a:srgbClr val="666666"/>
+                </a:solidFill>
+                <a:highlight>
+                  <a:srgbClr val="FFFFFF"/>
+                </a:highlight>
+              </a:rPr>
+              <a:t>(</a:t>
+            </a:r>
+            <a:r>
+              <a:rPr i="1" lang="ru">
+                <a:solidFill>
+                  <a:srgbClr val="666666"/>
+                </a:solidFill>
+                <a:highlight>
+                  <a:srgbClr val="FFFFFF"/>
+                </a:highlight>
+              </a:rPr>
+              <a:t>*others</a:t>
+            </a:r>
+            <a:r>
+              <a:rPr lang="ru">
+                <a:solidFill>
+                  <a:srgbClr val="666666"/>
+                </a:solidFill>
+                <a:highlight>
+                  <a:srgbClr val="FFFFFF"/>
+                </a:highlight>
+              </a:rPr>
+              <a:t>) ⇒ </a:t>
+            </a:r>
+            <a:r>
+              <a:rPr b="1" lang="ru">
+                <a:solidFill>
+                  <a:srgbClr val="666666"/>
+                </a:solidFill>
+                <a:highlight>
+                  <a:srgbClr val="FFFFFF"/>
+                </a:highlight>
+              </a:rPr>
+              <a:t>set - other - ...</a:t>
+            </a:r>
+            <a:endParaRPr>
+              <a:solidFill>
+                <a:srgbClr val="666666"/>
+              </a:solidFill>
+              <a:highlight>
+                <a:srgbClr val="FFFFFF"/>
+              </a:highlight>
+            </a:endParaRPr>
+          </a:p>
+          <a:p>
+            <a:pPr indent="0" lvl="0" marL="0" rtl="0" algn="l">
+              <a:spcBef>
+                <a:spcPts val="1100"/>
+              </a:spcBef>
+              <a:spcAft>
+                <a:spcPts val="0"/>
+              </a:spcAft>
+              <a:buClr>
+                <a:schemeClr val="dk1"/>
+              </a:buClr>
+              <a:buSzPts val="1100"/>
+              <a:buFont typeface="Arial"/>
+              <a:buNone/>
+            </a:pPr>
+            <a:r>
+              <a:rPr b="1" lang="ru">
+                <a:solidFill>
+                  <a:srgbClr val="666666"/>
+                </a:solidFill>
+                <a:highlight>
+                  <a:srgbClr val="FFFFFF"/>
+                </a:highlight>
+              </a:rPr>
+              <a:t>set ^ other - </a:t>
+            </a:r>
+            <a:r>
+              <a:rPr lang="ru">
+                <a:solidFill>
+                  <a:srgbClr val="666666"/>
+                </a:solidFill>
+                <a:highlight>
+                  <a:srgbClr val="FFFFFF"/>
+                </a:highlight>
+              </a:rPr>
+              <a:t>Вернет новое множество элементов, которые содержаться только в одном из множеств, но не в обоих</a:t>
+            </a:r>
+            <a:endParaRPr>
+              <a:solidFill>
+                <a:srgbClr val="666666"/>
+              </a:solidFill>
+              <a:highlight>
+                <a:srgbClr val="FFFFFF"/>
+              </a:highlight>
+            </a:endParaRPr>
+          </a:p>
+          <a:p>
+            <a:pPr indent="0" lvl="0" marL="38100" marR="38100" rtl="0" algn="l">
+              <a:spcBef>
+                <a:spcPts val="1100"/>
+              </a:spcBef>
+              <a:spcAft>
+                <a:spcPts val="0"/>
+              </a:spcAft>
+              <a:buClr>
+                <a:schemeClr val="dk1"/>
+              </a:buClr>
+              <a:buSzPts val="1100"/>
+              <a:buFont typeface="Arial"/>
+              <a:buNone/>
+            </a:pPr>
+            <a:r>
+              <a:rPr b="1" lang="ru">
+                <a:solidFill>
+                  <a:srgbClr val="666666"/>
+                </a:solidFill>
+                <a:highlight>
+                  <a:srgbClr val="FFFFFF"/>
+                </a:highlight>
+              </a:rPr>
+              <a:t>copy</a:t>
+            </a:r>
+            <a:r>
+              <a:rPr lang="ru">
+                <a:solidFill>
+                  <a:srgbClr val="666666"/>
+                </a:solidFill>
+                <a:highlight>
+                  <a:srgbClr val="FFFFFF"/>
+                </a:highlight>
+              </a:rPr>
+              <a:t>() Верните неглубокую копию множетва.</a:t>
+            </a:r>
+            <a:endParaRPr>
+              <a:solidFill>
+                <a:srgbClr val="666666"/>
+              </a:solidFill>
+              <a:highlight>
+                <a:srgbClr val="FFFFFF"/>
+              </a:highlight>
+            </a:endParaRPr>
+          </a:p>
+          <a:p>
+            <a:pPr indent="0" lvl="0" marL="0" rtl="0" algn="l">
+              <a:spcBef>
+                <a:spcPts val="1100"/>
+              </a:spcBef>
+              <a:spcAft>
+                <a:spcPts val="1600"/>
+              </a:spcAft>
+              <a:buNone/>
+            </a:pPr>
+            <a:r>
+              <a:t/>
             </a:r>
             <a:endParaRPr>
               <a:solidFill>
@@ -13410,45 +13629,6 @@
               <a:spcAft>
                 <a:spcPts val="0"/>
               </a:spcAft>
-              <a:buNone/>
-            </a:pPr>
-            <a:r>
-              <a:t/>
-            </a:r>
-            <a:endParaRPr/>
-          </a:p>
-        </p:txBody>
-      </p:sp>
-      <p:sp>
-        <p:nvSpPr>
-          <p:cNvPr id="237" name="Google Shape;237;p43"/>
-          <p:cNvSpPr txBox="1"/>
-          <p:nvPr>
-            <p:ph idx="1" type="body"/>
-          </p:nvPr>
-        </p:nvSpPr>
-        <p:spPr>
-          <a:xfrm>
-            <a:off x="311700" y="1152475"/>
-            <a:ext cx="8520600" cy="3416400"/>
-          </a:xfrm>
-          <a:prstGeom prst="rect">
-            <a:avLst/>
-          </a:prstGeom>
-        </p:spPr>
-        <p:txBody>
-          <a:bodyPr anchorCtr="0" anchor="t" bIns="91425" lIns="91425" spcFirstLastPara="1" rIns="91425" wrap="square" tIns="91425">
-            <a:noAutofit/>
-          </a:bodyPr>
-          <a:lstStyle/>
-          <a:p>
-            <a:pPr indent="0" lvl="0" marL="38100" marR="38100" rtl="0" algn="l">
-              <a:spcBef>
-                <a:spcPts val="0"/>
-              </a:spcBef>
-              <a:spcAft>
-                <a:spcPts val="0"/>
-              </a:spcAft>
               <a:buClr>
                 <a:schemeClr val="dk1"/>
               </a:buClr>
@@ -13457,316 +13637,56 @@
               <a:buNone/>
             </a:pPr>
             <a:r>
-              <a:rPr b="1" lang="ru">
-                <a:solidFill>
-                  <a:srgbClr val="666666"/>
-                </a:solidFill>
-                <a:highlight>
-                  <a:srgbClr val="FFFFFF"/>
-                </a:highlight>
-              </a:rPr>
-              <a:t>intersection</a:t>
-            </a:r>
-            <a:r>
-              <a:rPr lang="ru">
-                <a:solidFill>
-                  <a:srgbClr val="666666"/>
-                </a:solidFill>
-                <a:highlight>
-                  <a:srgbClr val="FFFFFF"/>
-                </a:highlight>
-              </a:rPr>
-              <a:t>(</a:t>
-            </a:r>
-            <a:r>
-              <a:rPr i="1" lang="ru">
-                <a:solidFill>
-                  <a:srgbClr val="666666"/>
-                </a:solidFill>
-                <a:highlight>
-                  <a:srgbClr val="FFFFFF"/>
-                </a:highlight>
-              </a:rPr>
-              <a:t>*others</a:t>
-            </a:r>
-            <a:r>
-              <a:rPr lang="ru">
-                <a:solidFill>
-                  <a:srgbClr val="666666"/>
-                </a:solidFill>
-                <a:highlight>
-                  <a:srgbClr val="FFFFFF"/>
-                </a:highlight>
-              </a:rPr>
-              <a:t>) ⇒ </a:t>
-            </a:r>
-            <a:r>
-              <a:rPr b="1" lang="ru">
-                <a:solidFill>
-                  <a:srgbClr val="666666"/>
-                </a:solidFill>
-                <a:highlight>
-                  <a:srgbClr val="FFFFFF"/>
-                </a:highlight>
-              </a:rPr>
-              <a:t>set &amp; other &amp; … </a:t>
-            </a:r>
-            <a:r>
-              <a:rPr lang="ru">
-                <a:solidFill>
-                  <a:srgbClr val="666666"/>
-                </a:solidFill>
-                <a:highlight>
-                  <a:srgbClr val="FFFFFF"/>
-                </a:highlight>
-              </a:rPr>
-              <a:t>Пересечение всех </a:t>
-            </a:r>
-            <a:r>
-              <a:rPr lang="ru">
-                <a:solidFill>
-                  <a:srgbClr val="666666"/>
-                </a:solidFill>
-                <a:highlight>
-                  <a:srgbClr val="FFFFFF"/>
-                </a:highlight>
-              </a:rPr>
-              <a:t>множеств</a:t>
-            </a:r>
-            <a:r>
-              <a:rPr lang="ru">
-                <a:solidFill>
-                  <a:srgbClr val="666666"/>
-                </a:solidFill>
-                <a:highlight>
-                  <a:srgbClr val="FFFFFF"/>
-                </a:highlight>
-              </a:rPr>
-              <a:t>, то есть результат это </a:t>
-            </a:r>
-            <a:r>
-              <a:rPr lang="ru">
-                <a:solidFill>
-                  <a:srgbClr val="666666"/>
-                </a:solidFill>
-                <a:highlight>
-                  <a:srgbClr val="FFFFFF"/>
-                </a:highlight>
-              </a:rPr>
-              <a:t>множество</a:t>
-            </a:r>
-            <a:r>
-              <a:rPr lang="ru">
-                <a:solidFill>
-                  <a:srgbClr val="666666"/>
-                </a:solidFill>
-                <a:highlight>
-                  <a:srgbClr val="FFFFFF"/>
-                </a:highlight>
-              </a:rPr>
-              <a:t> из элементов общих для всех</a:t>
-            </a:r>
-            <a:endParaRPr>
-              <a:solidFill>
-                <a:srgbClr val="666666"/>
-              </a:solidFill>
-              <a:highlight>
-                <a:srgbClr val="FFFFFF"/>
-              </a:highlight>
-            </a:endParaRPr>
-          </a:p>
-          <a:p>
-            <a:pPr indent="0" lvl="0" marL="38100" marR="38100" rtl="0" algn="l">
-              <a:spcBef>
-                <a:spcPts val="1100"/>
-              </a:spcBef>
-              <a:spcAft>
-                <a:spcPts val="0"/>
-              </a:spcAft>
-              <a:buClr>
-                <a:schemeClr val="dk1"/>
-              </a:buClr>
-              <a:buSzPts val="1100"/>
-              <a:buFont typeface="Arial"/>
-              <a:buNone/>
-            </a:pPr>
-            <a:r>
-              <a:rPr b="1" lang="ru">
-                <a:solidFill>
-                  <a:srgbClr val="666666"/>
-                </a:solidFill>
-                <a:highlight>
-                  <a:srgbClr val="FFFFFF"/>
-                </a:highlight>
-              </a:rPr>
-              <a:t>difference</a:t>
-            </a:r>
-            <a:r>
-              <a:rPr lang="ru">
-                <a:solidFill>
-                  <a:srgbClr val="666666"/>
-                </a:solidFill>
-                <a:highlight>
-                  <a:srgbClr val="FFFFFF"/>
-                </a:highlight>
-              </a:rPr>
-              <a:t>(</a:t>
-            </a:r>
-            <a:r>
-              <a:rPr i="1" lang="ru">
-                <a:solidFill>
-                  <a:srgbClr val="666666"/>
-                </a:solidFill>
-                <a:highlight>
-                  <a:srgbClr val="FFFFFF"/>
-                </a:highlight>
-              </a:rPr>
-              <a:t>*others</a:t>
-            </a:r>
-            <a:r>
-              <a:rPr lang="ru">
-                <a:solidFill>
-                  <a:srgbClr val="666666"/>
-                </a:solidFill>
-                <a:highlight>
-                  <a:srgbClr val="FFFFFF"/>
-                </a:highlight>
-              </a:rPr>
-              <a:t>) ⇒ </a:t>
-            </a:r>
-            <a:r>
-              <a:rPr b="1" lang="ru">
-                <a:solidFill>
-                  <a:srgbClr val="666666"/>
-                </a:solidFill>
-                <a:highlight>
-                  <a:srgbClr val="FFFFFF"/>
-                </a:highlight>
-              </a:rPr>
-              <a:t>set - other - ...</a:t>
-            </a:r>
-            <a:endParaRPr>
-              <a:solidFill>
-                <a:srgbClr val="666666"/>
-              </a:solidFill>
-              <a:highlight>
-                <a:srgbClr val="FFFFFF"/>
-              </a:highlight>
-            </a:endParaRPr>
+              <a:rPr lang="ru"/>
+              <a:t>Множество (Set) операции</a:t>
+            </a:r>
+            <a:endParaRPr/>
           </a:p>
           <a:p>
             <a:pPr indent="0" lvl="0" marL="0" rtl="0" algn="l">
               <a:spcBef>
-                <a:spcPts val="1100"/>
-              </a:spcBef>
-              <a:spcAft>
-                <a:spcPts val="0"/>
-              </a:spcAft>
-              <a:buClr>
-                <a:schemeClr val="dk1"/>
-              </a:buClr>
-              <a:buSzPts val="1100"/>
-              <a:buFont typeface="Arial"/>
-              <a:buNone/>
-            </a:pPr>
-            <a:r>
-              <a:rPr b="1" lang="ru">
-                <a:solidFill>
-                  <a:srgbClr val="666666"/>
-                </a:solidFill>
-                <a:highlight>
-                  <a:srgbClr val="FFFFFF"/>
-                </a:highlight>
-              </a:rPr>
-              <a:t>set ^ other - </a:t>
-            </a:r>
-            <a:r>
-              <a:rPr lang="ru">
-                <a:solidFill>
-                  <a:srgbClr val="666666"/>
-                </a:solidFill>
-                <a:highlight>
-                  <a:srgbClr val="FFFFFF"/>
-                </a:highlight>
-              </a:rPr>
-              <a:t>Вернет новое множество элементов, которые содержаться только в одном из множеств, но не в обоих</a:t>
-            </a:r>
-            <a:endParaRPr>
-              <a:solidFill>
-                <a:srgbClr val="666666"/>
-              </a:solidFill>
-              <a:highlight>
-                <a:srgbClr val="FFFFFF"/>
-              </a:highlight>
-            </a:endParaRPr>
-          </a:p>
-          <a:p>
-            <a:pPr indent="0" lvl="0" marL="38100" marR="38100" rtl="0" algn="l">
-              <a:spcBef>
-                <a:spcPts val="1100"/>
-              </a:spcBef>
-              <a:spcAft>
-                <a:spcPts val="0"/>
-              </a:spcAft>
-              <a:buClr>
-                <a:schemeClr val="dk1"/>
-              </a:buClr>
-              <a:buSzPts val="1100"/>
-              <a:buFont typeface="Arial"/>
-              <a:buNone/>
-            </a:pPr>
-            <a:r>
-              <a:rPr b="1" lang="ru">
-                <a:solidFill>
-                  <a:srgbClr val="666666"/>
-                </a:solidFill>
-                <a:highlight>
-                  <a:srgbClr val="FFFFFF"/>
-                </a:highlight>
-              </a:rPr>
-              <a:t>copy</a:t>
-            </a:r>
-            <a:r>
-              <a:rPr lang="ru">
-                <a:solidFill>
-                  <a:srgbClr val="666666"/>
-                </a:solidFill>
-                <a:highlight>
-                  <a:srgbClr val="FFFFFF"/>
-                </a:highlight>
-              </a:rPr>
-              <a:t>() Верните неглубокую копию множетва.</a:t>
-            </a:r>
-            <a:endParaRPr>
-              <a:solidFill>
-                <a:srgbClr val="666666"/>
-              </a:solidFill>
-              <a:highlight>
-                <a:srgbClr val="FFFFFF"/>
-              </a:highlight>
-            </a:endParaRPr>
-          </a:p>
-          <a:p>
-            <a:pPr indent="0" lvl="0" marL="0" rtl="0" algn="l">
-              <a:spcBef>
-                <a:spcPts val="1100"/>
-              </a:spcBef>
-              <a:spcAft>
-                <a:spcPts val="1600"/>
+                <a:spcPts val="0"/>
+              </a:spcBef>
+              <a:spcAft>
+                <a:spcPts val="0"/>
               </a:spcAft>
               <a:buNone/>
             </a:pPr>
             <a:r>
               <a:t/>
             </a:r>
-            <a:endParaRPr>
-              <a:solidFill>
-                <a:srgbClr val="666666"/>
-              </a:solidFill>
-            </a:endParaRPr>
+            <a:endParaRPr/>
           </a:p>
         </p:txBody>
       </p:sp>
+      <p:pic>
+        <p:nvPicPr>
+          <p:cNvPr id="237" name="Google Shape;237;p43"/>
+          <p:cNvPicPr preferRelativeResize="0"/>
+          <p:nvPr/>
+        </p:nvPicPr>
+        <p:blipFill>
+          <a:blip r:embed="rId3">
+            <a:alphaModFix/>
+          </a:blip>
+          <a:stretch>
+            <a:fillRect/>
+          </a:stretch>
+        </p:blipFill>
+        <p:spPr>
+          <a:xfrm>
+            <a:off x="2434125" y="1238475"/>
+            <a:ext cx="4035054" cy="3820976"/>
+          </a:xfrm>
+          <a:prstGeom prst="rect">
+            <a:avLst/>
+          </a:prstGeom>
+          <a:noFill/>
+          <a:ln>
+            <a:noFill/>
+          </a:ln>
+        </p:spPr>
+      </p:pic>
     </p:spTree>
   </p:cSld>
   <p:clrMapOvr>
@@ -13822,64 +13742,123 @@
               <a:spcAft>
                 <a:spcPts val="0"/>
               </a:spcAft>
-              <a:buClr>
-                <a:schemeClr val="dk1"/>
-              </a:buClr>
-              <a:buSzPts val="1100"/>
-              <a:buFont typeface="Arial"/>
               <a:buNone/>
             </a:pPr>
             <a:r>
               <a:rPr lang="ru"/>
-              <a:t>Множество (Set) операции</a:t>
+              <a:t>Определение</a:t>
             </a:r>
             <a:endParaRPr/>
           </a:p>
-          <a:p>
-            <a:pPr indent="0" lvl="0" marL="0" rtl="0" algn="l">
-              <a:spcBef>
-                <a:spcPts val="0"/>
-              </a:spcBef>
-              <a:spcAft>
-                <a:spcPts val="0"/>
-              </a:spcAft>
-              <a:buNone/>
-            </a:pPr>
-            <a:r>
-              <a:t/>
-            </a:r>
-            <a:endParaRPr/>
-          </a:p>
         </p:txBody>
       </p:sp>
-      <p:pic>
-        <p:nvPicPr>
+      <p:sp>
+        <p:nvSpPr>
           <p:cNvPr id="243" name="Google Shape;243;p44"/>
-          <p:cNvPicPr preferRelativeResize="0"/>
-          <p:nvPr/>
-        </p:nvPicPr>
-        <p:blipFill>
-          <a:blip r:embed="rId3">
-            <a:alphaModFix/>
-          </a:blip>
-          <a:stretch>
-            <a:fillRect/>
-          </a:stretch>
-        </p:blipFill>
-        <p:spPr>
-          <a:xfrm>
-            <a:off x="2434125" y="1238475"/>
-            <a:ext cx="4035054" cy="3820976"/>
+          <p:cNvSpPr txBox="1"/>
+          <p:nvPr>
+            <p:ph idx="1" type="body"/>
+          </p:nvPr>
+        </p:nvSpPr>
+        <p:spPr>
+          <a:xfrm>
+            <a:off x="311700" y="1152475"/>
+            <a:ext cx="8520600" cy="3416400"/>
           </a:xfrm>
           <a:prstGeom prst="rect">
             <a:avLst/>
           </a:prstGeom>
-          <a:noFill/>
-          <a:ln>
-            <a:noFill/>
-          </a:ln>
-        </p:spPr>
-      </p:pic>
+        </p:spPr>
+        <p:txBody>
+          <a:bodyPr anchorCtr="0" anchor="t" bIns="91425" lIns="91425" spcFirstLastPara="1" rIns="91425" wrap="square" tIns="91425">
+            <a:noAutofit/>
+          </a:bodyPr>
+          <a:lstStyle/>
+          <a:p>
+            <a:pPr indent="0" lvl="0" marL="0" rtl="0" algn="l">
+              <a:spcBef>
+                <a:spcPts val="0"/>
+              </a:spcBef>
+              <a:spcAft>
+                <a:spcPts val="0"/>
+              </a:spcAft>
+              <a:buNone/>
+            </a:pPr>
+            <a:r>
+              <a:rPr lang="ru" sz="1650">
+                <a:solidFill>
+                  <a:schemeClr val="dk1"/>
+                </a:solidFill>
+                <a:highlight>
+                  <a:srgbClr val="FFFFFF"/>
+                </a:highlight>
+              </a:rPr>
+              <a:t>Generator functions allow you to declare a function that behaves like an iterator, i.e. it can be used in a for loop (</a:t>
+            </a:r>
+            <a:r>
+              <a:rPr lang="ru" sz="1650" u="sng">
+                <a:solidFill>
+                  <a:schemeClr val="hlink"/>
+                </a:solidFill>
+                <a:highlight>
+                  <a:srgbClr val="FFFFFF"/>
+                </a:highlight>
+                <a:hlinkClick r:id="rId3"/>
+              </a:rPr>
+              <a:t>https://wiki.python.org/moin/Generators</a:t>
+            </a:r>
+            <a:r>
+              <a:rPr lang="ru" sz="1650">
+                <a:solidFill>
+                  <a:schemeClr val="dk1"/>
+                </a:solidFill>
+                <a:highlight>
+                  <a:srgbClr val="FFFFFF"/>
+                </a:highlight>
+              </a:rPr>
+              <a:t>). </a:t>
+            </a:r>
+            <a:endParaRPr sz="1650">
+              <a:solidFill>
+                <a:schemeClr val="dk1"/>
+              </a:solidFill>
+              <a:highlight>
+                <a:srgbClr val="FFFFFF"/>
+              </a:highlight>
+            </a:endParaRPr>
+          </a:p>
+          <a:p>
+            <a:pPr indent="0" lvl="0" marL="0" rtl="0" algn="l">
+              <a:spcBef>
+                <a:spcPts val="1600"/>
+              </a:spcBef>
+              <a:spcAft>
+                <a:spcPts val="1600"/>
+              </a:spcAft>
+              <a:buNone/>
+            </a:pPr>
+            <a:r>
+              <a:rPr lang="ru" sz="1650">
+                <a:solidFill>
+                  <a:schemeClr val="dk1"/>
+                </a:solidFill>
+                <a:highlight>
+                  <a:srgbClr val="FFFFFF"/>
+                </a:highlight>
+              </a:rPr>
+              <a:t>При создании генератора нет необходимости выделять такое количество памяти, которое необходимо для хранения всего массива данных.</a:t>
+            </a:r>
+            <a:endParaRPr sz="1650">
+              <a:solidFill>
+                <a:schemeClr val="dk1"/>
+              </a:solidFill>
+              <a:highlight>
+                <a:srgbClr val="FFFFFF"/>
+              </a:highlight>
+            </a:endParaRPr>
+          </a:p>
+        </p:txBody>
+      </p:sp>
     </p:spTree>
   </p:cSld>
   <p:clrMapOvr>
@@ -13939,119 +13918,40 @@
             </a:pPr>
             <a:r>
               <a:rPr lang="ru"/>
-              <a:t>Определение</a:t>
+              <a:t>Создание</a:t>
             </a:r>
             <a:endParaRPr/>
           </a:p>
         </p:txBody>
       </p:sp>
-      <p:sp>
-        <p:nvSpPr>
+      <p:pic>
+        <p:nvPicPr>
           <p:cNvPr id="249" name="Google Shape;249;p45"/>
-          <p:cNvSpPr txBox="1"/>
-          <p:nvPr>
-            <p:ph idx="1" type="body"/>
-          </p:nvPr>
-        </p:nvSpPr>
-        <p:spPr>
-          <a:xfrm>
-            <a:off x="311700" y="1152475"/>
-            <a:ext cx="8520600" cy="3416400"/>
+          <p:cNvPicPr preferRelativeResize="0"/>
+          <p:nvPr/>
+        </p:nvPicPr>
+        <p:blipFill>
+          <a:blip r:embed="rId3">
+            <a:alphaModFix/>
+          </a:blip>
+          <a:stretch>
+            <a:fillRect/>
+          </a:stretch>
+        </p:blipFill>
+        <p:spPr>
+          <a:xfrm>
+            <a:off x="2852298" y="1084425"/>
+            <a:ext cx="3381199" cy="3912450"/>
           </a:xfrm>
           <a:prstGeom prst="rect">
             <a:avLst/>
           </a:prstGeom>
-        </p:spPr>
-        <p:txBody>
-          <a:bodyPr anchorCtr="0" anchor="t" bIns="91425" lIns="91425" spcFirstLastPara="1" rIns="91425" wrap="square" tIns="91425">
-            <a:noAutofit/>
-          </a:bodyPr>
-          <a:lstStyle/>
-          <a:p>
-            <a:pPr indent="0" lvl="0" marL="0" rtl="0" algn="l">
-              <a:spcBef>
-                <a:spcPts val="0"/>
-              </a:spcBef>
-              <a:spcAft>
-                <a:spcPts val="0"/>
-              </a:spcAft>
-              <a:buNone/>
-            </a:pPr>
-            <a:r>
-              <a:rPr lang="ru" sz="1650">
-                <a:solidFill>
-                  <a:schemeClr val="dk1"/>
-                </a:solidFill>
-                <a:highlight>
-                  <a:srgbClr val="FFFFFF"/>
-                </a:highlight>
-              </a:rPr>
-              <a:t>Generator functions allow you to declare a function that behaves like an iterator, i.e. it can be used in a for loop (</a:t>
-            </a:r>
-            <a:r>
-              <a:rPr lang="ru" sz="1650" u="sng">
-                <a:solidFill>
-                  <a:schemeClr val="hlink"/>
-                </a:solidFill>
-                <a:highlight>
-                  <a:srgbClr val="FFFFFF"/>
-                </a:highlight>
-                <a:hlinkClick r:id="rId3"/>
-              </a:rPr>
-              <a:t>https://wiki.python.org/moin/Generators</a:t>
-            </a:r>
-            <a:r>
-              <a:rPr lang="ru" sz="1650">
-                <a:solidFill>
-                  <a:schemeClr val="dk1"/>
-                </a:solidFill>
-                <a:highlight>
-                  <a:srgbClr val="FFFFFF"/>
-                </a:highlight>
-              </a:rPr>
-              <a:t>). </a:t>
-            </a:r>
-            <a:endParaRPr sz="1650">
-              <a:solidFill>
-                <a:schemeClr val="dk1"/>
-              </a:solidFill>
-              <a:highlight>
-                <a:srgbClr val="FFFFFF"/>
-              </a:highlight>
-            </a:endParaRPr>
-          </a:p>
-          <a:p>
-            <a:pPr indent="0" lvl="0" marL="0" rtl="0" algn="l">
-              <a:spcBef>
-                <a:spcPts val="1600"/>
-              </a:spcBef>
-              <a:spcAft>
-                <a:spcPts val="1600"/>
-              </a:spcAft>
-              <a:buNone/>
-            </a:pPr>
-            <a:r>
-              <a:rPr lang="ru" sz="1650">
-                <a:solidFill>
-                  <a:schemeClr val="dk1"/>
-                </a:solidFill>
-                <a:highlight>
-                  <a:srgbClr val="FFFFFF"/>
-                </a:highlight>
-              </a:rPr>
-              <a:t>При создании генератора нет необходимости выделять такое количество памяти, которое необходимо для хранения всего массива данных.</a:t>
-            </a:r>
-            <a:endParaRPr sz="1650">
-              <a:solidFill>
-                <a:schemeClr val="dk1"/>
-              </a:solidFill>
-              <a:highlight>
-                <a:srgbClr val="FFFFFF"/>
-              </a:highlight>
-            </a:endParaRPr>
-          </a:p>
-        </p:txBody>
-      </p:sp>
+          <a:noFill/>
+          <a:ln>
+            <a:noFill/>
+          </a:ln>
+        </p:spPr>
+      </p:pic>
     </p:spTree>
   </p:cSld>
   <p:clrMapOvr>
@@ -14107,6 +14007,11 @@
               <a:spcAft>
                 <a:spcPts val="0"/>
               </a:spcAft>
+              <a:buClr>
+                <a:schemeClr val="dk1"/>
+              </a:buClr>
+              <a:buSzPts val="1100"/>
+              <a:buFont typeface="Arial"/>
               <a:buNone/>
             </a:pPr>
             <a:r>
@@ -14133,8 +14038,8 @@
         </p:blipFill>
         <p:spPr>
           <a:xfrm>
-            <a:off x="2852298" y="1084425"/>
-            <a:ext cx="3381199" cy="3912450"/>
+            <a:off x="2587000" y="1131650"/>
+            <a:ext cx="3857625" cy="3419475"/>
           </a:xfrm>
           <a:prstGeom prst="rect">
             <a:avLst/>
@@ -14231,8 +14136,8 @@
         </p:blipFill>
         <p:spPr>
           <a:xfrm>
-            <a:off x="2587000" y="1131650"/>
-            <a:ext cx="3857625" cy="3419475"/>
+            <a:off x="2419425" y="956238"/>
+            <a:ext cx="4038600" cy="3800475"/>
           </a:xfrm>
           <a:prstGeom prst="rect">
             <a:avLst/>
@@ -14298,16 +14203,11 @@
               <a:spcAft>
                 <a:spcPts val="0"/>
               </a:spcAft>
-              <a:buClr>
-                <a:schemeClr val="dk1"/>
-              </a:buClr>
-              <a:buSzPts val="1100"/>
-              <a:buFont typeface="Arial"/>
               <a:buNone/>
             </a:pPr>
             <a:r>
               <a:rPr lang="ru"/>
-              <a:t>Создание</a:t>
+              <a:t>Ключевое слово yield</a:t>
             </a:r>
             <a:endParaRPr/>
           </a:p>
@@ -14329,8 +14229,8 @@
         </p:blipFill>
         <p:spPr>
           <a:xfrm>
-            <a:off x="2419425" y="956238"/>
-            <a:ext cx="4038600" cy="3800475"/>
+            <a:off x="2181925" y="1588150"/>
+            <a:ext cx="4124325" cy="3124200"/>
           </a:xfrm>
           <a:prstGeom prst="rect">
             <a:avLst/>
@@ -14422,8 +14322,8 @@
         </p:blipFill>
         <p:spPr>
           <a:xfrm>
-            <a:off x="2181925" y="1588150"/>
-            <a:ext cx="4124325" cy="3124200"/>
+            <a:off x="1721500" y="1127725"/>
+            <a:ext cx="4396624" cy="3820975"/>
           </a:xfrm>
           <a:prstGeom prst="rect">
             <a:avLst/>
@@ -14489,11 +14389,31 @@
               <a:spcAft>
                 <a:spcPts val="0"/>
               </a:spcAft>
+              <a:buClr>
+                <a:schemeClr val="dk1"/>
+              </a:buClr>
+              <a:buSzPts val="1100"/>
+              <a:buFont typeface="Arial"/>
               <a:buNone/>
             </a:pPr>
             <a:r>
               <a:rPr lang="ru"/>
               <a:t>Ключевое слово yield</a:t>
+            </a:r>
+            <a:endParaRPr/>
+          </a:p>
+          <a:p>
+            <a:pPr indent="0" lvl="0" marL="0" rtl="0" algn="l">
+              <a:spcBef>
+                <a:spcPts val="0"/>
+              </a:spcBef>
+              <a:spcAft>
+                <a:spcPts val="0"/>
+              </a:spcAft>
+              <a:buNone/>
+            </a:pPr>
+            <a:r>
+              <a:t/>
             </a:r>
             <a:endParaRPr/>
           </a:p>
@@ -14515,8 +14435,8 @@
         </p:blipFill>
         <p:spPr>
           <a:xfrm>
-            <a:off x="1721500" y="1127725"/>
-            <a:ext cx="4396624" cy="3820975"/>
+            <a:off x="2393975" y="988375"/>
+            <a:ext cx="4072745" cy="3820975"/>
           </a:xfrm>
           <a:prstGeom prst="rect">
             <a:avLst/>
@@ -14582,19 +14502,51 @@
               <a:spcAft>
                 <a:spcPts val="0"/>
               </a:spcAft>
-              <a:buClr>
-                <a:schemeClr val="dk1"/>
-              </a:buClr>
-              <a:buSzPts val="1100"/>
-              <a:buFont typeface="Arial"/>
               <a:buNone/>
             </a:pPr>
             <a:r>
               <a:rPr lang="ru"/>
-              <a:t>Ключевое слово yield</a:t>
+              <a:t>Практическая Часть</a:t>
             </a:r>
             <a:endParaRPr/>
           </a:p>
+        </p:txBody>
+      </p:sp>
+      <p:sp>
+        <p:nvSpPr>
+          <p:cNvPr id="285" name="Google Shape;285;p51"/>
+          <p:cNvSpPr/>
+          <p:nvPr/>
+        </p:nvSpPr>
+        <p:spPr>
+          <a:xfrm>
+            <a:off x="3569375" y="2223100"/>
+            <a:ext cx="1815900" cy="2464800"/>
+          </a:xfrm>
+          <a:prstGeom prst="downArrow">
+            <a:avLst>
+              <a:gd fmla="val 50000" name="adj1"/>
+              <a:gd fmla="val 50000" name="adj2"/>
+            </a:avLst>
+          </a:prstGeom>
+          <a:solidFill>
+            <a:schemeClr val="lt2"/>
+          </a:solidFill>
+          <a:ln cap="flat" cmpd="sng" w="9525">
+            <a:solidFill>
+              <a:schemeClr val="dk2"/>
+            </a:solidFill>
+            <a:prstDash val="solid"/>
+            <a:round/>
+            <a:headEnd len="sm" w="sm" type="none"/>
+            <a:tailEnd len="sm" w="sm" type="none"/>
+          </a:ln>
+        </p:spPr>
+        <p:txBody>
+          <a:bodyPr anchorCtr="0" anchor="ctr" bIns="91425" lIns="91425" spcFirstLastPara="1" rIns="91425" wrap="square" tIns="91425">
+            <a:noAutofit/>
+          </a:bodyPr>
+          <a:lstStyle/>
           <a:p>
             <a:pPr indent="0" lvl="0" marL="0" rtl="0" algn="l">
               <a:spcBef>
@@ -14612,34 +14564,6 @@
           </a:p>
         </p:txBody>
       </p:sp>
-      <p:pic>
-        <p:nvPicPr>
-          <p:cNvPr id="285" name="Google Shape;285;p51"/>
-          <p:cNvPicPr preferRelativeResize="0"/>
-          <p:nvPr/>
-        </p:nvPicPr>
-        <p:blipFill>
-          <a:blip r:embed="rId3">
-            <a:alphaModFix/>
-          </a:blip>
-          <a:stretch>
-            <a:fillRect/>
-          </a:stretch>
-        </p:blipFill>
-        <p:spPr>
-          <a:xfrm>
-            <a:off x="2393975" y="988375"/>
-            <a:ext cx="4072745" cy="3820975"/>
-          </a:xfrm>
-          <a:prstGeom prst="rect">
-            <a:avLst/>
-          </a:prstGeom>
-          <a:noFill/>
-          <a:ln>
-            <a:noFill/>
-          </a:ln>
-        </p:spPr>
-      </p:pic>
     </p:spTree>
   </p:cSld>
   <p:clrMapOvr>
@@ -15008,13 +14932,13 @@
           <p:cNvPr id="290" name="Google Shape;290;p52"/>
           <p:cNvSpPr txBox="1"/>
           <p:nvPr>
-            <p:ph type="title"/>
-          </p:nvPr>
-        </p:nvSpPr>
-        <p:spPr>
-          <a:xfrm>
-            <a:off x="311700" y="445025"/>
-            <a:ext cx="8520600" cy="572700"/>
+            <p:ph idx="1" type="body"/>
+          </p:nvPr>
+        </p:nvSpPr>
+        <p:spPr>
+          <a:xfrm>
+            <a:off x="311700" y="462050"/>
+            <a:ext cx="8520600" cy="3416400"/>
           </a:xfrm>
           <a:prstGeom prst="rect">
             <a:avLst/>
@@ -15026,72 +14950,404 @@
           </a:bodyPr>
           <a:lstStyle/>
           <a:p>
+            <a:pPr indent="-317500" lvl="0" marL="457200" rtl="0" algn="l">
+              <a:spcBef>
+                <a:spcPts val="0"/>
+              </a:spcBef>
+              <a:spcAft>
+                <a:spcPts val="0"/>
+              </a:spcAft>
+              <a:buClr>
+                <a:srgbClr val="24292F"/>
+              </a:buClr>
+              <a:buSzPts val="1400"/>
+              <a:buAutoNum type="arabicPeriod"/>
+            </a:pPr>
+            <a:r>
+              <a:rPr lang="ru" sz="1400">
+                <a:solidFill>
+                  <a:srgbClr val="24292F"/>
+                </a:solidFill>
+                <a:highlight>
+                  <a:srgbClr val="FFFFFF"/>
+                </a:highlight>
+              </a:rPr>
+              <a:t>Постройте список с повторяющимися значениями и создайте из него множество</a:t>
+            </a:r>
+            <a:endParaRPr sz="1400">
+              <a:solidFill>
+                <a:srgbClr val="24292F"/>
+              </a:solidFill>
+              <a:highlight>
+                <a:srgbClr val="FFFFFF"/>
+              </a:highlight>
+            </a:endParaRPr>
+          </a:p>
+          <a:p>
+            <a:pPr indent="-317500" lvl="0" marL="457200" rtl="0" algn="l">
+              <a:spcBef>
+                <a:spcPts val="0"/>
+              </a:spcBef>
+              <a:spcAft>
+                <a:spcPts val="0"/>
+              </a:spcAft>
+              <a:buClr>
+                <a:srgbClr val="24292F"/>
+              </a:buClr>
+              <a:buSzPts val="1400"/>
+              <a:buAutoNum type="arabicPeriod"/>
+            </a:pPr>
+            <a:r>
+              <a:rPr lang="ru" sz="1400">
+                <a:solidFill>
+                  <a:srgbClr val="24292F"/>
+                </a:solidFill>
+                <a:highlight>
+                  <a:srgbClr val="FFFFFF"/>
+                </a:highlight>
+              </a:rPr>
+              <a:t>Определите основные теоретико </a:t>
+            </a:r>
+            <a:r>
+              <a:rPr lang="ru" sz="1400">
+                <a:solidFill>
+                  <a:srgbClr val="24292F"/>
+                </a:solidFill>
+                <a:highlight>
+                  <a:srgbClr val="FFFFFF"/>
+                </a:highlight>
+              </a:rPr>
+              <a:t>множественные</a:t>
+            </a:r>
+            <a:r>
+              <a:rPr lang="ru" sz="1400">
+                <a:solidFill>
+                  <a:srgbClr val="24292F"/>
+                </a:solidFill>
+                <a:highlight>
+                  <a:srgbClr val="FFFFFF"/>
+                </a:highlight>
+              </a:rPr>
+              <a:t> операции, объединение, пересечение, разность двух множеств</a:t>
+            </a:r>
+            <a:endParaRPr sz="1400">
+              <a:solidFill>
+                <a:srgbClr val="24292F"/>
+              </a:solidFill>
+              <a:highlight>
+                <a:srgbClr val="FFFFFF"/>
+              </a:highlight>
+            </a:endParaRPr>
+          </a:p>
+          <a:p>
+            <a:pPr indent="-317500" lvl="0" marL="457200" rtl="0" algn="l">
+              <a:spcBef>
+                <a:spcPts val="0"/>
+              </a:spcBef>
+              <a:spcAft>
+                <a:spcPts val="0"/>
+              </a:spcAft>
+              <a:buClr>
+                <a:srgbClr val="24292F"/>
+              </a:buClr>
+              <a:buSzPts val="1400"/>
+              <a:buAutoNum type="arabicPeriod"/>
+            </a:pPr>
+            <a:r>
+              <a:rPr lang="ru" sz="1400">
+                <a:solidFill>
+                  <a:srgbClr val="24292F"/>
+                </a:solidFill>
+                <a:highlight>
+                  <a:srgbClr val="FFFFFF"/>
+                </a:highlight>
+              </a:rPr>
+              <a:t>Расширьте ваши функции для работы с бесконечно большим </a:t>
+            </a:r>
+            <a:r>
+              <a:rPr lang="ru" sz="1400">
+                <a:solidFill>
+                  <a:srgbClr val="24292F"/>
+                </a:solidFill>
+                <a:highlight>
+                  <a:srgbClr val="FFFFFF"/>
+                </a:highlight>
+              </a:rPr>
+              <a:t>количеством</a:t>
+            </a:r>
+            <a:r>
+              <a:rPr lang="ru" sz="1400">
+                <a:solidFill>
+                  <a:srgbClr val="24292F"/>
+                </a:solidFill>
+                <a:highlight>
+                  <a:srgbClr val="FFFFFF"/>
+                </a:highlight>
+              </a:rPr>
+              <a:t> множеств.</a:t>
+            </a:r>
+            <a:endParaRPr sz="1400">
+              <a:solidFill>
+                <a:srgbClr val="24292F"/>
+              </a:solidFill>
+              <a:highlight>
+                <a:srgbClr val="FFFFFF"/>
+              </a:highlight>
+            </a:endParaRPr>
+          </a:p>
+          <a:p>
+            <a:pPr indent="-317500" lvl="0" marL="457200" rtl="0" algn="l">
+              <a:spcBef>
+                <a:spcPts val="0"/>
+              </a:spcBef>
+              <a:spcAft>
+                <a:spcPts val="0"/>
+              </a:spcAft>
+              <a:buClr>
+                <a:srgbClr val="24292F"/>
+              </a:buClr>
+              <a:buSzPts val="1400"/>
+              <a:buAutoNum type="arabicPeriod"/>
+            </a:pPr>
+            <a:r>
+              <a:rPr lang="ru" sz="1400">
+                <a:solidFill>
+                  <a:srgbClr val="24292F"/>
+                </a:solidFill>
+                <a:highlight>
+                  <a:srgbClr val="FFFFFF"/>
+                </a:highlight>
+              </a:rPr>
+              <a:t>Как можно просто в этой строке 'rewlkdfsklgjdflkjglkdsfjgkldfsjgliiiiiiiiiierwtsj;kldfjg;lksdfjgl;ksdjfl;gj;lsdfjg;lk' - удалить все повторяющиеся </a:t>
+            </a:r>
+            <a:r>
+              <a:rPr lang="ru" sz="1400">
+                <a:solidFill>
+                  <a:srgbClr val="24292F"/>
+                </a:solidFill>
+                <a:highlight>
+                  <a:srgbClr val="FFFFFF"/>
+                </a:highlight>
+              </a:rPr>
+              <a:t>элементы</a:t>
+            </a:r>
+            <a:endParaRPr sz="1400">
+              <a:solidFill>
+                <a:srgbClr val="24292F"/>
+              </a:solidFill>
+              <a:highlight>
+                <a:srgbClr val="FFFFFF"/>
+              </a:highlight>
+            </a:endParaRPr>
+          </a:p>
+          <a:p>
+            <a:pPr indent="-317500" lvl="0" marL="457200" rtl="0" algn="l">
+              <a:spcBef>
+                <a:spcPts val="0"/>
+              </a:spcBef>
+              <a:spcAft>
+                <a:spcPts val="0"/>
+              </a:spcAft>
+              <a:buClr>
+                <a:srgbClr val="24292F"/>
+              </a:buClr>
+              <a:buSzPts val="1400"/>
+              <a:buAutoNum type="arabicPeriod"/>
+            </a:pPr>
+            <a:r>
+              <a:rPr lang="ru" sz="1400">
+                <a:solidFill>
+                  <a:srgbClr val="24292F"/>
+                </a:solidFill>
+                <a:highlight>
+                  <a:srgbClr val="FFFFFF"/>
+                </a:highlight>
+              </a:rPr>
+              <a:t>Предположим вы вводите строку, используя стандартную функцию input() посчитайте и вывидете какое </a:t>
+            </a:r>
+            <a:r>
+              <a:rPr lang="ru" sz="1400">
+                <a:solidFill>
+                  <a:srgbClr val="24292F"/>
+                </a:solidFill>
+                <a:highlight>
+                  <a:srgbClr val="FFFFFF"/>
+                </a:highlight>
+              </a:rPr>
+              <a:t>количество</a:t>
+            </a:r>
+            <a:r>
+              <a:rPr lang="ru" sz="1400">
+                <a:solidFill>
+                  <a:srgbClr val="24292F"/>
+                </a:solidFill>
+                <a:highlight>
+                  <a:srgbClr val="FFFFFF"/>
+                </a:highlight>
+              </a:rPr>
+              <a:t> разных символов в этой строке</a:t>
+            </a:r>
+            <a:endParaRPr sz="1400">
+              <a:solidFill>
+                <a:srgbClr val="24292F"/>
+              </a:solidFill>
+              <a:highlight>
+                <a:srgbClr val="FFFFFF"/>
+              </a:highlight>
+            </a:endParaRPr>
+          </a:p>
+          <a:p>
+            <a:pPr indent="-304800" lvl="0" marL="457200" rtl="0" algn="l">
+              <a:spcBef>
+                <a:spcPts val="0"/>
+              </a:spcBef>
+              <a:spcAft>
+                <a:spcPts val="0"/>
+              </a:spcAft>
+              <a:buClr>
+                <a:srgbClr val="24292F"/>
+              </a:buClr>
+              <a:buSzPts val="1200"/>
+              <a:buAutoNum type="arabicPeriod"/>
+            </a:pPr>
+            <a:r>
+              <a:rPr lang="ru" sz="1400">
+                <a:solidFill>
+                  <a:srgbClr val="24292F"/>
+                </a:solidFill>
+                <a:highlight>
+                  <a:srgbClr val="FFFFFF"/>
+                </a:highlight>
+              </a:rPr>
+              <a:t>напишите функцию </a:t>
+            </a:r>
+            <a:r>
+              <a:rPr lang="ru" sz="1200">
+                <a:solidFill>
+                  <a:srgbClr val="24292F"/>
+                </a:solidFill>
+                <a:highlight>
+                  <a:srgbClr val="FFFFFF"/>
+                </a:highlight>
+                <a:latin typeface="Consolas"/>
+                <a:ea typeface="Consolas"/>
+                <a:cs typeface="Consolas"/>
+                <a:sym typeface="Consolas"/>
+              </a:rPr>
+              <a:t>concatenate(dict1, dict2)</a:t>
+            </a:r>
+            <a:r>
+              <a:rPr lang="ru" sz="1400">
+                <a:solidFill>
+                  <a:srgbClr val="24292F"/>
+                </a:solidFill>
+                <a:highlight>
+                  <a:srgbClr val="FFFFFF"/>
+                </a:highlight>
+              </a:rPr>
+              <a:t>, которая объединяет два словаря и вовращает результат, выведете результат</a:t>
+            </a:r>
+            <a:endParaRPr sz="1400">
+              <a:solidFill>
+                <a:srgbClr val="24292F"/>
+              </a:solidFill>
+              <a:highlight>
+                <a:srgbClr val="FFFFFF"/>
+              </a:highlight>
+            </a:endParaRPr>
+          </a:p>
+          <a:p>
+            <a:pPr indent="-317500" lvl="0" marL="457200" rtl="0" algn="l">
+              <a:spcBef>
+                <a:spcPts val="0"/>
+              </a:spcBef>
+              <a:spcAft>
+                <a:spcPts val="0"/>
+              </a:spcAft>
+              <a:buClr>
+                <a:srgbClr val="24292F"/>
+              </a:buClr>
+              <a:buSzPts val="1400"/>
+              <a:buAutoNum type="arabicPeriod"/>
+            </a:pPr>
+            <a:r>
+              <a:rPr lang="ru" sz="1400">
+                <a:solidFill>
+                  <a:srgbClr val="24292F"/>
+                </a:solidFill>
+                <a:highlight>
+                  <a:srgbClr val="FFFFFF"/>
+                </a:highlight>
+              </a:rPr>
+              <a:t>Реализуйте программу </a:t>
+            </a:r>
+            <a:r>
+              <a:rPr lang="ru" sz="1400">
+                <a:solidFill>
+                  <a:srgbClr val="24292F"/>
+                </a:solidFill>
+                <a:highlight>
+                  <a:srgbClr val="FFFFFF"/>
+                </a:highlight>
+              </a:rPr>
+              <a:t>заполняющую</a:t>
+            </a:r>
+            <a:r>
+              <a:rPr lang="ru" sz="1400">
+                <a:solidFill>
+                  <a:srgbClr val="24292F"/>
+                </a:solidFill>
+                <a:highlight>
+                  <a:srgbClr val="FFFFFF"/>
+                </a:highlight>
+              </a:rPr>
+              <a:t> телефонный справочник. При этом заполнение справочника должно осуществляться из строки ввода, учтите, что у человека может быть несколько телефонов. Добавьте специализированную </a:t>
+            </a:r>
+            <a:r>
+              <a:rPr lang="ru" sz="1400">
+                <a:solidFill>
+                  <a:srgbClr val="24292F"/>
+                </a:solidFill>
+                <a:highlight>
+                  <a:srgbClr val="FFFFFF"/>
+                </a:highlight>
+              </a:rPr>
+              <a:t>команду</a:t>
+            </a:r>
+            <a:r>
+              <a:rPr lang="ru" sz="1400">
+                <a:solidFill>
+                  <a:srgbClr val="24292F"/>
+                </a:solidFill>
+                <a:highlight>
+                  <a:srgbClr val="FFFFFF"/>
+                </a:highlight>
+              </a:rPr>
+              <a:t>, с помощью которой можно выводить справочник на экран.</a:t>
+            </a:r>
+            <a:endParaRPr sz="1400">
+              <a:solidFill>
+                <a:srgbClr val="24292F"/>
+              </a:solidFill>
+              <a:highlight>
+                <a:srgbClr val="FFFFFF"/>
+              </a:highlight>
+            </a:endParaRPr>
+          </a:p>
+          <a:p>
             <a:pPr indent="0" lvl="0" marL="0" rtl="0" algn="l">
               <a:spcBef>
-                <a:spcPts val="0"/>
-              </a:spcBef>
-              <a:spcAft>
-                <a:spcPts val="0"/>
-              </a:spcAft>
-              <a:buNone/>
-            </a:pPr>
-            <a:r>
-              <a:rPr lang="ru"/>
-              <a:t>Практическая Часть</a:t>
-            </a:r>
-            <a:endParaRPr/>
-          </a:p>
-        </p:txBody>
-      </p:sp>
-      <p:sp>
-        <p:nvSpPr>
-          <p:cNvPr id="291" name="Google Shape;291;p52"/>
-          <p:cNvSpPr/>
-          <p:nvPr/>
-        </p:nvSpPr>
-        <p:spPr>
-          <a:xfrm>
-            <a:off x="3569375" y="2223100"/>
-            <a:ext cx="1815900" cy="2464800"/>
-          </a:xfrm>
-          <a:prstGeom prst="downArrow">
-            <a:avLst>
-              <a:gd fmla="val 50000" name="adj1"/>
-              <a:gd fmla="val 50000" name="adj2"/>
-            </a:avLst>
-          </a:prstGeom>
-          <a:solidFill>
-            <a:schemeClr val="lt2"/>
-          </a:solidFill>
-          <a:ln cap="flat" cmpd="sng" w="9525">
-            <a:solidFill>
-              <a:schemeClr val="dk2"/>
-            </a:solidFill>
-            <a:prstDash val="solid"/>
-            <a:round/>
-            <a:headEnd len="sm" w="sm" type="none"/>
-            <a:tailEnd len="sm" w="sm" type="none"/>
-          </a:ln>
-        </p:spPr>
-        <p:txBody>
-          <a:bodyPr anchorCtr="0" anchor="ctr" bIns="91425" lIns="91425" spcFirstLastPara="1" rIns="91425" wrap="square" tIns="91425">
-            <a:noAutofit/>
-          </a:bodyPr>
-          <a:lstStyle/>
-          <a:p>
-            <a:pPr indent="0" lvl="0" marL="0" rtl="0" algn="l">
-              <a:spcBef>
-                <a:spcPts val="0"/>
-              </a:spcBef>
-              <a:spcAft>
-                <a:spcPts val="0"/>
+                <a:spcPts val="1200"/>
+              </a:spcBef>
+              <a:spcAft>
+                <a:spcPts val="1600"/>
               </a:spcAft>
               <a:buNone/>
             </a:pPr>
             <a:r>
               <a:t/>
             </a:r>
-            <a:endParaRPr/>
+            <a:endParaRPr sz="2000"/>
           </a:p>
         </p:txBody>
       </p:sp>
@@ -15108,7 +15364,7 @@
   <p:cSld>
     <p:spTree>
       <p:nvGrpSpPr>
-        <p:cNvPr id="295" name="Shape 295"/>
+        <p:cNvPr id="294" name="Shape 294"/>
         <p:cNvGrpSpPr/>
         <p:nvPr/>
       </p:nvGrpSpPr>
@@ -15122,456 +15378,7 @@
       </p:grpSpPr>
       <p:sp>
         <p:nvSpPr>
-          <p:cNvPr id="296" name="Google Shape;296;p53"/>
-          <p:cNvSpPr txBox="1"/>
-          <p:nvPr>
-            <p:ph idx="1" type="body"/>
-          </p:nvPr>
-        </p:nvSpPr>
-        <p:spPr>
-          <a:xfrm>
-            <a:off x="311700" y="462050"/>
-            <a:ext cx="8520600" cy="3416400"/>
-          </a:xfrm>
-          <a:prstGeom prst="rect">
-            <a:avLst/>
-          </a:prstGeom>
-        </p:spPr>
-        <p:txBody>
-          <a:bodyPr anchorCtr="0" anchor="t" bIns="91425" lIns="91425" spcFirstLastPara="1" rIns="91425" wrap="square" tIns="91425">
-            <a:noAutofit/>
-          </a:bodyPr>
-          <a:lstStyle/>
-          <a:p>
-            <a:pPr indent="-317500" lvl="0" marL="457200" rtl="0" algn="l">
-              <a:spcBef>
-                <a:spcPts val="0"/>
-              </a:spcBef>
-              <a:spcAft>
-                <a:spcPts val="0"/>
-              </a:spcAft>
-              <a:buClr>
-                <a:srgbClr val="24292F"/>
-              </a:buClr>
-              <a:buSzPts val="1400"/>
-              <a:buAutoNum type="arabicPeriod"/>
-            </a:pPr>
-            <a:r>
-              <a:rPr lang="ru" sz="1400">
-                <a:solidFill>
-                  <a:srgbClr val="24292F"/>
-                </a:solidFill>
-                <a:highlight>
-                  <a:srgbClr val="FFFFFF"/>
-                </a:highlight>
-              </a:rPr>
-              <a:t>Постройте список с повторяющимися значениями и создайте из него множество</a:t>
-            </a:r>
-            <a:endParaRPr sz="1400">
-              <a:solidFill>
-                <a:srgbClr val="24292F"/>
-              </a:solidFill>
-              <a:highlight>
-                <a:srgbClr val="FFFFFF"/>
-              </a:highlight>
-            </a:endParaRPr>
-          </a:p>
-          <a:p>
-            <a:pPr indent="-317500" lvl="0" marL="457200" rtl="0" algn="l">
-              <a:spcBef>
-                <a:spcPts val="0"/>
-              </a:spcBef>
-              <a:spcAft>
-                <a:spcPts val="0"/>
-              </a:spcAft>
-              <a:buClr>
-                <a:srgbClr val="24292F"/>
-              </a:buClr>
-              <a:buSzPts val="1400"/>
-              <a:buAutoNum type="arabicPeriod"/>
-            </a:pPr>
-            <a:r>
-              <a:rPr lang="ru" sz="1400">
-                <a:solidFill>
-                  <a:srgbClr val="24292F"/>
-                </a:solidFill>
-                <a:highlight>
-                  <a:srgbClr val="FFFFFF"/>
-                </a:highlight>
-              </a:rPr>
-              <a:t>Определите основные теоретико </a:t>
-            </a:r>
-            <a:r>
-              <a:rPr lang="ru" sz="1400">
-                <a:solidFill>
-                  <a:srgbClr val="24292F"/>
-                </a:solidFill>
-                <a:highlight>
-                  <a:srgbClr val="FFFFFF"/>
-                </a:highlight>
-              </a:rPr>
-              <a:t>множественные</a:t>
-            </a:r>
-            <a:r>
-              <a:rPr lang="ru" sz="1400">
-                <a:solidFill>
-                  <a:srgbClr val="24292F"/>
-                </a:solidFill>
-                <a:highlight>
-                  <a:srgbClr val="FFFFFF"/>
-                </a:highlight>
-              </a:rPr>
-              <a:t> операции, объединение, пересечение, разность двух множеств</a:t>
-            </a:r>
-            <a:endParaRPr sz="1400">
-              <a:solidFill>
-                <a:srgbClr val="24292F"/>
-              </a:solidFill>
-              <a:highlight>
-                <a:srgbClr val="FFFFFF"/>
-              </a:highlight>
-            </a:endParaRPr>
-          </a:p>
-          <a:p>
-            <a:pPr indent="-317500" lvl="0" marL="457200" rtl="0" algn="l">
-              <a:spcBef>
-                <a:spcPts val="0"/>
-              </a:spcBef>
-              <a:spcAft>
-                <a:spcPts val="0"/>
-              </a:spcAft>
-              <a:buClr>
-                <a:srgbClr val="24292F"/>
-              </a:buClr>
-              <a:buSzPts val="1400"/>
-              <a:buAutoNum type="arabicPeriod"/>
-            </a:pPr>
-            <a:r>
-              <a:rPr lang="ru" sz="1400">
-                <a:solidFill>
-                  <a:srgbClr val="24292F"/>
-                </a:solidFill>
-                <a:highlight>
-                  <a:srgbClr val="FFFFFF"/>
-                </a:highlight>
-              </a:rPr>
-              <a:t>Расширьте ваши функции для работы с бесконечно большим </a:t>
-            </a:r>
-            <a:r>
-              <a:rPr lang="ru" sz="1400">
-                <a:solidFill>
-                  <a:srgbClr val="24292F"/>
-                </a:solidFill>
-                <a:highlight>
-                  <a:srgbClr val="FFFFFF"/>
-                </a:highlight>
-              </a:rPr>
-              <a:t>количеством</a:t>
-            </a:r>
-            <a:r>
-              <a:rPr lang="ru" sz="1400">
-                <a:solidFill>
-                  <a:srgbClr val="24292F"/>
-                </a:solidFill>
-                <a:highlight>
-                  <a:srgbClr val="FFFFFF"/>
-                </a:highlight>
-              </a:rPr>
-              <a:t> множеств.</a:t>
-            </a:r>
-            <a:endParaRPr sz="1400">
-              <a:solidFill>
-                <a:srgbClr val="24292F"/>
-              </a:solidFill>
-              <a:highlight>
-                <a:srgbClr val="FFFFFF"/>
-              </a:highlight>
-            </a:endParaRPr>
-          </a:p>
-          <a:p>
-            <a:pPr indent="-317500" lvl="0" marL="457200" rtl="0" algn="l">
-              <a:spcBef>
-                <a:spcPts val="0"/>
-              </a:spcBef>
-              <a:spcAft>
-                <a:spcPts val="0"/>
-              </a:spcAft>
-              <a:buClr>
-                <a:srgbClr val="24292F"/>
-              </a:buClr>
-              <a:buSzPts val="1400"/>
-              <a:buAutoNum type="arabicPeriod"/>
-            </a:pPr>
-            <a:r>
-              <a:rPr lang="ru" sz="1400">
-                <a:solidFill>
-                  <a:srgbClr val="24292F"/>
-                </a:solidFill>
-                <a:highlight>
-                  <a:srgbClr val="FFFFFF"/>
-                </a:highlight>
-              </a:rPr>
-              <a:t>Как можно просто в этой строке 'rewlkdfsklgjdflkjglkdsfjgkldfsjgliiiiiiiiiierwtsj;kldfjg;lksdfjgl;ksdjfl;gj;lsdfjg;lk' - удалить все повторяющиеся </a:t>
-            </a:r>
-            <a:r>
-              <a:rPr lang="ru" sz="1400">
-                <a:solidFill>
-                  <a:srgbClr val="24292F"/>
-                </a:solidFill>
-                <a:highlight>
-                  <a:srgbClr val="FFFFFF"/>
-                </a:highlight>
-              </a:rPr>
-              <a:t>элементы</a:t>
-            </a:r>
-            <a:endParaRPr sz="1400">
-              <a:solidFill>
-                <a:srgbClr val="24292F"/>
-              </a:solidFill>
-              <a:highlight>
-                <a:srgbClr val="FFFFFF"/>
-              </a:highlight>
-            </a:endParaRPr>
-          </a:p>
-          <a:p>
-            <a:pPr indent="-317500" lvl="0" marL="457200" rtl="0" algn="l">
-              <a:spcBef>
-                <a:spcPts val="0"/>
-              </a:spcBef>
-              <a:spcAft>
-                <a:spcPts val="0"/>
-              </a:spcAft>
-              <a:buClr>
-                <a:srgbClr val="24292F"/>
-              </a:buClr>
-              <a:buSzPts val="1400"/>
-              <a:buAutoNum type="arabicPeriod"/>
-            </a:pPr>
-            <a:r>
-              <a:rPr lang="ru" sz="1400">
-                <a:solidFill>
-                  <a:srgbClr val="24292F"/>
-                </a:solidFill>
-                <a:highlight>
-                  <a:srgbClr val="FFFFFF"/>
-                </a:highlight>
-              </a:rPr>
-              <a:t>Предположим вы вводите строку, используя стандартную функцию input() посчитайте и вывидете какое </a:t>
-            </a:r>
-            <a:r>
-              <a:rPr lang="ru" sz="1400">
-                <a:solidFill>
-                  <a:srgbClr val="24292F"/>
-                </a:solidFill>
-                <a:highlight>
-                  <a:srgbClr val="FFFFFF"/>
-                </a:highlight>
-              </a:rPr>
-              <a:t>количество</a:t>
-            </a:r>
-            <a:r>
-              <a:rPr lang="ru" sz="1400">
-                <a:solidFill>
-                  <a:srgbClr val="24292F"/>
-                </a:solidFill>
-                <a:highlight>
-                  <a:srgbClr val="FFFFFF"/>
-                </a:highlight>
-              </a:rPr>
-              <a:t> разных символов в этой строке</a:t>
-            </a:r>
-            <a:endParaRPr sz="1400">
-              <a:solidFill>
-                <a:srgbClr val="24292F"/>
-              </a:solidFill>
-              <a:highlight>
-                <a:srgbClr val="FFFFFF"/>
-              </a:highlight>
-            </a:endParaRPr>
-          </a:p>
-          <a:p>
-            <a:pPr indent="-304800" lvl="0" marL="457200" rtl="0" algn="l">
-              <a:spcBef>
-                <a:spcPts val="0"/>
-              </a:spcBef>
-              <a:spcAft>
-                <a:spcPts val="0"/>
-              </a:spcAft>
-              <a:buClr>
-                <a:srgbClr val="24292F"/>
-              </a:buClr>
-              <a:buSzPts val="1200"/>
-              <a:buAutoNum type="arabicPeriod"/>
-            </a:pPr>
-            <a:r>
-              <a:rPr lang="ru" sz="1400">
-                <a:solidFill>
-                  <a:srgbClr val="24292F"/>
-                </a:solidFill>
-                <a:highlight>
-                  <a:srgbClr val="FFFFFF"/>
-                </a:highlight>
-              </a:rPr>
-              <a:t>напишите функцию </a:t>
-            </a:r>
-            <a:r>
-              <a:rPr lang="ru" sz="1200">
-                <a:solidFill>
-                  <a:srgbClr val="24292F"/>
-                </a:solidFill>
-                <a:highlight>
-                  <a:srgbClr val="FFFFFF"/>
-                </a:highlight>
-                <a:latin typeface="Consolas"/>
-                <a:ea typeface="Consolas"/>
-                <a:cs typeface="Consolas"/>
-                <a:sym typeface="Consolas"/>
-              </a:rPr>
-              <a:t>concatenate(dict1, dict2)</a:t>
-            </a:r>
-            <a:r>
-              <a:rPr lang="ru" sz="1400">
-                <a:solidFill>
-                  <a:srgbClr val="24292F"/>
-                </a:solidFill>
-                <a:highlight>
-                  <a:srgbClr val="FFFFFF"/>
-                </a:highlight>
-              </a:rPr>
-              <a:t>, которая объединяет два словаря и вовращает результат, выведете результат</a:t>
-            </a:r>
-            <a:endParaRPr sz="1400">
-              <a:solidFill>
-                <a:srgbClr val="24292F"/>
-              </a:solidFill>
-              <a:highlight>
-                <a:srgbClr val="FFFFFF"/>
-              </a:highlight>
-            </a:endParaRPr>
-          </a:p>
-          <a:p>
-            <a:pPr indent="-317500" lvl="0" marL="457200" rtl="0" algn="l">
-              <a:spcBef>
-                <a:spcPts val="0"/>
-              </a:spcBef>
-              <a:spcAft>
-                <a:spcPts val="0"/>
-              </a:spcAft>
-              <a:buClr>
-                <a:srgbClr val="24292F"/>
-              </a:buClr>
-              <a:buSzPts val="1400"/>
-              <a:buAutoNum type="arabicPeriod"/>
-            </a:pPr>
-            <a:r>
-              <a:rPr lang="ru" sz="1400">
-                <a:solidFill>
-                  <a:srgbClr val="24292F"/>
-                </a:solidFill>
-                <a:highlight>
-                  <a:srgbClr val="FFFFFF"/>
-                </a:highlight>
-              </a:rPr>
-              <a:t>Реализуйте программу </a:t>
-            </a:r>
-            <a:r>
-              <a:rPr lang="ru" sz="1400">
-                <a:solidFill>
-                  <a:srgbClr val="24292F"/>
-                </a:solidFill>
-                <a:highlight>
-                  <a:srgbClr val="FFFFFF"/>
-                </a:highlight>
-              </a:rPr>
-              <a:t>заполняющую</a:t>
-            </a:r>
-            <a:r>
-              <a:rPr lang="ru" sz="1400">
-                <a:solidFill>
-                  <a:srgbClr val="24292F"/>
-                </a:solidFill>
-                <a:highlight>
-                  <a:srgbClr val="FFFFFF"/>
-                </a:highlight>
-              </a:rPr>
-              <a:t> телефонный справочник. При этом заполнение справочника должно осуществляться из строки ввода, учтите, что у человека может быть несколько телефонов. Добавьте специализированную </a:t>
-            </a:r>
-            <a:r>
-              <a:rPr lang="ru" sz="1400">
-                <a:solidFill>
-                  <a:srgbClr val="24292F"/>
-                </a:solidFill>
-                <a:highlight>
-                  <a:srgbClr val="FFFFFF"/>
-                </a:highlight>
-              </a:rPr>
-              <a:t>команду</a:t>
-            </a:r>
-            <a:r>
-              <a:rPr lang="ru" sz="1400">
-                <a:solidFill>
-                  <a:srgbClr val="24292F"/>
-                </a:solidFill>
-                <a:highlight>
-                  <a:srgbClr val="FFFFFF"/>
-                </a:highlight>
-              </a:rPr>
-              <a:t>, с помощью которой можно выводить справочник на экран.</a:t>
-            </a:r>
-            <a:endParaRPr sz="1400">
-              <a:solidFill>
-                <a:srgbClr val="24292F"/>
-              </a:solidFill>
-              <a:highlight>
-                <a:srgbClr val="FFFFFF"/>
-              </a:highlight>
-            </a:endParaRPr>
-          </a:p>
-          <a:p>
-            <a:pPr indent="0" lvl="0" marL="0" rtl="0" algn="l">
-              <a:spcBef>
-                <a:spcPts val="1200"/>
-              </a:spcBef>
-              <a:spcAft>
-                <a:spcPts val="1600"/>
-              </a:spcAft>
-              <a:buNone/>
-            </a:pPr>
-            <a:r>
-              <a:t/>
-            </a:r>
-            <a:endParaRPr sz="2000"/>
-          </a:p>
-        </p:txBody>
-      </p:sp>
-    </p:spTree>
-  </p:cSld>
-  <p:clrMapOvr>
-    <a:masterClrMapping/>
-  </p:clrMapOvr>
-</p:sld>
-</file>
-
-<file path=ppt/slides/slide42.xml><?xml version="1.0" encoding="utf-8"?>
-<p:sld xmlns:a="http://schemas.openxmlformats.org/drawingml/2006/main" xmlns:r="http://schemas.openxmlformats.org/officeDocument/2006/relationships" xmlns:mc="http://schemas.openxmlformats.org/markup-compatibility/2006" xmlns:mv="urn:schemas-microsoft-com:mac:vml" xmlns:p="http://schemas.openxmlformats.org/presentationml/2006/main" xmlns:c="http://schemas.openxmlformats.org/drawingml/2006/chart" xmlns:dgm="http://schemas.openxmlformats.org/drawingml/2006/diagram" xmlns:o="urn:schemas-microsoft-com:office:office" xmlns:v="urn:schemas-microsoft-com:vml" xmlns:pvml="urn:schemas-microsoft-com:office:powerpoint" xmlns:com="http://schemas.openxmlformats.org/drawingml/2006/compatibility" xmlns:p14="http://schemas.microsoft.com/office/powerpoint/2010/main" xmlns:p15="http://schemas.microsoft.com/office/powerpoint/2012/main" xmlns:ahyp="http://schemas.microsoft.com/office/drawing/2018/hyperlinkcolor">
-  <p:cSld>
-    <p:spTree>
-      <p:nvGrpSpPr>
-        <p:cNvPr id="300" name="Shape 300"/>
-        <p:cNvGrpSpPr/>
-        <p:nvPr/>
-      </p:nvGrpSpPr>
-      <p:grpSpPr>
-        <a:xfrm>
-          <a:off x="0" y="0"/>
-          <a:ext cx="0" cy="0"/>
-          <a:chOff x="0" y="0"/>
-          <a:chExt cx="0" cy="0"/>
-        </a:xfrm>
-      </p:grpSpPr>
-      <p:sp>
-        <p:nvSpPr>
-          <p:cNvPr id="301" name="Google Shape;301;p54"/>
+          <p:cNvPr id="295" name="Google Shape;295;p53"/>
           <p:cNvSpPr txBox="1"/>
           <p:nvPr>
             <p:ph idx="1" type="body"/>
@@ -16280,45 +16087,34 @@
           </a:p>
         </p:txBody>
       </p:sp>
-      <p:sp>
-        <p:nvSpPr>
+      <p:pic>
+        <p:nvPicPr>
           <p:cNvPr id="96" name="Google Shape;96;p20"/>
-          <p:cNvSpPr txBox="1"/>
-          <p:nvPr>
-            <p:ph idx="1" type="body"/>
-          </p:nvPr>
-        </p:nvSpPr>
-        <p:spPr>
-          <a:xfrm>
-            <a:off x="311700" y="1152475"/>
-            <a:ext cx="8520600" cy="3416400"/>
+          <p:cNvPicPr preferRelativeResize="0"/>
+          <p:nvPr/>
+        </p:nvPicPr>
+        <p:blipFill>
+          <a:blip r:embed="rId3">
+            <a:alphaModFix/>
+          </a:blip>
+          <a:stretch>
+            <a:fillRect/>
+          </a:stretch>
+        </p:blipFill>
+        <p:spPr>
+          <a:xfrm>
+            <a:off x="2434125" y="1093200"/>
+            <a:ext cx="4983879" cy="3820974"/>
           </a:xfrm>
           <a:prstGeom prst="rect">
             <a:avLst/>
           </a:prstGeom>
-        </p:spPr>
-        <p:txBody>
-          <a:bodyPr anchorCtr="0" anchor="t" bIns="91425" lIns="91425" spcFirstLastPara="1" rIns="91425" wrap="square" tIns="91425">
-            <a:noAutofit/>
-          </a:bodyPr>
-          <a:lstStyle/>
-          <a:p>
-            <a:pPr indent="0" lvl="0" marL="0" rtl="0" algn="l">
-              <a:spcBef>
-                <a:spcPts val="0"/>
-              </a:spcBef>
-              <a:spcAft>
-                <a:spcPts val="1600"/>
-              </a:spcAft>
-              <a:buNone/>
-            </a:pPr>
-            <a:r>
-              <a:t/>
-            </a:r>
-            <a:endParaRPr/>
-          </a:p>
-        </p:txBody>
-      </p:sp>
+          <a:noFill/>
+          <a:ln>
+            <a:noFill/>
+          </a:ln>
+        </p:spPr>
+      </p:pic>
     </p:spTree>
   </p:cSld>
   <p:clrMapOvr>
@@ -16378,7 +16174,7 @@
             </a:pPr>
             <a:r>
               <a:rPr lang="ru"/>
-              <a:t>Hash function</a:t>
+              <a:t>Hash function (коллизия)</a:t>
             </a:r>
             <a:endParaRPr/>
           </a:p>
@@ -16400,8 +16196,8 @@
         </p:blipFill>
         <p:spPr>
           <a:xfrm>
-            <a:off x="2434125" y="1093200"/>
-            <a:ext cx="4983879" cy="3820974"/>
+            <a:off x="2263225" y="1017725"/>
+            <a:ext cx="5545178" cy="3820974"/>
           </a:xfrm>
           <a:prstGeom prst="rect">
             <a:avLst/>
